--- a/12_assets/course_review.pptx
+++ b/12_assets/course_review.pptx
@@ -143,7 +143,7 @@
   <pc:docChgLst>
     <pc:chgData name="Philippe Baucour" userId="5102170ae7533958" providerId="LiveId" clId="{92FC1C5E-2783-49B0-B630-5364916B899A}"/>
     <pc:docChg chg="undo custSel addSld delSld modSld modMainMaster">
-      <pc:chgData name="Philippe Baucour" userId="5102170ae7533958" providerId="LiveId" clId="{92FC1C5E-2783-49B0-B630-5364916B899A}" dt="2024-05-20T16:57:56.781" v="4379" actId="47"/>
+      <pc:chgData name="Philippe Baucour" userId="5102170ae7533958" providerId="LiveId" clId="{92FC1C5E-2783-49B0-B630-5364916B899A}" dt="2024-05-21T05:42:45.696" v="4501" actId="20577"/>
       <pc:docMkLst>
         <pc:docMk/>
       </pc:docMkLst>
@@ -474,7 +474,7 @@
         </pc:spChg>
       </pc:sldChg>
       <pc:sldChg chg="addSp modSp new mod modClrScheme chgLayout">
-        <pc:chgData name="Philippe Baucour" userId="5102170ae7533958" providerId="LiveId" clId="{92FC1C5E-2783-49B0-B630-5364916B899A}" dt="2024-05-20T14:41:55.235" v="2119" actId="947"/>
+        <pc:chgData name="Philippe Baucour" userId="5102170ae7533958" providerId="LiveId" clId="{92FC1C5E-2783-49B0-B630-5364916B899A}" dt="2024-05-21T05:39:39.798" v="4397" actId="27636"/>
         <pc:sldMkLst>
           <pc:docMk/>
           <pc:sldMk cId="645850396" sldId="265"/>
@@ -488,7 +488,7 @@
           </ac:spMkLst>
         </pc:spChg>
         <pc:spChg chg="add mod ord">
-          <ac:chgData name="Philippe Baucour" userId="5102170ae7533958" providerId="LiveId" clId="{92FC1C5E-2783-49B0-B630-5364916B899A}" dt="2024-05-20T14:41:55.235" v="2119" actId="947"/>
+          <ac:chgData name="Philippe Baucour" userId="5102170ae7533958" providerId="LiveId" clId="{92FC1C5E-2783-49B0-B630-5364916B899A}" dt="2024-05-21T05:39:39.798" v="4397" actId="27636"/>
           <ac:spMkLst>
             <pc:docMk/>
             <pc:sldMk cId="645850396" sldId="265"/>
@@ -1463,7 +1463,7 @@
         </pc:picChg>
       </pc:sldChg>
       <pc:sldChg chg="addSp delSp modSp add mod">
-        <pc:chgData name="Philippe Baucour" userId="5102170ae7533958" providerId="LiveId" clId="{92FC1C5E-2783-49B0-B630-5364916B899A}" dt="2024-05-20T16:14:21.579" v="3192" actId="6549"/>
+        <pc:chgData name="Philippe Baucour" userId="5102170ae7533958" providerId="LiveId" clId="{92FC1C5E-2783-49B0-B630-5364916B899A}" dt="2024-05-21T05:42:45.696" v="4501" actId="20577"/>
         <pc:sldMkLst>
           <pc:docMk/>
           <pc:sldMk cId="3820477691" sldId="276"/>
@@ -1500,8 +1500,8 @@
             <ac:spMk id="6" creationId="{7D782B64-F1FF-8FDB-B53E-C92C89CC110E}"/>
           </ac:spMkLst>
         </pc:spChg>
-        <pc:spChg chg="add mod">
-          <ac:chgData name="Philippe Baucour" userId="5102170ae7533958" providerId="LiveId" clId="{92FC1C5E-2783-49B0-B630-5364916B899A}" dt="2024-05-20T14:54:43.760" v="2246" actId="6549"/>
+        <pc:spChg chg="add del mod">
+          <ac:chgData name="Philippe Baucour" userId="5102170ae7533958" providerId="LiveId" clId="{92FC1C5E-2783-49B0-B630-5364916B899A}" dt="2024-05-21T05:40:32.647" v="4399" actId="478"/>
           <ac:spMkLst>
             <pc:docMk/>
             <pc:sldMk cId="3820477691" sldId="276"/>
@@ -1509,7 +1509,7 @@
           </ac:spMkLst>
         </pc:spChg>
         <pc:spChg chg="add mod">
-          <ac:chgData name="Philippe Baucour" userId="5102170ae7533958" providerId="LiveId" clId="{92FC1C5E-2783-49B0-B630-5364916B899A}" dt="2024-05-20T15:15:34.264" v="2598" actId="1035"/>
+          <ac:chgData name="Philippe Baucour" userId="5102170ae7533958" providerId="LiveId" clId="{92FC1C5E-2783-49B0-B630-5364916B899A}" dt="2024-05-21T05:42:25.324" v="4492" actId="1036"/>
           <ac:spMkLst>
             <pc:docMk/>
             <pc:sldMk cId="3820477691" sldId="276"/>
@@ -1517,7 +1517,7 @@
           </ac:spMkLst>
         </pc:spChg>
         <pc:spChg chg="add mod">
-          <ac:chgData name="Philippe Baucour" userId="5102170ae7533958" providerId="LiveId" clId="{92FC1C5E-2783-49B0-B630-5364916B899A}" dt="2024-05-20T15:30:16.915" v="2703" actId="1036"/>
+          <ac:chgData name="Philippe Baucour" userId="5102170ae7533958" providerId="LiveId" clId="{92FC1C5E-2783-49B0-B630-5364916B899A}" dt="2024-05-21T05:42:25.324" v="4492" actId="1036"/>
           <ac:spMkLst>
             <pc:docMk/>
             <pc:sldMk cId="3820477691" sldId="276"/>
@@ -1525,7 +1525,7 @@
           </ac:spMkLst>
         </pc:spChg>
         <pc:spChg chg="add mod">
-          <ac:chgData name="Philippe Baucour" userId="5102170ae7533958" providerId="LiveId" clId="{92FC1C5E-2783-49B0-B630-5364916B899A}" dt="2024-05-20T15:15:34.264" v="2598" actId="1035"/>
+          <ac:chgData name="Philippe Baucour" userId="5102170ae7533958" providerId="LiveId" clId="{92FC1C5E-2783-49B0-B630-5364916B899A}" dt="2024-05-21T05:42:25.324" v="4492" actId="1036"/>
           <ac:spMkLst>
             <pc:docMk/>
             <pc:sldMk cId="3820477691" sldId="276"/>
@@ -1533,7 +1533,7 @@
           </ac:spMkLst>
         </pc:spChg>
         <pc:spChg chg="add mod">
-          <ac:chgData name="Philippe Baucour" userId="5102170ae7533958" providerId="LiveId" clId="{92FC1C5E-2783-49B0-B630-5364916B899A}" dt="2024-05-20T15:15:34.264" v="2598" actId="1035"/>
+          <ac:chgData name="Philippe Baucour" userId="5102170ae7533958" providerId="LiveId" clId="{92FC1C5E-2783-49B0-B630-5364916B899A}" dt="2024-05-21T05:42:25.324" v="4492" actId="1036"/>
           <ac:spMkLst>
             <pc:docMk/>
             <pc:sldMk cId="3820477691" sldId="276"/>
@@ -1541,7 +1541,7 @@
           </ac:spMkLst>
         </pc:spChg>
         <pc:spChg chg="add mod">
-          <ac:chgData name="Philippe Baucour" userId="5102170ae7533958" providerId="LiveId" clId="{92FC1C5E-2783-49B0-B630-5364916B899A}" dt="2024-05-20T15:17:18.541" v="2618" actId="1076"/>
+          <ac:chgData name="Philippe Baucour" userId="5102170ae7533958" providerId="LiveId" clId="{92FC1C5E-2783-49B0-B630-5364916B899A}" dt="2024-05-21T05:42:25.324" v="4492" actId="1036"/>
           <ac:spMkLst>
             <pc:docMk/>
             <pc:sldMk cId="3820477691" sldId="276"/>
@@ -1557,7 +1557,7 @@
           </ac:spMkLst>
         </pc:spChg>
         <pc:spChg chg="add mod">
-          <ac:chgData name="Philippe Baucour" userId="5102170ae7533958" providerId="LiveId" clId="{92FC1C5E-2783-49B0-B630-5364916B899A}" dt="2024-05-20T15:21:43.351" v="2648" actId="6549"/>
+          <ac:chgData name="Philippe Baucour" userId="5102170ae7533958" providerId="LiveId" clId="{92FC1C5E-2783-49B0-B630-5364916B899A}" dt="2024-05-21T05:41:05.781" v="4411" actId="1036"/>
           <ac:spMkLst>
             <pc:docMk/>
             <pc:sldMk cId="3820477691" sldId="276"/>
@@ -1645,7 +1645,7 @@
           </ac:spMkLst>
         </pc:spChg>
         <pc:spChg chg="add mod">
-          <ac:chgData name="Philippe Baucour" userId="5102170ae7533958" providerId="LiveId" clId="{92FC1C5E-2783-49B0-B630-5364916B899A}" dt="2024-05-20T16:11:57.279" v="3180" actId="33524"/>
+          <ac:chgData name="Philippe Baucour" userId="5102170ae7533958" providerId="LiveId" clId="{92FC1C5E-2783-49B0-B630-5364916B899A}" dt="2024-05-21T05:42:45.696" v="4501" actId="20577"/>
           <ac:spMkLst>
             <pc:docMk/>
             <pc:sldMk cId="3820477691" sldId="276"/>
@@ -1661,7 +1661,7 @@
           </ac:spMkLst>
         </pc:spChg>
         <pc:spChg chg="add mod">
-          <ac:chgData name="Philippe Baucour" userId="5102170ae7533958" providerId="LiveId" clId="{92FC1C5E-2783-49B0-B630-5364916B899A}" dt="2024-05-20T16:14:21.579" v="3192" actId="6549"/>
+          <ac:chgData name="Philippe Baucour" userId="5102170ae7533958" providerId="LiveId" clId="{92FC1C5E-2783-49B0-B630-5364916B899A}" dt="2024-05-21T05:41:16.895" v="4440" actId="1035"/>
           <ac:spMkLst>
             <pc:docMk/>
             <pc:sldMk cId="3820477691" sldId="276"/>
@@ -1669,7 +1669,7 @@
           </ac:spMkLst>
         </pc:spChg>
         <pc:picChg chg="add mod">
-          <ac:chgData name="Philippe Baucour" userId="5102170ae7533958" providerId="LiveId" clId="{92FC1C5E-2783-49B0-B630-5364916B899A}" dt="2024-05-20T15:15:34.264" v="2598" actId="1035"/>
+          <ac:chgData name="Philippe Baucour" userId="5102170ae7533958" providerId="LiveId" clId="{92FC1C5E-2783-49B0-B630-5364916B899A}" dt="2024-05-21T05:42:25.324" v="4492" actId="1036"/>
           <ac:picMkLst>
             <pc:docMk/>
             <pc:sldMk cId="3820477691" sldId="276"/>
@@ -1693,7 +1693,7 @@
           </ac:picMkLst>
         </pc:picChg>
         <pc:picChg chg="add mod">
-          <ac:chgData name="Philippe Baucour" userId="5102170ae7533958" providerId="LiveId" clId="{92FC1C5E-2783-49B0-B630-5364916B899A}" dt="2024-05-20T16:07:45.059" v="3083" actId="1076"/>
+          <ac:chgData name="Philippe Baucour" userId="5102170ae7533958" providerId="LiveId" clId="{92FC1C5E-2783-49B0-B630-5364916B899A}" dt="2024-05-21T05:41:42.365" v="4469" actId="1035"/>
           <ac:picMkLst>
             <pc:docMk/>
             <pc:sldMk cId="3820477691" sldId="276"/>
@@ -1811,7 +1811,7 @@
           <a:p>
             <a:fld id="{C5D8FFE9-C585-481A-8C95-EA03CD59938B}" type="datetimeFigureOut">
               <a:rPr lang="fr-FR" smtClean="0"/>
-              <a:t>20/05/2024</a:t>
+              <a:t>21/05/2024</a:t>
             </a:fld>
             <a:endParaRPr lang="fr-FR"/>
           </a:p>
@@ -3579,7 +3579,7 @@
           <a:p>
             <a:fld id="{E049BE60-F297-4D51-9BF6-34EA6E4A2150}" type="datetimeFigureOut">
               <a:rPr lang="fr-FR" smtClean="0"/>
-              <a:t>20/05/2024</a:t>
+              <a:t>21/05/2024</a:t>
             </a:fld>
             <a:endParaRPr lang="fr-FR"/>
           </a:p>
@@ -3777,7 +3777,7 @@
           <a:p>
             <a:fld id="{E049BE60-F297-4D51-9BF6-34EA6E4A2150}" type="datetimeFigureOut">
               <a:rPr lang="fr-FR" smtClean="0"/>
-              <a:t>20/05/2024</a:t>
+              <a:t>21/05/2024</a:t>
             </a:fld>
             <a:endParaRPr lang="fr-FR"/>
           </a:p>
@@ -3985,7 +3985,7 @@
           <a:p>
             <a:fld id="{E049BE60-F297-4D51-9BF6-34EA6E4A2150}" type="datetimeFigureOut">
               <a:rPr lang="fr-FR" smtClean="0"/>
-              <a:t>20/05/2024</a:t>
+              <a:t>21/05/2024</a:t>
             </a:fld>
             <a:endParaRPr lang="fr-FR"/>
           </a:p>
@@ -4183,7 +4183,7 @@
           <a:p>
             <a:fld id="{E049BE60-F297-4D51-9BF6-34EA6E4A2150}" type="datetimeFigureOut">
               <a:rPr lang="fr-FR" smtClean="0"/>
-              <a:t>20/05/2024</a:t>
+              <a:t>21/05/2024</a:t>
             </a:fld>
             <a:endParaRPr lang="fr-FR"/>
           </a:p>
@@ -4458,7 +4458,7 @@
           <a:p>
             <a:fld id="{E049BE60-F297-4D51-9BF6-34EA6E4A2150}" type="datetimeFigureOut">
               <a:rPr lang="fr-FR" smtClean="0"/>
-              <a:t>20/05/2024</a:t>
+              <a:t>21/05/2024</a:t>
             </a:fld>
             <a:endParaRPr lang="fr-FR"/>
           </a:p>
@@ -4723,7 +4723,7 @@
           <a:p>
             <a:fld id="{E049BE60-F297-4D51-9BF6-34EA6E4A2150}" type="datetimeFigureOut">
               <a:rPr lang="fr-FR" smtClean="0"/>
-              <a:t>20/05/2024</a:t>
+              <a:t>21/05/2024</a:t>
             </a:fld>
             <a:endParaRPr lang="fr-FR"/>
           </a:p>
@@ -5135,7 +5135,7 @@
           <a:p>
             <a:fld id="{E049BE60-F297-4D51-9BF6-34EA6E4A2150}" type="datetimeFigureOut">
               <a:rPr lang="fr-FR" smtClean="0"/>
-              <a:t>20/05/2024</a:t>
+              <a:t>21/05/2024</a:t>
             </a:fld>
             <a:endParaRPr lang="fr-FR"/>
           </a:p>
@@ -5276,7 +5276,7 @@
           <a:p>
             <a:fld id="{E049BE60-F297-4D51-9BF6-34EA6E4A2150}" type="datetimeFigureOut">
               <a:rPr lang="fr-FR" smtClean="0"/>
-              <a:t>20/05/2024</a:t>
+              <a:t>21/05/2024</a:t>
             </a:fld>
             <a:endParaRPr lang="fr-FR"/>
           </a:p>
@@ -5389,7 +5389,7 @@
           <a:p>
             <a:fld id="{E049BE60-F297-4D51-9BF6-34EA6E4A2150}" type="datetimeFigureOut">
               <a:rPr lang="fr-FR" smtClean="0"/>
-              <a:t>20/05/2024</a:t>
+              <a:t>21/05/2024</a:t>
             </a:fld>
             <a:endParaRPr lang="fr-FR"/>
           </a:p>
@@ -5700,7 +5700,7 @@
           <a:p>
             <a:fld id="{E049BE60-F297-4D51-9BF6-34EA6E4A2150}" type="datetimeFigureOut">
               <a:rPr lang="fr-FR" smtClean="0"/>
-              <a:t>20/05/2024</a:t>
+              <a:t>21/05/2024</a:t>
             </a:fld>
             <a:endParaRPr lang="fr-FR"/>
           </a:p>
@@ -5991,7 +5991,7 @@
           <a:p>
             <a:fld id="{E049BE60-F297-4D51-9BF6-34EA6E4A2150}" type="datetimeFigureOut">
               <a:rPr lang="fr-FR" smtClean="0"/>
-              <a:t>20/05/2024</a:t>
+              <a:t>21/05/2024</a:t>
             </a:fld>
             <a:endParaRPr lang="fr-FR"/>
           </a:p>
@@ -6232,7 +6232,7 @@
           <a:p>
             <a:fld id="{E049BE60-F297-4D51-9BF6-34EA6E4A2150}" type="datetimeFigureOut">
               <a:rPr lang="fr-FR" smtClean="0"/>
-              <a:t>20/05/2024</a:t>
+              <a:t>21/05/2024</a:t>
             </a:fld>
             <a:endParaRPr lang="fr-FR"/>
           </a:p>
@@ -7639,7 +7639,7 @@
                 <a:effectLst/>
                 <a:latin typeface="Courier New" panose="02070309020205020404" pitchFamily="49" charset="0"/>
               </a:rPr>
-              <a:t> valeurs (des features pour chaque mot</a:t>
+              <a:t> valeurs (des features pour chaque mot)</a:t>
             </a:r>
           </a:p>
           <a:p>
@@ -7795,7 +7795,7 @@
                 <a:effectLst/>
                 <a:latin typeface="Courier New" panose="02070309020205020404" pitchFamily="49" charset="0"/>
               </a:rPr>
-              <a:t>Pas de transfert learning</a:t>
+              <a:t>Pas de transfert learning possible</a:t>
             </a:r>
           </a:p>
           <a:p>
@@ -7814,6 +7814,137 @@
                 <a:effectLst/>
                 <a:latin typeface="Courier New" panose="02070309020205020404" pitchFamily="49" charset="0"/>
               </a:rPr>
+              <a:t>GlobalAveragePooling1D (couche GAP)</a:t>
+            </a:r>
+          </a:p>
+          <a:p>
+            <a:pPr lvl="1" fontAlgn="ctr">
+              <a:spcBef>
+                <a:spcPts val="0"/>
+              </a:spcBef>
+              <a:buFont typeface="Courier New" panose="02070309020205020404" pitchFamily="49" charset="0"/>
+              <a:buChar char="o"/>
+            </a:pPr>
+            <a:r>
+              <a:rPr lang="fr-FR" sz="1400" dirty="0">
+                <a:effectLst/>
+                <a:latin typeface="Courier New" panose="02070309020205020404" pitchFamily="49" charset="0"/>
+              </a:rPr>
+              <a:t>Après la couche Word Embedding</a:t>
+            </a:r>
+          </a:p>
+          <a:p>
+            <a:pPr lvl="1" fontAlgn="ctr">
+              <a:spcBef>
+                <a:spcPts val="0"/>
+              </a:spcBef>
+              <a:buFont typeface="Courier New" panose="02070309020205020404" pitchFamily="49" charset="0"/>
+              <a:buChar char="o"/>
+            </a:pPr>
+            <a:r>
+              <a:rPr lang="fr-FR" sz="1400" dirty="0">
+                <a:effectLst/>
+                <a:latin typeface="Courier New" panose="02070309020205020404" pitchFamily="49" charset="0"/>
+              </a:rPr>
+              <a:t>Moyenne par colonne de la matrice Word Embedding</a:t>
+            </a:r>
+          </a:p>
+          <a:p>
+            <a:pPr lvl="1" fontAlgn="ctr">
+              <a:spcBef>
+                <a:spcPts val="0"/>
+              </a:spcBef>
+              <a:buFont typeface="Courier New" panose="02070309020205020404" pitchFamily="49" charset="0"/>
+              <a:buChar char="o"/>
+            </a:pPr>
+            <a:r>
+              <a:rPr lang="fr-FR" sz="1400" dirty="0">
+                <a:effectLst/>
+                <a:latin typeface="Courier New" panose="02070309020205020404" pitchFamily="49" charset="0"/>
+              </a:rPr>
+              <a:t>En sortie un vecteur du nombre de colonnes de la matrice (</a:t>
+            </a:r>
+            <a:r>
+              <a:rPr lang="fr-FR" sz="1400" dirty="0" err="1">
+                <a:effectLst/>
+                <a:latin typeface="Courier New" panose="02070309020205020404" pitchFamily="49" charset="0"/>
+              </a:rPr>
+              <a:t>n_dim</a:t>
+            </a:r>
+            <a:r>
+              <a:rPr lang="fr-FR" sz="1400" dirty="0">
+                <a:effectLst/>
+                <a:latin typeface="Courier New" panose="02070309020205020404" pitchFamily="49" charset="0"/>
+              </a:rPr>
+              <a:t>=2</a:t>
+            </a:r>
+            <a:r>
+              <a:rPr lang="fr-FR" sz="1400" baseline="30000" dirty="0">
+                <a:effectLst/>
+                <a:latin typeface="Courier New" panose="02070309020205020404" pitchFamily="49" charset="0"/>
+              </a:rPr>
+              <a:t>n</a:t>
+            </a:r>
+            <a:r>
+              <a:rPr lang="fr-FR" sz="1400" dirty="0">
+                <a:effectLst/>
+                <a:latin typeface="Courier New" panose="02070309020205020404" pitchFamily="49" charset="0"/>
+              </a:rPr>
+              <a:t>)</a:t>
+            </a:r>
+          </a:p>
+          <a:p>
+            <a:pPr lvl="1" fontAlgn="ctr">
+              <a:spcBef>
+                <a:spcPts val="0"/>
+              </a:spcBef>
+              <a:buFont typeface="Courier New" panose="02070309020205020404" pitchFamily="49" charset="0"/>
+              <a:buChar char="o"/>
+            </a:pPr>
+            <a:r>
+              <a:rPr lang="fr-FR" sz="1400" dirty="0">
+                <a:effectLst/>
+                <a:latin typeface="Courier New" panose="02070309020205020404" pitchFamily="49" charset="0"/>
+              </a:rPr>
+              <a:t>Faut présenter un vecteur pour le "brancher" à l'entrée des couches denses. </a:t>
+            </a:r>
+          </a:p>
+          <a:p>
+            <a:pPr lvl="1" fontAlgn="ctr">
+              <a:spcBef>
+                <a:spcPts val="0"/>
+              </a:spcBef>
+              <a:buFont typeface="Courier New" panose="02070309020205020404" pitchFamily="49" charset="0"/>
+              <a:buChar char="o"/>
+            </a:pPr>
+            <a:r>
+              <a:rPr lang="fr-FR" sz="1400" dirty="0">
+                <a:effectLst/>
+                <a:latin typeface="Courier New" panose="02070309020205020404" pitchFamily="49" charset="0"/>
+              </a:rPr>
+              <a:t>Donc à la sortie de la couche GlobalAveragePoolong1D on perd l'ordre de la séquence d'entrée</a:t>
+            </a:r>
+            <a:endParaRPr lang="fr-FR" sz="1600" dirty="0">
+              <a:effectLst/>
+              <a:latin typeface="Courier New" panose="02070309020205020404" pitchFamily="49" charset="0"/>
+            </a:endParaRPr>
+          </a:p>
+          <a:p>
+            <a:pPr rtl="0" fontAlgn="ctr">
+              <a:spcBef>
+                <a:spcPts val="0"/>
+              </a:spcBef>
+              <a:spcAft>
+                <a:spcPts val="0"/>
+              </a:spcAft>
+              <a:buFont typeface="Arial" panose="020B0604020202020204" pitchFamily="34" charset="0"/>
+              <a:buChar char="•"/>
+            </a:pPr>
+            <a:r>
+              <a:rPr lang="fr-FR" sz="1600" dirty="0">
+                <a:effectLst/>
+                <a:latin typeface="Courier New" panose="02070309020205020404" pitchFamily="49" charset="0"/>
+              </a:rPr>
               <a:t>Word2Vec (pas besoin d'être supervisé)</a:t>
             </a:r>
           </a:p>
@@ -7923,144 +8054,6 @@
                 <a:latin typeface="Courier New" panose="02070309020205020404" pitchFamily="49" charset="0"/>
               </a:rPr>
               <a:t>Taches généralistes =&gt; on peut faire du transfert learning</a:t>
-            </a:r>
-          </a:p>
-          <a:p>
-            <a:pPr rtl="0" fontAlgn="ctr">
-              <a:spcBef>
-                <a:spcPts val="0"/>
-              </a:spcBef>
-              <a:spcAft>
-                <a:spcPts val="0"/>
-              </a:spcAft>
-              <a:buFont typeface="Arial" panose="020B0604020202020204" pitchFamily="34" charset="0"/>
-              <a:buChar char="•"/>
-            </a:pPr>
-            <a:r>
-              <a:rPr lang="fr-FR" sz="1600" dirty="0">
-                <a:effectLst/>
-                <a:latin typeface="Courier New" panose="02070309020205020404" pitchFamily="49" charset="0"/>
-              </a:rPr>
-              <a:t>GlobalAveragePooling1D (couche GAP)</a:t>
-            </a:r>
-          </a:p>
-          <a:p>
-            <a:pPr lvl="1" fontAlgn="ctr">
-              <a:spcBef>
-                <a:spcPts val="0"/>
-              </a:spcBef>
-              <a:buFont typeface="Courier New" panose="02070309020205020404" pitchFamily="49" charset="0"/>
-              <a:buChar char="o"/>
-            </a:pPr>
-            <a:r>
-              <a:rPr lang="fr-FR" sz="1400" dirty="0">
-                <a:effectLst/>
-                <a:latin typeface="Courier New" panose="02070309020205020404" pitchFamily="49" charset="0"/>
-              </a:rPr>
-              <a:t>Après la couche Word </a:t>
-            </a:r>
-            <a:r>
-              <a:rPr lang="fr-FR" sz="1400" dirty="0" err="1">
-                <a:effectLst/>
-                <a:latin typeface="Courier New" panose="02070309020205020404" pitchFamily="49" charset="0"/>
-              </a:rPr>
-              <a:t>Embeding</a:t>
-            </a:r>
-            <a:endParaRPr lang="fr-FR" sz="1400" dirty="0">
-              <a:effectLst/>
-              <a:latin typeface="Courier New" panose="02070309020205020404" pitchFamily="49" charset="0"/>
-            </a:endParaRPr>
-          </a:p>
-          <a:p>
-            <a:pPr lvl="1" fontAlgn="ctr">
-              <a:spcBef>
-                <a:spcPts val="0"/>
-              </a:spcBef>
-              <a:buFont typeface="Courier New" panose="02070309020205020404" pitchFamily="49" charset="0"/>
-              <a:buChar char="o"/>
-            </a:pPr>
-            <a:r>
-              <a:rPr lang="fr-FR" sz="1400" dirty="0">
-                <a:effectLst/>
-                <a:latin typeface="Courier New" panose="02070309020205020404" pitchFamily="49" charset="0"/>
-              </a:rPr>
-              <a:t>Moyenne par colonne de la matrice Word Embedding</a:t>
-            </a:r>
-          </a:p>
-          <a:p>
-            <a:pPr lvl="1" fontAlgn="ctr">
-              <a:spcBef>
-                <a:spcPts val="0"/>
-              </a:spcBef>
-              <a:buFont typeface="Courier New" panose="02070309020205020404" pitchFamily="49" charset="0"/>
-              <a:buChar char="o"/>
-            </a:pPr>
-            <a:r>
-              <a:rPr lang="fr-FR" sz="1400" dirty="0">
-                <a:effectLst/>
-                <a:latin typeface="Courier New" panose="02070309020205020404" pitchFamily="49" charset="0"/>
-              </a:rPr>
-              <a:t>En sortie un vecteur du nombre de colonnes de la matrice (</a:t>
-            </a:r>
-            <a:r>
-              <a:rPr lang="fr-FR" sz="1400" dirty="0" err="1">
-                <a:effectLst/>
-                <a:latin typeface="Courier New" panose="02070309020205020404" pitchFamily="49" charset="0"/>
-              </a:rPr>
-              <a:t>n_dim</a:t>
-            </a:r>
-            <a:r>
-              <a:rPr lang="fr-FR" sz="1400" dirty="0">
-                <a:effectLst/>
-                <a:latin typeface="Courier New" panose="02070309020205020404" pitchFamily="49" charset="0"/>
-              </a:rPr>
-              <a:t>=2</a:t>
-            </a:r>
-            <a:r>
-              <a:rPr lang="fr-FR" sz="1400" baseline="30000" dirty="0">
-                <a:effectLst/>
-                <a:latin typeface="Courier New" panose="02070309020205020404" pitchFamily="49" charset="0"/>
-              </a:rPr>
-              <a:t>n</a:t>
-            </a:r>
-            <a:r>
-              <a:rPr lang="fr-FR" sz="1400" dirty="0">
-                <a:effectLst/>
-                <a:latin typeface="Courier New" panose="02070309020205020404" pitchFamily="49" charset="0"/>
-              </a:rPr>
-              <a:t>)</a:t>
-            </a:r>
-          </a:p>
-          <a:p>
-            <a:pPr lvl="1" fontAlgn="ctr">
-              <a:spcBef>
-                <a:spcPts val="0"/>
-              </a:spcBef>
-              <a:buFont typeface="Courier New" panose="02070309020205020404" pitchFamily="49" charset="0"/>
-              <a:buChar char="o"/>
-            </a:pPr>
-            <a:r>
-              <a:rPr lang="fr-FR" sz="1400" dirty="0">
-                <a:effectLst/>
-                <a:latin typeface="Courier New" panose="02070309020205020404" pitchFamily="49" charset="0"/>
-              </a:rPr>
-              <a:t>Faut présenter un vecteur pour le "brancher" à l'entrée des couches denses. </a:t>
-            </a:r>
-          </a:p>
-          <a:p>
-            <a:pPr lvl="1" fontAlgn="ctr">
-              <a:spcBef>
-                <a:spcPts val="0"/>
-              </a:spcBef>
-              <a:buFont typeface="Courier New" panose="02070309020205020404" pitchFamily="49" charset="0"/>
-              <a:buChar char="o"/>
-            </a:pPr>
-            <a:r>
-              <a:rPr lang="fr-FR" sz="1400" dirty="0">
-                <a:effectLst/>
-                <a:latin typeface="Courier New" panose="02070309020205020404" pitchFamily="49" charset="0"/>
-              </a:rPr>
-              <a:t>Donc à la sortie de la couche GlobalAveragePoolong1D on perd l'ordre de la séquence d'entrée</a:t>
             </a:r>
           </a:p>
           <a:p>
@@ -9871,7 +9864,7 @@
         </p:blipFill>
         <p:spPr>
           <a:xfrm>
-            <a:off x="8248658" y="1228390"/>
+            <a:off x="8248658" y="1364575"/>
             <a:ext cx="3884831" cy="2095454"/>
           </a:xfrm>
           <a:prstGeom prst="rect">
@@ -9881,10 +9874,10 @@
       </p:pic>
       <p:sp>
         <p:nvSpPr>
-          <p:cNvPr id="8" name="ZoneTexte 7">
-            <a:extLst>
-              <a:ext uri="{FF2B5EF4-FFF2-40B4-BE49-F238E27FC236}">
-                <a16:creationId xmlns:a16="http://schemas.microsoft.com/office/drawing/2014/main" id="{F9404919-C04B-CB0B-B06A-B4CA1CFE91B0}"/>
+          <p:cNvPr id="9" name="ZoneTexte 8">
+            <a:extLst>
+              <a:ext uri="{FF2B5EF4-FFF2-40B4-BE49-F238E27FC236}">
+                <a16:creationId xmlns:a16="http://schemas.microsoft.com/office/drawing/2014/main" id="{0A0DE426-0D64-87F0-27F4-A878D15E2B7E}"/>
               </a:ext>
             </a:extLst>
           </p:cNvPr>
@@ -9893,61 +9886,7 @@
         </p:nvSpPr>
         <p:spPr>
           <a:xfrm>
-            <a:off x="9497503" y="454307"/>
-            <a:ext cx="569387" cy="246221"/>
-          </a:xfrm>
-          <a:prstGeom prst="rect">
-            <a:avLst/>
-          </a:prstGeom>
-          <a:solidFill>
-            <a:srgbClr val="EC7E78"/>
-          </a:solidFill>
-          <a:effectLst>
-            <a:outerShdw blurRad="50800" dist="38100" dir="2700000" algn="tl" rotWithShape="0">
-              <a:prstClr val="black">
-                <a:alpha val="40000"/>
-              </a:prstClr>
-            </a:outerShdw>
-          </a:effectLst>
-        </p:spPr>
-        <p:txBody>
-          <a:bodyPr wrap="none" rtlCol="0">
-            <a:spAutoFit/>
-          </a:bodyPr>
-          <a:lstStyle>
-            <a:defPPr>
-              <a:defRPr lang="fr-FR"/>
-            </a:defPPr>
-            <a:lvl1pPr>
-              <a:defRPr sz="1000">
-                <a:latin typeface="Courier New" panose="02070309020205020404" pitchFamily="49" charset="0"/>
-                <a:cs typeface="Courier New" panose="02070309020205020404" pitchFamily="49" charset="0"/>
-              </a:defRPr>
-            </a:lvl1pPr>
-          </a:lstStyle>
-          <a:p>
-            <a:r>
-              <a:rPr lang="fr-FR" dirty="0"/>
-              <a:t>Ct = </a:t>
-            </a:r>
-          </a:p>
-        </p:txBody>
-      </p:sp>
-      <p:sp>
-        <p:nvSpPr>
-          <p:cNvPr id="9" name="ZoneTexte 8">
-            <a:extLst>
-              <a:ext uri="{FF2B5EF4-FFF2-40B4-BE49-F238E27FC236}">
-                <a16:creationId xmlns:a16="http://schemas.microsoft.com/office/drawing/2014/main" id="{0A0DE426-0D64-87F0-27F4-A878D15E2B7E}"/>
-              </a:ext>
-            </a:extLst>
-          </p:cNvPr>
-          <p:cNvSpPr txBox="1"/>
-          <p:nvPr/>
-        </p:nvSpPr>
-        <p:spPr>
-          <a:xfrm>
-            <a:off x="10801074" y="1504695"/>
+            <a:off x="10801074" y="1640880"/>
             <a:ext cx="1332416" cy="215444"/>
           </a:xfrm>
           <a:prstGeom prst="rect">
@@ -10067,7 +10006,7 @@
         </p:nvSpPr>
         <p:spPr>
           <a:xfrm>
-            <a:off x="8921649" y="2040493"/>
+            <a:off x="8921649" y="2176678"/>
             <a:ext cx="530915" cy="215444"/>
           </a:xfrm>
           <a:prstGeom prst="rect">
@@ -10133,7 +10072,7 @@
         </p:nvSpPr>
         <p:spPr>
           <a:xfrm>
-            <a:off x="9594708" y="1923478"/>
+            <a:off x="9594708" y="2059663"/>
             <a:ext cx="530915" cy="215444"/>
           </a:xfrm>
           <a:prstGeom prst="rect">
@@ -10199,7 +10138,7 @@
         </p:nvSpPr>
         <p:spPr>
           <a:xfrm>
-            <a:off x="10954116" y="2307311"/>
+            <a:off x="10954116" y="2437011"/>
             <a:ext cx="530915" cy="215444"/>
           </a:xfrm>
           <a:prstGeom prst="rect">
@@ -10265,7 +10204,7 @@
         </p:nvSpPr>
         <p:spPr>
           <a:xfrm>
-            <a:off x="10332035" y="3084636"/>
+            <a:off x="10332035" y="3220821"/>
             <a:ext cx="938077" cy="215444"/>
           </a:xfrm>
           <a:prstGeom prst="rect">
@@ -10335,7 +10274,7 @@
         </p:nvSpPr>
         <p:spPr>
           <a:xfrm>
-            <a:off x="8253979" y="3737478"/>
+            <a:off x="8253979" y="3640203"/>
             <a:ext cx="3860516" cy="2554545"/>
           </a:xfrm>
           <a:prstGeom prst="rect">
@@ -12527,7 +12466,7 @@
         </p:nvSpPr>
         <p:spPr>
           <a:xfrm>
-            <a:off x="83993" y="3133974"/>
+            <a:off x="83993" y="3639813"/>
             <a:ext cx="3860516" cy="1774845"/>
           </a:xfrm>
           <a:prstGeom prst="rect">
@@ -12567,19 +12506,8 @@
                 <a:effectLst/>
                 <a:latin typeface="Courier New" panose="02070309020205020404" pitchFamily="49" charset="0"/>
               </a:rPr>
-              <a:t> remplace GlobalAveragePooling1D qui faisait perdre l'ordre de la </a:t>
-            </a:r>
-            <a:r>
-              <a:rPr lang="fr-FR" sz="800" dirty="0" err="1">
-                <a:effectLst/>
-                <a:latin typeface="Courier New" panose="02070309020205020404" pitchFamily="49" charset="0"/>
-              </a:rPr>
-              <a:t>sequence</a:t>
-            </a:r>
-            <a:endParaRPr lang="fr-FR" sz="800" dirty="0">
-              <a:effectLst/>
-              <a:latin typeface="Courier New" panose="02070309020205020404" pitchFamily="49" charset="0"/>
-            </a:endParaRPr>
+              <a:t> remplace GlobalAveragePooling1D qui faisait perdre l'ordre de la séquence</a:t>
+            </a:r>
           </a:p>
           <a:p>
             <a:pPr rtl="0" fontAlgn="ctr">
@@ -12618,10 +12546,16 @@
               </a:spcAft>
             </a:pPr>
             <a:r>
+              <a:rPr lang="fr-FR" sz="800">
+                <a:latin typeface="Courier New" panose="02070309020205020404" pitchFamily="49" charset="0"/>
+              </a:rPr>
+              <a:t>h </a:t>
+            </a:r>
+            <a:r>
               <a:rPr lang="fr-FR" sz="800" dirty="0">
                 <a:latin typeface="Courier New" panose="02070309020205020404" pitchFamily="49" charset="0"/>
               </a:rPr>
-              <a:t>Voir que h est constant par ligne calculée. Il vaut 0, puis 0.8, puis-0.1…</a:t>
+              <a:t>est constant par ligne calculée. Il vaut 0, puis 0.8, puis-0.1…</a:t>
             </a:r>
           </a:p>
           <a:p>
@@ -12817,7 +12751,7 @@
         </p:blipFill>
         <p:spPr>
           <a:xfrm>
-            <a:off x="676289" y="3424592"/>
+            <a:off x="676289" y="3917460"/>
             <a:ext cx="2580844" cy="253121"/>
           </a:xfrm>
           <a:prstGeom prst="rect">
@@ -12839,7 +12773,7 @@
         </p:nvSpPr>
         <p:spPr>
           <a:xfrm rot="21051358">
-            <a:off x="1165075" y="4785708"/>
+            <a:off x="1165075" y="5291547"/>
             <a:ext cx="1107996" cy="246221"/>
           </a:xfrm>
           <a:prstGeom prst="rect">

--- a/12_assets/course_review.pptx
+++ b/12_assets/course_review.pptx
@@ -5,26 +5,41 @@
     <p:sldMasterId id="2147483660" r:id="rId1"/>
   </p:sldMasterIdLst>
   <p:notesMasterIdLst>
-    <p:notesMasterId r:id="rId19"/>
+    <p:notesMasterId r:id="rId34"/>
   </p:notesMasterIdLst>
   <p:sldIdLst>
     <p:sldId id="256" r:id="rId2"/>
     <p:sldId id="257" r:id="rId3"/>
-    <p:sldId id="258" r:id="rId4"/>
-    <p:sldId id="259" r:id="rId5"/>
-    <p:sldId id="260" r:id="rId6"/>
-    <p:sldId id="261" r:id="rId7"/>
-    <p:sldId id="262" r:id="rId8"/>
-    <p:sldId id="263" r:id="rId9"/>
-    <p:sldId id="264" r:id="rId10"/>
-    <p:sldId id="265" r:id="rId11"/>
-    <p:sldId id="273" r:id="rId12"/>
-    <p:sldId id="276" r:id="rId13"/>
-    <p:sldId id="266" r:id="rId14"/>
-    <p:sldId id="275" r:id="rId15"/>
-    <p:sldId id="267" r:id="rId16"/>
-    <p:sldId id="269" r:id="rId17"/>
-    <p:sldId id="277" r:id="rId18"/>
+    <p:sldId id="291" r:id="rId4"/>
+    <p:sldId id="271" r:id="rId5"/>
+    <p:sldId id="290" r:id="rId6"/>
+    <p:sldId id="289" r:id="rId7"/>
+    <p:sldId id="288" r:id="rId8"/>
+    <p:sldId id="287" r:id="rId9"/>
+    <p:sldId id="286" r:id="rId10"/>
+    <p:sldId id="285" r:id="rId11"/>
+    <p:sldId id="284" r:id="rId12"/>
+    <p:sldId id="283" r:id="rId13"/>
+    <p:sldId id="282" r:id="rId14"/>
+    <p:sldId id="281" r:id="rId15"/>
+    <p:sldId id="280" r:id="rId16"/>
+    <p:sldId id="279" r:id="rId17"/>
+    <p:sldId id="278" r:id="rId18"/>
+    <p:sldId id="258" r:id="rId19"/>
+    <p:sldId id="259" r:id="rId20"/>
+    <p:sldId id="260" r:id="rId21"/>
+    <p:sldId id="261" r:id="rId22"/>
+    <p:sldId id="262" r:id="rId23"/>
+    <p:sldId id="263" r:id="rId24"/>
+    <p:sldId id="264" r:id="rId25"/>
+    <p:sldId id="265" r:id="rId26"/>
+    <p:sldId id="273" r:id="rId27"/>
+    <p:sldId id="276" r:id="rId28"/>
+    <p:sldId id="266" r:id="rId29"/>
+    <p:sldId id="275" r:id="rId30"/>
+    <p:sldId id="267" r:id="rId31"/>
+    <p:sldId id="269" r:id="rId32"/>
+    <p:sldId id="277" r:id="rId33"/>
   </p:sldIdLst>
   <p:sldSz cx="12192000" cy="6858000"/>
   <p:notesSz cx="6858000" cy="9144000"/>
@@ -134,7 +149,7 @@
 <file path=ppt/revisionInfo.xml><?xml version="1.0" encoding="utf-8"?>
 <p1510:revInfo xmlns:a="http://schemas.openxmlformats.org/drawingml/2006/main" xmlns:r="http://schemas.openxmlformats.org/officeDocument/2006/relationships" xmlns:p1510="http://schemas.microsoft.com/office/powerpoint/2015/10/main">
   <p1510:revLst>
-    <p1510:client id="{92FC1C5E-2783-49B0-B630-5364916B899A}" v="264" dt="2024-05-22T05:55:09.622"/>
+    <p1510:client id="{92FC1C5E-2783-49B0-B630-5364916B899A}" v="274" dt="2024-05-23T05:23:58.823"/>
   </p1510:revLst>
 </p1510:revInfo>
 </file>
@@ -144,7 +159,7 @@
   <pc:docChgLst>
     <pc:chgData name="Philippe Baucour" userId="5102170ae7533958" providerId="LiveId" clId="{92FC1C5E-2783-49B0-B630-5364916B899A}"/>
     <pc:docChg chg="undo custSel addSld delSld modSld modMainMaster">
-      <pc:chgData name="Philippe Baucour" userId="5102170ae7533958" providerId="LiveId" clId="{92FC1C5E-2783-49B0-B630-5364916B899A}" dt="2024-05-22T07:03:01.087" v="5857" actId="20577"/>
+      <pc:chgData name="Philippe Baucour" userId="5102170ae7533958" providerId="LiveId" clId="{92FC1C5E-2783-49B0-B630-5364916B899A}" dt="2024-05-23T05:25:35.687" v="6477" actId="27636"/>
       <pc:docMkLst>
         <pc:docMk/>
       </pc:docMkLst>
@@ -195,18 +210,26 @@
           </ac:spMkLst>
         </pc:spChg>
       </pc:sldChg>
-      <pc:sldChg chg="modSp new mod">
-        <pc:chgData name="Philippe Baucour" userId="5102170ae7533958" providerId="LiveId" clId="{92FC1C5E-2783-49B0-B630-5364916B899A}" dt="2024-05-15T05:24:03.722" v="771"/>
+      <pc:sldChg chg="addSp modSp new mod modClrScheme chgLayout">
+        <pc:chgData name="Philippe Baucour" userId="5102170ae7533958" providerId="LiveId" clId="{92FC1C5E-2783-49B0-B630-5364916B899A}" dt="2024-05-22T21:07:28.116" v="6174" actId="20577"/>
         <pc:sldMkLst>
           <pc:docMk/>
           <pc:sldMk cId="2101838791" sldId="257"/>
         </pc:sldMkLst>
-        <pc:spChg chg="mod">
-          <ac:chgData name="Philippe Baucour" userId="5102170ae7533958" providerId="LiveId" clId="{92FC1C5E-2783-49B0-B630-5364916B899A}" dt="2024-05-15T05:24:03.722" v="771"/>
+        <pc:spChg chg="mod ord">
+          <ac:chgData name="Philippe Baucour" userId="5102170ae7533958" providerId="LiveId" clId="{92FC1C5E-2783-49B0-B630-5364916B899A}" dt="2024-05-22T21:06:34.409" v="6139" actId="700"/>
           <ac:spMkLst>
             <pc:docMk/>
             <pc:sldMk cId="2101838791" sldId="257"/>
             <ac:spMk id="2" creationId="{FE7F6C75-DD2A-F059-7286-E6D59813EA1B}"/>
+          </ac:spMkLst>
+        </pc:spChg>
+        <pc:spChg chg="add mod ord">
+          <ac:chgData name="Philippe Baucour" userId="5102170ae7533958" providerId="LiveId" clId="{92FC1C5E-2783-49B0-B630-5364916B899A}" dt="2024-05-22T21:07:28.116" v="6174" actId="20577"/>
+          <ac:spMkLst>
+            <pc:docMk/>
+            <pc:sldMk cId="2101838791" sldId="257"/>
+            <ac:spMk id="3" creationId="{FF293838-36E0-334F-0943-6613799B4C66}"/>
           </ac:spMkLst>
         </pc:spChg>
       </pc:sldChg>
@@ -258,13 +281,13 @@
         </pc:picChg>
       </pc:sldChg>
       <pc:sldChg chg="addSp delSp modSp new mod modClrScheme chgLayout">
-        <pc:chgData name="Philippe Baucour" userId="5102170ae7533958" providerId="LiveId" clId="{92FC1C5E-2783-49B0-B630-5364916B899A}" dt="2024-05-15T05:35:09.957" v="967" actId="14100"/>
+        <pc:chgData name="Philippe Baucour" userId="5102170ae7533958" providerId="LiveId" clId="{92FC1C5E-2783-49B0-B630-5364916B899A}" dt="2024-05-22T21:11:29.647" v="6218" actId="20577"/>
         <pc:sldMkLst>
           <pc:docMk/>
           <pc:sldMk cId="1692495815" sldId="259"/>
         </pc:sldMkLst>
         <pc:spChg chg="mod ord">
-          <ac:chgData name="Philippe Baucour" userId="5102170ae7533958" providerId="LiveId" clId="{92FC1C5E-2783-49B0-B630-5364916B899A}" dt="2024-05-15T05:24:03.722" v="771"/>
+          <ac:chgData name="Philippe Baucour" userId="5102170ae7533958" providerId="LiveId" clId="{92FC1C5E-2783-49B0-B630-5364916B899A}" dt="2024-05-22T21:11:29.647" v="6218" actId="20577"/>
           <ac:spMkLst>
             <pc:docMk/>
             <pc:sldMk cId="1692495815" sldId="259"/>
@@ -400,13 +423,13 @@
         </pc:picChg>
       </pc:sldChg>
       <pc:sldChg chg="modSp new mod">
-        <pc:chgData name="Philippe Baucour" userId="5102170ae7533958" providerId="LiveId" clId="{92FC1C5E-2783-49B0-B630-5364916B899A}" dt="2024-05-15T05:25:08.364" v="820" actId="20577"/>
+        <pc:chgData name="Philippe Baucour" userId="5102170ae7533958" providerId="LiveId" clId="{92FC1C5E-2783-49B0-B630-5364916B899A}" dt="2024-05-22T21:11:36.994" v="6219"/>
         <pc:sldMkLst>
           <pc:docMk/>
           <pc:sldMk cId="2073240906" sldId="260"/>
         </pc:sldMkLst>
         <pc:spChg chg="mod">
-          <ac:chgData name="Philippe Baucour" userId="5102170ae7533958" providerId="LiveId" clId="{92FC1C5E-2783-49B0-B630-5364916B899A}" dt="2024-05-15T05:25:08.364" v="820" actId="20577"/>
+          <ac:chgData name="Philippe Baucour" userId="5102170ae7533958" providerId="LiveId" clId="{92FC1C5E-2783-49B0-B630-5364916B899A}" dt="2024-05-22T21:11:36.994" v="6219"/>
           <ac:spMkLst>
             <pc:docMk/>
             <pc:sldMk cId="2073240906" sldId="260"/>
@@ -415,13 +438,13 @@
         </pc:spChg>
       </pc:sldChg>
       <pc:sldChg chg="modSp new mod">
-        <pc:chgData name="Philippe Baucour" userId="5102170ae7533958" providerId="LiveId" clId="{92FC1C5E-2783-49B0-B630-5364916B899A}" dt="2024-05-15T05:26:04.496" v="832" actId="20577"/>
+        <pc:chgData name="Philippe Baucour" userId="5102170ae7533958" providerId="LiveId" clId="{92FC1C5E-2783-49B0-B630-5364916B899A}" dt="2024-05-22T21:11:41.322" v="6220"/>
         <pc:sldMkLst>
           <pc:docMk/>
           <pc:sldMk cId="3599723430" sldId="261"/>
         </pc:sldMkLst>
         <pc:spChg chg="mod">
-          <ac:chgData name="Philippe Baucour" userId="5102170ae7533958" providerId="LiveId" clId="{92FC1C5E-2783-49B0-B630-5364916B899A}" dt="2024-05-15T05:26:04.496" v="832" actId="20577"/>
+          <ac:chgData name="Philippe Baucour" userId="5102170ae7533958" providerId="LiveId" clId="{92FC1C5E-2783-49B0-B630-5364916B899A}" dt="2024-05-22T21:11:41.322" v="6220"/>
           <ac:spMkLst>
             <pc:docMk/>
             <pc:sldMk cId="3599723430" sldId="261"/>
@@ -430,13 +453,13 @@
         </pc:spChg>
       </pc:sldChg>
       <pc:sldChg chg="modSp new mod">
-        <pc:chgData name="Philippe Baucour" userId="5102170ae7533958" providerId="LiveId" clId="{92FC1C5E-2783-49B0-B630-5364916B899A}" dt="2024-05-15T05:26:23.008" v="849" actId="20577"/>
+        <pc:chgData name="Philippe Baucour" userId="5102170ae7533958" providerId="LiveId" clId="{92FC1C5E-2783-49B0-B630-5364916B899A}" dt="2024-05-22T21:11:51.832" v="6221"/>
         <pc:sldMkLst>
           <pc:docMk/>
           <pc:sldMk cId="3531592778" sldId="262"/>
         </pc:sldMkLst>
         <pc:spChg chg="mod">
-          <ac:chgData name="Philippe Baucour" userId="5102170ae7533958" providerId="LiveId" clId="{92FC1C5E-2783-49B0-B630-5364916B899A}" dt="2024-05-15T05:26:23.008" v="849" actId="20577"/>
+          <ac:chgData name="Philippe Baucour" userId="5102170ae7533958" providerId="LiveId" clId="{92FC1C5E-2783-49B0-B630-5364916B899A}" dt="2024-05-22T21:11:51.832" v="6221"/>
           <ac:spMkLst>
             <pc:docMk/>
             <pc:sldMk cId="3531592778" sldId="262"/>
@@ -445,13 +468,13 @@
         </pc:spChg>
       </pc:sldChg>
       <pc:sldChg chg="modSp new mod">
-        <pc:chgData name="Philippe Baucour" userId="5102170ae7533958" providerId="LiveId" clId="{92FC1C5E-2783-49B0-B630-5364916B899A}" dt="2024-05-15T05:28:36.539" v="873" actId="20577"/>
+        <pc:chgData name="Philippe Baucour" userId="5102170ae7533958" providerId="LiveId" clId="{92FC1C5E-2783-49B0-B630-5364916B899A}" dt="2024-05-22T21:11:58.827" v="6222"/>
         <pc:sldMkLst>
           <pc:docMk/>
           <pc:sldMk cId="3764972675" sldId="263"/>
         </pc:sldMkLst>
         <pc:spChg chg="mod">
-          <ac:chgData name="Philippe Baucour" userId="5102170ae7533958" providerId="LiveId" clId="{92FC1C5E-2783-49B0-B630-5364916B899A}" dt="2024-05-15T05:28:36.539" v="873" actId="20577"/>
+          <ac:chgData name="Philippe Baucour" userId="5102170ae7533958" providerId="LiveId" clId="{92FC1C5E-2783-49B0-B630-5364916B899A}" dt="2024-05-22T21:11:58.827" v="6222"/>
           <ac:spMkLst>
             <pc:docMk/>
             <pc:sldMk cId="3764972675" sldId="263"/>
@@ -460,13 +483,13 @@
         </pc:spChg>
       </pc:sldChg>
       <pc:sldChg chg="modSp new mod">
-        <pc:chgData name="Philippe Baucour" userId="5102170ae7533958" providerId="LiveId" clId="{92FC1C5E-2783-49B0-B630-5364916B899A}" dt="2024-05-15T05:29:42.761" v="910" actId="20577"/>
+        <pc:chgData name="Philippe Baucour" userId="5102170ae7533958" providerId="LiveId" clId="{92FC1C5E-2783-49B0-B630-5364916B899A}" dt="2024-05-22T21:12:11.986" v="6230" actId="6549"/>
         <pc:sldMkLst>
           <pc:docMk/>
           <pc:sldMk cId="2428471880" sldId="264"/>
         </pc:sldMkLst>
         <pc:spChg chg="mod">
-          <ac:chgData name="Philippe Baucour" userId="5102170ae7533958" providerId="LiveId" clId="{92FC1C5E-2783-49B0-B630-5364916B899A}" dt="2024-05-15T05:29:42.761" v="910" actId="20577"/>
+          <ac:chgData name="Philippe Baucour" userId="5102170ae7533958" providerId="LiveId" clId="{92FC1C5E-2783-49B0-B630-5364916B899A}" dt="2024-05-22T21:12:11.986" v="6230" actId="6549"/>
           <ac:spMkLst>
             <pc:docMk/>
             <pc:sldMk cId="2428471880" sldId="264"/>
@@ -475,13 +498,13 @@
         </pc:spChg>
       </pc:sldChg>
       <pc:sldChg chg="addSp modSp new mod modClrScheme chgLayout">
-        <pc:chgData name="Philippe Baucour" userId="5102170ae7533958" providerId="LiveId" clId="{92FC1C5E-2783-49B0-B630-5364916B899A}" dt="2024-05-21T05:39:39.798" v="4397" actId="27636"/>
+        <pc:chgData name="Philippe Baucour" userId="5102170ae7533958" providerId="LiveId" clId="{92FC1C5E-2783-49B0-B630-5364916B899A}" dt="2024-05-22T21:12:18.280" v="6231"/>
         <pc:sldMkLst>
           <pc:docMk/>
           <pc:sldMk cId="645850396" sldId="265"/>
         </pc:sldMkLst>
         <pc:spChg chg="mod ord">
-          <ac:chgData name="Philippe Baucour" userId="5102170ae7533958" providerId="LiveId" clId="{92FC1C5E-2783-49B0-B630-5364916B899A}" dt="2024-05-20T13:26:00.833" v="1100" actId="700"/>
+          <ac:chgData name="Philippe Baucour" userId="5102170ae7533958" providerId="LiveId" clId="{92FC1C5E-2783-49B0-B630-5364916B899A}" dt="2024-05-22T21:12:18.280" v="6231"/>
           <ac:spMkLst>
             <pc:docMk/>
             <pc:sldMk cId="645850396" sldId="265"/>
@@ -498,13 +521,13 @@
         </pc:spChg>
       </pc:sldChg>
       <pc:sldChg chg="addSp delSp modSp new mod modClrScheme chgLayout">
-        <pc:chgData name="Philippe Baucour" userId="5102170ae7533958" providerId="LiveId" clId="{92FC1C5E-2783-49B0-B630-5364916B899A}" dt="2024-05-20T14:36:53.654" v="2105" actId="20577"/>
+        <pc:chgData name="Philippe Baucour" userId="5102170ae7533958" providerId="LiveId" clId="{92FC1C5E-2783-49B0-B630-5364916B899A}" dt="2024-05-22T21:12:32.688" v="6233"/>
         <pc:sldMkLst>
           <pc:docMk/>
           <pc:sldMk cId="4249389736" sldId="266"/>
         </pc:sldMkLst>
         <pc:spChg chg="mod ord">
-          <ac:chgData name="Philippe Baucour" userId="5102170ae7533958" providerId="LiveId" clId="{92FC1C5E-2783-49B0-B630-5364916B899A}" dt="2024-05-20T14:35:38.195" v="2056" actId="700"/>
+          <ac:chgData name="Philippe Baucour" userId="5102170ae7533958" providerId="LiveId" clId="{92FC1C5E-2783-49B0-B630-5364916B899A}" dt="2024-05-22T21:12:32.688" v="6233"/>
           <ac:spMkLst>
             <pc:docMk/>
             <pc:sldMk cId="4249389736" sldId="266"/>
@@ -537,13 +560,13 @@
         </pc:spChg>
       </pc:sldChg>
       <pc:sldChg chg="modSp new mod">
-        <pc:chgData name="Philippe Baucour" userId="5102170ae7533958" providerId="LiveId" clId="{92FC1C5E-2783-49B0-B630-5364916B899A}" dt="2024-05-15T05:30:32.958" v="957" actId="20577"/>
+        <pc:chgData name="Philippe Baucour" userId="5102170ae7533958" providerId="LiveId" clId="{92FC1C5E-2783-49B0-B630-5364916B899A}" dt="2024-05-22T21:13:03.181" v="6237"/>
         <pc:sldMkLst>
           <pc:docMk/>
           <pc:sldMk cId="2793734321" sldId="267"/>
         </pc:sldMkLst>
         <pc:spChg chg="mod">
-          <ac:chgData name="Philippe Baucour" userId="5102170ae7533958" providerId="LiveId" clId="{92FC1C5E-2783-49B0-B630-5364916B899A}" dt="2024-05-15T05:30:32.958" v="957" actId="20577"/>
+          <ac:chgData name="Philippe Baucour" userId="5102170ae7533958" providerId="LiveId" clId="{92FC1C5E-2783-49B0-B630-5364916B899A}" dt="2024-05-22T21:13:03.181" v="6237"/>
           <ac:spMkLst>
             <pc:docMk/>
             <pc:sldMk cId="2793734321" sldId="267"/>
@@ -575,13 +598,13 @@
         </pc:spChg>
       </pc:sldChg>
       <pc:sldChg chg="addSp delSp modSp add mod modClrScheme chgLayout modNotesTx">
-        <pc:chgData name="Philippe Baucour" userId="5102170ae7533958" providerId="LiveId" clId="{92FC1C5E-2783-49B0-B630-5364916B899A}" dt="2024-05-22T07:03:01.087" v="5857" actId="20577"/>
+        <pc:chgData name="Philippe Baucour" userId="5102170ae7533958" providerId="LiveId" clId="{92FC1C5E-2783-49B0-B630-5364916B899A}" dt="2024-05-22T21:24:16.780" v="6334" actId="1076"/>
         <pc:sldMkLst>
           <pc:docMk/>
           <pc:sldMk cId="2939037261" sldId="269"/>
         </pc:sldMkLst>
         <pc:spChg chg="add mod ord">
-          <ac:chgData name="Philippe Baucour" userId="5102170ae7533958" providerId="LiveId" clId="{92FC1C5E-2783-49B0-B630-5364916B899A}" dt="2024-05-20T13:02:40.928" v="978" actId="20577"/>
+          <ac:chgData name="Philippe Baucour" userId="5102170ae7533958" providerId="LiveId" clId="{92FC1C5E-2783-49B0-B630-5364916B899A}" dt="2024-05-22T21:13:24.127" v="6254" actId="20577"/>
           <ac:spMkLst>
             <pc:docMk/>
             <pc:sldMk cId="2939037261" sldId="269"/>
@@ -644,8 +667,8 @@
             <ac:spMk id="11" creationId="{9F400D4A-A5CE-E054-442C-B185DEE679ED}"/>
           </ac:spMkLst>
         </pc:spChg>
-        <pc:spChg chg="mod">
-          <ac:chgData name="Philippe Baucour" userId="5102170ae7533958" providerId="LiveId" clId="{92FC1C5E-2783-49B0-B630-5364916B899A}" dt="2024-05-20T13:04:45.322" v="1094" actId="1038"/>
+        <pc:spChg chg="mod ord">
+          <ac:chgData name="Philippe Baucour" userId="5102170ae7533958" providerId="LiveId" clId="{92FC1C5E-2783-49B0-B630-5364916B899A}" dt="2024-05-22T21:18:44.860" v="6315" actId="166"/>
           <ac:spMkLst>
             <pc:docMk/>
             <pc:sldMk cId="2939037261" sldId="269"/>
@@ -765,7 +788,7 @@
           </ac:spMkLst>
         </pc:spChg>
         <pc:spChg chg="mod">
-          <ac:chgData name="Philippe Baucour" userId="5102170ae7533958" providerId="LiveId" clId="{92FC1C5E-2783-49B0-B630-5364916B899A}" dt="2024-05-22T05:34:35.200" v="5140" actId="1037"/>
+          <ac:chgData name="Philippe Baucour" userId="5102170ae7533958" providerId="LiveId" clId="{92FC1C5E-2783-49B0-B630-5364916B899A}" dt="2024-05-22T21:19:28.091" v="6325" actId="1076"/>
           <ac:spMkLst>
             <pc:docMk/>
             <pc:sldMk cId="2939037261" sldId="269"/>
@@ -773,23 +796,23 @@
           </ac:spMkLst>
         </pc:spChg>
         <pc:spChg chg="mod">
-          <ac:chgData name="Philippe Baucour" userId="5102170ae7533958" providerId="LiveId" clId="{92FC1C5E-2783-49B0-B630-5364916B899A}" dt="2024-05-22T05:34:29.432" v="5129" actId="1038"/>
+          <ac:chgData name="Philippe Baucour" userId="5102170ae7533958" providerId="LiveId" clId="{92FC1C5E-2783-49B0-B630-5364916B899A}" dt="2024-05-22T21:18:58.034" v="6319" actId="1036"/>
           <ac:spMkLst>
             <pc:docMk/>
             <pc:sldMk cId="2939037261" sldId="269"/>
             <ac:spMk id="28" creationId="{811EF83D-C488-D2DE-9CA0-67D84C4E0619}"/>
           </ac:spMkLst>
         </pc:spChg>
-        <pc:spChg chg="mod">
-          <ac:chgData name="Philippe Baucour" userId="5102170ae7533958" providerId="LiveId" clId="{92FC1C5E-2783-49B0-B630-5364916B899A}" dt="2024-05-20T13:04:45.322" v="1094" actId="1038"/>
+        <pc:spChg chg="mod ord">
+          <ac:chgData name="Philippe Baucour" userId="5102170ae7533958" providerId="LiveId" clId="{92FC1C5E-2783-49B0-B630-5364916B899A}" dt="2024-05-22T21:18:11.356" v="6309" actId="1038"/>
           <ac:spMkLst>
             <pc:docMk/>
             <pc:sldMk cId="2939037261" sldId="269"/>
             <ac:spMk id="29" creationId="{38CDFD79-F9ED-DA3B-E0BD-E664233778D8}"/>
           </ac:spMkLst>
         </pc:spChg>
-        <pc:spChg chg="mod">
-          <ac:chgData name="Philippe Baucour" userId="5102170ae7533958" providerId="LiveId" clId="{92FC1C5E-2783-49B0-B630-5364916B899A}" dt="2024-05-22T07:03:01.087" v="5857" actId="20577"/>
+        <pc:spChg chg="mod ord">
+          <ac:chgData name="Philippe Baucour" userId="5102170ae7533958" providerId="LiveId" clId="{92FC1C5E-2783-49B0-B630-5364916B899A}" dt="2024-05-22T21:16:20.643" v="6286" actId="166"/>
           <ac:spMkLst>
             <pc:docMk/>
             <pc:sldMk cId="2939037261" sldId="269"/>
@@ -989,7 +1012,7 @@
           </ac:spMkLst>
         </pc:spChg>
         <pc:spChg chg="mod">
-          <ac:chgData name="Philippe Baucour" userId="5102170ae7533958" providerId="LiveId" clId="{92FC1C5E-2783-49B0-B630-5364916B899A}" dt="2024-05-22T05:57:39.910" v="5855" actId="20577"/>
+          <ac:chgData name="Philippe Baucour" userId="5102170ae7533958" providerId="LiveId" clId="{92FC1C5E-2783-49B0-B630-5364916B899A}" dt="2024-05-22T21:16:09.335" v="6285" actId="20577"/>
           <ac:spMkLst>
             <pc:docMk/>
             <pc:sldMk cId="2939037261" sldId="269"/>
@@ -1013,7 +1036,7 @@
           </ac:spMkLst>
         </pc:spChg>
         <pc:spChg chg="add mod">
-          <ac:chgData name="Philippe Baucour" userId="5102170ae7533958" providerId="LiveId" clId="{92FC1C5E-2783-49B0-B630-5364916B899A}" dt="2024-05-22T05:28:57.362" v="4970" actId="207"/>
+          <ac:chgData name="Philippe Baucour" userId="5102170ae7533958" providerId="LiveId" clId="{92FC1C5E-2783-49B0-B630-5364916B899A}" dt="2024-05-22T21:15:49.070" v="6281" actId="1036"/>
           <ac:spMkLst>
             <pc:docMk/>
             <pc:sldMk cId="2939037261" sldId="269"/>
@@ -1140,12 +1163,36 @@
             <ac:spMk id="1062" creationId="{1730BEF1-ECCF-18D4-484C-FDE10A6430B1}"/>
           </ac:spMkLst>
         </pc:spChg>
+        <pc:spChg chg="mod">
+          <ac:chgData name="Philippe Baucour" userId="5102170ae7533958" providerId="LiveId" clId="{92FC1C5E-2783-49B0-B630-5364916B899A}" dt="2024-05-22T21:17:40.539" v="6287"/>
+          <ac:spMkLst>
+            <pc:docMk/>
+            <pc:sldMk cId="2939037261" sldId="269"/>
+            <ac:spMk id="1062" creationId="{E2C27D76-7B11-06EA-5FB0-51CE70398EAB}"/>
+          </ac:spMkLst>
+        </pc:spChg>
+        <pc:spChg chg="mod">
+          <ac:chgData name="Philippe Baucour" userId="5102170ae7533958" providerId="LiveId" clId="{92FC1C5E-2783-49B0-B630-5364916B899A}" dt="2024-05-22T21:17:40.539" v="6287"/>
+          <ac:spMkLst>
+            <pc:docMk/>
+            <pc:sldMk cId="2939037261" sldId="269"/>
+            <ac:spMk id="1063" creationId="{1AA082C6-7909-6EE3-A2CE-2DF82C700524}"/>
+          </ac:spMkLst>
+        </pc:spChg>
         <pc:spChg chg="add del mod">
           <ac:chgData name="Philippe Baucour" userId="5102170ae7533958" providerId="LiveId" clId="{92FC1C5E-2783-49B0-B630-5364916B899A}" dt="2024-05-22T05:17:49.019" v="4818" actId="478"/>
           <ac:spMkLst>
             <pc:docMk/>
             <pc:sldMk cId="2939037261" sldId="269"/>
             <ac:spMk id="1063" creationId="{DD5F5922-0D72-297C-D6DD-E804CC485081}"/>
+          </ac:spMkLst>
+        </pc:spChg>
+        <pc:spChg chg="mod">
+          <ac:chgData name="Philippe Baucour" userId="5102170ae7533958" providerId="LiveId" clId="{92FC1C5E-2783-49B0-B630-5364916B899A}" dt="2024-05-22T21:17:40.539" v="6287"/>
+          <ac:spMkLst>
+            <pc:docMk/>
+            <pc:sldMk cId="2939037261" sldId="269"/>
+            <ac:spMk id="1064" creationId="{8C2A17AB-3F06-0AD4-C6E4-A31FD0E8FFF2}"/>
           </ac:spMkLst>
         </pc:spChg>
         <pc:spChg chg="add del mod">
@@ -1165,6 +1212,14 @@
           </ac:spMkLst>
         </pc:spChg>
         <pc:spChg chg="mod">
+          <ac:chgData name="Philippe Baucour" userId="5102170ae7533958" providerId="LiveId" clId="{92FC1C5E-2783-49B0-B630-5364916B899A}" dt="2024-05-22T21:17:40.539" v="6287"/>
+          <ac:spMkLst>
+            <pc:docMk/>
+            <pc:sldMk cId="2939037261" sldId="269"/>
+            <ac:spMk id="1065" creationId="{B1701D3C-AD88-2C53-5C59-E57CE14D8E63}"/>
+          </ac:spMkLst>
+        </pc:spChg>
+        <pc:spChg chg="mod">
           <ac:chgData name="Philippe Baucour" userId="5102170ae7533958" providerId="LiveId" clId="{92FC1C5E-2783-49B0-B630-5364916B899A}" dt="2024-05-22T05:23:06.797" v="4908" actId="1582"/>
           <ac:spMkLst>
             <pc:docMk/>
@@ -1197,11 +1252,27 @@
           </ac:spMkLst>
         </pc:spChg>
         <pc:spChg chg="mod">
+          <ac:chgData name="Philippe Baucour" userId="5102170ae7533958" providerId="LiveId" clId="{92FC1C5E-2783-49B0-B630-5364916B899A}" dt="2024-05-22T21:17:40.539" v="6287"/>
+          <ac:spMkLst>
+            <pc:docMk/>
+            <pc:sldMk cId="2939037261" sldId="269"/>
+            <ac:spMk id="1071" creationId="{E6129D02-2FB1-6AA0-BF5F-61F8C74F449F}"/>
+          </ac:spMkLst>
+        </pc:spChg>
+        <pc:spChg chg="mod">
           <ac:chgData name="Philippe Baucour" userId="5102170ae7533958" providerId="LiveId" clId="{92FC1C5E-2783-49B0-B630-5364916B899A}" dt="2024-05-22T05:19:30.880" v="4848"/>
           <ac:spMkLst>
             <pc:docMk/>
             <pc:sldMk cId="2939037261" sldId="269"/>
             <ac:spMk id="1072" creationId="{9EB79B6E-FEB1-E9F4-270E-8C9F6335AA3C}"/>
+          </ac:spMkLst>
+        </pc:spChg>
+        <pc:spChg chg="mod">
+          <ac:chgData name="Philippe Baucour" userId="5102170ae7533958" providerId="LiveId" clId="{92FC1C5E-2783-49B0-B630-5364916B899A}" dt="2024-05-22T21:18:30.055" v="6310"/>
+          <ac:spMkLst>
+            <pc:docMk/>
+            <pc:sldMk cId="2939037261" sldId="269"/>
+            <ac:spMk id="1073" creationId="{68371420-3402-9BD6-DB19-8C0E026B7A4E}"/>
           </ac:spMkLst>
         </pc:spChg>
         <pc:spChg chg="mod">
@@ -1676,6 +1747,14 @@
             <ac:spMk id="1165" creationId="{F8A63E4C-1122-7CCB-F0BE-D415B4C39DD9}"/>
           </ac:spMkLst>
         </pc:spChg>
+        <pc:spChg chg="mod">
+          <ac:chgData name="Philippe Baucour" userId="5102170ae7533958" providerId="LiveId" clId="{92FC1C5E-2783-49B0-B630-5364916B899A}" dt="2024-05-22T21:20:14.351" v="6326"/>
+          <ac:spMkLst>
+            <pc:docMk/>
+            <pc:sldMk cId="2939037261" sldId="269"/>
+            <ac:spMk id="1166" creationId="{33DD3732-622C-38CD-133F-98B393E625BB}"/>
+          </ac:spMkLst>
+        </pc:spChg>
         <pc:spChg chg="add mod">
           <ac:chgData name="Philippe Baucour" userId="5102170ae7533958" providerId="LiveId" clId="{92FC1C5E-2783-49B0-B630-5364916B899A}" dt="2024-05-22T05:54:33.910" v="5664"/>
           <ac:spMkLst>
@@ -1716,12 +1795,68 @@
             <ac:spMk id="1170" creationId="{4BA80937-C690-2715-36E4-DCE9A7EAC60C}"/>
           </ac:spMkLst>
         </pc:spChg>
+        <pc:spChg chg="add del mod">
+          <ac:chgData name="Philippe Baucour" userId="5102170ae7533958" providerId="LiveId" clId="{92FC1C5E-2783-49B0-B630-5364916B899A}" dt="2024-05-22T21:20:26.474" v="6328" actId="478"/>
+          <ac:spMkLst>
+            <pc:docMk/>
+            <pc:sldMk cId="2939037261" sldId="269"/>
+            <ac:spMk id="1178" creationId="{4A4A19DD-4A7C-8846-B2FD-09EC92D3B667}"/>
+          </ac:spMkLst>
+        </pc:spChg>
+        <pc:spChg chg="mod">
+          <ac:chgData name="Philippe Baucour" userId="5102170ae7533958" providerId="LiveId" clId="{92FC1C5E-2783-49B0-B630-5364916B899A}" dt="2024-05-22T21:23:43.900" v="6329"/>
+          <ac:spMkLst>
+            <pc:docMk/>
+            <pc:sldMk cId="2939037261" sldId="269"/>
+            <ac:spMk id="1180" creationId="{CA239FFE-8132-408D-443D-A10C2DEF3E62}"/>
+          </ac:spMkLst>
+        </pc:spChg>
+        <pc:spChg chg="mod">
+          <ac:chgData name="Philippe Baucour" userId="5102170ae7533958" providerId="LiveId" clId="{92FC1C5E-2783-49B0-B630-5364916B899A}" dt="2024-05-22T21:23:43.900" v="6329"/>
+          <ac:spMkLst>
+            <pc:docMk/>
+            <pc:sldMk cId="2939037261" sldId="269"/>
+            <ac:spMk id="1181" creationId="{5FF51EC1-7BFD-F4E7-EE5A-C8F70CD3DAF2}"/>
+          </ac:spMkLst>
+        </pc:spChg>
+        <pc:spChg chg="mod">
+          <ac:chgData name="Philippe Baucour" userId="5102170ae7533958" providerId="LiveId" clId="{92FC1C5E-2783-49B0-B630-5364916B899A}" dt="2024-05-22T21:23:43.900" v="6329"/>
+          <ac:spMkLst>
+            <pc:docMk/>
+            <pc:sldMk cId="2939037261" sldId="269"/>
+            <ac:spMk id="1182" creationId="{418C54A8-D19F-E172-B711-FDE8A5A28BCB}"/>
+          </ac:spMkLst>
+        </pc:spChg>
+        <pc:spChg chg="mod">
+          <ac:chgData name="Philippe Baucour" userId="5102170ae7533958" providerId="LiveId" clId="{92FC1C5E-2783-49B0-B630-5364916B899A}" dt="2024-05-22T21:23:43.900" v="6329"/>
+          <ac:spMkLst>
+            <pc:docMk/>
+            <pc:sldMk cId="2939037261" sldId="269"/>
+            <ac:spMk id="1183" creationId="{AEAEA9D6-C656-C189-2662-9EEE3F742467}"/>
+          </ac:spMkLst>
+        </pc:spChg>
+        <pc:spChg chg="add mod">
+          <ac:chgData name="Philippe Baucour" userId="5102170ae7533958" providerId="LiveId" clId="{92FC1C5E-2783-49B0-B630-5364916B899A}" dt="2024-05-22T21:24:16.780" v="6334" actId="1076"/>
+          <ac:spMkLst>
+            <pc:docMk/>
+            <pc:sldMk cId="2939037261" sldId="269"/>
+            <ac:spMk id="1184" creationId="{E5615326-DDF3-D483-0C4A-9334000E3135}"/>
+          </ac:spMkLst>
+        </pc:spChg>
         <pc:grpChg chg="add mod">
           <ac:chgData name="Philippe Baucour" userId="5102170ae7533958" providerId="LiveId" clId="{92FC1C5E-2783-49B0-B630-5364916B899A}" dt="2024-05-22T05:36:10.973" v="5241" actId="1038"/>
           <ac:grpSpMkLst>
             <pc:docMk/>
             <pc:sldMk cId="2939037261" sldId="269"/>
             <ac:grpSpMk id="10" creationId="{3717115D-173F-93E3-A0CB-1DA1BD3D1A27}"/>
+          </ac:grpSpMkLst>
+        </pc:grpChg>
+        <pc:grpChg chg="add mod">
+          <ac:chgData name="Philippe Baucour" userId="5102170ae7533958" providerId="LiveId" clId="{92FC1C5E-2783-49B0-B630-5364916B899A}" dt="2024-05-22T21:17:47.718" v="6288" actId="1076"/>
+          <ac:grpSpMkLst>
+            <pc:docMk/>
+            <pc:sldMk cId="2939037261" sldId="269"/>
+            <ac:grpSpMk id="22" creationId="{54E3F5C7-E73E-E9F0-9E29-47ADABF3AD2E}"/>
           </ac:grpSpMkLst>
         </pc:grpChg>
         <pc:grpChg chg="mod">
@@ -1789,6 +1924,14 @@
           </ac:grpSpMkLst>
         </pc:grpChg>
         <pc:grpChg chg="add mod">
+          <ac:chgData name="Philippe Baucour" userId="5102170ae7533958" providerId="LiveId" clId="{92FC1C5E-2783-49B0-B630-5364916B899A}" dt="2024-05-22T21:18:38.493" v="6314" actId="1036"/>
+          <ac:grpSpMkLst>
+            <pc:docMk/>
+            <pc:sldMk cId="2939037261" sldId="269"/>
+            <ac:grpSpMk id="1072" creationId="{E2840B6D-FFDE-54CB-8A60-C0F71E801725}"/>
+          </ac:grpSpMkLst>
+        </pc:grpChg>
+        <pc:grpChg chg="add mod">
           <ac:chgData name="Philippe Baucour" userId="5102170ae7533958" providerId="LiveId" clId="{92FC1C5E-2783-49B0-B630-5364916B899A}" dt="2024-05-22T05:19:54.791" v="4875" actId="1038"/>
           <ac:grpSpMkLst>
             <pc:docMk/>
@@ -1884,6 +2027,22 @@
             <ac:grpSpMk id="1160" creationId="{003B9EB0-DF4E-C718-6496-A90B3D2E13C3}"/>
           </ac:grpSpMkLst>
         </pc:grpChg>
+        <pc:grpChg chg="add del mod">
+          <ac:chgData name="Philippe Baucour" userId="5102170ae7533958" providerId="LiveId" clId="{92FC1C5E-2783-49B0-B630-5364916B899A}" dt="2024-05-22T21:20:26.474" v="6328" actId="478"/>
+          <ac:grpSpMkLst>
+            <pc:docMk/>
+            <pc:sldMk cId="2939037261" sldId="269"/>
+            <ac:grpSpMk id="1165" creationId="{4671BD23-95EE-762B-D798-D5CD8A484DCA}"/>
+          </ac:grpSpMkLst>
+        </pc:grpChg>
+        <pc:grpChg chg="add mod">
+          <ac:chgData name="Philippe Baucour" userId="5102170ae7533958" providerId="LiveId" clId="{92FC1C5E-2783-49B0-B630-5364916B899A}" dt="2024-05-22T21:24:16.780" v="6334" actId="1076"/>
+          <ac:grpSpMkLst>
+            <pc:docMk/>
+            <pc:sldMk cId="2939037261" sldId="269"/>
+            <ac:grpSpMk id="1179" creationId="{B655635D-A7EF-2F3F-9483-20924B8CCEB7}"/>
+          </ac:grpSpMkLst>
+        </pc:grpChg>
         <pc:picChg chg="mod">
           <ac:chgData name="Philippe Baucour" userId="5102170ae7533958" providerId="LiveId" clId="{92FC1C5E-2783-49B0-B630-5364916B899A}" dt="2024-05-20T13:04:45.322" v="1094" actId="1038"/>
           <ac:picMkLst>
@@ -1893,7 +2052,7 @@
           </ac:picMkLst>
         </pc:picChg>
         <pc:picChg chg="mod">
-          <ac:chgData name="Philippe Baucour" userId="5102170ae7533958" providerId="LiveId" clId="{92FC1C5E-2783-49B0-B630-5364916B899A}" dt="2024-05-22T05:17:57.438" v="4821" actId="1076"/>
+          <ac:chgData name="Philippe Baucour" userId="5102170ae7533958" providerId="LiveId" clId="{92FC1C5E-2783-49B0-B630-5364916B899A}" dt="2024-05-22T21:23:48.123" v="6331" actId="1076"/>
           <ac:picMkLst>
             <pc:docMk/>
             <pc:sldMk cId="2939037261" sldId="269"/>
@@ -1901,7 +2060,7 @@
           </ac:picMkLst>
         </pc:picChg>
         <pc:picChg chg="mod ord">
-          <ac:chgData name="Philippe Baucour" userId="5102170ae7533958" providerId="LiveId" clId="{92FC1C5E-2783-49B0-B630-5364916B899A}" dt="2024-05-22T05:10:04.382" v="4668" actId="1076"/>
+          <ac:chgData name="Philippe Baucour" userId="5102170ae7533958" providerId="LiveId" clId="{92FC1C5E-2783-49B0-B630-5364916B899A}" dt="2024-05-22T21:14:57.315" v="6259" actId="1076"/>
           <ac:picMkLst>
             <pc:docMk/>
             <pc:sldMk cId="2939037261" sldId="269"/>
@@ -2085,6 +2244,22 @@
           </ac:cxnSpMkLst>
         </pc:cxnChg>
         <pc:cxnChg chg="mod">
+          <ac:chgData name="Philippe Baucour" userId="5102170ae7533958" providerId="LiveId" clId="{92FC1C5E-2783-49B0-B630-5364916B899A}" dt="2024-05-22T21:18:30.055" v="6310"/>
+          <ac:cxnSpMkLst>
+            <pc:docMk/>
+            <pc:sldMk cId="2939037261" sldId="269"/>
+            <ac:cxnSpMk id="1074" creationId="{C0B6DFC9-8495-C219-E10E-8C5C0AE4EBB5}"/>
+          </ac:cxnSpMkLst>
+        </pc:cxnChg>
+        <pc:cxnChg chg="mod">
+          <ac:chgData name="Philippe Baucour" userId="5102170ae7533958" providerId="LiveId" clId="{92FC1C5E-2783-49B0-B630-5364916B899A}" dt="2024-05-22T21:18:30.055" v="6310"/>
+          <ac:cxnSpMkLst>
+            <pc:docMk/>
+            <pc:sldMk cId="2939037261" sldId="269"/>
+            <ac:cxnSpMk id="1075" creationId="{EF5AF416-D4B9-4486-9796-D7EB8F4EB258}"/>
+          </ac:cxnSpMkLst>
+        </pc:cxnChg>
+        <pc:cxnChg chg="mod">
           <ac:chgData name="Philippe Baucour" userId="5102170ae7533958" providerId="LiveId" clId="{92FC1C5E-2783-49B0-B630-5364916B899A}" dt="2024-05-22T05:23:06.797" v="4908" actId="1582"/>
           <ac:cxnSpMkLst>
             <pc:docMk/>
@@ -2250,6 +2425,102 @@
             <pc:docMk/>
             <pc:sldMk cId="2939037261" sldId="269"/>
             <ac:cxnSpMk id="1145" creationId="{0001824B-045F-70AB-28E3-13A59E5DDAEF}"/>
+          </ac:cxnSpMkLst>
+        </pc:cxnChg>
+        <pc:cxnChg chg="mod">
+          <ac:chgData name="Philippe Baucour" userId="5102170ae7533958" providerId="LiveId" clId="{92FC1C5E-2783-49B0-B630-5364916B899A}" dt="2024-05-22T21:18:30.055" v="6310"/>
+          <ac:cxnSpMkLst>
+            <pc:docMk/>
+            <pc:sldMk cId="2939037261" sldId="269"/>
+            <ac:cxnSpMk id="1160" creationId="{A731896B-0D55-B340-8480-A679CC194C30}"/>
+          </ac:cxnSpMkLst>
+        </pc:cxnChg>
+        <pc:cxnChg chg="mod">
+          <ac:chgData name="Philippe Baucour" userId="5102170ae7533958" providerId="LiveId" clId="{92FC1C5E-2783-49B0-B630-5364916B899A}" dt="2024-05-22T21:18:30.055" v="6310"/>
+          <ac:cxnSpMkLst>
+            <pc:docMk/>
+            <pc:sldMk cId="2939037261" sldId="269"/>
+            <ac:cxnSpMk id="1161" creationId="{814E9B34-CBD5-2ABB-B618-32951A821734}"/>
+          </ac:cxnSpMkLst>
+        </pc:cxnChg>
+        <pc:cxnChg chg="mod">
+          <ac:chgData name="Philippe Baucour" userId="5102170ae7533958" providerId="LiveId" clId="{92FC1C5E-2783-49B0-B630-5364916B899A}" dt="2024-05-22T21:18:30.055" v="6310"/>
+          <ac:cxnSpMkLst>
+            <pc:docMk/>
+            <pc:sldMk cId="2939037261" sldId="269"/>
+            <ac:cxnSpMk id="1162" creationId="{CE5D44F3-D326-A521-8C7E-5FB1E780A9CA}"/>
+          </ac:cxnSpMkLst>
+        </pc:cxnChg>
+        <pc:cxnChg chg="mod">
+          <ac:chgData name="Philippe Baucour" userId="5102170ae7533958" providerId="LiveId" clId="{92FC1C5E-2783-49B0-B630-5364916B899A}" dt="2024-05-22T21:18:30.055" v="6310"/>
+          <ac:cxnSpMkLst>
+            <pc:docMk/>
+            <pc:sldMk cId="2939037261" sldId="269"/>
+            <ac:cxnSpMk id="1163" creationId="{5254CA52-6A03-A8A1-97E9-07A20B4F0CFF}"/>
+          </ac:cxnSpMkLst>
+        </pc:cxnChg>
+        <pc:cxnChg chg="mod">
+          <ac:chgData name="Philippe Baucour" userId="5102170ae7533958" providerId="LiveId" clId="{92FC1C5E-2783-49B0-B630-5364916B899A}" dt="2024-05-22T21:18:30.055" v="6310"/>
+          <ac:cxnSpMkLst>
+            <pc:docMk/>
+            <pc:sldMk cId="2939037261" sldId="269"/>
+            <ac:cxnSpMk id="1164" creationId="{96AA3588-151C-D5B6-EE00-2D838357261E}"/>
+          </ac:cxnSpMkLst>
+        </pc:cxnChg>
+        <pc:cxnChg chg="mod">
+          <ac:chgData name="Philippe Baucour" userId="5102170ae7533958" providerId="LiveId" clId="{92FC1C5E-2783-49B0-B630-5364916B899A}" dt="2024-05-22T21:20:14.351" v="6326"/>
+          <ac:cxnSpMkLst>
+            <pc:docMk/>
+            <pc:sldMk cId="2939037261" sldId="269"/>
+            <ac:cxnSpMk id="1171" creationId="{E383702D-65C6-4DC3-99C7-AFBD872A5127}"/>
+          </ac:cxnSpMkLst>
+        </pc:cxnChg>
+        <pc:cxnChg chg="mod">
+          <ac:chgData name="Philippe Baucour" userId="5102170ae7533958" providerId="LiveId" clId="{92FC1C5E-2783-49B0-B630-5364916B899A}" dt="2024-05-22T21:20:14.351" v="6326"/>
+          <ac:cxnSpMkLst>
+            <pc:docMk/>
+            <pc:sldMk cId="2939037261" sldId="269"/>
+            <ac:cxnSpMk id="1172" creationId="{5EA57E06-04FE-9166-431F-23C795363808}"/>
+          </ac:cxnSpMkLst>
+        </pc:cxnChg>
+        <pc:cxnChg chg="mod">
+          <ac:chgData name="Philippe Baucour" userId="5102170ae7533958" providerId="LiveId" clId="{92FC1C5E-2783-49B0-B630-5364916B899A}" dt="2024-05-22T21:20:14.351" v="6326"/>
+          <ac:cxnSpMkLst>
+            <pc:docMk/>
+            <pc:sldMk cId="2939037261" sldId="269"/>
+            <ac:cxnSpMk id="1173" creationId="{05846B30-6F34-9981-6C35-5741EEE05960}"/>
+          </ac:cxnSpMkLst>
+        </pc:cxnChg>
+        <pc:cxnChg chg="mod">
+          <ac:chgData name="Philippe Baucour" userId="5102170ae7533958" providerId="LiveId" clId="{92FC1C5E-2783-49B0-B630-5364916B899A}" dt="2024-05-22T21:20:14.351" v="6326"/>
+          <ac:cxnSpMkLst>
+            <pc:docMk/>
+            <pc:sldMk cId="2939037261" sldId="269"/>
+            <ac:cxnSpMk id="1174" creationId="{ADEF24B0-C964-CCF0-D397-31C54F8CE71C}"/>
+          </ac:cxnSpMkLst>
+        </pc:cxnChg>
+        <pc:cxnChg chg="mod">
+          <ac:chgData name="Philippe Baucour" userId="5102170ae7533958" providerId="LiveId" clId="{92FC1C5E-2783-49B0-B630-5364916B899A}" dt="2024-05-22T21:20:14.351" v="6326"/>
+          <ac:cxnSpMkLst>
+            <pc:docMk/>
+            <pc:sldMk cId="2939037261" sldId="269"/>
+            <ac:cxnSpMk id="1175" creationId="{B4CB33BB-495F-0CBB-2B7F-61BCC911732C}"/>
+          </ac:cxnSpMkLst>
+        </pc:cxnChg>
+        <pc:cxnChg chg="mod">
+          <ac:chgData name="Philippe Baucour" userId="5102170ae7533958" providerId="LiveId" clId="{92FC1C5E-2783-49B0-B630-5364916B899A}" dt="2024-05-22T21:20:14.351" v="6326"/>
+          <ac:cxnSpMkLst>
+            <pc:docMk/>
+            <pc:sldMk cId="2939037261" sldId="269"/>
+            <ac:cxnSpMk id="1176" creationId="{2737ED7D-0A4F-7C42-2C88-A0F96664E6BA}"/>
+          </ac:cxnSpMkLst>
+        </pc:cxnChg>
+        <pc:cxnChg chg="mod">
+          <ac:chgData name="Philippe Baucour" userId="5102170ae7533958" providerId="LiveId" clId="{92FC1C5E-2783-49B0-B630-5364916B899A}" dt="2024-05-22T21:20:14.351" v="6326"/>
+          <ac:cxnSpMkLst>
+            <pc:docMk/>
+            <pc:sldMk cId="2939037261" sldId="269"/>
+            <ac:cxnSpMk id="1177" creationId="{A58FF8F6-D76D-5CB6-7358-10C272F74D4B}"/>
           </ac:cxnSpMkLst>
         </pc:cxnChg>
       </pc:sldChg>
@@ -2259,6 +2530,21 @@
           <pc:docMk/>
           <pc:sldMk cId="388125912" sldId="270"/>
         </pc:sldMkLst>
+      </pc:sldChg>
+      <pc:sldChg chg="modSp add mod modNotesTx">
+        <pc:chgData name="Philippe Baucour" userId="5102170ae7533958" providerId="LiveId" clId="{92FC1C5E-2783-49B0-B630-5364916B899A}" dt="2024-05-23T05:18:05.486" v="6374" actId="6549"/>
+        <pc:sldMkLst>
+          <pc:docMk/>
+          <pc:sldMk cId="2053994929" sldId="271"/>
+        </pc:sldMkLst>
+        <pc:spChg chg="mod">
+          <ac:chgData name="Philippe Baucour" userId="5102170ae7533958" providerId="LiveId" clId="{92FC1C5E-2783-49B0-B630-5364916B899A}" dt="2024-05-23T05:07:09.681" v="6358" actId="27636"/>
+          <ac:spMkLst>
+            <pc:docMk/>
+            <pc:sldMk cId="2053994929" sldId="271"/>
+            <ac:spMk id="3" creationId="{603E3238-BFE4-7F69-C6A3-DB775394AEA6}"/>
+          </ac:spMkLst>
+        </pc:spChg>
       </pc:sldChg>
       <pc:sldChg chg="add del">
         <pc:chgData name="Philippe Baucour" userId="5102170ae7533958" providerId="LiveId" clId="{92FC1C5E-2783-49B0-B630-5364916B899A}" dt="2024-05-20T16:31:55.726" v="3442" actId="47"/>
@@ -2601,7 +2887,7 @@
         </pc:spChg>
       </pc:sldChg>
       <pc:sldChg chg="addSp delSp modSp new mod modClrScheme chgLayout">
-        <pc:chgData name="Philippe Baucour" userId="5102170ae7533958" providerId="LiveId" clId="{92FC1C5E-2783-49B0-B630-5364916B899A}" dt="2024-05-20T14:50:33.177" v="2126" actId="14100"/>
+        <pc:chgData name="Philippe Baucour" userId="5102170ae7533958" providerId="LiveId" clId="{92FC1C5E-2783-49B0-B630-5364916B899A}" dt="2024-05-22T21:12:46.157" v="6235" actId="20577"/>
         <pc:sldMkLst>
           <pc:docMk/>
           <pc:sldMk cId="1684020394" sldId="275"/>
@@ -2623,7 +2909,7 @@
           </ac:spMkLst>
         </pc:spChg>
         <pc:spChg chg="add mod">
-          <ac:chgData name="Philippe Baucour" userId="5102170ae7533958" providerId="LiveId" clId="{92FC1C5E-2783-49B0-B630-5364916B899A}" dt="2024-05-20T14:50:17.238" v="2122" actId="700"/>
+          <ac:chgData name="Philippe Baucour" userId="5102170ae7533958" providerId="LiveId" clId="{92FC1C5E-2783-49B0-B630-5364916B899A}" dt="2024-05-22T21:12:46.157" v="6235" actId="20577"/>
           <ac:spMkLst>
             <pc:docMk/>
             <pc:sldMk cId="1684020394" sldId="275"/>
@@ -2640,13 +2926,13 @@
         </pc:picChg>
       </pc:sldChg>
       <pc:sldChg chg="addSp delSp modSp add mod">
-        <pc:chgData name="Philippe Baucour" userId="5102170ae7533958" providerId="LiveId" clId="{92FC1C5E-2783-49B0-B630-5364916B899A}" dt="2024-05-21T05:42:45.696" v="4501" actId="20577"/>
+        <pc:chgData name="Philippe Baucour" userId="5102170ae7533958" providerId="LiveId" clId="{92FC1C5E-2783-49B0-B630-5364916B899A}" dt="2024-05-22T21:12:51.214" v="6236" actId="20577"/>
         <pc:sldMkLst>
           <pc:docMk/>
           <pc:sldMk cId="3820477691" sldId="276"/>
         </pc:sldMkLst>
         <pc:spChg chg="mod">
-          <ac:chgData name="Philippe Baucour" userId="5102170ae7533958" providerId="LiveId" clId="{92FC1C5E-2783-49B0-B630-5364916B899A}" dt="2024-05-20T14:52:05.870" v="2139" actId="6549"/>
+          <ac:chgData name="Philippe Baucour" userId="5102170ae7533958" providerId="LiveId" clId="{92FC1C5E-2783-49B0-B630-5364916B899A}" dt="2024-05-22T21:12:51.214" v="6236" actId="20577"/>
           <ac:spMkLst>
             <pc:docMk/>
             <pc:sldMk cId="3820477691" sldId="276"/>
@@ -3068,6 +3354,231 @@
             <ac:cxnSpMk id="16" creationId="{84CC0E93-D08F-EF8D-34CF-E513AF1C9B5B}"/>
           </ac:cxnSpMkLst>
         </pc:cxnChg>
+      </pc:sldChg>
+      <pc:sldChg chg="modSp new mod">
+        <pc:chgData name="Philippe Baucour" userId="5102170ae7533958" providerId="LiveId" clId="{92FC1C5E-2783-49B0-B630-5364916B899A}" dt="2024-05-22T21:11:07.258" v="6202"/>
+        <pc:sldMkLst>
+          <pc:docMk/>
+          <pc:sldMk cId="1020797263" sldId="278"/>
+        </pc:sldMkLst>
+        <pc:spChg chg="mod">
+          <ac:chgData name="Philippe Baucour" userId="5102170ae7533958" providerId="LiveId" clId="{92FC1C5E-2783-49B0-B630-5364916B899A}" dt="2024-05-22T21:11:07.258" v="6202"/>
+          <ac:spMkLst>
+            <pc:docMk/>
+            <pc:sldMk cId="1020797263" sldId="278"/>
+            <ac:spMk id="2" creationId="{F07C6335-1A18-152E-B34C-968C5599C02A}"/>
+          </ac:spMkLst>
+        </pc:spChg>
+      </pc:sldChg>
+      <pc:sldChg chg="modSp new mod">
+        <pc:chgData name="Philippe Baucour" userId="5102170ae7533958" providerId="LiveId" clId="{92FC1C5E-2783-49B0-B630-5364916B899A}" dt="2024-05-22T21:10:59.948" v="6201"/>
+        <pc:sldMkLst>
+          <pc:docMk/>
+          <pc:sldMk cId="1550033926" sldId="279"/>
+        </pc:sldMkLst>
+        <pc:spChg chg="mod">
+          <ac:chgData name="Philippe Baucour" userId="5102170ae7533958" providerId="LiveId" clId="{92FC1C5E-2783-49B0-B630-5364916B899A}" dt="2024-05-22T21:10:59.948" v="6201"/>
+          <ac:spMkLst>
+            <pc:docMk/>
+            <pc:sldMk cId="1550033926" sldId="279"/>
+            <ac:spMk id="2" creationId="{A51D6E9A-FA1B-77D8-89C3-E5CBE9F3C0BC}"/>
+          </ac:spMkLst>
+        </pc:spChg>
+      </pc:sldChg>
+      <pc:sldChg chg="modSp new mod">
+        <pc:chgData name="Philippe Baucour" userId="5102170ae7533958" providerId="LiveId" clId="{92FC1C5E-2783-49B0-B630-5364916B899A}" dt="2024-05-22T21:10:55.340" v="6200"/>
+        <pc:sldMkLst>
+          <pc:docMk/>
+          <pc:sldMk cId="3796803524" sldId="280"/>
+        </pc:sldMkLst>
+        <pc:spChg chg="mod">
+          <ac:chgData name="Philippe Baucour" userId="5102170ae7533958" providerId="LiveId" clId="{92FC1C5E-2783-49B0-B630-5364916B899A}" dt="2024-05-22T21:10:55.340" v="6200"/>
+          <ac:spMkLst>
+            <pc:docMk/>
+            <pc:sldMk cId="3796803524" sldId="280"/>
+            <ac:spMk id="2" creationId="{26742326-C400-BCB8-2EE0-E8D03370FCA6}"/>
+          </ac:spMkLst>
+        </pc:spChg>
+      </pc:sldChg>
+      <pc:sldChg chg="modSp new mod">
+        <pc:chgData name="Philippe Baucour" userId="5102170ae7533958" providerId="LiveId" clId="{92FC1C5E-2783-49B0-B630-5364916B899A}" dt="2024-05-22T21:10:51.125" v="6199"/>
+        <pc:sldMkLst>
+          <pc:docMk/>
+          <pc:sldMk cId="167165016" sldId="281"/>
+        </pc:sldMkLst>
+        <pc:spChg chg="mod">
+          <ac:chgData name="Philippe Baucour" userId="5102170ae7533958" providerId="LiveId" clId="{92FC1C5E-2783-49B0-B630-5364916B899A}" dt="2024-05-22T21:10:51.125" v="6199"/>
+          <ac:spMkLst>
+            <pc:docMk/>
+            <pc:sldMk cId="167165016" sldId="281"/>
+            <ac:spMk id="2" creationId="{59041DDA-56B2-6493-7964-694BC5729735}"/>
+          </ac:spMkLst>
+        </pc:spChg>
+      </pc:sldChg>
+      <pc:sldChg chg="modSp new mod">
+        <pc:chgData name="Philippe Baucour" userId="5102170ae7533958" providerId="LiveId" clId="{92FC1C5E-2783-49B0-B630-5364916B899A}" dt="2024-05-22T21:10:43.725" v="6198" actId="20577"/>
+        <pc:sldMkLst>
+          <pc:docMk/>
+          <pc:sldMk cId="2952062194" sldId="282"/>
+        </pc:sldMkLst>
+        <pc:spChg chg="mod">
+          <ac:chgData name="Philippe Baucour" userId="5102170ae7533958" providerId="LiveId" clId="{92FC1C5E-2783-49B0-B630-5364916B899A}" dt="2024-05-22T21:10:43.725" v="6198" actId="20577"/>
+          <ac:spMkLst>
+            <pc:docMk/>
+            <pc:sldMk cId="2952062194" sldId="282"/>
+            <ac:spMk id="2" creationId="{2AA42C4A-2E93-B9C5-8801-BA5FA367BBF0}"/>
+          </ac:spMkLst>
+        </pc:spChg>
+      </pc:sldChg>
+      <pc:sldChg chg="modSp new mod">
+        <pc:chgData name="Philippe Baucour" userId="5102170ae7533958" providerId="LiveId" clId="{92FC1C5E-2783-49B0-B630-5364916B899A}" dt="2024-05-22T21:10:24.665" v="6183"/>
+        <pc:sldMkLst>
+          <pc:docMk/>
+          <pc:sldMk cId="2324011759" sldId="283"/>
+        </pc:sldMkLst>
+        <pc:spChg chg="mod">
+          <ac:chgData name="Philippe Baucour" userId="5102170ae7533958" providerId="LiveId" clId="{92FC1C5E-2783-49B0-B630-5364916B899A}" dt="2024-05-22T21:10:24.665" v="6183"/>
+          <ac:spMkLst>
+            <pc:docMk/>
+            <pc:sldMk cId="2324011759" sldId="283"/>
+            <ac:spMk id="2" creationId="{AAF737E8-1517-AD9C-A3D8-4075BCBCF827}"/>
+          </ac:spMkLst>
+        </pc:spChg>
+      </pc:sldChg>
+      <pc:sldChg chg="modSp new mod">
+        <pc:chgData name="Philippe Baucour" userId="5102170ae7533958" providerId="LiveId" clId="{92FC1C5E-2783-49B0-B630-5364916B899A}" dt="2024-05-22T21:10:17.915" v="6182"/>
+        <pc:sldMkLst>
+          <pc:docMk/>
+          <pc:sldMk cId="969718720" sldId="284"/>
+        </pc:sldMkLst>
+        <pc:spChg chg="mod">
+          <ac:chgData name="Philippe Baucour" userId="5102170ae7533958" providerId="LiveId" clId="{92FC1C5E-2783-49B0-B630-5364916B899A}" dt="2024-05-22T21:10:17.915" v="6182"/>
+          <ac:spMkLst>
+            <pc:docMk/>
+            <pc:sldMk cId="969718720" sldId="284"/>
+            <ac:spMk id="2" creationId="{6CF4C2AF-34B2-0267-3950-BEB02A4015A1}"/>
+          </ac:spMkLst>
+        </pc:spChg>
+      </pc:sldChg>
+      <pc:sldChg chg="modSp new mod">
+        <pc:chgData name="Philippe Baucour" userId="5102170ae7533958" providerId="LiveId" clId="{92FC1C5E-2783-49B0-B630-5364916B899A}" dt="2024-05-22T21:10:11.898" v="6181"/>
+        <pc:sldMkLst>
+          <pc:docMk/>
+          <pc:sldMk cId="268365912" sldId="285"/>
+        </pc:sldMkLst>
+        <pc:spChg chg="mod">
+          <ac:chgData name="Philippe Baucour" userId="5102170ae7533958" providerId="LiveId" clId="{92FC1C5E-2783-49B0-B630-5364916B899A}" dt="2024-05-22T21:10:11.898" v="6181"/>
+          <ac:spMkLst>
+            <pc:docMk/>
+            <pc:sldMk cId="268365912" sldId="285"/>
+            <ac:spMk id="2" creationId="{0B1592BA-280F-123D-2626-381CFC737D48}"/>
+          </ac:spMkLst>
+        </pc:spChg>
+      </pc:sldChg>
+      <pc:sldChg chg="modSp new mod">
+        <pc:chgData name="Philippe Baucour" userId="5102170ae7533958" providerId="LiveId" clId="{92FC1C5E-2783-49B0-B630-5364916B899A}" dt="2024-05-22T21:03:46.666" v="5987" actId="20577"/>
+        <pc:sldMkLst>
+          <pc:docMk/>
+          <pc:sldMk cId="4223774021" sldId="286"/>
+        </pc:sldMkLst>
+        <pc:spChg chg="mod">
+          <ac:chgData name="Philippe Baucour" userId="5102170ae7533958" providerId="LiveId" clId="{92FC1C5E-2783-49B0-B630-5364916B899A}" dt="2024-05-22T21:03:46.666" v="5987" actId="20577"/>
+          <ac:spMkLst>
+            <pc:docMk/>
+            <pc:sldMk cId="4223774021" sldId="286"/>
+            <ac:spMk id="2" creationId="{7D60C26F-1D0D-E9D5-6F9F-42492584BFB4}"/>
+          </ac:spMkLst>
+        </pc:spChg>
+      </pc:sldChg>
+      <pc:sldChg chg="modSp new mod">
+        <pc:chgData name="Philippe Baucour" userId="5102170ae7533958" providerId="LiveId" clId="{92FC1C5E-2783-49B0-B630-5364916B899A}" dt="2024-05-22T21:04:00.350" v="6004" actId="20577"/>
+        <pc:sldMkLst>
+          <pc:docMk/>
+          <pc:sldMk cId="3737153484" sldId="287"/>
+        </pc:sldMkLst>
+        <pc:spChg chg="mod">
+          <ac:chgData name="Philippe Baucour" userId="5102170ae7533958" providerId="LiveId" clId="{92FC1C5E-2783-49B0-B630-5364916B899A}" dt="2024-05-22T21:04:00.350" v="6004" actId="20577"/>
+          <ac:spMkLst>
+            <pc:docMk/>
+            <pc:sldMk cId="3737153484" sldId="287"/>
+            <ac:spMk id="2" creationId="{C0510D22-4285-F6FE-1F95-0A6A26F75AB3}"/>
+          </ac:spMkLst>
+        </pc:spChg>
+      </pc:sldChg>
+      <pc:sldChg chg="modSp new mod">
+        <pc:chgData name="Philippe Baucour" userId="5102170ae7533958" providerId="LiveId" clId="{92FC1C5E-2783-49B0-B630-5364916B899A}" dt="2024-05-22T21:04:15.339" v="6032" actId="20577"/>
+        <pc:sldMkLst>
+          <pc:docMk/>
+          <pc:sldMk cId="2553244764" sldId="288"/>
+        </pc:sldMkLst>
+        <pc:spChg chg="mod">
+          <ac:chgData name="Philippe Baucour" userId="5102170ae7533958" providerId="LiveId" clId="{92FC1C5E-2783-49B0-B630-5364916B899A}" dt="2024-05-22T21:04:15.339" v="6032" actId="20577"/>
+          <ac:spMkLst>
+            <pc:docMk/>
+            <pc:sldMk cId="2553244764" sldId="288"/>
+            <ac:spMk id="2" creationId="{07116FA8-44B8-9944-8023-E01582822C0E}"/>
+          </ac:spMkLst>
+        </pc:spChg>
+      </pc:sldChg>
+      <pc:sldChg chg="modSp new mod">
+        <pc:chgData name="Philippe Baucour" userId="5102170ae7533958" providerId="LiveId" clId="{92FC1C5E-2783-49B0-B630-5364916B899A}" dt="2024-05-22T21:04:40.652" v="6066" actId="20577"/>
+        <pc:sldMkLst>
+          <pc:docMk/>
+          <pc:sldMk cId="4281267963" sldId="289"/>
+        </pc:sldMkLst>
+        <pc:spChg chg="mod">
+          <ac:chgData name="Philippe Baucour" userId="5102170ae7533958" providerId="LiveId" clId="{92FC1C5E-2783-49B0-B630-5364916B899A}" dt="2024-05-22T21:04:40.652" v="6066" actId="20577"/>
+          <ac:spMkLst>
+            <pc:docMk/>
+            <pc:sldMk cId="4281267963" sldId="289"/>
+            <ac:spMk id="2" creationId="{7AC824CD-ADD5-4F6E-C3D9-918F13F5351C}"/>
+          </ac:spMkLst>
+        </pc:spChg>
+      </pc:sldChg>
+      <pc:sldChg chg="modSp new mod">
+        <pc:chgData name="Philippe Baucour" userId="5102170ae7533958" providerId="LiveId" clId="{92FC1C5E-2783-49B0-B630-5364916B899A}" dt="2024-05-22T21:05:21.939" v="6106" actId="20577"/>
+        <pc:sldMkLst>
+          <pc:docMk/>
+          <pc:sldMk cId="3521603335" sldId="290"/>
+        </pc:sldMkLst>
+        <pc:spChg chg="mod">
+          <ac:chgData name="Philippe Baucour" userId="5102170ae7533958" providerId="LiveId" clId="{92FC1C5E-2783-49B0-B630-5364916B899A}" dt="2024-05-22T21:05:21.939" v="6106" actId="20577"/>
+          <ac:spMkLst>
+            <pc:docMk/>
+            <pc:sldMk cId="3521603335" sldId="290"/>
+            <ac:spMk id="2" creationId="{A623C05F-ED62-D77A-1E60-8B26B8DCF695}"/>
+          </ac:spMkLst>
+        </pc:spChg>
+      </pc:sldChg>
+      <pc:sldChg chg="addSp modSp new mod modClrScheme chgLayout modNotesTx">
+        <pc:chgData name="Philippe Baucour" userId="5102170ae7533958" providerId="LiveId" clId="{92FC1C5E-2783-49B0-B630-5364916B899A}" dt="2024-05-23T05:25:35.687" v="6477" actId="27636"/>
+        <pc:sldMkLst>
+          <pc:docMk/>
+          <pc:sldMk cId="3472059548" sldId="291"/>
+        </pc:sldMkLst>
+        <pc:spChg chg="mod ord">
+          <ac:chgData name="Philippe Baucour" userId="5102170ae7533958" providerId="LiveId" clId="{92FC1C5E-2783-49B0-B630-5364916B899A}" dt="2024-05-23T05:18:59.231" v="6375" actId="700"/>
+          <ac:spMkLst>
+            <pc:docMk/>
+            <pc:sldMk cId="3472059548" sldId="291"/>
+            <ac:spMk id="2" creationId="{8A5F2952-1B41-3B9A-E8DD-335DE8196396}"/>
+          </ac:spMkLst>
+        </pc:spChg>
+        <pc:spChg chg="add mod ord">
+          <ac:chgData name="Philippe Baucour" userId="5102170ae7533958" providerId="LiveId" clId="{92FC1C5E-2783-49B0-B630-5364916B899A}" dt="2024-05-23T05:25:35.687" v="6477" actId="27636"/>
+          <ac:spMkLst>
+            <pc:docMk/>
+            <pc:sldMk cId="3472059548" sldId="291"/>
+            <ac:spMk id="3" creationId="{363D9547-B7F8-DC7E-F0FE-A4D7FE1A2969}"/>
+          </ac:spMkLst>
+        </pc:spChg>
+      </pc:sldChg>
+      <pc:sldChg chg="new del">
+        <pc:chgData name="Philippe Baucour" userId="5102170ae7533958" providerId="LiveId" clId="{92FC1C5E-2783-49B0-B630-5364916B899A}" dt="2024-05-23T05:23:51.799" v="6448" actId="47"/>
+        <pc:sldMkLst>
+          <pc:docMk/>
+          <pc:sldMk cId="3241181771" sldId="292"/>
+        </pc:sldMkLst>
       </pc:sldChg>
       <pc:sldMasterChg chg="modSp mod">
         <pc:chgData name="Philippe Baucour" userId="5102170ae7533958" providerId="LiveId" clId="{92FC1C5E-2783-49B0-B630-5364916B899A}" dt="2024-05-20T14:34:35.642" v="2053" actId="2711"/>
@@ -3179,7 +3690,7 @@
           <a:p>
             <a:fld id="{C5D8FFE9-C585-481A-8C95-EA03CD59938B}" type="datetimeFigureOut">
               <a:rPr lang="fr-FR" smtClean="0"/>
-              <a:t>21/05/2024</a:t>
+              <a:t>23/05/2024</a:t>
             </a:fld>
             <a:endParaRPr lang="fr-FR"/>
           </a:p>
@@ -3490,1277 +4001,554 @@
           <a:bodyPr/>
           <a:lstStyle/>
           <a:p>
-            <a:r>
-              <a:rPr lang="fr-FR" b="1" dirty="0"/>
-              <a:t>1 - ############################</a:t>
-            </a:r>
-          </a:p>
-          <a:p>
-            <a:r>
-              <a:rPr lang="fr-FR" dirty="0"/>
-              <a:t>À gauche, encoder, bleu</a:t>
-            </a:r>
-          </a:p>
-          <a:p>
-            <a:r>
-              <a:rPr lang="fr-FR" dirty="0"/>
-              <a:t>La matrice Word Embedding bleue a pour taille </a:t>
-            </a:r>
-            <a:r>
-              <a:rPr lang="fr-FR" dirty="0" err="1"/>
-              <a:t>vocab_size</a:t>
-            </a:r>
-            <a:r>
-              <a:rPr lang="fr-FR" dirty="0"/>
-              <a:t> x </a:t>
-            </a:r>
-            <a:r>
-              <a:rPr lang="fr-FR" dirty="0" err="1"/>
-              <a:t>emb_dim</a:t>
-            </a:r>
+            <a:pPr rtl="0" fontAlgn="ctr">
+              <a:spcBef>
+                <a:spcPts val="0"/>
+              </a:spcBef>
+              <a:spcAft>
+                <a:spcPts val="0"/>
+              </a:spcAft>
+              <a:buFont typeface="Arial" panose="020B0604020202020204" pitchFamily="34" charset="0"/>
+              <a:buChar char="•"/>
+            </a:pPr>
+            <a:r>
+              <a:rPr lang="fr-FR" sz="1200" dirty="0">
+                <a:effectLst/>
+                <a:latin typeface="Courier New" panose="02070309020205020404" pitchFamily="49" charset="0"/>
+              </a:rPr>
+              <a:t>Imputer</a:t>
+            </a:r>
+          </a:p>
+          <a:p>
+            <a:pPr rtl="0" fontAlgn="ctr">
+              <a:spcBef>
+                <a:spcPts val="0"/>
+              </a:spcBef>
+              <a:spcAft>
+                <a:spcPts val="0"/>
+              </a:spcAft>
+              <a:buFont typeface="Arial" panose="020B0604020202020204" pitchFamily="34" charset="0"/>
+              <a:buChar char="•"/>
+            </a:pPr>
+            <a:r>
+              <a:rPr lang="fr-FR" sz="1200" dirty="0">
+                <a:effectLst/>
+                <a:latin typeface="Courier New" panose="02070309020205020404" pitchFamily="49" charset="0"/>
+              </a:rPr>
+              <a:t>Minimiser la fonction de coût (dérivée)</a:t>
+            </a:r>
+          </a:p>
+          <a:p>
+            <a:pPr rtl="0" fontAlgn="ctr">
+              <a:spcBef>
+                <a:spcPts val="0"/>
+              </a:spcBef>
+              <a:spcAft>
+                <a:spcPts val="0"/>
+              </a:spcAft>
+              <a:buFont typeface="Arial" panose="020B0604020202020204" pitchFamily="34" charset="0"/>
+              <a:buChar char="•"/>
+            </a:pPr>
+            <a:r>
+              <a:rPr lang="fr-FR" sz="1200" b="1" dirty="0">
+                <a:effectLst/>
+                <a:highlight>
+                  <a:srgbClr val="FFFF00"/>
+                </a:highlight>
+                <a:latin typeface="Courier New" panose="02070309020205020404" pitchFamily="49" charset="0"/>
+              </a:rPr>
+              <a:t>homo </a:t>
+            </a:r>
+            <a:r>
+              <a:rPr lang="fr-FR" sz="1200" b="1" dirty="0" err="1">
+                <a:effectLst/>
+                <a:highlight>
+                  <a:srgbClr val="FFFF00"/>
+                </a:highlight>
+                <a:latin typeface="Courier New" panose="02070309020205020404" pitchFamily="49" charset="0"/>
+              </a:rPr>
+              <a:t>ceda</a:t>
+            </a:r>
+            <a:r>
+              <a:rPr lang="fr-FR" sz="1200" b="1" dirty="0">
+                <a:effectLst/>
+                <a:highlight>
+                  <a:srgbClr val="FFFF00"/>
+                </a:highlight>
+                <a:latin typeface="Courier New" panose="02070309020205020404" pitchFamily="49" charset="0"/>
+              </a:rPr>
+              <a:t> </a:t>
+            </a:r>
+            <a:r>
+              <a:rPr lang="fr-FR" sz="1200" b="1" dirty="0" err="1">
+                <a:effectLst/>
+                <a:highlight>
+                  <a:srgbClr val="FFFF00"/>
+                </a:highlight>
+                <a:latin typeface="Courier New" panose="02070309020205020404" pitchFamily="49" charset="0"/>
+              </a:rPr>
+              <a:t>sticité</a:t>
+            </a:r>
+            <a:r>
+              <a:rPr lang="fr-FR" sz="1200" b="1" dirty="0">
+                <a:effectLst/>
+                <a:highlight>
+                  <a:srgbClr val="FFFF00"/>
+                </a:highlight>
+                <a:latin typeface="Courier New" panose="02070309020205020404" pitchFamily="49" charset="0"/>
+              </a:rPr>
+              <a:t> :</a:t>
+            </a:r>
+            <a:r>
+              <a:rPr lang="fr-FR" sz="1200" dirty="0">
+                <a:effectLst/>
+                <a:highlight>
+                  <a:srgbClr val="FFFF00"/>
+                </a:highlight>
+                <a:latin typeface="Courier New" panose="02070309020205020404" pitchFamily="49" charset="0"/>
+              </a:rPr>
+              <a:t> la variance des erreurs ne dépend pas de l'observation. </a:t>
+            </a:r>
+            <a:r>
+              <a:rPr lang="fr-FR" b="0" i="0" dirty="0">
+                <a:solidFill>
+                  <a:srgbClr val="202122"/>
+                </a:solidFill>
+                <a:effectLst/>
+                <a:highlight>
+                  <a:srgbClr val="FFFFFF"/>
+                </a:highlight>
+                <a:latin typeface="Arial" panose="020B0604020202020204" pitchFamily="34" charset="0"/>
+              </a:rPr>
+              <a:t>On parle d'homoscédasticité lorsque la variance des erreurs </a:t>
+            </a:r>
+            <a:r>
+              <a:rPr lang="fr-FR" b="0" i="0" u="none" strike="noStrike" dirty="0">
+                <a:effectLst/>
+                <a:highlight>
+                  <a:srgbClr val="FFFFFF"/>
+                </a:highlight>
+                <a:latin typeface="Arial" panose="020B0604020202020204" pitchFamily="34" charset="0"/>
+                <a:hlinkClick r:id="rId3" tooltip="Stochastique"/>
+              </a:rPr>
+              <a:t>stochastiques</a:t>
+            </a:r>
+            <a:r>
+              <a:rPr lang="fr-FR" b="0" i="0" dirty="0">
+                <a:solidFill>
+                  <a:srgbClr val="202122"/>
+                </a:solidFill>
+                <a:effectLst/>
+                <a:highlight>
+                  <a:srgbClr val="FFFFFF"/>
+                </a:highlight>
+                <a:latin typeface="Arial" panose="020B0604020202020204" pitchFamily="34" charset="0"/>
+              </a:rPr>
+              <a:t> de la régression est la même pour chaque observation </a:t>
+            </a:r>
+            <a:r>
+              <a:rPr lang="fr-FR" b="0" i="1" dirty="0">
+                <a:solidFill>
+                  <a:srgbClr val="202122"/>
+                </a:solidFill>
+                <a:effectLst/>
+                <a:highlight>
+                  <a:srgbClr val="FFFFFF"/>
+                </a:highlight>
+                <a:latin typeface="Nimbus Roman No9 L"/>
+              </a:rPr>
+              <a:t>i</a:t>
+            </a:r>
+            <a:r>
+              <a:rPr lang="fr-FR" b="0" i="0" dirty="0">
+                <a:solidFill>
+                  <a:srgbClr val="202122"/>
+                </a:solidFill>
+                <a:effectLst/>
+                <a:highlight>
+                  <a:srgbClr val="FFFFFF"/>
+                </a:highlight>
+                <a:latin typeface="Arial" panose="020B0604020202020204" pitchFamily="34" charset="0"/>
+              </a:rPr>
+              <a:t> (de </a:t>
+            </a:r>
+            <a:r>
+              <a:rPr lang="fr-FR" b="0" i="0" dirty="0">
+                <a:solidFill>
+                  <a:srgbClr val="202122"/>
+                </a:solidFill>
+                <a:effectLst/>
+                <a:highlight>
+                  <a:srgbClr val="FFFFFF"/>
+                </a:highlight>
+                <a:latin typeface="Nimbus Roman No9 L"/>
+              </a:rPr>
+              <a:t>1</a:t>
+            </a:r>
+            <a:r>
+              <a:rPr lang="fr-FR" b="0" i="0" dirty="0">
+                <a:solidFill>
+                  <a:srgbClr val="202122"/>
+                </a:solidFill>
+                <a:effectLst/>
+                <a:highlight>
+                  <a:srgbClr val="FFFFFF"/>
+                </a:highlight>
+                <a:latin typeface="Arial" panose="020B0604020202020204" pitchFamily="34" charset="0"/>
+              </a:rPr>
+              <a:t> à </a:t>
+            </a:r>
+            <a:r>
+              <a:rPr lang="fr-FR" b="0" i="1" dirty="0">
+                <a:solidFill>
+                  <a:srgbClr val="202122"/>
+                </a:solidFill>
+                <a:effectLst/>
+                <a:highlight>
+                  <a:srgbClr val="FFFFFF"/>
+                </a:highlight>
+                <a:latin typeface="Nimbus Roman No9 L"/>
+              </a:rPr>
+              <a:t>n</a:t>
+            </a:r>
+            <a:r>
+              <a:rPr lang="fr-FR" b="0" i="0" dirty="0">
+                <a:solidFill>
+                  <a:srgbClr val="202122"/>
+                </a:solidFill>
+                <a:effectLst/>
+                <a:highlight>
+                  <a:srgbClr val="FFFFFF"/>
+                </a:highlight>
+                <a:latin typeface="Arial" panose="020B0604020202020204" pitchFamily="34" charset="0"/>
+              </a:rPr>
+              <a:t> observations).  </a:t>
+            </a:r>
+            <a:r>
+              <a:rPr lang="fr-FR" sz="1800" dirty="0">
+                <a:effectLst/>
+                <a:latin typeface="Courier New" panose="02070309020205020404" pitchFamily="49" charset="0"/>
+              </a:rPr>
+              <a:t>Faut peut-être faire 3 modèles selon la gamme de prix</a:t>
+            </a:r>
+            <a:endParaRPr lang="fr-FR" sz="1200" dirty="0">
+              <a:effectLst/>
+              <a:latin typeface="Courier New" panose="02070309020205020404" pitchFamily="49" charset="0"/>
+            </a:endParaRPr>
+          </a:p>
+          <a:p>
+            <a:pPr rtl="0" fontAlgn="ctr">
+              <a:spcBef>
+                <a:spcPts val="0"/>
+              </a:spcBef>
+              <a:spcAft>
+                <a:spcPts val="0"/>
+              </a:spcAft>
+              <a:buFont typeface="Arial" panose="020B0604020202020204" pitchFamily="34" charset="0"/>
+              <a:buChar char="•"/>
+            </a:pPr>
+            <a:r>
+              <a:rPr lang="fr-FR" sz="1200" dirty="0">
+                <a:effectLst/>
+                <a:latin typeface="Courier New" panose="02070309020205020404" pitchFamily="49" charset="0"/>
+              </a:rPr>
+              <a:t>Features corrélées =&gt; impossible d'inverser la matrice et de trouver les coefs.</a:t>
+            </a:r>
+          </a:p>
+          <a:p>
+            <a:pPr rtl="0" fontAlgn="ctr">
+              <a:spcBef>
+                <a:spcPts val="0"/>
+              </a:spcBef>
+              <a:spcAft>
+                <a:spcPts val="0"/>
+              </a:spcAft>
+              <a:buFont typeface="Arial" panose="020B0604020202020204" pitchFamily="34" charset="0"/>
+              <a:buChar char="•"/>
+            </a:pPr>
+            <a:r>
+              <a:rPr lang="fr-FR" sz="1200" dirty="0">
+                <a:effectLst/>
+                <a:latin typeface="Courier New" panose="02070309020205020404" pitchFamily="49" charset="0"/>
+              </a:rPr>
+              <a:t>Features engineering. Polynomial features</a:t>
+            </a:r>
+          </a:p>
+          <a:p>
+            <a:pPr rtl="0" fontAlgn="ctr">
+              <a:spcBef>
+                <a:spcPts val="0"/>
+              </a:spcBef>
+              <a:spcAft>
+                <a:spcPts val="0"/>
+              </a:spcAft>
+              <a:buFont typeface="Arial" panose="020B0604020202020204" pitchFamily="34" charset="0"/>
+              <a:buChar char="•"/>
+            </a:pPr>
+            <a:r>
+              <a:rPr lang="fr-FR" sz="1200" dirty="0">
+                <a:effectLst/>
+                <a:latin typeface="Courier New" panose="02070309020205020404" pitchFamily="49" charset="0"/>
+              </a:rPr>
+              <a:t>La régression linéaire est sensible aux valeurs aberrantes</a:t>
+            </a:r>
+          </a:p>
+          <a:p>
+            <a:pPr rtl="0" fontAlgn="ctr">
+              <a:spcBef>
+                <a:spcPts val="0"/>
+              </a:spcBef>
+              <a:spcAft>
+                <a:spcPts val="0"/>
+              </a:spcAft>
+              <a:buFont typeface="Arial" panose="020B0604020202020204" pitchFamily="34" charset="0"/>
+              <a:buChar char="•"/>
+            </a:pPr>
+            <a:r>
+              <a:rPr lang="fr-FR" sz="1200" dirty="0">
+                <a:effectLst/>
+                <a:latin typeface="Courier New" panose="02070309020205020404" pitchFamily="49" charset="0"/>
+              </a:rPr>
+              <a:t>La variation c'est l'information</a:t>
+            </a:r>
+          </a:p>
+          <a:p>
+            <a:pPr rtl="0" fontAlgn="ctr">
+              <a:spcBef>
+                <a:spcPts val="0"/>
+              </a:spcBef>
+              <a:spcAft>
+                <a:spcPts val="0"/>
+              </a:spcAft>
+              <a:buFont typeface="Arial" panose="020B0604020202020204" pitchFamily="34" charset="0"/>
+              <a:buChar char="•"/>
+            </a:pPr>
+            <a:r>
+              <a:rPr lang="fr-FR" sz="1200" dirty="0">
+                <a:effectLst/>
+                <a:latin typeface="Courier New" panose="02070309020205020404" pitchFamily="49" charset="0"/>
+              </a:rPr>
+              <a:t>ANOVA c'est analyser la quantité d'information captée par le modèle</a:t>
+            </a:r>
+          </a:p>
+          <a:p>
+            <a:pPr rtl="0" fontAlgn="ctr">
+              <a:spcBef>
+                <a:spcPts val="0"/>
+              </a:spcBef>
+              <a:spcAft>
+                <a:spcPts val="0"/>
+              </a:spcAft>
+              <a:buFont typeface="Arial" panose="020B0604020202020204" pitchFamily="34" charset="0"/>
+              <a:buChar char="•"/>
+            </a:pPr>
+            <a:r>
+              <a:rPr lang="fr-FR" sz="1200" dirty="0">
+                <a:effectLst/>
+                <a:latin typeface="Courier New" panose="02070309020205020404" pitchFamily="49" charset="0"/>
+              </a:rPr>
+              <a:t>R², proportion, comparable d'un modèle à un autre</a:t>
+            </a:r>
+          </a:p>
+          <a:p>
+            <a:pPr rtl="0" fontAlgn="ctr">
+              <a:spcBef>
+                <a:spcPts val="0"/>
+              </a:spcBef>
+              <a:spcAft>
+                <a:spcPts val="0"/>
+              </a:spcAft>
+              <a:buFont typeface="Arial" panose="020B0604020202020204" pitchFamily="34" charset="0"/>
+              <a:buChar char="•"/>
+            </a:pPr>
+            <a:r>
+              <a:rPr lang="fr-FR" sz="1200" dirty="0">
+                <a:effectLst/>
+                <a:latin typeface="Courier New" panose="02070309020205020404" pitchFamily="49" charset="0"/>
+              </a:rPr>
+              <a:t>On veut la meilleure performance sur les données qu'il n'a pas vu</a:t>
+            </a:r>
+          </a:p>
+          <a:p>
+            <a:pPr rtl="0" fontAlgn="ctr">
+              <a:spcBef>
+                <a:spcPts val="0"/>
+              </a:spcBef>
+              <a:spcAft>
+                <a:spcPts val="0"/>
+              </a:spcAft>
+              <a:buFont typeface="Arial" panose="020B0604020202020204" pitchFamily="34" charset="0"/>
+              <a:buChar char="•"/>
+            </a:pPr>
+            <a:r>
+              <a:rPr lang="fr-FR" sz="1200" dirty="0">
+                <a:effectLst/>
+                <a:latin typeface="Courier New" panose="02070309020205020404" pitchFamily="49" charset="0"/>
+              </a:rPr>
+              <a:t>Dans les coefs en multivarié, si on a fait du one hot encoder alors</a:t>
+            </a:r>
+            <a:br>
+              <a:rPr lang="fr-FR" sz="1200" dirty="0">
+                <a:effectLst/>
+                <a:latin typeface="Courier New" panose="02070309020205020404" pitchFamily="49" charset="0"/>
+              </a:rPr>
+            </a:br>
+            <a:r>
+              <a:rPr lang="fr-FR" sz="1200" dirty="0">
+                <a:effectLst/>
+                <a:latin typeface="Courier New" panose="02070309020205020404" pitchFamily="49" charset="0"/>
+              </a:rPr>
+              <a:t>les coefs catégoriels sont relatifs à la catégorie qui a disparue (+56 par rapport à la France par exemple)</a:t>
+            </a:r>
+          </a:p>
+          <a:p>
+            <a:pPr rtl="0" fontAlgn="ctr">
+              <a:spcBef>
+                <a:spcPts val="0"/>
+              </a:spcBef>
+              <a:spcAft>
+                <a:spcPts val="0"/>
+              </a:spcAft>
+              <a:buFont typeface="Arial" panose="020B0604020202020204" pitchFamily="34" charset="0"/>
+              <a:buChar char="•"/>
+            </a:pPr>
+            <a:r>
+              <a:rPr lang="fr-FR" sz="1200" dirty="0">
+                <a:effectLst/>
+                <a:latin typeface="Courier New" panose="02070309020205020404" pitchFamily="49" charset="0"/>
+              </a:rPr>
+              <a:t>Créer des features qui sont des combinaisons non linéaires</a:t>
+            </a:r>
+          </a:p>
+          <a:p>
+            <a:pPr marL="742950" lvl="1" indent="-285750" rtl="0" fontAlgn="ctr">
+              <a:spcBef>
+                <a:spcPts val="0"/>
+              </a:spcBef>
+              <a:spcAft>
+                <a:spcPts val="0"/>
+              </a:spcAft>
+              <a:buFont typeface="Courier New" panose="02070309020205020404" pitchFamily="49" charset="0"/>
+              <a:buChar char="o"/>
+            </a:pPr>
+            <a:r>
+              <a:rPr lang="fr-FR" sz="1200" dirty="0">
+                <a:effectLst/>
+                <a:latin typeface="Courier New" panose="02070309020205020404" pitchFamily="49" charset="0"/>
+              </a:rPr>
+              <a:t>x², 1/x…</a:t>
+            </a:r>
+          </a:p>
+          <a:p>
+            <a:pPr marL="742950" lvl="1" indent="-285750" rtl="0" fontAlgn="ctr">
+              <a:spcBef>
+                <a:spcPts val="0"/>
+              </a:spcBef>
+              <a:spcAft>
+                <a:spcPts val="0"/>
+              </a:spcAft>
+              <a:buFont typeface="Courier New" panose="02070309020205020404" pitchFamily="49" charset="0"/>
+              <a:buChar char="o"/>
+            </a:pPr>
+            <a:r>
+              <a:rPr lang="fr-FR" sz="1200" dirty="0">
+                <a:effectLst/>
+                <a:latin typeface="Courier New" panose="02070309020205020404" pitchFamily="49" charset="0"/>
+              </a:rPr>
+              <a:t>Ensuite </a:t>
+            </a:r>
+            <a:r>
+              <a:rPr lang="fr-FR" sz="1200" dirty="0" err="1">
+                <a:effectLst/>
+                <a:latin typeface="Courier New" panose="02070309020205020404" pitchFamily="49" charset="0"/>
+              </a:rPr>
+              <a:t>train_test_split</a:t>
+            </a:r>
+            <a:r>
+              <a:rPr lang="fr-FR" sz="1200" dirty="0">
+                <a:effectLst/>
+                <a:latin typeface="Courier New" panose="02070309020205020404" pitchFamily="49" charset="0"/>
+              </a:rPr>
+              <a:t> etc. jusqu'au calcul de R²</a:t>
+            </a:r>
+          </a:p>
+          <a:p>
+            <a:pPr marL="742950" lvl="1" indent="-285750" rtl="0" fontAlgn="ctr">
+              <a:spcBef>
+                <a:spcPts val="0"/>
+              </a:spcBef>
+              <a:spcAft>
+                <a:spcPts val="0"/>
+              </a:spcAft>
+              <a:buFont typeface="Courier New" panose="02070309020205020404" pitchFamily="49" charset="0"/>
+              <a:buChar char="o"/>
+            </a:pPr>
+            <a:r>
+              <a:rPr lang="fr-FR" sz="1200" b="1" dirty="0" err="1">
+                <a:effectLst/>
+                <a:latin typeface="Courier New" panose="02070309020205020404" pitchFamily="49" charset="0"/>
+              </a:rPr>
+              <a:t>Forward</a:t>
+            </a:r>
+            <a:r>
+              <a:rPr lang="fr-FR" sz="1200" b="1" dirty="0">
+                <a:effectLst/>
+                <a:latin typeface="Courier New" panose="02070309020205020404" pitchFamily="49" charset="0"/>
+              </a:rPr>
+              <a:t> </a:t>
+            </a:r>
+            <a:r>
+              <a:rPr lang="fr-FR" sz="1200" b="1" dirty="0" err="1">
+                <a:effectLst/>
+                <a:latin typeface="Courier New" panose="02070309020205020404" pitchFamily="49" charset="0"/>
+              </a:rPr>
+              <a:t>selection</a:t>
+            </a:r>
+            <a:endParaRPr lang="fr-FR" sz="1200" dirty="0">
+              <a:effectLst/>
+              <a:latin typeface="Courier New" panose="02070309020205020404" pitchFamily="49" charset="0"/>
+            </a:endParaRPr>
+          </a:p>
+          <a:p>
+            <a:pPr marL="742950" lvl="1" indent="-285750" rtl="0" fontAlgn="ctr">
+              <a:spcBef>
+                <a:spcPts val="0"/>
+              </a:spcBef>
+              <a:spcAft>
+                <a:spcPts val="0"/>
+              </a:spcAft>
+              <a:buFont typeface="Courier New" panose="02070309020205020404" pitchFamily="49" charset="0"/>
+              <a:buChar char="o"/>
+            </a:pPr>
+            <a:r>
+              <a:rPr lang="fr-FR" sz="1200" dirty="0">
+                <a:effectLst/>
+                <a:latin typeface="Courier New" panose="02070309020205020404" pitchFamily="49" charset="0"/>
+              </a:rPr>
+              <a:t>Ne garder que les meilleurs et repartir pour un tour</a:t>
+            </a:r>
+          </a:p>
+          <a:p>
+            <a:pPr marL="742950" lvl="1" indent="-285750" rtl="0" fontAlgn="ctr">
+              <a:spcBef>
+                <a:spcPts val="0"/>
+              </a:spcBef>
+              <a:spcAft>
+                <a:spcPts val="0"/>
+              </a:spcAft>
+              <a:buFont typeface="Courier New" panose="02070309020205020404" pitchFamily="49" charset="0"/>
+              <a:buChar char="o"/>
+            </a:pPr>
+            <a:r>
+              <a:rPr lang="fr-FR" sz="1200" dirty="0">
+                <a:effectLst/>
+                <a:latin typeface="Courier New" panose="02070309020205020404" pitchFamily="49" charset="0"/>
+              </a:rPr>
+              <a:t>J02_mercredi_midi_feature_engineering_selection.ipynb</a:t>
+            </a:r>
+          </a:p>
+          <a:p>
             <a:endParaRPr lang="fr-FR" dirty="0"/>
-          </a:p>
-          <a:p>
-            <a:r>
-              <a:rPr lang="fr-FR" dirty="0"/>
-              <a:t>C'est un encodage des </a:t>
-            </a:r>
-            <a:r>
-              <a:rPr lang="fr-FR" dirty="0" err="1"/>
-              <a:t>vocab_size</a:t>
-            </a:r>
-            <a:r>
-              <a:rPr lang="fr-FR" dirty="0"/>
-              <a:t> mots (lignes) du vocabulaire d'entrée à l'aide de </a:t>
-            </a:r>
-            <a:r>
-              <a:rPr lang="fr-FR" dirty="0" err="1"/>
-              <a:t>emb_dim</a:t>
-            </a:r>
-            <a:r>
-              <a:rPr lang="fr-FR" dirty="0"/>
-              <a:t> features (colonnes)</a:t>
-            </a:r>
-          </a:p>
-          <a:p>
-            <a:r>
-              <a:rPr lang="fr-FR" dirty="0"/>
-              <a:t>Les valeurs de la matrice sont calculées lors de l'entrainement afin de minimiser la </a:t>
-            </a:r>
-            <a:r>
-              <a:rPr lang="fr-FR" dirty="0" err="1"/>
-              <a:t>loss</a:t>
-            </a:r>
-            <a:r>
-              <a:rPr lang="fr-FR" dirty="0"/>
-              <a:t> de la tâche (classification par exemple)</a:t>
-            </a:r>
-          </a:p>
-          <a:p>
-            <a:r>
-              <a:rPr lang="fr-FR" dirty="0"/>
-              <a:t>Il s'agit d'une opération de </a:t>
-            </a:r>
-            <a:r>
-              <a:rPr lang="fr-FR" dirty="0" err="1"/>
-              <a:t>lookup</a:t>
-            </a:r>
-            <a:r>
-              <a:rPr lang="fr-FR" dirty="0"/>
-              <a:t> qui conserve l'ordre des mots de la séquence d'entrée et les remplace par une description qui utilise </a:t>
-            </a:r>
-            <a:r>
-              <a:rPr lang="fr-FR" dirty="0" err="1"/>
-              <a:t>emb_dim</a:t>
-            </a:r>
-            <a:r>
-              <a:rPr lang="fr-FR" dirty="0"/>
-              <a:t> features (non plus un unique index)</a:t>
-            </a:r>
-          </a:p>
-          <a:p>
-            <a:endParaRPr lang="fr-FR" dirty="0"/>
-          </a:p>
-          <a:p>
-            <a:r>
-              <a:rPr lang="fr-FR" dirty="0"/>
-              <a:t>Après la couche Word Embedding bleue,  on a toujours </a:t>
-            </a:r>
-            <a:r>
-              <a:rPr lang="fr-FR" dirty="0" err="1"/>
-              <a:t>seq_len</a:t>
-            </a:r>
-            <a:r>
-              <a:rPr lang="fr-FR" dirty="0"/>
-              <a:t> mots mais ils sont dorénavant encodés dans une matrice </a:t>
-            </a:r>
-            <a:r>
-              <a:rPr lang="fr-FR" dirty="0" err="1"/>
-              <a:t>seq_len</a:t>
-            </a:r>
-            <a:r>
-              <a:rPr lang="fr-FR" dirty="0"/>
-              <a:t> x </a:t>
-            </a:r>
-            <a:r>
-              <a:rPr lang="fr-FR" dirty="0" err="1"/>
-              <a:t>emb_dim</a:t>
-            </a:r>
-            <a:endParaRPr lang="fr-FR" dirty="0"/>
-          </a:p>
-          <a:p>
-            <a:endParaRPr lang="fr-FR" dirty="0"/>
-          </a:p>
-          <a:p>
-            <a:r>
-              <a:rPr lang="fr-FR" dirty="0"/>
-              <a:t>La GRU (</a:t>
-            </a:r>
-            <a:r>
-              <a:rPr lang="fr-FR" dirty="0" err="1"/>
-              <a:t>gated</a:t>
-            </a:r>
-            <a:r>
-              <a:rPr lang="fr-FR" dirty="0"/>
-              <a:t> </a:t>
-            </a:r>
-            <a:r>
-              <a:rPr lang="fr-FR" dirty="0" err="1"/>
-              <a:t>recurrent</a:t>
-            </a:r>
-            <a:r>
-              <a:rPr lang="fr-FR" dirty="0"/>
-              <a:t> unit) bleue possède </a:t>
-            </a:r>
-            <a:r>
-              <a:rPr lang="fr-FR" dirty="0" err="1"/>
-              <a:t>n_units</a:t>
-            </a:r>
-            <a:r>
-              <a:rPr lang="fr-FR" dirty="0"/>
-              <a:t>. </a:t>
-            </a:r>
-          </a:p>
-          <a:p>
-            <a:r>
-              <a:rPr lang="fr-FR" dirty="0"/>
-              <a:t>Cela veut dire que pour chaque mot de la séquence, sa sortie aura une longueur de </a:t>
-            </a:r>
-            <a:r>
-              <a:rPr lang="fr-FR" dirty="0" err="1"/>
-              <a:t>n_units</a:t>
-            </a:r>
-            <a:r>
-              <a:rPr lang="fr-FR" dirty="0"/>
-              <a:t> </a:t>
-            </a:r>
-          </a:p>
-          <a:p>
-            <a:r>
-              <a:rPr lang="fr-FR" dirty="0"/>
-              <a:t>De plus, à chaque itération, ses </a:t>
-            </a:r>
-            <a:r>
-              <a:rPr lang="fr-FR" dirty="0" err="1"/>
-              <a:t>hidden</a:t>
-            </a:r>
-            <a:r>
-              <a:rPr lang="fr-FR" dirty="0"/>
-              <a:t> states seront mis à jour et auront, eux aussi, une longueur de </a:t>
-            </a:r>
-            <a:r>
-              <a:rPr lang="fr-FR" dirty="0" err="1"/>
-              <a:t>n_units</a:t>
-            </a:r>
-            <a:endParaRPr lang="fr-FR" dirty="0"/>
-          </a:p>
-          <a:p>
-            <a:endParaRPr lang="fr-FR" dirty="0"/>
-          </a:p>
-          <a:p>
-            <a:r>
-              <a:rPr lang="fr-FR" dirty="0"/>
-              <a:t>À la sortie de la GRU bleue, "output" est une matrice de taille </a:t>
-            </a:r>
-            <a:r>
-              <a:rPr lang="fr-FR" dirty="0" err="1"/>
-              <a:t>seq_len</a:t>
-            </a:r>
-            <a:r>
-              <a:rPr lang="fr-FR" dirty="0"/>
-              <a:t> x </a:t>
-            </a:r>
-            <a:r>
-              <a:rPr lang="fr-FR" dirty="0" err="1"/>
-              <a:t>n_units</a:t>
-            </a:r>
-            <a:r>
-              <a:rPr lang="fr-FR" dirty="0"/>
-              <a:t> et "state" est un vecteur de </a:t>
-            </a:r>
-            <a:r>
-              <a:rPr lang="fr-FR" dirty="0" err="1"/>
-              <a:t>n_units</a:t>
-            </a:r>
-            <a:r>
-              <a:rPr lang="fr-FR" dirty="0"/>
-              <a:t> de long</a:t>
-            </a:r>
-          </a:p>
-          <a:p>
-            <a:r>
-              <a:rPr lang="fr-FR" dirty="0"/>
-              <a:t>Si besoin, revoir le fonctionnement détaillé d'une GRU dans Deep Learning 09 </a:t>
-            </a:r>
-            <a:r>
-              <a:rPr lang="fr-FR" dirty="0" err="1"/>
-              <a:t>Recurrent</a:t>
-            </a:r>
-            <a:r>
-              <a:rPr lang="fr-FR" dirty="0"/>
-              <a:t> Neural Network</a:t>
-            </a:r>
-          </a:p>
-          <a:p>
-            <a:endParaRPr lang="fr-FR" dirty="0"/>
-          </a:p>
-          <a:p>
-            <a:r>
-              <a:rPr lang="fr-FR" dirty="0"/>
-              <a:t>On propage le "document" (matrice </a:t>
-            </a:r>
-            <a:r>
-              <a:rPr lang="fr-FR" dirty="0" err="1"/>
-              <a:t>seq_len</a:t>
-            </a:r>
-            <a:r>
-              <a:rPr lang="fr-FR" dirty="0"/>
-              <a:t> x </a:t>
-            </a:r>
-            <a:r>
-              <a:rPr lang="fr-FR" dirty="0" err="1"/>
-              <a:t>n_units</a:t>
-            </a:r>
-            <a:r>
-              <a:rPr lang="fr-FR" dirty="0"/>
-              <a:t>) et le dernier </a:t>
-            </a:r>
-            <a:r>
-              <a:rPr lang="fr-FR" dirty="0" err="1"/>
-              <a:t>hidden</a:t>
-            </a:r>
-            <a:r>
-              <a:rPr lang="fr-FR" dirty="0"/>
-              <a:t> state (vecteur de </a:t>
-            </a:r>
-            <a:r>
-              <a:rPr lang="fr-FR" dirty="0" err="1"/>
-              <a:t>n_units</a:t>
-            </a:r>
-            <a:r>
-              <a:rPr lang="fr-FR" dirty="0"/>
-              <a:t> de long) vers W1 et W2 du décodeur rouge</a:t>
-            </a:r>
-          </a:p>
-          <a:p>
-            <a:endParaRPr lang="fr-FR" dirty="0"/>
-          </a:p>
-          <a:p>
-            <a:r>
-              <a:rPr lang="fr-FR" b="1" dirty="0"/>
-              <a:t>2 - ############################</a:t>
-            </a:r>
-          </a:p>
-          <a:p>
-            <a:r>
-              <a:rPr lang="fr-FR" dirty="0"/>
-              <a:t>En mode apprentissage (</a:t>
-            </a:r>
-            <a:r>
-              <a:rPr lang="fr-FR" b="1" dirty="0" err="1"/>
-              <a:t>teacher</a:t>
-            </a:r>
-            <a:r>
-              <a:rPr lang="fr-FR" b="1" dirty="0"/>
-              <a:t> forcing</a:t>
-            </a:r>
-            <a:r>
-              <a:rPr lang="fr-FR" dirty="0"/>
-              <a:t>)</a:t>
-            </a:r>
-          </a:p>
-          <a:p>
-            <a:r>
-              <a:rPr lang="fr-FR" dirty="0"/>
-              <a:t>L'ensemble du document qui est sous forme d'une matrice </a:t>
-            </a:r>
-            <a:r>
-              <a:rPr lang="fr-FR" dirty="0" err="1"/>
-              <a:t>seq_len</a:t>
-            </a:r>
-            <a:r>
-              <a:rPr lang="fr-FR" dirty="0"/>
-              <a:t> x </a:t>
-            </a:r>
-            <a:r>
-              <a:rPr lang="fr-FR" dirty="0" err="1"/>
-              <a:t>n_units</a:t>
-            </a:r>
-            <a:r>
-              <a:rPr lang="fr-FR" dirty="0"/>
-              <a:t> passe de l'encoder à la couche dense W1 qui possède </a:t>
-            </a:r>
-            <a:r>
-              <a:rPr lang="fr-FR" dirty="0" err="1"/>
-              <a:t>n_units</a:t>
-            </a:r>
-            <a:endParaRPr lang="fr-FR" dirty="0"/>
-          </a:p>
-          <a:p>
-            <a:r>
-              <a:rPr lang="fr-FR" dirty="0"/>
-              <a:t>Les interrupteurs 2 et 3 sont fermés vers la gauche </a:t>
-            </a:r>
-          </a:p>
-          <a:p>
-            <a:r>
-              <a:rPr lang="fr-FR" dirty="0"/>
-              <a:t>L'interrupteur 2 alimente la couche dense W2 avec la dernière version des </a:t>
-            </a:r>
-            <a:r>
-              <a:rPr lang="fr-FR" dirty="0" err="1"/>
-              <a:t>hidden</a:t>
-            </a:r>
-            <a:r>
-              <a:rPr lang="fr-FR" dirty="0"/>
-              <a:t> states de l'encoder</a:t>
-            </a:r>
-          </a:p>
-          <a:p>
-            <a:r>
-              <a:rPr lang="fr-FR" dirty="0"/>
-              <a:t>Il s'agit d'un vecteur de </a:t>
-            </a:r>
-            <a:r>
-              <a:rPr lang="fr-FR" dirty="0" err="1"/>
-              <a:t>n_units</a:t>
-            </a:r>
-            <a:r>
-              <a:rPr lang="fr-FR" dirty="0"/>
-              <a:t> de long</a:t>
-            </a:r>
-          </a:p>
-          <a:p>
-            <a:r>
-              <a:rPr lang="fr-FR" dirty="0"/>
-              <a:t>L'interrupteur 3 alimente l'entrée du décodeur avec le premier "mot" de la phrase traduite (&lt;start&gt;)  </a:t>
-            </a:r>
-          </a:p>
-          <a:p>
-            <a:r>
-              <a:rPr lang="fr-FR" dirty="0"/>
-              <a:t>Ce n'est pas visible sur le schéma mais les mots &lt;start&gt;, "I", "love"… sont transformés en index de langue cible avant d'être présentés au Word Embedding rouge</a:t>
-            </a:r>
-          </a:p>
-          <a:p>
-            <a:endParaRPr lang="fr-FR" dirty="0"/>
-          </a:p>
-          <a:p>
-            <a:r>
-              <a:rPr lang="fr-FR" dirty="0"/>
-              <a:t>Dans la couche d'Attention (rectangle blanc, à gauche dans le décodeur)</a:t>
-            </a:r>
-          </a:p>
-          <a:p>
-            <a:r>
-              <a:rPr lang="fr-FR" dirty="0"/>
-              <a:t>À la sortie de W1 on a une matrice </a:t>
-            </a:r>
-            <a:r>
-              <a:rPr lang="fr-FR" dirty="0" err="1"/>
-              <a:t>seq_len</a:t>
-            </a:r>
-            <a:r>
-              <a:rPr lang="fr-FR" dirty="0"/>
-              <a:t> x </a:t>
-            </a:r>
-            <a:r>
-              <a:rPr lang="fr-FR" dirty="0" err="1"/>
-              <a:t>n_units</a:t>
-            </a:r>
-            <a:endParaRPr lang="fr-FR" dirty="0"/>
-          </a:p>
-          <a:p>
-            <a:r>
-              <a:rPr lang="fr-FR" dirty="0"/>
-              <a:t>À la sortie de W2 on a un vecteur 1x </a:t>
-            </a:r>
-            <a:r>
-              <a:rPr lang="fr-FR" dirty="0" err="1"/>
-              <a:t>n_units</a:t>
-            </a:r>
-            <a:endParaRPr lang="fr-FR" dirty="0"/>
-          </a:p>
-          <a:p>
-            <a:r>
-              <a:rPr lang="fr-FR" dirty="0"/>
-              <a:t>Lors de l'opération de sommation, on va commencer par transformer la sortie de W2 en une matrice </a:t>
-            </a:r>
-            <a:r>
-              <a:rPr lang="fr-FR" dirty="0" err="1"/>
-              <a:t>seq_len</a:t>
-            </a:r>
-            <a:r>
-              <a:rPr lang="fr-FR" dirty="0"/>
-              <a:t> x </a:t>
-            </a:r>
-            <a:r>
-              <a:rPr lang="fr-FR" dirty="0" err="1"/>
-              <a:t>n_units</a:t>
-            </a:r>
-            <a:r>
-              <a:rPr lang="fr-FR" dirty="0"/>
-              <a:t> (broadcasting)</a:t>
-            </a:r>
-          </a:p>
-          <a:p>
-            <a:r>
-              <a:rPr lang="fr-FR" dirty="0"/>
-              <a:t>Ensuite l'opération de sommation se fait ligne à ligne entre les 2 matrices issues de W1 et W2</a:t>
-            </a:r>
-          </a:p>
-          <a:p>
-            <a:r>
-              <a:rPr lang="fr-FR" dirty="0"/>
-              <a:t>Les valeurs de la matrice (</a:t>
-            </a:r>
-            <a:r>
-              <a:rPr lang="fr-FR" dirty="0" err="1"/>
-              <a:t>seq_len</a:t>
-            </a:r>
-            <a:r>
-              <a:rPr lang="fr-FR" dirty="0"/>
-              <a:t> x </a:t>
-            </a:r>
-            <a:r>
-              <a:rPr lang="fr-FR" dirty="0" err="1"/>
-              <a:t>n_units</a:t>
-            </a:r>
-            <a:r>
-              <a:rPr lang="fr-FR" dirty="0"/>
-              <a:t>) sont ramenées entre -1 et +1 avec </a:t>
-            </a:r>
-            <a:r>
-              <a:rPr lang="fr-FR" dirty="0" err="1"/>
-              <a:t>tanh</a:t>
-            </a:r>
-            <a:endParaRPr lang="fr-FR" dirty="0"/>
-          </a:p>
-          <a:p>
-            <a:r>
-              <a:rPr lang="fr-FR" dirty="0"/>
-              <a:t>La matrice </a:t>
-            </a:r>
-            <a:r>
-              <a:rPr lang="fr-FR" dirty="0" err="1"/>
-              <a:t>seq_len</a:t>
-            </a:r>
-            <a:r>
-              <a:rPr lang="fr-FR" dirty="0"/>
-              <a:t> x </a:t>
-            </a:r>
-            <a:r>
-              <a:rPr lang="fr-FR" dirty="0" err="1"/>
-              <a:t>n_units</a:t>
-            </a:r>
-            <a:r>
-              <a:rPr lang="fr-FR" dirty="0"/>
-              <a:t> passe par une couche dense à 1 neurone</a:t>
-            </a:r>
-          </a:p>
-          <a:p>
-            <a:r>
-              <a:rPr lang="fr-FR" dirty="0"/>
-              <a:t>En sortie on retrouve donc un vecteur d'une colonne de hauteur </a:t>
-            </a:r>
-            <a:r>
-              <a:rPr lang="fr-FR" dirty="0" err="1"/>
-              <a:t>seq_len</a:t>
-            </a:r>
-            <a:endParaRPr lang="fr-FR" dirty="0"/>
-          </a:p>
-          <a:p>
-            <a:r>
-              <a:rPr lang="fr-FR" dirty="0"/>
-              <a:t>On utilise alors une fonction d'activation </a:t>
-            </a:r>
-            <a:r>
-              <a:rPr lang="fr-FR" dirty="0" err="1"/>
-              <a:t>softmax</a:t>
-            </a:r>
-            <a:endParaRPr lang="fr-FR" dirty="0"/>
-          </a:p>
-          <a:p>
-            <a:r>
-              <a:rPr lang="fr-FR" dirty="0"/>
-              <a:t>En exagérant on peut imaginer qu'à la sortie de </a:t>
-            </a:r>
-            <a:r>
-              <a:rPr lang="fr-FR" dirty="0" err="1"/>
-              <a:t>softmax</a:t>
-            </a:r>
-            <a:r>
-              <a:rPr lang="fr-FR" dirty="0"/>
-              <a:t>, toutes les valeurs du vecteur sont nulles ou proches de 0 sauf une qui est très proche de 1</a:t>
-            </a:r>
-          </a:p>
-          <a:p>
-            <a:r>
-              <a:rPr lang="fr-FR" dirty="0"/>
-              <a:t>En fait </a:t>
-            </a:r>
-            <a:r>
-              <a:rPr lang="fr-FR" dirty="0" err="1"/>
-              <a:t>softmax</a:t>
-            </a:r>
-            <a:r>
-              <a:rPr lang="fr-FR" dirty="0"/>
-              <a:t> fait ressortir la ou les lignes du vecteur qui contient le ou les mots intéressants (plusieurs mots sont susceptibles d'être intéressants si ils sont "proches")</a:t>
-            </a:r>
-          </a:p>
-          <a:p>
-            <a:r>
-              <a:rPr lang="fr-FR" dirty="0"/>
-              <a:t>À ce stade, on en fait une sortie (vecteur Attention </a:t>
-            </a:r>
-            <a:r>
-              <a:rPr lang="fr-FR" dirty="0" err="1"/>
-              <a:t>weights</a:t>
-            </a:r>
-            <a:r>
-              <a:rPr lang="fr-FR" dirty="0"/>
-              <a:t> de longueur </a:t>
-            </a:r>
-            <a:r>
-              <a:rPr lang="fr-FR" dirty="0" err="1"/>
-              <a:t>seq_len</a:t>
-            </a:r>
-            <a:r>
-              <a:rPr lang="fr-FR" dirty="0"/>
-              <a:t>) </a:t>
-            </a:r>
-          </a:p>
-          <a:p>
-            <a:r>
-              <a:rPr lang="fr-FR" dirty="0"/>
-              <a:t>Toujours à la sortie de </a:t>
-            </a:r>
-            <a:r>
-              <a:rPr lang="fr-FR" dirty="0" err="1"/>
-              <a:t>softmax</a:t>
-            </a:r>
-            <a:r>
-              <a:rPr lang="fr-FR" dirty="0"/>
-              <a:t>, on multiplie ce vecteur colonne de longueur </a:t>
-            </a:r>
-            <a:r>
-              <a:rPr lang="fr-FR" dirty="0" err="1"/>
-              <a:t>seq_len</a:t>
-            </a:r>
-            <a:r>
-              <a:rPr lang="fr-FR" dirty="0"/>
-              <a:t> par la matrice </a:t>
-            </a:r>
-            <a:r>
-              <a:rPr lang="fr-FR" dirty="0" err="1"/>
-              <a:t>seq_len</a:t>
-            </a:r>
-            <a:r>
-              <a:rPr lang="fr-FR" dirty="0"/>
-              <a:t> x </a:t>
-            </a:r>
-            <a:r>
-              <a:rPr lang="fr-FR" dirty="0" err="1"/>
-              <a:t>n_units</a:t>
-            </a:r>
-            <a:r>
-              <a:rPr lang="fr-FR" dirty="0"/>
-              <a:t> qui est une représentation de tout le document</a:t>
-            </a:r>
-          </a:p>
-          <a:p>
-            <a:r>
-              <a:rPr lang="fr-FR" dirty="0"/>
-              <a:t>La multiplication se fait ligne à ligne (notation ⊙ dans la littérature)</a:t>
-            </a:r>
-          </a:p>
-          <a:p>
-            <a:r>
-              <a:rPr lang="fr-FR" dirty="0"/>
-              <a:t>À la sortie de la multiplication, on se retrouve avec une matrice </a:t>
-            </a:r>
-            <a:r>
-              <a:rPr lang="fr-FR" dirty="0" err="1"/>
-              <a:t>seq_len</a:t>
-            </a:r>
-            <a:r>
-              <a:rPr lang="fr-FR" dirty="0"/>
-              <a:t> x </a:t>
-            </a:r>
-            <a:r>
-              <a:rPr lang="fr-FR" dirty="0" err="1"/>
-              <a:t>n_units</a:t>
-            </a:r>
-            <a:r>
-              <a:rPr lang="fr-FR" dirty="0"/>
-              <a:t> dont toutes les lignes sont nulles sauf une (oui, oui je sais j'exagère) </a:t>
-            </a:r>
-          </a:p>
-          <a:p>
-            <a:r>
-              <a:rPr lang="fr-FR" dirty="0"/>
-              <a:t>Dans le schéma ce n'est pas indiqué mais sur le fil </a:t>
-            </a:r>
-            <a:r>
-              <a:rPr lang="fr-FR" dirty="0" err="1"/>
-              <a:t>Context</a:t>
-            </a:r>
-            <a:r>
-              <a:rPr lang="fr-FR" dirty="0"/>
-              <a:t> </a:t>
-            </a:r>
-            <a:r>
-              <a:rPr lang="fr-FR" dirty="0" err="1"/>
-              <a:t>Vector</a:t>
-            </a:r>
-            <a:r>
-              <a:rPr lang="fr-FR" dirty="0"/>
-              <a:t>, il y a une opération de sommation de toutes les colonnes de la matrice </a:t>
-            </a:r>
-            <a:r>
-              <a:rPr lang="fr-FR" dirty="0" err="1"/>
-              <a:t>seq_len</a:t>
-            </a:r>
-            <a:r>
-              <a:rPr lang="fr-FR" dirty="0"/>
-              <a:t> x </a:t>
-            </a:r>
-            <a:r>
-              <a:rPr lang="fr-FR" dirty="0" err="1"/>
-              <a:t>n_units</a:t>
-            </a:r>
-            <a:endParaRPr lang="fr-FR" dirty="0"/>
-          </a:p>
-          <a:p>
-            <a:r>
-              <a:rPr lang="fr-FR" dirty="0"/>
-              <a:t>On peut se permettre de le faire car presque toutes les lignes sont nulles sauf une</a:t>
-            </a:r>
-          </a:p>
-          <a:p>
-            <a:r>
-              <a:rPr lang="fr-FR" dirty="0"/>
-              <a:t>Tout se passe alors comme si on ne gardait que la ligne du mot (encodé sur </a:t>
-            </a:r>
-            <a:r>
-              <a:rPr lang="fr-FR" dirty="0" err="1"/>
-              <a:t>n_units</a:t>
-            </a:r>
-            <a:r>
-              <a:rPr lang="fr-FR" dirty="0"/>
-              <a:t> features) qui nous intéresse</a:t>
-            </a:r>
-          </a:p>
-          <a:p>
-            <a:r>
-              <a:rPr lang="fr-FR" dirty="0"/>
-              <a:t>Et on arrive devant </a:t>
-            </a:r>
-            <a:r>
-              <a:rPr lang="fr-FR" dirty="0" err="1"/>
-              <a:t>concat</a:t>
-            </a:r>
-            <a:r>
-              <a:rPr lang="fr-FR" dirty="0"/>
-              <a:t> avec un vecteur de long </a:t>
-            </a:r>
-            <a:r>
-              <a:rPr lang="fr-FR" dirty="0" err="1"/>
-              <a:t>n_units</a:t>
-            </a:r>
-            <a:endParaRPr lang="fr-FR" dirty="0"/>
-          </a:p>
-          <a:p>
-            <a:endParaRPr lang="fr-FR" dirty="0"/>
-          </a:p>
-          <a:p>
-            <a:r>
-              <a:rPr lang="fr-FR" dirty="0"/>
-              <a:t>On se place au niveau de l'interrupteur 3</a:t>
-            </a:r>
-          </a:p>
-          <a:p>
-            <a:r>
-              <a:rPr lang="fr-FR" dirty="0"/>
-              <a:t>Au premier tour de la boucle d'apprentissage, l'indice qui correspond au mot &lt;start&gt; (0 par exemple) est présenté à la matrice Word </a:t>
-            </a:r>
-            <a:r>
-              <a:rPr lang="fr-FR" dirty="0" err="1"/>
-              <a:t>Embeding</a:t>
-            </a:r>
-            <a:r>
-              <a:rPr lang="fr-FR" dirty="0"/>
-              <a:t> qui est de taille </a:t>
-            </a:r>
-            <a:r>
-              <a:rPr lang="fr-FR" dirty="0" err="1"/>
-              <a:t>vocab_size</a:t>
-            </a:r>
-            <a:r>
-              <a:rPr lang="fr-FR" dirty="0"/>
-              <a:t> x </a:t>
-            </a:r>
-            <a:r>
-              <a:rPr lang="fr-FR" dirty="0" err="1"/>
-              <a:t>emb_dim</a:t>
-            </a:r>
-            <a:r>
-              <a:rPr lang="fr-FR" dirty="0"/>
-              <a:t> </a:t>
-            </a:r>
-          </a:p>
-          <a:p>
-            <a:r>
-              <a:rPr lang="fr-FR" dirty="0"/>
-              <a:t>Après l'opération de </a:t>
-            </a:r>
-            <a:r>
-              <a:rPr lang="fr-FR" dirty="0" err="1"/>
-              <a:t>lookup</a:t>
-            </a:r>
-            <a:r>
-              <a:rPr lang="fr-FR" dirty="0"/>
-              <a:t>, le mot ressort en étant encodé sur </a:t>
-            </a:r>
-            <a:r>
-              <a:rPr lang="fr-FR" dirty="0" err="1"/>
-              <a:t>emb_dim</a:t>
-            </a:r>
-            <a:r>
-              <a:rPr lang="fr-FR" dirty="0"/>
-              <a:t> features (voir ce qui a été dit à propos du Word Embedding de l'encoder)</a:t>
-            </a:r>
-          </a:p>
-          <a:p>
-            <a:r>
-              <a:rPr lang="fr-FR" dirty="0"/>
-              <a:t>On présente cet encodage sur </a:t>
-            </a:r>
-            <a:r>
-              <a:rPr lang="fr-FR" dirty="0" err="1"/>
-              <a:t>emb_dim</a:t>
-            </a:r>
-            <a:r>
-              <a:rPr lang="fr-FR" dirty="0"/>
-              <a:t> features à </a:t>
-            </a:r>
-            <a:r>
-              <a:rPr lang="fr-FR" dirty="0" err="1"/>
-              <a:t>concat</a:t>
-            </a:r>
-            <a:endParaRPr lang="fr-FR" dirty="0"/>
-          </a:p>
-          <a:p>
-            <a:endParaRPr lang="fr-FR" dirty="0"/>
-          </a:p>
-          <a:p>
-            <a:r>
-              <a:rPr lang="fr-FR" dirty="0"/>
-              <a:t>À la sortie de </a:t>
-            </a:r>
-            <a:r>
-              <a:rPr lang="fr-FR" dirty="0" err="1"/>
-              <a:t>concat</a:t>
-            </a:r>
-            <a:r>
-              <a:rPr lang="fr-FR" dirty="0"/>
-              <a:t> on a un vecteur de longueur </a:t>
-            </a:r>
-            <a:r>
-              <a:rPr lang="fr-FR" dirty="0" err="1"/>
-              <a:t>n_units</a:t>
-            </a:r>
-            <a:r>
-              <a:rPr lang="fr-FR" dirty="0"/>
-              <a:t> + </a:t>
-            </a:r>
-            <a:r>
-              <a:rPr lang="fr-FR" dirty="0" err="1"/>
-              <a:t>emb_dim</a:t>
-            </a:r>
-            <a:endParaRPr lang="fr-FR" dirty="0"/>
-          </a:p>
-          <a:p>
-            <a:r>
-              <a:rPr lang="fr-FR" dirty="0"/>
-              <a:t>C'est une représentation très riche du mot qui tient compte de son contexte dans la langue source (</a:t>
-            </a:r>
-            <a:r>
-              <a:rPr lang="fr-FR" dirty="0" err="1"/>
-              <a:t>n_unit</a:t>
-            </a:r>
-            <a:r>
-              <a:rPr lang="fr-FR" dirty="0"/>
-              <a:t> features) et de sa traduction (sur </a:t>
-            </a:r>
-            <a:r>
-              <a:rPr lang="fr-FR" dirty="0" err="1"/>
-              <a:t>emb_dim</a:t>
-            </a:r>
-            <a:r>
-              <a:rPr lang="fr-FR" dirty="0"/>
-              <a:t> </a:t>
-            </a:r>
-            <a:r>
-              <a:rPr lang="fr-FR" dirty="0" err="1"/>
-              <a:t>fetaures</a:t>
-            </a:r>
-            <a:r>
-              <a:rPr lang="fr-FR" dirty="0"/>
-              <a:t>)</a:t>
-            </a:r>
-          </a:p>
-          <a:p>
-            <a:endParaRPr lang="fr-FR" dirty="0"/>
-          </a:p>
-          <a:p>
-            <a:r>
-              <a:rPr lang="fr-FR" dirty="0"/>
-              <a:t>La GRU suivante possède </a:t>
-            </a:r>
-            <a:r>
-              <a:rPr lang="fr-FR" dirty="0" err="1"/>
-              <a:t>n_units</a:t>
-            </a:r>
-            <a:r>
-              <a:rPr lang="fr-FR" dirty="0"/>
-              <a:t>.</a:t>
-            </a:r>
-          </a:p>
-          <a:p>
-            <a:r>
-              <a:rPr lang="fr-FR" dirty="0"/>
-              <a:t>On fait sortir d'un côté le </a:t>
-            </a:r>
-            <a:r>
-              <a:rPr lang="fr-FR" dirty="0" err="1"/>
-              <a:t>hidden</a:t>
-            </a:r>
-            <a:r>
-              <a:rPr lang="fr-FR" dirty="0"/>
-              <a:t> state de l'itération en cours. Il s'agit d'un vecteur de longueur </a:t>
-            </a:r>
-            <a:r>
-              <a:rPr lang="fr-FR" dirty="0" err="1"/>
-              <a:t>n_units</a:t>
-            </a:r>
-            <a:endParaRPr lang="fr-FR" dirty="0"/>
-          </a:p>
-          <a:p>
-            <a:r>
-              <a:rPr lang="fr-FR" dirty="0"/>
-              <a:t>Ce dernier "redescend" sur le fil noir et arrive à l'interrupteur 2 qui à ce moment-là est toujours ouvert</a:t>
-            </a:r>
-          </a:p>
-          <a:p>
-            <a:endParaRPr lang="fr-FR" dirty="0"/>
-          </a:p>
-          <a:p>
-            <a:r>
-              <a:rPr lang="fr-FR" dirty="0"/>
-              <a:t>En sortie de la couche GRU il sort aussi un vecteur de longueur </a:t>
-            </a:r>
-            <a:r>
-              <a:rPr lang="fr-FR" dirty="0" err="1"/>
-              <a:t>n_units</a:t>
-            </a:r>
-            <a:r>
-              <a:rPr lang="fr-FR" dirty="0"/>
-              <a:t> qui est présenté à une couche dense qui possède </a:t>
-            </a:r>
-            <a:r>
-              <a:rPr lang="fr-FR" dirty="0" err="1"/>
-              <a:t>vocab_size</a:t>
-            </a:r>
-            <a:r>
-              <a:rPr lang="fr-FR" dirty="0"/>
-              <a:t> neurones</a:t>
-            </a:r>
-          </a:p>
-          <a:p>
-            <a:r>
-              <a:rPr lang="fr-FR" dirty="0"/>
-              <a:t>Pour des raisons de simplicité ici </a:t>
-            </a:r>
-            <a:r>
-              <a:rPr lang="fr-FR" dirty="0" err="1"/>
-              <a:t>vocab_size</a:t>
-            </a:r>
-            <a:r>
-              <a:rPr lang="fr-FR" dirty="0"/>
-              <a:t> FR et EN ont la même taille</a:t>
-            </a:r>
-          </a:p>
-          <a:p>
-            <a:r>
-              <a:rPr lang="fr-FR" dirty="0"/>
-              <a:t>On obtient en sortie de la couche dense en question, un vecteur de longueur </a:t>
-            </a:r>
-            <a:r>
-              <a:rPr lang="fr-FR" dirty="0" err="1"/>
-              <a:t>vocab_size</a:t>
-            </a:r>
-            <a:r>
-              <a:rPr lang="fr-FR" dirty="0"/>
-              <a:t> </a:t>
-            </a:r>
-          </a:p>
-          <a:p>
-            <a:r>
-              <a:rPr lang="fr-FR" dirty="0"/>
-              <a:t>On fait passer ce vecteur à travers une couche </a:t>
-            </a:r>
-            <a:r>
-              <a:rPr lang="fr-FR" dirty="0" err="1"/>
-              <a:t>softmax</a:t>
-            </a:r>
-            <a:r>
-              <a:rPr lang="fr-FR" dirty="0"/>
-              <a:t> (qui n'apparait pas sur le schéma) afin de pouvoir identifier dans les </a:t>
-            </a:r>
-            <a:r>
-              <a:rPr lang="fr-FR" dirty="0" err="1"/>
-              <a:t>vocab_size</a:t>
-            </a:r>
-            <a:r>
-              <a:rPr lang="fr-FR" dirty="0"/>
-              <a:t> mots du vocabulaire cible (EN) l'indice du mot traduit</a:t>
-            </a:r>
-          </a:p>
-          <a:p>
-            <a:r>
-              <a:rPr lang="fr-FR" dirty="0"/>
-              <a:t>Finalement une copie du vecteur de long </a:t>
-            </a:r>
-            <a:r>
-              <a:rPr lang="fr-FR" dirty="0" err="1"/>
-              <a:t>vocab_size</a:t>
-            </a:r>
-            <a:r>
-              <a:rPr lang="fr-FR" dirty="0"/>
-              <a:t> est ramenée vers l'interrupteur 3 à l'aide du câble vert</a:t>
-            </a:r>
-          </a:p>
-          <a:p>
-            <a:r>
-              <a:rPr lang="fr-FR" dirty="0"/>
-              <a:t>En mode </a:t>
-            </a:r>
-            <a:r>
-              <a:rPr lang="fr-FR" dirty="0" err="1"/>
-              <a:t>teacher</a:t>
-            </a:r>
-            <a:r>
-              <a:rPr lang="fr-FR" dirty="0"/>
-              <a:t> forcing l'interrupteur 3 reste fermé du côté des mots de la phrase target</a:t>
-            </a:r>
-          </a:p>
-          <a:p>
-            <a:endParaRPr lang="fr-FR" dirty="0"/>
-          </a:p>
-          <a:p>
-            <a:r>
-              <a:rPr lang="fr-FR" dirty="0"/>
-              <a:t>À la fin de la première itération du mode apprentissage (</a:t>
-            </a:r>
-            <a:r>
-              <a:rPr lang="fr-FR" dirty="0" err="1"/>
-              <a:t>teacher</a:t>
-            </a:r>
-            <a:r>
-              <a:rPr lang="fr-FR" dirty="0"/>
-              <a:t> forcing) on tourne vers le bas l'interrupteur 2</a:t>
-            </a:r>
-          </a:p>
-          <a:p>
-            <a:r>
-              <a:rPr lang="fr-FR" dirty="0"/>
-              <a:t>L'interrupteur 3 ne bouge pas</a:t>
-            </a:r>
-          </a:p>
-          <a:p>
-            <a:r>
-              <a:rPr lang="fr-FR" dirty="0"/>
-              <a:t>Au début de la seconde itération</a:t>
-            </a:r>
-          </a:p>
-          <a:p>
-            <a:r>
-              <a:rPr lang="fr-FR" dirty="0"/>
-              <a:t>W1 est toujours alimenté par le document au format </a:t>
-            </a:r>
-            <a:r>
-              <a:rPr lang="fr-FR" dirty="0" err="1"/>
-              <a:t>seq_len</a:t>
-            </a:r>
-            <a:r>
-              <a:rPr lang="fr-FR" dirty="0"/>
-              <a:t> x </a:t>
-            </a:r>
-            <a:r>
-              <a:rPr lang="fr-FR" dirty="0" err="1"/>
-              <a:t>n_units</a:t>
-            </a:r>
-            <a:r>
-              <a:rPr lang="fr-FR" dirty="0"/>
-              <a:t> mais on avance d'un cran et on utilisera  le "mot" qui est présenté sur la seconde ligne de la matrice </a:t>
-            </a:r>
-          </a:p>
-          <a:p>
-            <a:r>
-              <a:rPr lang="fr-FR" dirty="0"/>
-              <a:t>W2 est maintenant alimenté avec un vecteur de longueur </a:t>
-            </a:r>
-            <a:r>
-              <a:rPr lang="fr-FR" dirty="0" err="1"/>
-              <a:t>n_units</a:t>
-            </a:r>
-            <a:r>
-              <a:rPr lang="fr-FR" dirty="0"/>
-              <a:t> qui est contient les </a:t>
-            </a:r>
-            <a:r>
-              <a:rPr lang="fr-FR" dirty="0" err="1"/>
-              <a:t>hidden</a:t>
-            </a:r>
-            <a:r>
-              <a:rPr lang="fr-FR" dirty="0"/>
-              <a:t> state du décodeur (et plus les </a:t>
-            </a:r>
-            <a:r>
-              <a:rPr lang="fr-FR" dirty="0" err="1"/>
-              <a:t>hidden</a:t>
-            </a:r>
-            <a:r>
-              <a:rPr lang="fr-FR" dirty="0"/>
-              <a:t> states de l'encoder)</a:t>
-            </a:r>
-          </a:p>
-          <a:p>
-            <a:r>
-              <a:rPr lang="fr-FR" dirty="0"/>
-              <a:t>L'interrupteur 3 laisse passer l'indice dans la langue cible du second mot de la phrase target (encore une fois la traduction des mots target en indice n'apparait pas sur le schéma)</a:t>
-            </a:r>
-          </a:p>
-          <a:p>
-            <a:endParaRPr lang="fr-FR" dirty="0"/>
-          </a:p>
-          <a:p>
-            <a:r>
-              <a:rPr lang="fr-FR" dirty="0" err="1"/>
-              <a:t>Same</a:t>
-            </a:r>
-            <a:r>
-              <a:rPr lang="fr-FR" dirty="0"/>
-              <a:t> </a:t>
-            </a:r>
-            <a:r>
-              <a:rPr lang="fr-FR" dirty="0" err="1"/>
-              <a:t>player</a:t>
-            </a:r>
-            <a:r>
-              <a:rPr lang="fr-FR" dirty="0"/>
-              <a:t> shoot </a:t>
-            </a:r>
-            <a:r>
-              <a:rPr lang="fr-FR" dirty="0" err="1"/>
-              <a:t>again</a:t>
-            </a:r>
-            <a:r>
-              <a:rPr lang="fr-FR" dirty="0"/>
-              <a:t>… C'est reparti pour un tour</a:t>
-            </a:r>
-          </a:p>
-          <a:p>
-            <a:r>
-              <a:rPr lang="fr-FR" dirty="0"/>
-              <a:t>À la fin de la seconde itération on laisse les interrupteurs dans leur position et on passe à l'itération suivante</a:t>
-            </a:r>
-          </a:p>
-          <a:p>
-            <a:endParaRPr lang="fr-FR" dirty="0"/>
-          </a:p>
-          <a:p>
-            <a:endParaRPr lang="fr-FR" dirty="0"/>
-          </a:p>
-          <a:p>
-            <a:r>
-              <a:rPr lang="fr-FR" dirty="0"/>
-              <a:t> </a:t>
-            </a:r>
-          </a:p>
-          <a:p>
-            <a:endParaRPr lang="fr-FR" dirty="0"/>
-          </a:p>
-          <a:p>
-            <a:r>
-              <a:rPr lang="fr-FR" b="1" dirty="0"/>
-              <a:t>En mode inférence</a:t>
-            </a:r>
-          </a:p>
-          <a:p>
-            <a:r>
-              <a:rPr lang="fr-FR" dirty="0"/>
-              <a:t>L'encoder a encodé un document qui n'a jamais été vu par le décoder</a:t>
-            </a:r>
-          </a:p>
-          <a:p>
-            <a:r>
-              <a:rPr lang="fr-FR" dirty="0"/>
-              <a:t>À la première itération</a:t>
-            </a:r>
-          </a:p>
-          <a:p>
-            <a:r>
-              <a:rPr lang="fr-FR" dirty="0"/>
-              <a:t>L'interrupteur 2 est tourné vers la gauche</a:t>
-            </a:r>
-          </a:p>
-          <a:p>
-            <a:r>
-              <a:rPr lang="fr-FR" dirty="0"/>
-              <a:t>On présente donc à W1 et W2 respectivement le document au format matrice </a:t>
-            </a:r>
-            <a:r>
-              <a:rPr lang="fr-FR" dirty="0" err="1"/>
-              <a:t>seq_len</a:t>
-            </a:r>
-            <a:r>
-              <a:rPr lang="fr-FR" dirty="0"/>
-              <a:t> x </a:t>
-            </a:r>
-            <a:r>
-              <a:rPr lang="fr-FR" dirty="0" err="1"/>
-              <a:t>n_units</a:t>
-            </a:r>
-            <a:r>
-              <a:rPr lang="fr-FR" dirty="0"/>
-              <a:t> et les derniers </a:t>
-            </a:r>
-            <a:r>
-              <a:rPr lang="fr-FR" dirty="0" err="1"/>
-              <a:t>hidden</a:t>
-            </a:r>
-            <a:r>
-              <a:rPr lang="fr-FR" dirty="0"/>
-              <a:t> states de l'encoder sous forme d'un vecteur de longueur </a:t>
-            </a:r>
-            <a:r>
-              <a:rPr lang="fr-FR" dirty="0" err="1"/>
-              <a:t>n_units</a:t>
-            </a:r>
-            <a:endParaRPr lang="fr-FR" dirty="0"/>
-          </a:p>
-          <a:p>
-            <a:r>
-              <a:rPr lang="fr-FR" dirty="0"/>
-              <a:t>L'interrupteur 3 est tourné du coté inférence et par défaut l'indice du token "&lt;start&gt;" (0 par exemple) est présenté au WE rouge</a:t>
-            </a:r>
-          </a:p>
-          <a:p>
-            <a:endParaRPr lang="fr-FR" dirty="0"/>
-          </a:p>
-          <a:p>
-            <a:r>
-              <a:rPr lang="fr-FR" dirty="0"/>
-              <a:t>Le fonctionnement est ensuite exactement le même qu'en mode apprentissage</a:t>
-            </a:r>
-          </a:p>
-          <a:p>
-            <a:r>
-              <a:rPr lang="fr-FR" dirty="0"/>
-              <a:t>Par contre on bénéficie des contenus des Word Embedding qui ont été ajustés au cours de l'apprentissage (back propagation, gradient </a:t>
-            </a:r>
-            <a:r>
-              <a:rPr lang="fr-FR" dirty="0" err="1"/>
-              <a:t>descent</a:t>
-            </a:r>
-            <a:r>
-              <a:rPr lang="fr-FR" dirty="0"/>
-              <a:t> etc.)</a:t>
-            </a:r>
-          </a:p>
-          <a:p>
-            <a:endParaRPr lang="fr-FR" dirty="0"/>
-          </a:p>
-          <a:p>
-            <a:r>
-              <a:rPr lang="fr-FR" dirty="0"/>
-              <a:t>À la fin de la première itération, comme en mode </a:t>
-            </a:r>
-            <a:r>
-              <a:rPr lang="fr-FR" dirty="0" err="1"/>
-              <a:t>teacher</a:t>
-            </a:r>
-            <a:r>
-              <a:rPr lang="fr-FR" dirty="0"/>
-              <a:t> forcing, on fait pivoter l'interrupteur 2 afin d'alimenter W2 avec les </a:t>
-            </a:r>
-            <a:r>
-              <a:rPr lang="fr-FR" dirty="0" err="1"/>
-              <a:t>hidden</a:t>
-            </a:r>
-            <a:r>
-              <a:rPr lang="fr-FR" dirty="0"/>
-              <a:t> states du décodeur (vecteur de longueur </a:t>
-            </a:r>
-            <a:r>
-              <a:rPr lang="fr-FR" dirty="0" err="1"/>
-              <a:t>n_units</a:t>
-            </a:r>
-            <a:r>
-              <a:rPr lang="fr-FR" dirty="0"/>
-              <a:t>) </a:t>
-            </a:r>
-          </a:p>
-          <a:p>
-            <a:r>
-              <a:rPr lang="fr-FR" dirty="0"/>
-              <a:t>L'interrupteur 3 reste fermé du côté inférence et l'indice du mot prédit dans  la langue cible qui est sur le fil vert (un vecteur de longueur </a:t>
-            </a:r>
-            <a:r>
-              <a:rPr lang="fr-FR" dirty="0" err="1"/>
-              <a:t>vocab_size</a:t>
-            </a:r>
-            <a:r>
-              <a:rPr lang="fr-FR" dirty="0"/>
-              <a:t>) est présenté au WE rouge</a:t>
-            </a:r>
-          </a:p>
-          <a:p>
-            <a:endParaRPr lang="fr-FR" dirty="0"/>
-          </a:p>
-          <a:p>
-            <a:r>
-              <a:rPr lang="fr-FR" dirty="0"/>
-              <a:t>Et on repart pour une seconde itération…</a:t>
-            </a:r>
-          </a:p>
-          <a:p>
-            <a:r>
-              <a:rPr lang="fr-FR" dirty="0"/>
-              <a:t>Jusqu'à avoir consommé tous les mots de la langue source.</a:t>
-            </a:r>
           </a:p>
         </p:txBody>
       </p:sp>
@@ -4779,9 +4567,2148 @@
           <a:bodyPr/>
           <a:lstStyle/>
           <a:p>
+            <a:fld id="{2248A371-2959-4ACF-A588-8E7883C9119F}" type="slidenum">
+              <a:rPr lang="fr-FR" smtClean="0"/>
+              <a:t>3</a:t>
+            </a:fld>
+            <a:endParaRPr lang="fr-FR"/>
+          </a:p>
+        </p:txBody>
+      </p:sp>
+    </p:spTree>
+    <p:extLst>
+      <p:ext uri="{BB962C8B-B14F-4D97-AF65-F5344CB8AC3E}">
+        <p14:creationId xmlns:p14="http://schemas.microsoft.com/office/powerpoint/2010/main" val="2449102221"/>
+      </p:ext>
+    </p:extLst>
+  </p:cSld>
+  <p:clrMapOvr>
+    <a:masterClrMapping/>
+  </p:clrMapOvr>
+</p:notes>
+</file>
+
+<file path=ppt/notesSlides/notesSlide2.xml><?xml version="1.0" encoding="utf-8"?>
+<p:notes xmlns:a="http://schemas.openxmlformats.org/drawingml/2006/main" xmlns:r="http://schemas.openxmlformats.org/officeDocument/2006/relationships" xmlns:p="http://schemas.openxmlformats.org/presentationml/2006/main">
+  <p:cSld>
+    <p:spTree>
+      <p:nvGrpSpPr>
+        <p:cNvPr id="1" name=""/>
+        <p:cNvGrpSpPr/>
+        <p:nvPr/>
+      </p:nvGrpSpPr>
+      <p:grpSpPr>
+        <a:xfrm>
+          <a:off x="0" y="0"/>
+          <a:ext cx="0" cy="0"/>
+          <a:chOff x="0" y="0"/>
+          <a:chExt cx="0" cy="0"/>
+        </a:xfrm>
+      </p:grpSpPr>
+      <p:sp>
+        <p:nvSpPr>
+          <p:cNvPr id="2" name="Espace réservé de l'image des diapositives 1"/>
+          <p:cNvSpPr>
+            <a:spLocks noGrp="1" noRot="1" noChangeAspect="1"/>
+          </p:cNvSpPr>
+          <p:nvPr>
+            <p:ph type="sldImg"/>
+          </p:nvPr>
+        </p:nvSpPr>
+        <p:spPr/>
+      </p:sp>
+      <p:sp>
+        <p:nvSpPr>
+          <p:cNvPr id="3" name="Espace réservé des notes 2"/>
+          <p:cNvSpPr>
+            <a:spLocks noGrp="1"/>
+          </p:cNvSpPr>
+          <p:nvPr>
+            <p:ph type="body" idx="1"/>
+          </p:nvPr>
+        </p:nvSpPr>
+        <p:spPr/>
+        <p:txBody>
+          <a:bodyPr/>
+          <a:lstStyle/>
+          <a:p>
+            <a:pPr marL="0" marR="0" lvl="0" indent="0" algn="l" defTabSz="914400" rtl="0" eaLnBrk="1" fontAlgn="auto" latinLnBrk="0" hangingPunct="1">
+              <a:lnSpc>
+                <a:spcPct val="100000"/>
+              </a:lnSpc>
+              <a:spcBef>
+                <a:spcPts val="0"/>
+              </a:spcBef>
+              <a:spcAft>
+                <a:spcPts val="0"/>
+              </a:spcAft>
+              <a:buClrTx/>
+              <a:buSzTx/>
+              <a:buFontTx/>
+              <a:buNone/>
+              <a:tabLst/>
+              <a:defRPr/>
+            </a:pPr>
+            <a:endParaRPr lang="fr-FR" sz="1800" dirty="0">
+              <a:effectLst/>
+              <a:latin typeface="Courier New" panose="02070309020205020404" pitchFamily="49" charset="0"/>
+            </a:endParaRPr>
+          </a:p>
+          <a:p>
+            <a:pPr marL="0" marR="0" lvl="0" indent="0" algn="l" defTabSz="914400" rtl="0" eaLnBrk="1" fontAlgn="auto" latinLnBrk="0" hangingPunct="1">
+              <a:lnSpc>
+                <a:spcPct val="100000"/>
+              </a:lnSpc>
+              <a:spcBef>
+                <a:spcPts val="0"/>
+              </a:spcBef>
+              <a:spcAft>
+                <a:spcPts val="0"/>
+              </a:spcAft>
+              <a:buClrTx/>
+              <a:buSzTx/>
+              <a:buFontTx/>
+              <a:buNone/>
+              <a:tabLst/>
+              <a:defRPr/>
+            </a:pPr>
+            <a:r>
+              <a:rPr lang="fr-FR" sz="1800" dirty="0">
+                <a:effectLst/>
+                <a:latin typeface="Courier New" panose="02070309020205020404" pitchFamily="49" charset="0"/>
+              </a:rPr>
+              <a:t>R² représente la proportion de la variance de la variable dépendante qui est expliquée par le modèle de régression.</a:t>
+            </a:r>
+          </a:p>
+          <a:p>
+            <a:pPr marL="0" marR="0">
+              <a:spcBef>
+                <a:spcPts val="0"/>
+              </a:spcBef>
+              <a:spcAft>
+                <a:spcPts val="0"/>
+              </a:spcAft>
+            </a:pPr>
+            <a:endParaRPr lang="fr-FR" sz="1800" dirty="0">
+              <a:effectLst/>
+              <a:latin typeface="Courier New" panose="02070309020205020404" pitchFamily="49" charset="0"/>
+            </a:endParaRPr>
+          </a:p>
+          <a:p>
+            <a:pPr marL="0" marR="0">
+              <a:spcBef>
+                <a:spcPts val="0"/>
+              </a:spcBef>
+              <a:spcAft>
+                <a:spcPts val="0"/>
+              </a:spcAft>
+            </a:pPr>
+            <a:r>
+              <a:rPr lang="fr-FR" sz="1800" dirty="0">
+                <a:effectLst/>
+                <a:latin typeface="Courier New" panose="02070309020205020404" pitchFamily="49" charset="0"/>
+              </a:rPr>
+              <a:t>Dans sklearn, le score, c'est R²</a:t>
+            </a:r>
+          </a:p>
+          <a:p>
+            <a:pPr marL="0" marR="0">
+              <a:spcBef>
+                <a:spcPts val="0"/>
+              </a:spcBef>
+              <a:spcAft>
+                <a:spcPts val="0"/>
+              </a:spcAft>
+            </a:pPr>
+            <a:r>
+              <a:rPr lang="fr-FR" sz="1800" dirty="0">
+                <a:effectLst/>
+                <a:latin typeface="Courier New" panose="02070309020205020404" pitchFamily="49" charset="0"/>
+              </a:rPr>
+              <a:t>Comme c'est une proportion c'est c</a:t>
+            </a:r>
+            <a:r>
+              <a:rPr lang="fr-FR" sz="1800" b="1" dirty="0">
+                <a:effectLst/>
+                <a:latin typeface="Courier New" panose="02070309020205020404" pitchFamily="49" charset="0"/>
+              </a:rPr>
+              <a:t>omparable d'un modèle à un autre</a:t>
+            </a:r>
+            <a:r>
+              <a:rPr lang="fr-FR" sz="1800" dirty="0">
+                <a:effectLst/>
+                <a:latin typeface="Courier New" panose="02070309020205020404" pitchFamily="49" charset="0"/>
+              </a:rPr>
+              <a:t> quel que soit les valeurs de y</a:t>
+            </a:r>
+          </a:p>
+          <a:p>
+            <a:endParaRPr lang="en-US" sz="1800" kern="1200" dirty="0">
+              <a:solidFill>
+                <a:schemeClr val="tx1"/>
+              </a:solidFill>
+              <a:effectLst/>
+              <a:latin typeface="Calibri" panose="020F0502020204030204" pitchFamily="34" charset="0"/>
+              <a:ea typeface="+mn-ea"/>
+              <a:cs typeface="+mn-cs"/>
+            </a:endParaRPr>
+          </a:p>
+          <a:p>
+            <a:endParaRPr lang="en-US" sz="1800" kern="1200" dirty="0">
+              <a:solidFill>
+                <a:schemeClr val="tx1"/>
+              </a:solidFill>
+              <a:effectLst/>
+              <a:latin typeface="Calibri" panose="020F0502020204030204" pitchFamily="34" charset="0"/>
+              <a:ea typeface="+mn-ea"/>
+              <a:cs typeface="+mn-cs"/>
+            </a:endParaRPr>
+          </a:p>
+          <a:p>
+            <a:r>
+              <a:rPr lang="en-US" sz="1800" kern="1200" dirty="0">
+                <a:solidFill>
+                  <a:schemeClr val="tx1"/>
+                </a:solidFill>
+                <a:effectLst/>
+                <a:latin typeface="Calibri" panose="020F0502020204030204" pitchFamily="34" charset="0"/>
+                <a:ea typeface="+mn-ea"/>
+                <a:cs typeface="+mn-cs"/>
+              </a:rPr>
+              <a:t>SSR = sum of squares due to regression </a:t>
+            </a:r>
+            <a:endParaRPr lang="fr-FR" sz="1800" kern="1200" dirty="0">
+              <a:solidFill>
+                <a:schemeClr val="tx1"/>
+              </a:solidFill>
+              <a:effectLst/>
+              <a:latin typeface="Calibri" panose="020F0502020204030204" pitchFamily="34" charset="0"/>
+              <a:ea typeface="+mn-ea"/>
+              <a:cs typeface="+mn-cs"/>
+            </a:endParaRPr>
+          </a:p>
+          <a:p>
+            <a:r>
+              <a:rPr lang="fr-FR" sz="1800" kern="1200" dirty="0">
+                <a:solidFill>
+                  <a:schemeClr val="tx1"/>
+                </a:solidFill>
+                <a:effectLst/>
+                <a:latin typeface="Calibri" panose="020F0502020204030204" pitchFamily="34" charset="0"/>
+                <a:ea typeface="+mn-ea"/>
+                <a:cs typeface="+mn-cs"/>
+              </a:rPr>
+              <a:t>SST = </a:t>
+            </a:r>
+            <a:r>
+              <a:rPr lang="fr-FR" sz="1800" kern="1200" dirty="0" err="1">
+                <a:solidFill>
+                  <a:schemeClr val="tx1"/>
+                </a:solidFill>
+                <a:effectLst/>
+                <a:latin typeface="Calibri" panose="020F0502020204030204" pitchFamily="34" charset="0"/>
+                <a:ea typeface="+mn-ea"/>
+                <a:cs typeface="+mn-cs"/>
+              </a:rPr>
+              <a:t>sum</a:t>
+            </a:r>
+            <a:r>
+              <a:rPr lang="fr-FR" sz="1800" kern="1200" dirty="0">
+                <a:solidFill>
+                  <a:schemeClr val="tx1"/>
+                </a:solidFill>
+                <a:effectLst/>
+                <a:latin typeface="Calibri" panose="020F0502020204030204" pitchFamily="34" charset="0"/>
+                <a:ea typeface="+mn-ea"/>
+                <a:cs typeface="+mn-cs"/>
+              </a:rPr>
+              <a:t> of squares total</a:t>
+            </a:r>
+          </a:p>
+          <a:p>
+            <a:endParaRPr lang="fr-FR" sz="1800" kern="1200" dirty="0">
+              <a:solidFill>
+                <a:schemeClr val="tx1"/>
+              </a:solidFill>
+              <a:effectLst/>
+              <a:latin typeface="Calibri" panose="020F0502020204030204" pitchFamily="34" charset="0"/>
+              <a:ea typeface="+mn-ea"/>
+              <a:cs typeface="+mn-cs"/>
+            </a:endParaRPr>
+          </a:p>
+          <a:p>
+            <a:r>
+              <a:rPr lang="fr-FR" sz="1800" kern="1200" dirty="0">
+                <a:solidFill>
+                  <a:schemeClr val="tx1"/>
+                </a:solidFill>
+                <a:effectLst/>
+                <a:latin typeface="Calibri" panose="020F0502020204030204" pitchFamily="34" charset="0"/>
+                <a:ea typeface="+mn-ea"/>
+                <a:cs typeface="+mn-cs"/>
+              </a:rPr>
+              <a:t>Par rapport au cours de ce matin</a:t>
+            </a:r>
+          </a:p>
+          <a:p>
+            <a:r>
+              <a:rPr lang="fr-FR" sz="1800" dirty="0">
+                <a:effectLst/>
+                <a:highlight>
+                  <a:srgbClr val="FFFF00"/>
+                </a:highlight>
+                <a:latin typeface="Courier New" panose="02070309020205020404" pitchFamily="49" charset="0"/>
+              </a:rPr>
+              <a:t>R² = 1 - SSE/SST</a:t>
+            </a:r>
+            <a:r>
+              <a:rPr lang="fr-FR" sz="1800" dirty="0">
+                <a:effectLst/>
+                <a:latin typeface="Courier New" panose="02070309020205020404" pitchFamily="49" charset="0"/>
+              </a:rPr>
+              <a:t> (car SSR = SST - SSE)</a:t>
+            </a:r>
+            <a:endParaRPr lang="fr-FR" sz="1800" kern="1200" dirty="0">
+              <a:solidFill>
+                <a:schemeClr val="tx1"/>
+              </a:solidFill>
+              <a:effectLst/>
+              <a:latin typeface="Calibri" panose="020F0502020204030204" pitchFamily="34" charset="0"/>
+              <a:ea typeface="+mn-ea"/>
+              <a:cs typeface="+mn-cs"/>
+            </a:endParaRPr>
+          </a:p>
+          <a:p>
+            <a:r>
+              <a:rPr lang="fr-FR" sz="1200" dirty="0">
+                <a:effectLst/>
+                <a:highlight>
+                  <a:srgbClr val="FFFF00"/>
+                </a:highlight>
+                <a:latin typeface="Courier New" panose="02070309020205020404" pitchFamily="49" charset="0"/>
+              </a:rPr>
+              <a:t>R² = SSR/SST = (SST – SSE)/SST = 1 - SSE/SST</a:t>
+            </a:r>
+          </a:p>
+          <a:p>
+            <a:endParaRPr lang="fr-FR" sz="1200" dirty="0">
+              <a:effectLst/>
+              <a:highlight>
+                <a:srgbClr val="FFFF00"/>
+              </a:highlight>
+              <a:latin typeface="Courier New" panose="02070309020205020404" pitchFamily="49" charset="0"/>
+            </a:endParaRPr>
+          </a:p>
+          <a:p>
+            <a:pPr rtl="0" fontAlgn="ctr">
+              <a:spcBef>
+                <a:spcPts val="0"/>
+              </a:spcBef>
+              <a:spcAft>
+                <a:spcPts val="0"/>
+              </a:spcAft>
+              <a:buFont typeface="Arial" panose="020B0604020202020204" pitchFamily="34" charset="0"/>
+              <a:buNone/>
+            </a:pPr>
+            <a:r>
+              <a:rPr lang="fr-FR" sz="1800" dirty="0">
+                <a:effectLst/>
+                <a:latin typeface="Courier New" panose="02070309020205020404" pitchFamily="49" charset="0"/>
+              </a:rPr>
+              <a:t>Si R² vaut 0 alors la droite de régression n'explique aucune des variabilités des données par rapport à la moyenne</a:t>
+            </a:r>
+          </a:p>
+          <a:p>
+            <a:pPr rtl="0" fontAlgn="ctr">
+              <a:spcBef>
+                <a:spcPts val="0"/>
+              </a:spcBef>
+              <a:spcAft>
+                <a:spcPts val="0"/>
+              </a:spcAft>
+              <a:buFont typeface="Arial" panose="020B0604020202020204" pitchFamily="34" charset="0"/>
+              <a:buNone/>
+            </a:pPr>
+            <a:r>
+              <a:rPr lang="fr-FR" sz="1800" dirty="0">
+                <a:effectLst/>
+                <a:latin typeface="Courier New" panose="02070309020205020404" pitchFamily="49" charset="0"/>
+              </a:rPr>
+              <a:t>Si R² vaut 1 alors la droite de régression   explique toutes les variabilités des données par rapport à la moyenne </a:t>
+            </a:r>
+          </a:p>
+          <a:p>
+            <a:endParaRPr lang="fr-FR" dirty="0"/>
+          </a:p>
+          <a:p>
+            <a:r>
+              <a:rPr lang="fr-FR" dirty="0"/>
+              <a:t>Revoir l'</a:t>
+            </a:r>
+            <a:r>
+              <a:rPr lang="fr-FR" dirty="0" err="1"/>
+              <a:t>adjusted</a:t>
+            </a:r>
+            <a:r>
+              <a:rPr lang="fr-FR" dirty="0"/>
+              <a:t> R²</a:t>
+            </a:r>
+          </a:p>
+          <a:p>
+            <a:pPr rtl="0" fontAlgn="ctr">
+              <a:spcBef>
+                <a:spcPts val="0"/>
+              </a:spcBef>
+              <a:spcAft>
+                <a:spcPts val="0"/>
+              </a:spcAft>
+              <a:buFont typeface="Arial" panose="020B0604020202020204" pitchFamily="34" charset="0"/>
+              <a:buNone/>
+            </a:pPr>
+            <a:r>
+              <a:rPr lang="fr-FR" sz="1800" dirty="0">
+                <a:effectLst/>
+                <a:latin typeface="Courier New" panose="02070309020205020404" pitchFamily="49" charset="0"/>
+              </a:rPr>
+              <a:t>Pénalise l'usage excessif de variables supplémentaires </a:t>
+            </a:r>
+          </a:p>
+          <a:p>
+            <a:pPr rtl="0" fontAlgn="ctr">
+              <a:spcBef>
+                <a:spcPts val="0"/>
+              </a:spcBef>
+              <a:spcAft>
+                <a:spcPts val="0"/>
+              </a:spcAft>
+              <a:buFont typeface="Arial" panose="020B0604020202020204" pitchFamily="34" charset="0"/>
+              <a:buNone/>
+            </a:pPr>
+            <a:r>
+              <a:rPr lang="fr-FR" sz="1800" dirty="0" err="1">
+                <a:effectLst/>
+                <a:latin typeface="Courier New" panose="02070309020205020404" pitchFamily="49" charset="0"/>
+              </a:rPr>
+              <a:t>we</a:t>
+            </a:r>
+            <a:r>
+              <a:rPr lang="fr-FR" sz="1800" dirty="0">
+                <a:effectLst/>
+                <a:latin typeface="Courier New" panose="02070309020205020404" pitchFamily="49" charset="0"/>
+              </a:rPr>
+              <a:t> </a:t>
+            </a:r>
+            <a:r>
+              <a:rPr lang="fr-FR" sz="1800" dirty="0" err="1">
+                <a:effectLst/>
+                <a:latin typeface="Courier New" panose="02070309020205020404" pitchFamily="49" charset="0"/>
+              </a:rPr>
+              <a:t>add</a:t>
+            </a:r>
+            <a:r>
+              <a:rPr lang="fr-FR" sz="1800" dirty="0">
+                <a:effectLst/>
+                <a:latin typeface="Courier New" panose="02070309020205020404" pitchFamily="49" charset="0"/>
+              </a:rPr>
+              <a:t> a penalty to </a:t>
+            </a:r>
+            <a:r>
+              <a:rPr lang="fr-FR" sz="1800" dirty="0" err="1">
+                <a:effectLst/>
+                <a:latin typeface="Courier New" panose="02070309020205020404" pitchFamily="49" charset="0"/>
+              </a:rPr>
+              <a:t>our</a:t>
+            </a:r>
+            <a:r>
+              <a:rPr lang="fr-FR" sz="1800" dirty="0">
+                <a:effectLst/>
+                <a:latin typeface="Courier New" panose="02070309020205020404" pitchFamily="49" charset="0"/>
+              </a:rPr>
+              <a:t> </a:t>
+            </a:r>
+            <a:r>
+              <a:rPr lang="fr-FR" sz="1800" dirty="0" err="1">
+                <a:effectLst/>
+                <a:latin typeface="Courier New" panose="02070309020205020404" pitchFamily="49" charset="0"/>
+              </a:rPr>
+              <a:t>equation</a:t>
+            </a:r>
+            <a:r>
+              <a:rPr lang="fr-FR" sz="1800" dirty="0">
+                <a:effectLst/>
+                <a:latin typeface="Courier New" panose="02070309020205020404" pitchFamily="49" charset="0"/>
+              </a:rPr>
+              <a:t> </a:t>
+            </a:r>
+            <a:r>
+              <a:rPr lang="fr-FR" sz="1800" dirty="0" err="1">
+                <a:effectLst/>
+                <a:latin typeface="Courier New" panose="02070309020205020404" pitchFamily="49" charset="0"/>
+              </a:rPr>
+              <a:t>so</a:t>
+            </a:r>
+            <a:r>
+              <a:rPr lang="fr-FR" sz="1800" dirty="0">
+                <a:effectLst/>
+                <a:latin typeface="Courier New" panose="02070309020205020404" pitchFamily="49" charset="0"/>
+              </a:rPr>
+              <a:t> </a:t>
+            </a:r>
+            <a:r>
+              <a:rPr lang="fr-FR" sz="1800" dirty="0" err="1">
+                <a:effectLst/>
+                <a:latin typeface="Courier New" panose="02070309020205020404" pitchFamily="49" charset="0"/>
+              </a:rPr>
+              <a:t>that</a:t>
+            </a:r>
+            <a:r>
+              <a:rPr lang="fr-FR" sz="1800" dirty="0">
+                <a:effectLst/>
+                <a:latin typeface="Courier New" panose="02070309020205020404" pitchFamily="49" charset="0"/>
+              </a:rPr>
+              <a:t> if the </a:t>
+            </a:r>
+            <a:r>
+              <a:rPr lang="fr-FR" sz="1800" dirty="0" err="1">
+                <a:effectLst/>
+                <a:latin typeface="Courier New" panose="02070309020205020404" pitchFamily="49" charset="0"/>
+              </a:rPr>
+              <a:t>independent</a:t>
+            </a:r>
+            <a:r>
+              <a:rPr lang="fr-FR" sz="1800" dirty="0">
+                <a:effectLst/>
+                <a:latin typeface="Courier New" panose="02070309020205020404" pitchFamily="49" charset="0"/>
+              </a:rPr>
+              <a:t> variable </a:t>
+            </a:r>
+            <a:r>
+              <a:rPr lang="fr-FR" sz="1800" dirty="0" err="1">
+                <a:effectLst/>
+                <a:latin typeface="Courier New" panose="02070309020205020404" pitchFamily="49" charset="0"/>
+              </a:rPr>
+              <a:t>is</a:t>
+            </a:r>
+            <a:r>
+              <a:rPr lang="fr-FR" sz="1800" dirty="0">
+                <a:effectLst/>
+                <a:latin typeface="Courier New" panose="02070309020205020404" pitchFamily="49" charset="0"/>
+              </a:rPr>
+              <a:t> not a good </a:t>
+            </a:r>
+            <a:r>
+              <a:rPr lang="fr-FR" sz="1800" dirty="0" err="1">
+                <a:effectLst/>
+                <a:latin typeface="Courier New" panose="02070309020205020404" pitchFamily="49" charset="0"/>
+              </a:rPr>
+              <a:t>predictor</a:t>
+            </a:r>
+            <a:r>
+              <a:rPr lang="fr-FR" sz="1800" dirty="0">
+                <a:effectLst/>
+                <a:latin typeface="Courier New" panose="02070309020205020404" pitchFamily="49" charset="0"/>
+              </a:rPr>
+              <a:t>, R² </a:t>
+            </a:r>
+            <a:r>
+              <a:rPr lang="fr-FR" sz="1800" dirty="0" err="1">
+                <a:effectLst/>
+                <a:latin typeface="Courier New" panose="02070309020205020404" pitchFamily="49" charset="0"/>
+              </a:rPr>
+              <a:t>will</a:t>
+            </a:r>
+            <a:r>
+              <a:rPr lang="fr-FR" sz="1800" dirty="0">
+                <a:effectLst/>
+                <a:latin typeface="Courier New" panose="02070309020205020404" pitchFamily="49" charset="0"/>
+              </a:rPr>
+              <a:t> </a:t>
+            </a:r>
+            <a:r>
+              <a:rPr lang="fr-FR" sz="1800" dirty="0" err="1">
+                <a:effectLst/>
+                <a:latin typeface="Courier New" panose="02070309020205020404" pitchFamily="49" charset="0"/>
+              </a:rPr>
+              <a:t>decrease</a:t>
+            </a:r>
+            <a:endParaRPr lang="fr-FR" sz="1800" dirty="0">
+              <a:effectLst/>
+              <a:latin typeface="Courier New" panose="02070309020205020404" pitchFamily="49" charset="0"/>
+            </a:endParaRPr>
+          </a:p>
+          <a:p>
+            <a:pPr rtl="0" fontAlgn="ctr">
+              <a:spcBef>
+                <a:spcPts val="0"/>
+              </a:spcBef>
+              <a:spcAft>
+                <a:spcPts val="0"/>
+              </a:spcAft>
+              <a:buFont typeface="Arial" panose="020B0604020202020204" pitchFamily="34" charset="0"/>
+              <a:buNone/>
+            </a:pPr>
+            <a:r>
+              <a:rPr lang="fr-FR" sz="1800" dirty="0">
+                <a:effectLst/>
+                <a:latin typeface="Courier New" panose="02070309020205020404" pitchFamily="49" charset="0"/>
+              </a:rPr>
+              <a:t>p = </a:t>
+            </a:r>
+            <a:r>
+              <a:rPr lang="fr-FR" sz="1800" dirty="0" err="1">
+                <a:effectLst/>
+                <a:latin typeface="Courier New" panose="02070309020205020404" pitchFamily="49" charset="0"/>
+              </a:rPr>
+              <a:t>regressors</a:t>
+            </a:r>
+            <a:r>
+              <a:rPr lang="fr-FR" sz="1800" dirty="0">
+                <a:effectLst/>
+                <a:latin typeface="Courier New" panose="02070309020205020404" pitchFamily="49" charset="0"/>
+              </a:rPr>
+              <a:t> = nb de variables </a:t>
+            </a:r>
+            <a:r>
+              <a:rPr lang="fr-FR" sz="1800" dirty="0" err="1">
+                <a:effectLst/>
+                <a:latin typeface="Courier New" panose="02070309020205020404" pitchFamily="49" charset="0"/>
+              </a:rPr>
+              <a:t>independantes</a:t>
+            </a:r>
+            <a:r>
+              <a:rPr lang="fr-FR" sz="1800" dirty="0">
+                <a:effectLst/>
+                <a:latin typeface="Courier New" panose="02070309020205020404" pitchFamily="49" charset="0"/>
+              </a:rPr>
+              <a:t> </a:t>
+            </a:r>
+          </a:p>
+          <a:p>
+            <a:pPr rtl="0" fontAlgn="ctr">
+              <a:spcBef>
+                <a:spcPts val="0"/>
+              </a:spcBef>
+              <a:spcAft>
+                <a:spcPts val="0"/>
+              </a:spcAft>
+              <a:buFont typeface="Arial" panose="020B0604020202020204" pitchFamily="34" charset="0"/>
+              <a:buNone/>
+            </a:pPr>
+            <a:r>
+              <a:rPr lang="fr-FR" sz="1800" dirty="0">
+                <a:effectLst/>
+                <a:latin typeface="Courier New" panose="02070309020205020404" pitchFamily="49" charset="0"/>
+              </a:rPr>
+              <a:t>n = nb </a:t>
+            </a:r>
+            <a:r>
+              <a:rPr lang="fr-FR" sz="1800" dirty="0" err="1">
+                <a:effectLst/>
+                <a:latin typeface="Courier New" panose="02070309020205020404" pitchFamily="49" charset="0"/>
+              </a:rPr>
+              <a:t>samples</a:t>
+            </a:r>
+            <a:endParaRPr lang="fr-FR" sz="1800" dirty="0">
+              <a:effectLst/>
+              <a:latin typeface="Courier New" panose="02070309020205020404" pitchFamily="49" charset="0"/>
+            </a:endParaRPr>
+          </a:p>
+          <a:p>
+            <a:r>
+              <a:rPr lang="fr-FR" dirty="0"/>
+              <a:t>R²adj = 1 – (1-R²) n-1/(n-1 -p)</a:t>
+            </a:r>
+          </a:p>
+          <a:p>
+            <a:pPr marL="171450" indent="-171450">
+              <a:buFont typeface="Arial" panose="020B0604020202020204" pitchFamily="34" charset="0"/>
+              <a:buChar char="•"/>
+            </a:pPr>
+            <a:r>
+              <a:rPr lang="fr-FR" dirty="0"/>
+              <a:t>Si p croit, alors le coef croît</a:t>
+            </a:r>
+          </a:p>
+          <a:p>
+            <a:pPr marL="171450" indent="-171450">
+              <a:buFont typeface="Arial" panose="020B0604020202020204" pitchFamily="34" charset="0"/>
+              <a:buChar char="•"/>
+            </a:pPr>
+            <a:r>
+              <a:rPr lang="fr-FR" dirty="0"/>
+              <a:t>Si R² reste constant alors R²Adj décroit</a:t>
+            </a:r>
+          </a:p>
+          <a:p>
+            <a:pPr marL="171450" indent="-171450">
+              <a:buFont typeface="Arial" panose="020B0604020202020204" pitchFamily="34" charset="0"/>
+              <a:buChar char="•"/>
+            </a:pPr>
+            <a:r>
+              <a:rPr lang="fr-FR" dirty="0"/>
+              <a:t>Ça veut dire que ça ne sert à rien d'augmenter p (y a pénalisation)</a:t>
+            </a:r>
+          </a:p>
+          <a:p>
+            <a:endParaRPr lang="fr-FR" dirty="0"/>
+          </a:p>
+          <a:p>
+            <a:endParaRPr lang="fr-FR" dirty="0"/>
+          </a:p>
+          <a:p>
+            <a:r>
+              <a:rPr lang="fr-FR" b="1" dirty="0"/>
+              <a:t>Loi de Weber</a:t>
+            </a:r>
+          </a:p>
+          <a:p>
+            <a:pPr marL="0" marR="0">
+              <a:spcBef>
+                <a:spcPts val="0"/>
+              </a:spcBef>
+              <a:spcAft>
+                <a:spcPts val="0"/>
+              </a:spcAft>
+            </a:pPr>
+            <a:r>
+              <a:rPr lang="fr-FR" sz="1800" dirty="0">
+                <a:effectLst/>
+                <a:latin typeface="Calibri" panose="020F0502020204030204" pitchFamily="34" charset="0"/>
+              </a:rPr>
+              <a:t>On est plus sensible aux rapports qu'aux différences</a:t>
+            </a:r>
+          </a:p>
+          <a:p>
+            <a:pPr marL="0" marR="0">
+              <a:spcBef>
+                <a:spcPts val="0"/>
+              </a:spcBef>
+              <a:spcAft>
+                <a:spcPts val="0"/>
+              </a:spcAft>
+            </a:pPr>
+            <a:r>
+              <a:rPr lang="fr-FR" sz="1800" dirty="0">
+                <a:effectLst/>
+                <a:latin typeface="Calibri" panose="020F0502020204030204" pitchFamily="34" charset="0"/>
+              </a:rPr>
+              <a:t>Entre 1 et 2 on voit la différence</a:t>
+            </a:r>
+          </a:p>
+          <a:p>
+            <a:pPr marL="0" marR="0">
+              <a:spcBef>
+                <a:spcPts val="0"/>
+              </a:spcBef>
+              <a:spcAft>
+                <a:spcPts val="0"/>
+              </a:spcAft>
+            </a:pPr>
+            <a:r>
+              <a:rPr lang="fr-FR" sz="1800" dirty="0">
+                <a:effectLst/>
+                <a:latin typeface="Calibri" panose="020F0502020204030204" pitchFamily="34" charset="0"/>
+              </a:rPr>
+              <a:t>Entre 20 et 21 on ne voit pas la différence</a:t>
+            </a:r>
+          </a:p>
+          <a:p>
+            <a:pPr marL="0" marR="0">
+              <a:spcBef>
+                <a:spcPts val="0"/>
+              </a:spcBef>
+              <a:spcAft>
+                <a:spcPts val="0"/>
+              </a:spcAft>
+            </a:pPr>
+            <a:r>
+              <a:rPr lang="fr-FR" sz="1800" dirty="0">
+                <a:effectLst/>
+                <a:latin typeface="Calibri" panose="020F0502020204030204" pitchFamily="34" charset="0"/>
+              </a:rPr>
+              <a:t>La différence est de 1 dans les 2 cas mais de 100% et de 5% dans l'autre</a:t>
+            </a:r>
+          </a:p>
+          <a:p>
+            <a:r>
+              <a:rPr lang="fr-FR" dirty="0"/>
+              <a:t>C'est pour ça qu'on calcule le rapport entre SST et SSR et qu'on ne fait pas la soustraction.</a:t>
+            </a:r>
+          </a:p>
+        </p:txBody>
+      </p:sp>
+      <p:sp>
+        <p:nvSpPr>
+          <p:cNvPr id="4" name="Espace réservé du numéro de diapositive 3"/>
+          <p:cNvSpPr>
+            <a:spLocks noGrp="1"/>
+          </p:cNvSpPr>
+          <p:nvPr>
+            <p:ph type="sldNum" sz="quarter" idx="5"/>
+          </p:nvPr>
+        </p:nvSpPr>
+        <p:spPr/>
+        <p:txBody>
+          <a:bodyPr/>
+          <a:lstStyle/>
+          <a:p>
+            <a:fld id="{CA52ACDA-CAD7-4952-B2DF-2528E011DCB5}" type="slidenum">
+              <a:rPr lang="fr-FR" smtClean="0"/>
+              <a:t>4</a:t>
+            </a:fld>
+            <a:endParaRPr lang="fr-FR"/>
+          </a:p>
+        </p:txBody>
+      </p:sp>
+    </p:spTree>
+    <p:extLst>
+      <p:ext uri="{BB962C8B-B14F-4D97-AF65-F5344CB8AC3E}">
+        <p14:creationId xmlns:p14="http://schemas.microsoft.com/office/powerpoint/2010/main" val="1907524118"/>
+      </p:ext>
+    </p:extLst>
+  </p:cSld>
+  <p:clrMapOvr>
+    <a:masterClrMapping/>
+  </p:clrMapOvr>
+</p:notes>
+</file>
+
+<file path=ppt/notesSlides/notesSlide3.xml><?xml version="1.0" encoding="utf-8"?>
+<p:notes xmlns:a="http://schemas.openxmlformats.org/drawingml/2006/main" xmlns:r="http://schemas.openxmlformats.org/officeDocument/2006/relationships" xmlns:p="http://schemas.openxmlformats.org/presentationml/2006/main">
+  <p:cSld>
+    <p:spTree>
+      <p:nvGrpSpPr>
+        <p:cNvPr id="1" name=""/>
+        <p:cNvGrpSpPr/>
+        <p:nvPr/>
+      </p:nvGrpSpPr>
+      <p:grpSpPr>
+        <a:xfrm>
+          <a:off x="0" y="0"/>
+          <a:ext cx="0" cy="0"/>
+          <a:chOff x="0" y="0"/>
+          <a:chExt cx="0" cy="0"/>
+        </a:xfrm>
+      </p:grpSpPr>
+      <p:sp>
+        <p:nvSpPr>
+          <p:cNvPr id="2" name="Espace réservé de l'image des diapositives 1"/>
+          <p:cNvSpPr>
+            <a:spLocks noGrp="1" noRot="1" noChangeAspect="1"/>
+          </p:cNvSpPr>
+          <p:nvPr>
+            <p:ph type="sldImg"/>
+          </p:nvPr>
+        </p:nvSpPr>
+        <p:spPr/>
+      </p:sp>
+      <p:sp>
+        <p:nvSpPr>
+          <p:cNvPr id="3" name="Espace réservé des notes 2"/>
+          <p:cNvSpPr>
+            <a:spLocks noGrp="1"/>
+          </p:cNvSpPr>
+          <p:nvPr>
+            <p:ph type="body" idx="1"/>
+          </p:nvPr>
+        </p:nvSpPr>
+        <p:spPr/>
+        <p:txBody>
+          <a:bodyPr/>
+          <a:lstStyle/>
+          <a:p>
+            <a:r>
+              <a:rPr lang="fr-FR" b="1" dirty="0"/>
+              <a:t>1 - ############################</a:t>
+            </a:r>
+          </a:p>
+          <a:p>
+            <a:r>
+              <a:rPr lang="fr-FR" dirty="0"/>
+              <a:t>À gauche, encoder, bleu</a:t>
+            </a:r>
+          </a:p>
+          <a:p>
+            <a:r>
+              <a:rPr lang="fr-FR" dirty="0"/>
+              <a:t>La matrice Word Embedding bleue a pour taille </a:t>
+            </a:r>
+            <a:r>
+              <a:rPr lang="fr-FR" dirty="0" err="1"/>
+              <a:t>vocab_size</a:t>
+            </a:r>
+            <a:r>
+              <a:rPr lang="fr-FR" dirty="0"/>
+              <a:t> x </a:t>
+            </a:r>
+            <a:r>
+              <a:rPr lang="fr-FR" dirty="0" err="1"/>
+              <a:t>emb_dim</a:t>
+            </a:r>
+            <a:endParaRPr lang="fr-FR" dirty="0"/>
+          </a:p>
+          <a:p>
+            <a:r>
+              <a:rPr lang="fr-FR" dirty="0"/>
+              <a:t>C'est un encodage des </a:t>
+            </a:r>
+            <a:r>
+              <a:rPr lang="fr-FR" dirty="0" err="1"/>
+              <a:t>vocab_size</a:t>
+            </a:r>
+            <a:r>
+              <a:rPr lang="fr-FR" dirty="0"/>
+              <a:t> mots (lignes) du vocabulaire d'entrée à l'aide de </a:t>
+            </a:r>
+            <a:r>
+              <a:rPr lang="fr-FR" dirty="0" err="1"/>
+              <a:t>emb_dim</a:t>
+            </a:r>
+            <a:r>
+              <a:rPr lang="fr-FR" dirty="0"/>
+              <a:t> features (colonnes)</a:t>
+            </a:r>
+          </a:p>
+          <a:p>
+            <a:r>
+              <a:rPr lang="fr-FR" dirty="0"/>
+              <a:t>Les valeurs de la matrice sont calculées lors de l'entrainement afin de minimiser la </a:t>
+            </a:r>
+            <a:r>
+              <a:rPr lang="fr-FR" dirty="0" err="1"/>
+              <a:t>loss</a:t>
+            </a:r>
+            <a:r>
+              <a:rPr lang="fr-FR" dirty="0"/>
+              <a:t> de la tâche (classification par exemple)</a:t>
+            </a:r>
+          </a:p>
+          <a:p>
+            <a:r>
+              <a:rPr lang="fr-FR" dirty="0"/>
+              <a:t>Il s'agit d'une opération de </a:t>
+            </a:r>
+            <a:r>
+              <a:rPr lang="fr-FR" dirty="0" err="1"/>
+              <a:t>lookup</a:t>
+            </a:r>
+            <a:r>
+              <a:rPr lang="fr-FR" dirty="0"/>
+              <a:t> qui conserve l'ordre des mots de la séquence d'entrée et les remplace par une description qui utilise </a:t>
+            </a:r>
+            <a:r>
+              <a:rPr lang="fr-FR" dirty="0" err="1"/>
+              <a:t>emb_dim</a:t>
+            </a:r>
+            <a:r>
+              <a:rPr lang="fr-FR" dirty="0"/>
+              <a:t> features (non plus un unique index)</a:t>
+            </a:r>
+          </a:p>
+          <a:p>
+            <a:endParaRPr lang="fr-FR" dirty="0"/>
+          </a:p>
+          <a:p>
+            <a:r>
+              <a:rPr lang="fr-FR" dirty="0"/>
+              <a:t>Après la couche Word Embedding bleue,  on a toujours </a:t>
+            </a:r>
+            <a:r>
+              <a:rPr lang="fr-FR" dirty="0" err="1"/>
+              <a:t>seq_len</a:t>
+            </a:r>
+            <a:r>
+              <a:rPr lang="fr-FR" dirty="0"/>
+              <a:t> mots mais ils sont dorénavant encodés dans une matrice </a:t>
+            </a:r>
+            <a:r>
+              <a:rPr lang="fr-FR" dirty="0" err="1"/>
+              <a:t>seq_len</a:t>
+            </a:r>
+            <a:r>
+              <a:rPr lang="fr-FR" dirty="0"/>
+              <a:t> x </a:t>
+            </a:r>
+            <a:r>
+              <a:rPr lang="fr-FR" dirty="0" err="1"/>
+              <a:t>emb_dim</a:t>
+            </a:r>
+            <a:endParaRPr lang="fr-FR" dirty="0"/>
+          </a:p>
+          <a:p>
+            <a:endParaRPr lang="fr-FR" dirty="0"/>
+          </a:p>
+          <a:p>
+            <a:r>
+              <a:rPr lang="fr-FR" dirty="0"/>
+              <a:t>La GRU (</a:t>
+            </a:r>
+            <a:r>
+              <a:rPr lang="fr-FR" dirty="0" err="1"/>
+              <a:t>gated</a:t>
+            </a:r>
+            <a:r>
+              <a:rPr lang="fr-FR" dirty="0"/>
+              <a:t> </a:t>
+            </a:r>
+            <a:r>
+              <a:rPr lang="fr-FR" dirty="0" err="1"/>
+              <a:t>recurrent</a:t>
+            </a:r>
+            <a:r>
+              <a:rPr lang="fr-FR" dirty="0"/>
+              <a:t> unit) bleue possède </a:t>
+            </a:r>
+            <a:r>
+              <a:rPr lang="fr-FR" dirty="0" err="1"/>
+              <a:t>n_units</a:t>
+            </a:r>
+            <a:r>
+              <a:rPr lang="fr-FR" dirty="0"/>
+              <a:t>. </a:t>
+            </a:r>
+          </a:p>
+          <a:p>
+            <a:r>
+              <a:rPr lang="fr-FR" dirty="0"/>
+              <a:t>Cela veut dire que pour chaque mot de la séquence, sa sortie aura une longueur de </a:t>
+            </a:r>
+            <a:r>
+              <a:rPr lang="fr-FR" dirty="0" err="1"/>
+              <a:t>n_units</a:t>
+            </a:r>
+            <a:r>
+              <a:rPr lang="fr-FR" dirty="0"/>
+              <a:t> </a:t>
+            </a:r>
+          </a:p>
+          <a:p>
+            <a:r>
+              <a:rPr lang="fr-FR" dirty="0"/>
+              <a:t>De plus, à chaque itération, ses </a:t>
+            </a:r>
+            <a:r>
+              <a:rPr lang="fr-FR" dirty="0" err="1"/>
+              <a:t>hidden</a:t>
+            </a:r>
+            <a:r>
+              <a:rPr lang="fr-FR" dirty="0"/>
+              <a:t> states seront mis à jour et auront, eux aussi, une longueur de </a:t>
+            </a:r>
+            <a:r>
+              <a:rPr lang="fr-FR" dirty="0" err="1"/>
+              <a:t>n_units</a:t>
+            </a:r>
+            <a:endParaRPr lang="fr-FR" dirty="0"/>
+          </a:p>
+          <a:p>
+            <a:endParaRPr lang="fr-FR" dirty="0"/>
+          </a:p>
+          <a:p>
+            <a:r>
+              <a:rPr lang="fr-FR" dirty="0"/>
+              <a:t>À la sortie de la GRU bleue, "output" est une matrice de taille </a:t>
+            </a:r>
+            <a:r>
+              <a:rPr lang="fr-FR" dirty="0" err="1"/>
+              <a:t>seq_len</a:t>
+            </a:r>
+            <a:r>
+              <a:rPr lang="fr-FR" dirty="0"/>
+              <a:t> x </a:t>
+            </a:r>
+            <a:r>
+              <a:rPr lang="fr-FR" dirty="0" err="1"/>
+              <a:t>n_units</a:t>
+            </a:r>
+            <a:r>
+              <a:rPr lang="fr-FR" dirty="0"/>
+              <a:t> et "state" est un vecteur de </a:t>
+            </a:r>
+            <a:r>
+              <a:rPr lang="fr-FR" dirty="0" err="1"/>
+              <a:t>n_units</a:t>
+            </a:r>
+            <a:r>
+              <a:rPr lang="fr-FR" dirty="0"/>
+              <a:t> de long</a:t>
+            </a:r>
+          </a:p>
+          <a:p>
+            <a:r>
+              <a:rPr lang="fr-FR" dirty="0"/>
+              <a:t>Si besoin, revoir le fonctionnement détaillé d'une GRU dans Deep Learning 09 </a:t>
+            </a:r>
+            <a:r>
+              <a:rPr lang="fr-FR" dirty="0" err="1"/>
+              <a:t>Recurrent</a:t>
+            </a:r>
+            <a:r>
+              <a:rPr lang="fr-FR" dirty="0"/>
+              <a:t> Neural Network</a:t>
+            </a:r>
+          </a:p>
+          <a:p>
+            <a:endParaRPr lang="fr-FR" dirty="0"/>
+          </a:p>
+          <a:p>
+            <a:r>
+              <a:rPr lang="fr-FR" dirty="0"/>
+              <a:t>On propage le "document" (matrice </a:t>
+            </a:r>
+            <a:r>
+              <a:rPr lang="fr-FR" dirty="0" err="1"/>
+              <a:t>seq_len</a:t>
+            </a:r>
+            <a:r>
+              <a:rPr lang="fr-FR" dirty="0"/>
+              <a:t> x </a:t>
+            </a:r>
+            <a:r>
+              <a:rPr lang="fr-FR" dirty="0" err="1"/>
+              <a:t>n_units</a:t>
+            </a:r>
+            <a:r>
+              <a:rPr lang="fr-FR" dirty="0"/>
+              <a:t>) et le dernier </a:t>
+            </a:r>
+            <a:r>
+              <a:rPr lang="fr-FR" dirty="0" err="1"/>
+              <a:t>hidden</a:t>
+            </a:r>
+            <a:r>
+              <a:rPr lang="fr-FR" dirty="0"/>
+              <a:t> state (vecteur de </a:t>
+            </a:r>
+            <a:r>
+              <a:rPr lang="fr-FR" dirty="0" err="1"/>
+              <a:t>n_units</a:t>
+            </a:r>
+            <a:r>
+              <a:rPr lang="fr-FR" dirty="0"/>
+              <a:t> de long) vers W1 et W2 du décodeur rouge</a:t>
+            </a:r>
+          </a:p>
+          <a:p>
+            <a:endParaRPr lang="fr-FR" dirty="0"/>
+          </a:p>
+          <a:p>
+            <a:r>
+              <a:rPr lang="fr-FR" b="1" dirty="0"/>
+              <a:t>2 - ############################</a:t>
+            </a:r>
+          </a:p>
+          <a:p>
+            <a:r>
+              <a:rPr lang="fr-FR" dirty="0"/>
+              <a:t>En mode apprentissage (</a:t>
+            </a:r>
+            <a:r>
+              <a:rPr lang="fr-FR" b="1" dirty="0" err="1"/>
+              <a:t>teacher</a:t>
+            </a:r>
+            <a:r>
+              <a:rPr lang="fr-FR" b="1" dirty="0"/>
+              <a:t> forcing</a:t>
+            </a:r>
+            <a:r>
+              <a:rPr lang="fr-FR" dirty="0"/>
+              <a:t>)</a:t>
+            </a:r>
+          </a:p>
+          <a:p>
+            <a:r>
+              <a:rPr lang="fr-FR" dirty="0"/>
+              <a:t>L'ensemble du document qui est sous forme d'une matrice </a:t>
+            </a:r>
+            <a:r>
+              <a:rPr lang="fr-FR" dirty="0" err="1"/>
+              <a:t>seq_len</a:t>
+            </a:r>
+            <a:r>
+              <a:rPr lang="fr-FR" dirty="0"/>
+              <a:t> x </a:t>
+            </a:r>
+            <a:r>
+              <a:rPr lang="fr-FR" dirty="0" err="1"/>
+              <a:t>n_units</a:t>
+            </a:r>
+            <a:r>
+              <a:rPr lang="fr-FR" dirty="0"/>
+              <a:t> passe de l'encoder à la couche dense W1 qui possède </a:t>
+            </a:r>
+            <a:r>
+              <a:rPr lang="fr-FR" dirty="0" err="1"/>
+              <a:t>n_units</a:t>
+            </a:r>
+            <a:endParaRPr lang="fr-FR" dirty="0"/>
+          </a:p>
+          <a:p>
+            <a:r>
+              <a:rPr lang="fr-FR" dirty="0"/>
+              <a:t>Les interrupteurs 2 et 3 sont fermés vers la gauche </a:t>
+            </a:r>
+          </a:p>
+          <a:p>
+            <a:r>
+              <a:rPr lang="fr-FR" dirty="0"/>
+              <a:t>L'interrupteur 2 alimente la couche dense W2 avec la dernière version des </a:t>
+            </a:r>
+            <a:r>
+              <a:rPr lang="fr-FR" dirty="0" err="1"/>
+              <a:t>hidden</a:t>
+            </a:r>
+            <a:r>
+              <a:rPr lang="fr-FR" dirty="0"/>
+              <a:t> states de l'encoder</a:t>
+            </a:r>
+          </a:p>
+          <a:p>
+            <a:r>
+              <a:rPr lang="fr-FR" dirty="0"/>
+              <a:t>Il s'agit d'un vecteur de </a:t>
+            </a:r>
+            <a:r>
+              <a:rPr lang="fr-FR" dirty="0" err="1"/>
+              <a:t>n_units</a:t>
+            </a:r>
+            <a:r>
+              <a:rPr lang="fr-FR" dirty="0"/>
+              <a:t> de long</a:t>
+            </a:r>
+          </a:p>
+          <a:p>
+            <a:r>
+              <a:rPr lang="fr-FR" dirty="0"/>
+              <a:t>L'interrupteur 3 alimente l'entrée du décodeur avec le premier "mot" de la phrase traduite (&lt;start&gt;)  </a:t>
+            </a:r>
+          </a:p>
+          <a:p>
+            <a:r>
+              <a:rPr lang="fr-FR" dirty="0"/>
+              <a:t>Ce n'est pas visible sur le schéma mais les mots &lt;start&gt;, "I", "love"… sont transformés en index de langue cible avant d'être présentés au Word Embedding rouge</a:t>
+            </a:r>
+          </a:p>
+          <a:p>
+            <a:endParaRPr lang="fr-FR" dirty="0"/>
+          </a:p>
+          <a:p>
+            <a:r>
+              <a:rPr lang="fr-FR" dirty="0"/>
+              <a:t>Dans la couche d'Attention (rectangle blanc, à gauche dans le décodeur)</a:t>
+            </a:r>
+          </a:p>
+          <a:p>
+            <a:r>
+              <a:rPr lang="fr-FR" dirty="0"/>
+              <a:t>À la sortie de W1 on a une matrice </a:t>
+            </a:r>
+            <a:r>
+              <a:rPr lang="fr-FR" dirty="0" err="1"/>
+              <a:t>seq_len</a:t>
+            </a:r>
+            <a:r>
+              <a:rPr lang="fr-FR" dirty="0"/>
+              <a:t> x </a:t>
+            </a:r>
+            <a:r>
+              <a:rPr lang="fr-FR" dirty="0" err="1"/>
+              <a:t>n_units</a:t>
+            </a:r>
+            <a:endParaRPr lang="fr-FR" dirty="0"/>
+          </a:p>
+          <a:p>
+            <a:r>
+              <a:rPr lang="fr-FR" dirty="0"/>
+              <a:t>À la sortie de W2 on a un vecteur 1x </a:t>
+            </a:r>
+            <a:r>
+              <a:rPr lang="fr-FR" dirty="0" err="1"/>
+              <a:t>n_units</a:t>
+            </a:r>
+            <a:endParaRPr lang="fr-FR" dirty="0"/>
+          </a:p>
+          <a:p>
+            <a:r>
+              <a:rPr lang="fr-FR" dirty="0"/>
+              <a:t>Lors de l'opération de sommation, on va commencer par transformer la sortie de W2 en une matrice </a:t>
+            </a:r>
+            <a:r>
+              <a:rPr lang="fr-FR" dirty="0" err="1"/>
+              <a:t>seq_len</a:t>
+            </a:r>
+            <a:r>
+              <a:rPr lang="fr-FR" dirty="0"/>
+              <a:t> x </a:t>
+            </a:r>
+            <a:r>
+              <a:rPr lang="fr-FR" dirty="0" err="1"/>
+              <a:t>n_units</a:t>
+            </a:r>
+            <a:r>
+              <a:rPr lang="fr-FR" dirty="0"/>
+              <a:t> (broadcasting)</a:t>
+            </a:r>
+          </a:p>
+          <a:p>
+            <a:r>
+              <a:rPr lang="fr-FR" dirty="0"/>
+              <a:t>Ensuite l'opération de sommation se fait ligne à ligne entre les 2 matrices issues de W1 et W2</a:t>
+            </a:r>
+          </a:p>
+          <a:p>
+            <a:r>
+              <a:rPr lang="fr-FR" dirty="0"/>
+              <a:t>Les valeurs de la matrice (</a:t>
+            </a:r>
+            <a:r>
+              <a:rPr lang="fr-FR" dirty="0" err="1"/>
+              <a:t>seq_len</a:t>
+            </a:r>
+            <a:r>
+              <a:rPr lang="fr-FR" dirty="0"/>
+              <a:t> x </a:t>
+            </a:r>
+            <a:r>
+              <a:rPr lang="fr-FR" dirty="0" err="1"/>
+              <a:t>n_units</a:t>
+            </a:r>
+            <a:r>
+              <a:rPr lang="fr-FR" dirty="0"/>
+              <a:t>) sont ramenées entre -1 et +1 avec </a:t>
+            </a:r>
+            <a:r>
+              <a:rPr lang="fr-FR" dirty="0" err="1"/>
+              <a:t>tanh</a:t>
+            </a:r>
+            <a:endParaRPr lang="fr-FR" dirty="0"/>
+          </a:p>
+          <a:p>
+            <a:r>
+              <a:rPr lang="fr-FR" dirty="0"/>
+              <a:t>La matrice </a:t>
+            </a:r>
+            <a:r>
+              <a:rPr lang="fr-FR" dirty="0" err="1"/>
+              <a:t>seq_len</a:t>
+            </a:r>
+            <a:r>
+              <a:rPr lang="fr-FR" dirty="0"/>
+              <a:t> x </a:t>
+            </a:r>
+            <a:r>
+              <a:rPr lang="fr-FR" dirty="0" err="1"/>
+              <a:t>n_units</a:t>
+            </a:r>
+            <a:r>
+              <a:rPr lang="fr-FR" dirty="0"/>
+              <a:t> passe par une couche dense à 1 neurone</a:t>
+            </a:r>
+          </a:p>
+          <a:p>
+            <a:r>
+              <a:rPr lang="fr-FR" dirty="0"/>
+              <a:t>En sortie on retrouve donc un vecteur d'une colonne de hauteur </a:t>
+            </a:r>
+            <a:r>
+              <a:rPr lang="fr-FR" dirty="0" err="1"/>
+              <a:t>seq_len</a:t>
+            </a:r>
+            <a:endParaRPr lang="fr-FR" dirty="0"/>
+          </a:p>
+          <a:p>
+            <a:r>
+              <a:rPr lang="fr-FR" dirty="0"/>
+              <a:t>On utilise alors une fonction d'activation </a:t>
+            </a:r>
+            <a:r>
+              <a:rPr lang="fr-FR" dirty="0" err="1"/>
+              <a:t>softmax</a:t>
+            </a:r>
+            <a:endParaRPr lang="fr-FR" dirty="0"/>
+          </a:p>
+          <a:p>
+            <a:r>
+              <a:rPr lang="fr-FR" dirty="0"/>
+              <a:t>En exagérant on peut imaginer qu'à la sortie de </a:t>
+            </a:r>
+            <a:r>
+              <a:rPr lang="fr-FR" dirty="0" err="1"/>
+              <a:t>softmax</a:t>
+            </a:r>
+            <a:r>
+              <a:rPr lang="fr-FR" dirty="0"/>
+              <a:t>, toutes les valeurs du vecteur sont nulles ou proches de 0 sauf une qui est très proche de 1</a:t>
+            </a:r>
+          </a:p>
+          <a:p>
+            <a:r>
+              <a:rPr lang="fr-FR" dirty="0"/>
+              <a:t>En fait </a:t>
+            </a:r>
+            <a:r>
+              <a:rPr lang="fr-FR" dirty="0" err="1"/>
+              <a:t>softmax</a:t>
+            </a:r>
+            <a:r>
+              <a:rPr lang="fr-FR" dirty="0"/>
+              <a:t> fait ressortir la ou les lignes du vecteur qui contient le ou les mots intéressants (plusieurs mots sont susceptibles d'être intéressants si ils sont "proches")</a:t>
+            </a:r>
+          </a:p>
+          <a:p>
+            <a:r>
+              <a:rPr lang="fr-FR" dirty="0"/>
+              <a:t>À ce stade, on en fait une sortie (vecteur Attention </a:t>
+            </a:r>
+            <a:r>
+              <a:rPr lang="fr-FR" dirty="0" err="1"/>
+              <a:t>weights</a:t>
+            </a:r>
+            <a:r>
+              <a:rPr lang="fr-FR" dirty="0"/>
+              <a:t> de longueur </a:t>
+            </a:r>
+            <a:r>
+              <a:rPr lang="fr-FR" dirty="0" err="1"/>
+              <a:t>seq_len</a:t>
+            </a:r>
+            <a:r>
+              <a:rPr lang="fr-FR" dirty="0"/>
+              <a:t>) </a:t>
+            </a:r>
+          </a:p>
+          <a:p>
+            <a:r>
+              <a:rPr lang="fr-FR" dirty="0"/>
+              <a:t>Toujours à la sortie de </a:t>
+            </a:r>
+            <a:r>
+              <a:rPr lang="fr-FR" dirty="0" err="1"/>
+              <a:t>softmax</a:t>
+            </a:r>
+            <a:r>
+              <a:rPr lang="fr-FR" dirty="0"/>
+              <a:t>, on multiplie ce vecteur colonne de longueur </a:t>
+            </a:r>
+            <a:r>
+              <a:rPr lang="fr-FR" dirty="0" err="1"/>
+              <a:t>seq_len</a:t>
+            </a:r>
+            <a:r>
+              <a:rPr lang="fr-FR" dirty="0"/>
+              <a:t> par la matrice </a:t>
+            </a:r>
+            <a:r>
+              <a:rPr lang="fr-FR" dirty="0" err="1"/>
+              <a:t>seq_len</a:t>
+            </a:r>
+            <a:r>
+              <a:rPr lang="fr-FR" dirty="0"/>
+              <a:t> x </a:t>
+            </a:r>
+            <a:r>
+              <a:rPr lang="fr-FR" dirty="0" err="1"/>
+              <a:t>n_units</a:t>
+            </a:r>
+            <a:r>
+              <a:rPr lang="fr-FR" dirty="0"/>
+              <a:t> qui est une représentation de tout le document</a:t>
+            </a:r>
+          </a:p>
+          <a:p>
+            <a:r>
+              <a:rPr lang="fr-FR" dirty="0"/>
+              <a:t>La multiplication se fait ligne à ligne (notation ⊙ dans la littérature)</a:t>
+            </a:r>
+          </a:p>
+          <a:p>
+            <a:r>
+              <a:rPr lang="fr-FR" dirty="0"/>
+              <a:t>À la sortie de la multiplication, on se retrouve avec une matrice </a:t>
+            </a:r>
+            <a:r>
+              <a:rPr lang="fr-FR" dirty="0" err="1"/>
+              <a:t>seq_len</a:t>
+            </a:r>
+            <a:r>
+              <a:rPr lang="fr-FR" dirty="0"/>
+              <a:t> x </a:t>
+            </a:r>
+            <a:r>
+              <a:rPr lang="fr-FR" dirty="0" err="1"/>
+              <a:t>n_units</a:t>
+            </a:r>
+            <a:r>
+              <a:rPr lang="fr-FR" dirty="0"/>
+              <a:t> dont toutes les lignes sont nulles sauf une (oui, oui je sais j'exagère) </a:t>
+            </a:r>
+          </a:p>
+          <a:p>
+            <a:r>
+              <a:rPr lang="fr-FR" dirty="0"/>
+              <a:t>Dans le schéma ce n'est pas indiqué mais sur le fil </a:t>
+            </a:r>
+            <a:r>
+              <a:rPr lang="fr-FR" dirty="0" err="1"/>
+              <a:t>Context</a:t>
+            </a:r>
+            <a:r>
+              <a:rPr lang="fr-FR" dirty="0"/>
+              <a:t> </a:t>
+            </a:r>
+            <a:r>
+              <a:rPr lang="fr-FR" dirty="0" err="1"/>
+              <a:t>Vector</a:t>
+            </a:r>
+            <a:r>
+              <a:rPr lang="fr-FR" dirty="0"/>
+              <a:t>, il y a une opération de sommation de toutes les colonnes de la matrice </a:t>
+            </a:r>
+            <a:r>
+              <a:rPr lang="fr-FR" dirty="0" err="1"/>
+              <a:t>seq_len</a:t>
+            </a:r>
+            <a:r>
+              <a:rPr lang="fr-FR" dirty="0"/>
+              <a:t> x </a:t>
+            </a:r>
+            <a:r>
+              <a:rPr lang="fr-FR" dirty="0" err="1"/>
+              <a:t>n_units</a:t>
+            </a:r>
+            <a:endParaRPr lang="fr-FR" dirty="0"/>
+          </a:p>
+          <a:p>
+            <a:r>
+              <a:rPr lang="fr-FR" dirty="0"/>
+              <a:t>On peut se permettre de le faire car presque toutes les lignes sont nulles sauf une</a:t>
+            </a:r>
+          </a:p>
+          <a:p>
+            <a:r>
+              <a:rPr lang="fr-FR" dirty="0"/>
+              <a:t>Tout se passe alors comme si on ne gardait que la ligne du mot (encodé sur </a:t>
+            </a:r>
+            <a:r>
+              <a:rPr lang="fr-FR" dirty="0" err="1"/>
+              <a:t>n_units</a:t>
+            </a:r>
+            <a:r>
+              <a:rPr lang="fr-FR" dirty="0"/>
+              <a:t> features) qui nous intéresse</a:t>
+            </a:r>
+          </a:p>
+          <a:p>
+            <a:r>
+              <a:rPr lang="fr-FR" dirty="0"/>
+              <a:t>Et on arrive devant </a:t>
+            </a:r>
+            <a:r>
+              <a:rPr lang="fr-FR" dirty="0" err="1"/>
+              <a:t>concat</a:t>
+            </a:r>
+            <a:r>
+              <a:rPr lang="fr-FR" dirty="0"/>
+              <a:t> avec un vecteur de long </a:t>
+            </a:r>
+            <a:r>
+              <a:rPr lang="fr-FR" dirty="0" err="1"/>
+              <a:t>n_units</a:t>
+            </a:r>
+            <a:endParaRPr lang="fr-FR" dirty="0"/>
+          </a:p>
+          <a:p>
+            <a:endParaRPr lang="fr-FR" dirty="0"/>
+          </a:p>
+          <a:p>
+            <a:r>
+              <a:rPr lang="fr-FR" dirty="0"/>
+              <a:t>On se place au niveau de l'interrupteur 3</a:t>
+            </a:r>
+          </a:p>
+          <a:p>
+            <a:r>
+              <a:rPr lang="fr-FR" dirty="0"/>
+              <a:t>Au premier tour de la boucle d'apprentissage, l'indice qui correspond au mot &lt;start&gt; (0 par exemple) est présenté à la matrice Word </a:t>
+            </a:r>
+            <a:r>
+              <a:rPr lang="fr-FR" dirty="0" err="1"/>
+              <a:t>Embeding</a:t>
+            </a:r>
+            <a:r>
+              <a:rPr lang="fr-FR" dirty="0"/>
+              <a:t> qui est de taille </a:t>
+            </a:r>
+            <a:r>
+              <a:rPr lang="fr-FR" dirty="0" err="1"/>
+              <a:t>vocab_size</a:t>
+            </a:r>
+            <a:r>
+              <a:rPr lang="fr-FR" dirty="0"/>
+              <a:t> x </a:t>
+            </a:r>
+            <a:r>
+              <a:rPr lang="fr-FR" dirty="0" err="1"/>
+              <a:t>emb_dim</a:t>
+            </a:r>
+            <a:r>
+              <a:rPr lang="fr-FR" dirty="0"/>
+              <a:t> </a:t>
+            </a:r>
+          </a:p>
+          <a:p>
+            <a:r>
+              <a:rPr lang="fr-FR" dirty="0"/>
+              <a:t>Après l'opération de </a:t>
+            </a:r>
+            <a:r>
+              <a:rPr lang="fr-FR" dirty="0" err="1"/>
+              <a:t>lookup</a:t>
+            </a:r>
+            <a:r>
+              <a:rPr lang="fr-FR" dirty="0"/>
+              <a:t>, le mot ressort en étant encodé sur </a:t>
+            </a:r>
+            <a:r>
+              <a:rPr lang="fr-FR" dirty="0" err="1"/>
+              <a:t>emb_dim</a:t>
+            </a:r>
+            <a:r>
+              <a:rPr lang="fr-FR" dirty="0"/>
+              <a:t> features (voir ce qui a été dit à propos du Word Embedding de l'encoder)</a:t>
+            </a:r>
+          </a:p>
+          <a:p>
+            <a:r>
+              <a:rPr lang="fr-FR" dirty="0"/>
+              <a:t>On présente cet encodage sur </a:t>
+            </a:r>
+            <a:r>
+              <a:rPr lang="fr-FR" dirty="0" err="1"/>
+              <a:t>emb_dim</a:t>
+            </a:r>
+            <a:r>
+              <a:rPr lang="fr-FR" dirty="0"/>
+              <a:t> features à </a:t>
+            </a:r>
+            <a:r>
+              <a:rPr lang="fr-FR" dirty="0" err="1"/>
+              <a:t>concat</a:t>
+            </a:r>
+            <a:endParaRPr lang="fr-FR" dirty="0"/>
+          </a:p>
+          <a:p>
+            <a:endParaRPr lang="fr-FR" dirty="0"/>
+          </a:p>
+          <a:p>
+            <a:r>
+              <a:rPr lang="fr-FR" dirty="0"/>
+              <a:t>À la sortie de </a:t>
+            </a:r>
+            <a:r>
+              <a:rPr lang="fr-FR" dirty="0" err="1"/>
+              <a:t>concat</a:t>
+            </a:r>
+            <a:r>
+              <a:rPr lang="fr-FR" dirty="0"/>
+              <a:t> on a un vecteur de longueur </a:t>
+            </a:r>
+            <a:r>
+              <a:rPr lang="fr-FR" dirty="0" err="1"/>
+              <a:t>n_units</a:t>
+            </a:r>
+            <a:r>
+              <a:rPr lang="fr-FR" dirty="0"/>
+              <a:t> + </a:t>
+            </a:r>
+            <a:r>
+              <a:rPr lang="fr-FR" dirty="0" err="1"/>
+              <a:t>emb_dim</a:t>
+            </a:r>
+            <a:endParaRPr lang="fr-FR" dirty="0"/>
+          </a:p>
+          <a:p>
+            <a:r>
+              <a:rPr lang="fr-FR" dirty="0"/>
+              <a:t>C'est une représentation très riche du mot qui tient compte de son contexte dans la langue source (</a:t>
+            </a:r>
+            <a:r>
+              <a:rPr lang="fr-FR" dirty="0" err="1"/>
+              <a:t>n_unit</a:t>
+            </a:r>
+            <a:r>
+              <a:rPr lang="fr-FR" dirty="0"/>
+              <a:t> features) et de sa traduction (sur </a:t>
+            </a:r>
+            <a:r>
+              <a:rPr lang="fr-FR" dirty="0" err="1"/>
+              <a:t>emb_dim</a:t>
+            </a:r>
+            <a:r>
+              <a:rPr lang="fr-FR" dirty="0"/>
+              <a:t> </a:t>
+            </a:r>
+            <a:r>
+              <a:rPr lang="fr-FR" dirty="0" err="1"/>
+              <a:t>fetaures</a:t>
+            </a:r>
+            <a:r>
+              <a:rPr lang="fr-FR" dirty="0"/>
+              <a:t>)</a:t>
+            </a:r>
+          </a:p>
+          <a:p>
+            <a:endParaRPr lang="fr-FR" dirty="0"/>
+          </a:p>
+          <a:p>
+            <a:r>
+              <a:rPr lang="fr-FR" dirty="0"/>
+              <a:t>La GRU suivante possède </a:t>
+            </a:r>
+            <a:r>
+              <a:rPr lang="fr-FR" dirty="0" err="1"/>
+              <a:t>n_units</a:t>
+            </a:r>
+            <a:r>
+              <a:rPr lang="fr-FR" dirty="0"/>
+              <a:t>.</a:t>
+            </a:r>
+          </a:p>
+          <a:p>
+            <a:r>
+              <a:rPr lang="fr-FR" dirty="0"/>
+              <a:t>On fait sortir d'un côté le </a:t>
+            </a:r>
+            <a:r>
+              <a:rPr lang="fr-FR" dirty="0" err="1"/>
+              <a:t>hidden</a:t>
+            </a:r>
+            <a:r>
+              <a:rPr lang="fr-FR" dirty="0"/>
+              <a:t> state de l'itération en cours. Il s'agit d'un vecteur de longueur </a:t>
+            </a:r>
+            <a:r>
+              <a:rPr lang="fr-FR" dirty="0" err="1"/>
+              <a:t>n_units</a:t>
+            </a:r>
+            <a:endParaRPr lang="fr-FR" dirty="0"/>
+          </a:p>
+          <a:p>
+            <a:r>
+              <a:rPr lang="fr-FR" dirty="0"/>
+              <a:t>Ce dernier "redescend" sur le fil noir et arrive à l'interrupteur 2 qui à ce moment-là est toujours ouvert</a:t>
+            </a:r>
+          </a:p>
+          <a:p>
+            <a:endParaRPr lang="fr-FR" dirty="0"/>
+          </a:p>
+          <a:p>
+            <a:r>
+              <a:rPr lang="fr-FR" dirty="0"/>
+              <a:t>En sortie de la couche GRU il sort aussi un vecteur de longueur </a:t>
+            </a:r>
+            <a:r>
+              <a:rPr lang="fr-FR" dirty="0" err="1"/>
+              <a:t>n_units</a:t>
+            </a:r>
+            <a:r>
+              <a:rPr lang="fr-FR" dirty="0"/>
+              <a:t> qui est présenté à une couche dense qui possède </a:t>
+            </a:r>
+            <a:r>
+              <a:rPr lang="fr-FR" dirty="0" err="1"/>
+              <a:t>vocab_size</a:t>
+            </a:r>
+            <a:r>
+              <a:rPr lang="fr-FR" dirty="0"/>
+              <a:t> neurones</a:t>
+            </a:r>
+          </a:p>
+          <a:p>
+            <a:r>
+              <a:rPr lang="fr-FR" dirty="0"/>
+              <a:t>Pour des raisons de simplicité ici </a:t>
+            </a:r>
+            <a:r>
+              <a:rPr lang="fr-FR" dirty="0" err="1"/>
+              <a:t>vocab_size</a:t>
+            </a:r>
+            <a:r>
+              <a:rPr lang="fr-FR" dirty="0"/>
+              <a:t> FR et EN ont la même taille</a:t>
+            </a:r>
+          </a:p>
+          <a:p>
+            <a:r>
+              <a:rPr lang="fr-FR" dirty="0"/>
+              <a:t>On obtient en sortie de la couche dense en question, un vecteur de longueur </a:t>
+            </a:r>
+            <a:r>
+              <a:rPr lang="fr-FR" dirty="0" err="1"/>
+              <a:t>vocab_size</a:t>
+            </a:r>
+            <a:r>
+              <a:rPr lang="fr-FR" dirty="0"/>
+              <a:t> </a:t>
+            </a:r>
+          </a:p>
+          <a:p>
+            <a:r>
+              <a:rPr lang="fr-FR" dirty="0"/>
+              <a:t>On fait passer ce vecteur à travers une couche </a:t>
+            </a:r>
+            <a:r>
+              <a:rPr lang="fr-FR" dirty="0" err="1"/>
+              <a:t>softmax</a:t>
+            </a:r>
+            <a:r>
+              <a:rPr lang="fr-FR" dirty="0"/>
+              <a:t> (qui n'apparait pas sur le schéma) afin de pouvoir identifier dans les </a:t>
+            </a:r>
+            <a:r>
+              <a:rPr lang="fr-FR" dirty="0" err="1"/>
+              <a:t>vocab_size</a:t>
+            </a:r>
+            <a:r>
+              <a:rPr lang="fr-FR" dirty="0"/>
+              <a:t> mots du vocabulaire cible (EN) l'indice du mot traduit</a:t>
+            </a:r>
+          </a:p>
+          <a:p>
+            <a:r>
+              <a:rPr lang="fr-FR" dirty="0"/>
+              <a:t>Finalement une copie du vecteur de long </a:t>
+            </a:r>
+            <a:r>
+              <a:rPr lang="fr-FR" dirty="0" err="1"/>
+              <a:t>vocab_size</a:t>
+            </a:r>
+            <a:r>
+              <a:rPr lang="fr-FR" dirty="0"/>
+              <a:t> est ramenée vers l'interrupteur 3 à l'aide du câble vert</a:t>
+            </a:r>
+          </a:p>
+          <a:p>
+            <a:r>
+              <a:rPr lang="fr-FR" dirty="0"/>
+              <a:t>En mode </a:t>
+            </a:r>
+            <a:r>
+              <a:rPr lang="fr-FR" dirty="0" err="1"/>
+              <a:t>teacher</a:t>
+            </a:r>
+            <a:r>
+              <a:rPr lang="fr-FR" dirty="0"/>
+              <a:t> forcing l'interrupteur 3 reste fermé du côté des mots de la phrase target</a:t>
+            </a:r>
+          </a:p>
+          <a:p>
+            <a:endParaRPr lang="fr-FR" dirty="0"/>
+          </a:p>
+          <a:p>
+            <a:r>
+              <a:rPr lang="fr-FR" dirty="0"/>
+              <a:t>À la fin de la première itération du mode apprentissage (</a:t>
+            </a:r>
+            <a:r>
+              <a:rPr lang="fr-FR" dirty="0" err="1"/>
+              <a:t>teacher</a:t>
+            </a:r>
+            <a:r>
+              <a:rPr lang="fr-FR" dirty="0"/>
+              <a:t> forcing) on tourne vers le bas l'interrupteur 2</a:t>
+            </a:r>
+          </a:p>
+          <a:p>
+            <a:r>
+              <a:rPr lang="fr-FR" dirty="0"/>
+              <a:t>L'interrupteur 3 ne bouge pas</a:t>
+            </a:r>
+          </a:p>
+          <a:p>
+            <a:r>
+              <a:rPr lang="fr-FR" dirty="0"/>
+              <a:t>Au début de la seconde itération</a:t>
+            </a:r>
+          </a:p>
+          <a:p>
+            <a:r>
+              <a:rPr lang="fr-FR" dirty="0"/>
+              <a:t>W1 est toujours alimenté par le document au format </a:t>
+            </a:r>
+            <a:r>
+              <a:rPr lang="fr-FR" dirty="0" err="1"/>
+              <a:t>seq_len</a:t>
+            </a:r>
+            <a:r>
+              <a:rPr lang="fr-FR" dirty="0"/>
+              <a:t> x </a:t>
+            </a:r>
+            <a:r>
+              <a:rPr lang="fr-FR" dirty="0" err="1"/>
+              <a:t>n_units</a:t>
+            </a:r>
+            <a:r>
+              <a:rPr lang="fr-FR" dirty="0"/>
+              <a:t> mais on avance d'un cran et on utilisera  le "mot" qui est présenté sur la seconde ligne de la matrice </a:t>
+            </a:r>
+          </a:p>
+          <a:p>
+            <a:r>
+              <a:rPr lang="fr-FR" dirty="0"/>
+              <a:t>W2 est maintenant alimenté avec un vecteur de longueur </a:t>
+            </a:r>
+            <a:r>
+              <a:rPr lang="fr-FR" dirty="0" err="1"/>
+              <a:t>n_units</a:t>
+            </a:r>
+            <a:r>
+              <a:rPr lang="fr-FR" dirty="0"/>
+              <a:t> qui est contient les </a:t>
+            </a:r>
+            <a:r>
+              <a:rPr lang="fr-FR" dirty="0" err="1"/>
+              <a:t>hidden</a:t>
+            </a:r>
+            <a:r>
+              <a:rPr lang="fr-FR" dirty="0"/>
+              <a:t> state du décodeur (et plus les </a:t>
+            </a:r>
+            <a:r>
+              <a:rPr lang="fr-FR" dirty="0" err="1"/>
+              <a:t>hidden</a:t>
+            </a:r>
+            <a:r>
+              <a:rPr lang="fr-FR" dirty="0"/>
+              <a:t> states de l'encoder)</a:t>
+            </a:r>
+          </a:p>
+          <a:p>
+            <a:r>
+              <a:rPr lang="fr-FR" dirty="0"/>
+              <a:t>L'interrupteur 3 laisse passer l'indice dans la langue cible du second mot de la phrase target (encore une fois la traduction des mots target en indice n'apparait pas sur le schéma)</a:t>
+            </a:r>
+          </a:p>
+          <a:p>
+            <a:endParaRPr lang="fr-FR" dirty="0"/>
+          </a:p>
+          <a:p>
+            <a:r>
+              <a:rPr lang="fr-FR" dirty="0" err="1"/>
+              <a:t>Same</a:t>
+            </a:r>
+            <a:r>
+              <a:rPr lang="fr-FR" dirty="0"/>
+              <a:t> </a:t>
+            </a:r>
+            <a:r>
+              <a:rPr lang="fr-FR" dirty="0" err="1"/>
+              <a:t>player</a:t>
+            </a:r>
+            <a:r>
+              <a:rPr lang="fr-FR" dirty="0"/>
+              <a:t> shoot </a:t>
+            </a:r>
+            <a:r>
+              <a:rPr lang="fr-FR" dirty="0" err="1"/>
+              <a:t>again</a:t>
+            </a:r>
+            <a:r>
+              <a:rPr lang="fr-FR" dirty="0"/>
+              <a:t>… C'est reparti pour un tour</a:t>
+            </a:r>
+          </a:p>
+          <a:p>
+            <a:r>
+              <a:rPr lang="fr-FR" dirty="0"/>
+              <a:t>À la fin de la seconde itération on laisse les interrupteurs dans leur position et on passe à l'itération suivante</a:t>
+            </a:r>
+          </a:p>
+          <a:p>
+            <a:endParaRPr lang="fr-FR" dirty="0"/>
+          </a:p>
+          <a:p>
+            <a:endParaRPr lang="fr-FR" dirty="0"/>
+          </a:p>
+          <a:p>
+            <a:r>
+              <a:rPr lang="fr-FR" dirty="0"/>
+              <a:t> </a:t>
+            </a:r>
+          </a:p>
+          <a:p>
+            <a:endParaRPr lang="fr-FR" dirty="0"/>
+          </a:p>
+          <a:p>
+            <a:r>
+              <a:rPr lang="fr-FR" b="1" dirty="0"/>
+              <a:t>En mode inférence</a:t>
+            </a:r>
+          </a:p>
+          <a:p>
+            <a:r>
+              <a:rPr lang="fr-FR" dirty="0"/>
+              <a:t>L'encoder a encodé un document qui n'a jamais été vu par le décoder</a:t>
+            </a:r>
+          </a:p>
+          <a:p>
+            <a:r>
+              <a:rPr lang="fr-FR" dirty="0"/>
+              <a:t>À la première itération</a:t>
+            </a:r>
+          </a:p>
+          <a:p>
+            <a:r>
+              <a:rPr lang="fr-FR" dirty="0"/>
+              <a:t>L'interrupteur 2 est tourné vers la gauche</a:t>
+            </a:r>
+          </a:p>
+          <a:p>
+            <a:r>
+              <a:rPr lang="fr-FR" dirty="0"/>
+              <a:t>On présente donc à W1 et W2 respectivement le document au format matrice </a:t>
+            </a:r>
+            <a:r>
+              <a:rPr lang="fr-FR" dirty="0" err="1"/>
+              <a:t>seq_len</a:t>
+            </a:r>
+            <a:r>
+              <a:rPr lang="fr-FR" dirty="0"/>
+              <a:t> x </a:t>
+            </a:r>
+            <a:r>
+              <a:rPr lang="fr-FR" dirty="0" err="1"/>
+              <a:t>n_units</a:t>
+            </a:r>
+            <a:r>
+              <a:rPr lang="fr-FR" dirty="0"/>
+              <a:t> et les derniers </a:t>
+            </a:r>
+            <a:r>
+              <a:rPr lang="fr-FR" dirty="0" err="1"/>
+              <a:t>hidden</a:t>
+            </a:r>
+            <a:r>
+              <a:rPr lang="fr-FR" dirty="0"/>
+              <a:t> states de l'encoder sous forme d'un vecteur de longueur </a:t>
+            </a:r>
+            <a:r>
+              <a:rPr lang="fr-FR" dirty="0" err="1"/>
+              <a:t>n_units</a:t>
+            </a:r>
+            <a:endParaRPr lang="fr-FR" dirty="0"/>
+          </a:p>
+          <a:p>
+            <a:r>
+              <a:rPr lang="fr-FR" dirty="0"/>
+              <a:t>L'interrupteur 3 est tourné du coté inférence et par défaut l'indice du token "&lt;start&gt;" (0 par exemple) est présenté au WE rouge</a:t>
+            </a:r>
+          </a:p>
+          <a:p>
+            <a:endParaRPr lang="fr-FR" dirty="0"/>
+          </a:p>
+          <a:p>
+            <a:r>
+              <a:rPr lang="fr-FR" dirty="0"/>
+              <a:t>Le fonctionnement est ensuite exactement le même qu'en mode apprentissage</a:t>
+            </a:r>
+          </a:p>
+          <a:p>
+            <a:r>
+              <a:rPr lang="fr-FR" dirty="0"/>
+              <a:t>Par contre on bénéficie des contenus des Word Embedding qui ont été ajustés au cours de l'apprentissage (back propagation, gradient </a:t>
+            </a:r>
+            <a:r>
+              <a:rPr lang="fr-FR" dirty="0" err="1"/>
+              <a:t>descent</a:t>
+            </a:r>
+            <a:r>
+              <a:rPr lang="fr-FR" dirty="0"/>
+              <a:t> etc.)</a:t>
+            </a:r>
+          </a:p>
+          <a:p>
+            <a:endParaRPr lang="fr-FR" dirty="0"/>
+          </a:p>
+          <a:p>
+            <a:r>
+              <a:rPr lang="fr-FR" dirty="0"/>
+              <a:t>À la fin de la première itération, comme en mode </a:t>
+            </a:r>
+            <a:r>
+              <a:rPr lang="fr-FR" dirty="0" err="1"/>
+              <a:t>teacher</a:t>
+            </a:r>
+            <a:r>
+              <a:rPr lang="fr-FR" dirty="0"/>
+              <a:t> forcing, on fait pivoter l'interrupteur 2 afin d'alimenter W2 avec les </a:t>
+            </a:r>
+            <a:r>
+              <a:rPr lang="fr-FR" dirty="0" err="1"/>
+              <a:t>hidden</a:t>
+            </a:r>
+            <a:r>
+              <a:rPr lang="fr-FR" dirty="0"/>
+              <a:t> states du décodeur (vecteur de longueur </a:t>
+            </a:r>
+            <a:r>
+              <a:rPr lang="fr-FR" dirty="0" err="1"/>
+              <a:t>n_units</a:t>
+            </a:r>
+            <a:r>
+              <a:rPr lang="fr-FR" dirty="0"/>
+              <a:t>) </a:t>
+            </a:r>
+          </a:p>
+          <a:p>
+            <a:r>
+              <a:rPr lang="fr-FR" dirty="0"/>
+              <a:t>L'interrupteur 3 reste fermé du côté inférence et l'indice du mot prédit dans  la langue cible qui est sur le fil vert (un vecteur de longueur </a:t>
+            </a:r>
+            <a:r>
+              <a:rPr lang="fr-FR" dirty="0" err="1"/>
+              <a:t>vocab_size</a:t>
+            </a:r>
+            <a:r>
+              <a:rPr lang="fr-FR" dirty="0"/>
+              <a:t>) est présenté au WE rouge</a:t>
+            </a:r>
+          </a:p>
+          <a:p>
+            <a:endParaRPr lang="fr-FR" dirty="0"/>
+          </a:p>
+          <a:p>
+            <a:r>
+              <a:rPr lang="fr-FR" dirty="0"/>
+              <a:t>Et on repart pour une seconde itération…</a:t>
+            </a:r>
+          </a:p>
+          <a:p>
+            <a:r>
+              <a:rPr lang="fr-FR" dirty="0"/>
+              <a:t>Jusqu'à avoir consommé tous les mots de la langue source.</a:t>
+            </a:r>
+          </a:p>
+        </p:txBody>
+      </p:sp>
+      <p:sp>
+        <p:nvSpPr>
+          <p:cNvPr id="4" name="Espace réservé du numéro de diapositive 3"/>
+          <p:cNvSpPr>
+            <a:spLocks noGrp="1"/>
+          </p:cNvSpPr>
+          <p:nvPr>
+            <p:ph type="sldNum" sz="quarter" idx="5"/>
+          </p:nvPr>
+        </p:nvSpPr>
+        <p:spPr/>
+        <p:txBody>
+          <a:bodyPr/>
+          <a:lstStyle/>
+          <a:p>
             <a:fld id="{73D5B5ED-9027-43BD-8DFA-0179E4BC95F6}" type="slidenum">
               <a:rPr lang="fr-FR" smtClean="0"/>
-              <a:t>16</a:t>
+              <a:t>31</a:t>
             </a:fld>
             <a:endParaRPr lang="fr-FR"/>
           </a:p>
@@ -4947,7 +6874,7 @@
           <a:p>
             <a:fld id="{E049BE60-F297-4D51-9BF6-34EA6E4A2150}" type="datetimeFigureOut">
               <a:rPr lang="fr-FR" smtClean="0"/>
-              <a:t>21/05/2024</a:t>
+              <a:t>23/05/2024</a:t>
             </a:fld>
             <a:endParaRPr lang="fr-FR"/>
           </a:p>
@@ -5145,7 +7072,7 @@
           <a:p>
             <a:fld id="{E049BE60-F297-4D51-9BF6-34EA6E4A2150}" type="datetimeFigureOut">
               <a:rPr lang="fr-FR" smtClean="0"/>
-              <a:t>21/05/2024</a:t>
+              <a:t>23/05/2024</a:t>
             </a:fld>
             <a:endParaRPr lang="fr-FR"/>
           </a:p>
@@ -5353,7 +7280,7 @@
           <a:p>
             <a:fld id="{E049BE60-F297-4D51-9BF6-34EA6E4A2150}" type="datetimeFigureOut">
               <a:rPr lang="fr-FR" smtClean="0"/>
-              <a:t>21/05/2024</a:t>
+              <a:t>23/05/2024</a:t>
             </a:fld>
             <a:endParaRPr lang="fr-FR"/>
           </a:p>
@@ -5551,7 +7478,7 @@
           <a:p>
             <a:fld id="{E049BE60-F297-4D51-9BF6-34EA6E4A2150}" type="datetimeFigureOut">
               <a:rPr lang="fr-FR" smtClean="0"/>
-              <a:t>21/05/2024</a:t>
+              <a:t>23/05/2024</a:t>
             </a:fld>
             <a:endParaRPr lang="fr-FR"/>
           </a:p>
@@ -5826,7 +7753,7 @@
           <a:p>
             <a:fld id="{E049BE60-F297-4D51-9BF6-34EA6E4A2150}" type="datetimeFigureOut">
               <a:rPr lang="fr-FR" smtClean="0"/>
-              <a:t>21/05/2024</a:t>
+              <a:t>23/05/2024</a:t>
             </a:fld>
             <a:endParaRPr lang="fr-FR"/>
           </a:p>
@@ -6091,7 +8018,7 @@
           <a:p>
             <a:fld id="{E049BE60-F297-4D51-9BF6-34EA6E4A2150}" type="datetimeFigureOut">
               <a:rPr lang="fr-FR" smtClean="0"/>
-              <a:t>21/05/2024</a:t>
+              <a:t>23/05/2024</a:t>
             </a:fld>
             <a:endParaRPr lang="fr-FR"/>
           </a:p>
@@ -6503,7 +8430,7 @@
           <a:p>
             <a:fld id="{E049BE60-F297-4D51-9BF6-34EA6E4A2150}" type="datetimeFigureOut">
               <a:rPr lang="fr-FR" smtClean="0"/>
-              <a:t>21/05/2024</a:t>
+              <a:t>23/05/2024</a:t>
             </a:fld>
             <a:endParaRPr lang="fr-FR"/>
           </a:p>
@@ -6644,7 +8571,7 @@
           <a:p>
             <a:fld id="{E049BE60-F297-4D51-9BF6-34EA6E4A2150}" type="datetimeFigureOut">
               <a:rPr lang="fr-FR" smtClean="0"/>
-              <a:t>21/05/2024</a:t>
+              <a:t>23/05/2024</a:t>
             </a:fld>
             <a:endParaRPr lang="fr-FR"/>
           </a:p>
@@ -6757,7 +8684,7 @@
           <a:p>
             <a:fld id="{E049BE60-F297-4D51-9BF6-34EA6E4A2150}" type="datetimeFigureOut">
               <a:rPr lang="fr-FR" smtClean="0"/>
-              <a:t>21/05/2024</a:t>
+              <a:t>23/05/2024</a:t>
             </a:fld>
             <a:endParaRPr lang="fr-FR"/>
           </a:p>
@@ -7068,7 +8995,7 @@
           <a:p>
             <a:fld id="{E049BE60-F297-4D51-9BF6-34EA6E4A2150}" type="datetimeFigureOut">
               <a:rPr lang="fr-FR" smtClean="0"/>
-              <a:t>21/05/2024</a:t>
+              <a:t>23/05/2024</a:t>
             </a:fld>
             <a:endParaRPr lang="fr-FR"/>
           </a:p>
@@ -7359,7 +9286,7 @@
           <a:p>
             <a:fld id="{E049BE60-F297-4D51-9BF6-34EA6E4A2150}" type="datetimeFigureOut">
               <a:rPr lang="fr-FR" smtClean="0"/>
-              <a:t>21/05/2024</a:t>
+              <a:t>23/05/2024</a:t>
             </a:fld>
             <a:endParaRPr lang="fr-FR"/>
           </a:p>
@@ -7600,7 +9527,7 @@
           <a:p>
             <a:fld id="{E049BE60-F297-4D51-9BF6-34EA6E4A2150}" type="datetimeFigureOut">
               <a:rPr lang="fr-FR" smtClean="0"/>
-              <a:t>21/05/2024</a:t>
+              <a:t>23/05/2024</a:t>
             </a:fld>
             <a:endParaRPr lang="fr-FR"/>
           </a:p>
@@ -8814,6 +10741,1413 @@
           <p:cNvPr id="2" name="Titre 1">
             <a:extLst>
               <a:ext uri="{FF2B5EF4-FFF2-40B4-BE49-F238E27FC236}">
+                <a16:creationId xmlns:a16="http://schemas.microsoft.com/office/drawing/2014/main" id="{0B1592BA-280F-123D-2626-381CFC737D48}"/>
+              </a:ext>
+            </a:extLst>
+          </p:cNvPr>
+          <p:cNvSpPr>
+            <a:spLocks noGrp="1"/>
+          </p:cNvSpPr>
+          <p:nvPr>
+            <p:ph type="title"/>
+          </p:nvPr>
+        </p:nvSpPr>
+        <p:spPr/>
+        <p:txBody>
+          <a:bodyPr/>
+          <a:lstStyle/>
+          <a:p>
+            <a:r>
+              <a:rPr lang="fr-FR" dirty="0" err="1"/>
+              <a:t>Supervised</a:t>
+            </a:r>
+            <a:r>
+              <a:rPr lang="fr-FR" dirty="0"/>
+              <a:t> – Ensemble Learning</a:t>
+            </a:r>
+          </a:p>
+        </p:txBody>
+      </p:sp>
+    </p:spTree>
+    <p:extLst>
+      <p:ext uri="{BB962C8B-B14F-4D97-AF65-F5344CB8AC3E}">
+        <p14:creationId xmlns:p14="http://schemas.microsoft.com/office/powerpoint/2010/main" val="268365912"/>
+      </p:ext>
+    </p:extLst>
+  </p:cSld>
+  <p:clrMapOvr>
+    <a:masterClrMapping/>
+  </p:clrMapOvr>
+</p:sld>
+</file>
+
+<file path=ppt/slides/slide11.xml><?xml version="1.0" encoding="utf-8"?>
+<p:sld xmlns:a="http://schemas.openxmlformats.org/drawingml/2006/main" xmlns:r="http://schemas.openxmlformats.org/officeDocument/2006/relationships" xmlns:p="http://schemas.openxmlformats.org/presentationml/2006/main">
+  <p:cSld>
+    <p:spTree>
+      <p:nvGrpSpPr>
+        <p:cNvPr id="1" name=""/>
+        <p:cNvGrpSpPr/>
+        <p:nvPr/>
+      </p:nvGrpSpPr>
+      <p:grpSpPr>
+        <a:xfrm>
+          <a:off x="0" y="0"/>
+          <a:ext cx="0" cy="0"/>
+          <a:chOff x="0" y="0"/>
+          <a:chExt cx="0" cy="0"/>
+        </a:xfrm>
+      </p:grpSpPr>
+      <p:sp>
+        <p:nvSpPr>
+          <p:cNvPr id="2" name="Titre 1">
+            <a:extLst>
+              <a:ext uri="{FF2B5EF4-FFF2-40B4-BE49-F238E27FC236}">
+                <a16:creationId xmlns:a16="http://schemas.microsoft.com/office/drawing/2014/main" id="{6CF4C2AF-34B2-0267-3950-BEB02A4015A1}"/>
+              </a:ext>
+            </a:extLst>
+          </p:cNvPr>
+          <p:cNvSpPr>
+            <a:spLocks noGrp="1"/>
+          </p:cNvSpPr>
+          <p:nvPr>
+            <p:ph type="title"/>
+          </p:nvPr>
+        </p:nvSpPr>
+        <p:spPr/>
+        <p:txBody>
+          <a:bodyPr/>
+          <a:lstStyle/>
+          <a:p>
+            <a:r>
+              <a:rPr lang="fr-FR" dirty="0" err="1"/>
+              <a:t>Supervised</a:t>
+            </a:r>
+            <a:r>
+              <a:rPr lang="fr-FR" dirty="0"/>
+              <a:t> – Model </a:t>
+            </a:r>
+            <a:r>
+              <a:rPr lang="fr-FR" dirty="0" err="1"/>
+              <a:t>Selection</a:t>
+            </a:r>
+            <a:r>
+              <a:rPr lang="fr-FR" dirty="0"/>
+              <a:t> &amp; Evaluation</a:t>
+            </a:r>
+          </a:p>
+        </p:txBody>
+      </p:sp>
+    </p:spTree>
+    <p:extLst>
+      <p:ext uri="{BB962C8B-B14F-4D97-AF65-F5344CB8AC3E}">
+        <p14:creationId xmlns:p14="http://schemas.microsoft.com/office/powerpoint/2010/main" val="969718720"/>
+      </p:ext>
+    </p:extLst>
+  </p:cSld>
+  <p:clrMapOvr>
+    <a:masterClrMapping/>
+  </p:clrMapOvr>
+</p:sld>
+</file>
+
+<file path=ppt/slides/slide12.xml><?xml version="1.0" encoding="utf-8"?>
+<p:sld xmlns:a="http://schemas.openxmlformats.org/drawingml/2006/main" xmlns:r="http://schemas.openxmlformats.org/officeDocument/2006/relationships" xmlns:p="http://schemas.openxmlformats.org/presentationml/2006/main">
+  <p:cSld>
+    <p:spTree>
+      <p:nvGrpSpPr>
+        <p:cNvPr id="1" name=""/>
+        <p:cNvGrpSpPr/>
+        <p:nvPr/>
+      </p:nvGrpSpPr>
+      <p:grpSpPr>
+        <a:xfrm>
+          <a:off x="0" y="0"/>
+          <a:ext cx="0" cy="0"/>
+          <a:chOff x="0" y="0"/>
+          <a:chExt cx="0" cy="0"/>
+        </a:xfrm>
+      </p:grpSpPr>
+      <p:sp>
+        <p:nvSpPr>
+          <p:cNvPr id="2" name="Titre 1">
+            <a:extLst>
+              <a:ext uri="{FF2B5EF4-FFF2-40B4-BE49-F238E27FC236}">
+                <a16:creationId xmlns:a16="http://schemas.microsoft.com/office/drawing/2014/main" id="{AAF737E8-1517-AD9C-A3D8-4075BCBCF827}"/>
+              </a:ext>
+            </a:extLst>
+          </p:cNvPr>
+          <p:cNvSpPr>
+            <a:spLocks noGrp="1"/>
+          </p:cNvSpPr>
+          <p:nvPr>
+            <p:ph type="title"/>
+          </p:nvPr>
+        </p:nvSpPr>
+        <p:spPr/>
+        <p:txBody>
+          <a:bodyPr/>
+          <a:lstStyle/>
+          <a:p>
+            <a:r>
+              <a:rPr lang="fr-FR" dirty="0" err="1"/>
+              <a:t>Supervised</a:t>
+            </a:r>
+            <a:r>
+              <a:rPr lang="fr-FR" dirty="0"/>
+              <a:t> – Time </a:t>
+            </a:r>
+            <a:r>
+              <a:rPr lang="fr-FR" dirty="0" err="1"/>
+              <a:t>Series</a:t>
+            </a:r>
+            <a:endParaRPr lang="fr-FR" dirty="0"/>
+          </a:p>
+        </p:txBody>
+      </p:sp>
+    </p:spTree>
+    <p:extLst>
+      <p:ext uri="{BB962C8B-B14F-4D97-AF65-F5344CB8AC3E}">
+        <p14:creationId xmlns:p14="http://schemas.microsoft.com/office/powerpoint/2010/main" val="2324011759"/>
+      </p:ext>
+    </p:extLst>
+  </p:cSld>
+  <p:clrMapOvr>
+    <a:masterClrMapping/>
+  </p:clrMapOvr>
+</p:sld>
+</file>
+
+<file path=ppt/slides/slide13.xml><?xml version="1.0" encoding="utf-8"?>
+<p:sld xmlns:a="http://schemas.openxmlformats.org/drawingml/2006/main" xmlns:r="http://schemas.openxmlformats.org/officeDocument/2006/relationships" xmlns:p="http://schemas.openxmlformats.org/presentationml/2006/main">
+  <p:cSld>
+    <p:spTree>
+      <p:nvGrpSpPr>
+        <p:cNvPr id="1" name=""/>
+        <p:cNvGrpSpPr/>
+        <p:nvPr/>
+      </p:nvGrpSpPr>
+      <p:grpSpPr>
+        <a:xfrm>
+          <a:off x="0" y="0"/>
+          <a:ext cx="0" cy="0"/>
+          <a:chOff x="0" y="0"/>
+          <a:chExt cx="0" cy="0"/>
+        </a:xfrm>
+      </p:grpSpPr>
+      <p:sp>
+        <p:nvSpPr>
+          <p:cNvPr id="2" name="Titre 1">
+            <a:extLst>
+              <a:ext uri="{FF2B5EF4-FFF2-40B4-BE49-F238E27FC236}">
+                <a16:creationId xmlns:a16="http://schemas.microsoft.com/office/drawing/2014/main" id="{2AA42C4A-2E93-B9C5-8801-BA5FA367BBF0}"/>
+              </a:ext>
+            </a:extLst>
+          </p:cNvPr>
+          <p:cNvSpPr>
+            <a:spLocks noGrp="1"/>
+          </p:cNvSpPr>
+          <p:nvPr>
+            <p:ph type="title"/>
+          </p:nvPr>
+        </p:nvSpPr>
+        <p:spPr/>
+        <p:txBody>
+          <a:bodyPr/>
+          <a:lstStyle/>
+          <a:p>
+            <a:r>
+              <a:rPr lang="fr-FR" dirty="0" err="1"/>
+              <a:t>Unsupervised</a:t>
+            </a:r>
+            <a:r>
+              <a:rPr lang="fr-FR" dirty="0"/>
+              <a:t> - KMEANS</a:t>
+            </a:r>
+          </a:p>
+        </p:txBody>
+      </p:sp>
+    </p:spTree>
+    <p:extLst>
+      <p:ext uri="{BB962C8B-B14F-4D97-AF65-F5344CB8AC3E}">
+        <p14:creationId xmlns:p14="http://schemas.microsoft.com/office/powerpoint/2010/main" val="2952062194"/>
+      </p:ext>
+    </p:extLst>
+  </p:cSld>
+  <p:clrMapOvr>
+    <a:masterClrMapping/>
+  </p:clrMapOvr>
+</p:sld>
+</file>
+
+<file path=ppt/slides/slide14.xml><?xml version="1.0" encoding="utf-8"?>
+<p:sld xmlns:a="http://schemas.openxmlformats.org/drawingml/2006/main" xmlns:r="http://schemas.openxmlformats.org/officeDocument/2006/relationships" xmlns:p="http://schemas.openxmlformats.org/presentationml/2006/main">
+  <p:cSld>
+    <p:spTree>
+      <p:nvGrpSpPr>
+        <p:cNvPr id="1" name=""/>
+        <p:cNvGrpSpPr/>
+        <p:nvPr/>
+      </p:nvGrpSpPr>
+      <p:grpSpPr>
+        <a:xfrm>
+          <a:off x="0" y="0"/>
+          <a:ext cx="0" cy="0"/>
+          <a:chOff x="0" y="0"/>
+          <a:chExt cx="0" cy="0"/>
+        </a:xfrm>
+      </p:grpSpPr>
+      <p:sp>
+        <p:nvSpPr>
+          <p:cNvPr id="2" name="Titre 1">
+            <a:extLst>
+              <a:ext uri="{FF2B5EF4-FFF2-40B4-BE49-F238E27FC236}">
+                <a16:creationId xmlns:a16="http://schemas.microsoft.com/office/drawing/2014/main" id="{59041DDA-56B2-6493-7964-694BC5729735}"/>
+              </a:ext>
+            </a:extLst>
+          </p:cNvPr>
+          <p:cNvSpPr>
+            <a:spLocks noGrp="1"/>
+          </p:cNvSpPr>
+          <p:nvPr>
+            <p:ph type="title"/>
+          </p:nvPr>
+        </p:nvSpPr>
+        <p:spPr/>
+        <p:txBody>
+          <a:bodyPr/>
+          <a:lstStyle/>
+          <a:p>
+            <a:r>
+              <a:rPr lang="fr-FR" dirty="0" err="1"/>
+              <a:t>Unsupervised</a:t>
+            </a:r>
+            <a:r>
+              <a:rPr lang="fr-FR" dirty="0"/>
+              <a:t> - DBSCAN</a:t>
+            </a:r>
+          </a:p>
+        </p:txBody>
+      </p:sp>
+    </p:spTree>
+    <p:extLst>
+      <p:ext uri="{BB962C8B-B14F-4D97-AF65-F5344CB8AC3E}">
+        <p14:creationId xmlns:p14="http://schemas.microsoft.com/office/powerpoint/2010/main" val="167165016"/>
+      </p:ext>
+    </p:extLst>
+  </p:cSld>
+  <p:clrMapOvr>
+    <a:masterClrMapping/>
+  </p:clrMapOvr>
+</p:sld>
+</file>
+
+<file path=ppt/slides/slide15.xml><?xml version="1.0" encoding="utf-8"?>
+<p:sld xmlns:a="http://schemas.openxmlformats.org/drawingml/2006/main" xmlns:r="http://schemas.openxmlformats.org/officeDocument/2006/relationships" xmlns:p="http://schemas.openxmlformats.org/presentationml/2006/main">
+  <p:cSld>
+    <p:spTree>
+      <p:nvGrpSpPr>
+        <p:cNvPr id="1" name=""/>
+        <p:cNvGrpSpPr/>
+        <p:nvPr/>
+      </p:nvGrpSpPr>
+      <p:grpSpPr>
+        <a:xfrm>
+          <a:off x="0" y="0"/>
+          <a:ext cx="0" cy="0"/>
+          <a:chOff x="0" y="0"/>
+          <a:chExt cx="0" cy="0"/>
+        </a:xfrm>
+      </p:grpSpPr>
+      <p:sp>
+        <p:nvSpPr>
+          <p:cNvPr id="2" name="Titre 1">
+            <a:extLst>
+              <a:ext uri="{FF2B5EF4-FFF2-40B4-BE49-F238E27FC236}">
+                <a16:creationId xmlns:a16="http://schemas.microsoft.com/office/drawing/2014/main" id="{26742326-C400-BCB8-2EE0-E8D03370FCA6}"/>
+              </a:ext>
+            </a:extLst>
+          </p:cNvPr>
+          <p:cNvSpPr>
+            <a:spLocks noGrp="1"/>
+          </p:cNvSpPr>
+          <p:nvPr>
+            <p:ph type="title"/>
+          </p:nvPr>
+        </p:nvSpPr>
+        <p:spPr/>
+        <p:txBody>
+          <a:bodyPr/>
+          <a:lstStyle/>
+          <a:p>
+            <a:r>
+              <a:rPr lang="fr-FR" dirty="0" err="1"/>
+              <a:t>Unsupervised</a:t>
+            </a:r>
+            <a:r>
+              <a:rPr lang="fr-FR" dirty="0"/>
+              <a:t> - PCA</a:t>
+            </a:r>
+          </a:p>
+        </p:txBody>
+      </p:sp>
+    </p:spTree>
+    <p:extLst>
+      <p:ext uri="{BB962C8B-B14F-4D97-AF65-F5344CB8AC3E}">
+        <p14:creationId xmlns:p14="http://schemas.microsoft.com/office/powerpoint/2010/main" val="3796803524"/>
+      </p:ext>
+    </p:extLst>
+  </p:cSld>
+  <p:clrMapOvr>
+    <a:masterClrMapping/>
+  </p:clrMapOvr>
+</p:sld>
+</file>
+
+<file path=ppt/slides/slide16.xml><?xml version="1.0" encoding="utf-8"?>
+<p:sld xmlns:a="http://schemas.openxmlformats.org/drawingml/2006/main" xmlns:r="http://schemas.openxmlformats.org/officeDocument/2006/relationships" xmlns:p="http://schemas.openxmlformats.org/presentationml/2006/main">
+  <p:cSld>
+    <p:spTree>
+      <p:nvGrpSpPr>
+        <p:cNvPr id="1" name=""/>
+        <p:cNvGrpSpPr/>
+        <p:nvPr/>
+      </p:nvGrpSpPr>
+      <p:grpSpPr>
+        <a:xfrm>
+          <a:off x="0" y="0"/>
+          <a:ext cx="0" cy="0"/>
+          <a:chOff x="0" y="0"/>
+          <a:chExt cx="0" cy="0"/>
+        </a:xfrm>
+      </p:grpSpPr>
+      <p:sp>
+        <p:nvSpPr>
+          <p:cNvPr id="2" name="Titre 1">
+            <a:extLst>
+              <a:ext uri="{FF2B5EF4-FFF2-40B4-BE49-F238E27FC236}">
+                <a16:creationId xmlns:a16="http://schemas.microsoft.com/office/drawing/2014/main" id="{A51D6E9A-FA1B-77D8-89C3-E5CBE9F3C0BC}"/>
+              </a:ext>
+            </a:extLst>
+          </p:cNvPr>
+          <p:cNvSpPr>
+            <a:spLocks noGrp="1"/>
+          </p:cNvSpPr>
+          <p:nvPr>
+            <p:ph type="title"/>
+          </p:nvPr>
+        </p:nvSpPr>
+        <p:spPr/>
+        <p:txBody>
+          <a:bodyPr/>
+          <a:lstStyle/>
+          <a:p>
+            <a:r>
+              <a:rPr lang="fr-FR" dirty="0" err="1"/>
+              <a:t>Unsupervised</a:t>
+            </a:r>
+            <a:r>
+              <a:rPr lang="fr-FR" dirty="0"/>
+              <a:t> - NLP</a:t>
+            </a:r>
+          </a:p>
+        </p:txBody>
+      </p:sp>
+    </p:spTree>
+    <p:extLst>
+      <p:ext uri="{BB962C8B-B14F-4D97-AF65-F5344CB8AC3E}">
+        <p14:creationId xmlns:p14="http://schemas.microsoft.com/office/powerpoint/2010/main" val="1550033926"/>
+      </p:ext>
+    </p:extLst>
+  </p:cSld>
+  <p:clrMapOvr>
+    <a:masterClrMapping/>
+  </p:clrMapOvr>
+</p:sld>
+</file>
+
+<file path=ppt/slides/slide17.xml><?xml version="1.0" encoding="utf-8"?>
+<p:sld xmlns:a="http://schemas.openxmlformats.org/drawingml/2006/main" xmlns:r="http://schemas.openxmlformats.org/officeDocument/2006/relationships" xmlns:p="http://schemas.openxmlformats.org/presentationml/2006/main">
+  <p:cSld>
+    <p:spTree>
+      <p:nvGrpSpPr>
+        <p:cNvPr id="1" name=""/>
+        <p:cNvGrpSpPr/>
+        <p:nvPr/>
+      </p:nvGrpSpPr>
+      <p:grpSpPr>
+        <a:xfrm>
+          <a:off x="0" y="0"/>
+          <a:ext cx="0" cy="0"/>
+          <a:chOff x="0" y="0"/>
+          <a:chExt cx="0" cy="0"/>
+        </a:xfrm>
+      </p:grpSpPr>
+      <p:sp>
+        <p:nvSpPr>
+          <p:cNvPr id="2" name="Titre 1">
+            <a:extLst>
+              <a:ext uri="{FF2B5EF4-FFF2-40B4-BE49-F238E27FC236}">
+                <a16:creationId xmlns:a16="http://schemas.microsoft.com/office/drawing/2014/main" id="{F07C6335-1A18-152E-B34C-968C5599C02A}"/>
+              </a:ext>
+            </a:extLst>
+          </p:cNvPr>
+          <p:cNvSpPr>
+            <a:spLocks noGrp="1"/>
+          </p:cNvSpPr>
+          <p:nvPr>
+            <p:ph type="title"/>
+          </p:nvPr>
+        </p:nvSpPr>
+        <p:spPr/>
+        <p:txBody>
+          <a:bodyPr/>
+          <a:lstStyle/>
+          <a:p>
+            <a:r>
+              <a:rPr lang="fr-FR" dirty="0" err="1"/>
+              <a:t>Unsupervised</a:t>
+            </a:r>
+            <a:r>
+              <a:rPr lang="fr-FR" dirty="0"/>
+              <a:t> - Topic Modeling</a:t>
+            </a:r>
+          </a:p>
+        </p:txBody>
+      </p:sp>
+    </p:spTree>
+    <p:extLst>
+      <p:ext uri="{BB962C8B-B14F-4D97-AF65-F5344CB8AC3E}">
+        <p14:creationId xmlns:p14="http://schemas.microsoft.com/office/powerpoint/2010/main" val="1020797263"/>
+      </p:ext>
+    </p:extLst>
+  </p:cSld>
+  <p:clrMapOvr>
+    <a:masterClrMapping/>
+  </p:clrMapOvr>
+</p:sld>
+</file>
+
+<file path=ppt/slides/slide18.xml><?xml version="1.0" encoding="utf-8"?>
+<p:sld xmlns:a="http://schemas.openxmlformats.org/drawingml/2006/main" xmlns:r="http://schemas.openxmlformats.org/officeDocument/2006/relationships" xmlns:p="http://schemas.openxmlformats.org/presentationml/2006/main">
+  <p:cSld>
+    <p:spTree>
+      <p:nvGrpSpPr>
+        <p:cNvPr id="1" name=""/>
+        <p:cNvGrpSpPr/>
+        <p:nvPr/>
+      </p:nvGrpSpPr>
+      <p:grpSpPr>
+        <a:xfrm>
+          <a:off x="0" y="0"/>
+          <a:ext cx="0" cy="0"/>
+          <a:chOff x="0" y="0"/>
+          <a:chExt cx="0" cy="0"/>
+        </a:xfrm>
+      </p:grpSpPr>
+      <p:sp>
+        <p:nvSpPr>
+          <p:cNvPr id="2" name="Titre 1">
+            <a:extLst>
+              <a:ext uri="{FF2B5EF4-FFF2-40B4-BE49-F238E27FC236}">
+                <a16:creationId xmlns:a16="http://schemas.microsoft.com/office/drawing/2014/main" id="{AE1BD3D5-6ABA-23EC-A320-BC3E8F4C547D}"/>
+              </a:ext>
+            </a:extLst>
+          </p:cNvPr>
+          <p:cNvSpPr>
+            <a:spLocks noGrp="1"/>
+          </p:cNvSpPr>
+          <p:nvPr>
+            <p:ph type="title"/>
+          </p:nvPr>
+        </p:nvSpPr>
+        <p:spPr/>
+        <p:txBody>
+          <a:bodyPr/>
+          <a:lstStyle/>
+          <a:p>
+            <a:r>
+              <a:rPr lang="fr-FR" dirty="0"/>
+              <a:t>Deep Learning</a:t>
+            </a:r>
+          </a:p>
+        </p:txBody>
+      </p:sp>
+      <p:pic>
+        <p:nvPicPr>
+          <p:cNvPr id="5" name="Image 4">
+            <a:extLst>
+              <a:ext uri="{FF2B5EF4-FFF2-40B4-BE49-F238E27FC236}">
+                <a16:creationId xmlns:a16="http://schemas.microsoft.com/office/drawing/2014/main" id="{0A3E1D6D-D009-0CA4-468C-D06E38F1C6B2}"/>
+              </a:ext>
+            </a:extLst>
+          </p:cNvPr>
+          <p:cNvPicPr>
+            <a:picLocks noChangeAspect="1"/>
+          </p:cNvPicPr>
+          <p:nvPr/>
+        </p:nvPicPr>
+        <p:blipFill>
+          <a:blip r:embed="rId2"/>
+          <a:stretch>
+            <a:fillRect/>
+          </a:stretch>
+        </p:blipFill>
+        <p:spPr>
+          <a:xfrm>
+            <a:off x="4679578" y="25429"/>
+            <a:ext cx="3999469" cy="2250495"/>
+          </a:xfrm>
+          <a:prstGeom prst="rect">
+            <a:avLst/>
+          </a:prstGeom>
+        </p:spPr>
+      </p:pic>
+      <p:pic>
+        <p:nvPicPr>
+          <p:cNvPr id="7" name="Image 6">
+            <a:extLst>
+              <a:ext uri="{FF2B5EF4-FFF2-40B4-BE49-F238E27FC236}">
+                <a16:creationId xmlns:a16="http://schemas.microsoft.com/office/drawing/2014/main" id="{B3E01D19-050F-FE88-B3E1-0CA75FC18D2B}"/>
+              </a:ext>
+            </a:extLst>
+          </p:cNvPr>
+          <p:cNvPicPr>
+            <a:picLocks noChangeAspect="1"/>
+          </p:cNvPicPr>
+          <p:nvPr/>
+        </p:nvPicPr>
+        <p:blipFill>
+          <a:blip r:embed="rId3"/>
+          <a:stretch>
+            <a:fillRect/>
+          </a:stretch>
+        </p:blipFill>
+        <p:spPr>
+          <a:xfrm>
+            <a:off x="7153835" y="954242"/>
+            <a:ext cx="4992873" cy="2644064"/>
+          </a:xfrm>
+          <a:prstGeom prst="rect">
+            <a:avLst/>
+          </a:prstGeom>
+        </p:spPr>
+      </p:pic>
+      <p:pic>
+        <p:nvPicPr>
+          <p:cNvPr id="9" name="Image 8">
+            <a:extLst>
+              <a:ext uri="{FF2B5EF4-FFF2-40B4-BE49-F238E27FC236}">
+                <a16:creationId xmlns:a16="http://schemas.microsoft.com/office/drawing/2014/main" id="{5F49EB22-0FCF-8AA9-D7F1-2A180FF12D38}"/>
+              </a:ext>
+            </a:extLst>
+          </p:cNvPr>
+          <p:cNvPicPr>
+            <a:picLocks noChangeAspect="1"/>
+          </p:cNvPicPr>
+          <p:nvPr/>
+        </p:nvPicPr>
+        <p:blipFill>
+          <a:blip r:embed="rId4"/>
+          <a:stretch>
+            <a:fillRect/>
+          </a:stretch>
+        </p:blipFill>
+        <p:spPr>
+          <a:xfrm>
+            <a:off x="4900700" y="3595790"/>
+            <a:ext cx="6185649" cy="3251362"/>
+          </a:xfrm>
+          <a:prstGeom prst="rect">
+            <a:avLst/>
+          </a:prstGeom>
+        </p:spPr>
+      </p:pic>
+      <p:sp>
+        <p:nvSpPr>
+          <p:cNvPr id="3" name="Espace réservé du contenu 2">
+            <a:extLst>
+              <a:ext uri="{FF2B5EF4-FFF2-40B4-BE49-F238E27FC236}">
+                <a16:creationId xmlns:a16="http://schemas.microsoft.com/office/drawing/2014/main" id="{7A7207EC-3988-46E8-3B0A-D294D03737D7}"/>
+              </a:ext>
+            </a:extLst>
+          </p:cNvPr>
+          <p:cNvSpPr>
+            <a:spLocks noGrp="1"/>
+          </p:cNvSpPr>
+          <p:nvPr>
+            <p:ph idx="1"/>
+          </p:nvPr>
+        </p:nvSpPr>
+        <p:spPr/>
+        <p:txBody>
+          <a:bodyPr/>
+          <a:lstStyle/>
+          <a:p>
+            <a:r>
+              <a:rPr lang="fr-FR" dirty="0">
+                <a:latin typeface="Courier New" panose="02070309020205020404" pitchFamily="49" charset="0"/>
+                <a:cs typeface="Courier New" panose="02070309020205020404" pitchFamily="49" charset="0"/>
+              </a:rPr>
+              <a:t>Gradient </a:t>
+            </a:r>
+            <a:r>
+              <a:rPr lang="fr-FR" dirty="0" err="1">
+                <a:latin typeface="Courier New" panose="02070309020205020404" pitchFamily="49" charset="0"/>
+                <a:cs typeface="Courier New" panose="02070309020205020404" pitchFamily="49" charset="0"/>
+              </a:rPr>
+              <a:t>descent</a:t>
+            </a:r>
+            <a:endParaRPr lang="fr-FR" dirty="0">
+              <a:latin typeface="Courier New" panose="02070309020205020404" pitchFamily="49" charset="0"/>
+              <a:cs typeface="Courier New" panose="02070309020205020404" pitchFamily="49" charset="0"/>
+            </a:endParaRPr>
+          </a:p>
+          <a:p>
+            <a:r>
+              <a:rPr lang="fr-FR" dirty="0">
+                <a:latin typeface="Courier New" panose="02070309020205020404" pitchFamily="49" charset="0"/>
+                <a:cs typeface="Courier New" panose="02070309020205020404" pitchFamily="49" charset="0"/>
+              </a:rPr>
+              <a:t>Neural Network</a:t>
+            </a:r>
+          </a:p>
+          <a:p>
+            <a:r>
+              <a:rPr lang="fr-FR" dirty="0">
+                <a:latin typeface="Courier New" panose="02070309020205020404" pitchFamily="49" charset="0"/>
+                <a:cs typeface="Courier New" panose="02070309020205020404" pitchFamily="49" charset="0"/>
+              </a:rPr>
+              <a:t>TensorFlow</a:t>
+            </a:r>
+          </a:p>
+          <a:p>
+            <a:r>
+              <a:rPr lang="fr-FR" dirty="0">
+                <a:latin typeface="Courier New" panose="02070309020205020404" pitchFamily="49" charset="0"/>
+                <a:cs typeface="Courier New" panose="02070309020205020404" pitchFamily="49" charset="0"/>
+              </a:rPr>
+              <a:t>CNN</a:t>
+            </a:r>
+          </a:p>
+          <a:p>
+            <a:r>
+              <a:rPr lang="fr-FR" dirty="0">
+                <a:latin typeface="Courier New" panose="02070309020205020404" pitchFamily="49" charset="0"/>
+                <a:cs typeface="Courier New" panose="02070309020205020404" pitchFamily="49" charset="0"/>
+              </a:rPr>
+              <a:t>Transfer Learning</a:t>
+            </a:r>
+          </a:p>
+          <a:p>
+            <a:r>
+              <a:rPr lang="fr-FR" dirty="0" err="1">
+                <a:latin typeface="Courier New" panose="02070309020205020404" pitchFamily="49" charset="0"/>
+                <a:cs typeface="Courier New" panose="02070309020205020404" pitchFamily="49" charset="0"/>
+              </a:rPr>
+              <a:t>Recurrent</a:t>
+            </a:r>
+            <a:r>
+              <a:rPr lang="fr-FR" dirty="0">
+                <a:latin typeface="Courier New" panose="02070309020205020404" pitchFamily="49" charset="0"/>
+                <a:cs typeface="Courier New" panose="02070309020205020404" pitchFamily="49" charset="0"/>
+              </a:rPr>
+              <a:t> NN</a:t>
+            </a:r>
+          </a:p>
+          <a:p>
+            <a:r>
+              <a:rPr lang="fr-FR" dirty="0">
+                <a:latin typeface="Courier New" panose="02070309020205020404" pitchFamily="49" charset="0"/>
+                <a:cs typeface="Courier New" panose="02070309020205020404" pitchFamily="49" charset="0"/>
+              </a:rPr>
+              <a:t>Encoder </a:t>
+            </a:r>
+            <a:r>
+              <a:rPr lang="fr-FR" dirty="0" err="1">
+                <a:latin typeface="Courier New" panose="02070309020205020404" pitchFamily="49" charset="0"/>
+                <a:cs typeface="Courier New" panose="02070309020205020404" pitchFamily="49" charset="0"/>
+              </a:rPr>
+              <a:t>Decoder</a:t>
+            </a:r>
+            <a:endParaRPr lang="fr-FR" dirty="0">
+              <a:latin typeface="Courier New" panose="02070309020205020404" pitchFamily="49" charset="0"/>
+              <a:cs typeface="Courier New" panose="02070309020205020404" pitchFamily="49" charset="0"/>
+            </a:endParaRPr>
+          </a:p>
+          <a:p>
+            <a:r>
+              <a:rPr lang="fr-FR" dirty="0">
+                <a:latin typeface="Courier New" panose="02070309020205020404" pitchFamily="49" charset="0"/>
+                <a:cs typeface="Courier New" panose="02070309020205020404" pitchFamily="49" charset="0"/>
+              </a:rPr>
+              <a:t>Attention</a:t>
+            </a:r>
+          </a:p>
+        </p:txBody>
+      </p:sp>
+    </p:spTree>
+    <p:extLst>
+      <p:ext uri="{BB962C8B-B14F-4D97-AF65-F5344CB8AC3E}">
+        <p14:creationId xmlns:p14="http://schemas.microsoft.com/office/powerpoint/2010/main" val="1781510308"/>
+      </p:ext>
+    </p:extLst>
+  </p:cSld>
+  <p:clrMapOvr>
+    <a:masterClrMapping/>
+  </p:clrMapOvr>
+</p:sld>
+</file>
+
+<file path=ppt/slides/slide19.xml><?xml version="1.0" encoding="utf-8"?>
+<p:sld xmlns:a="http://schemas.openxmlformats.org/drawingml/2006/main" xmlns:r="http://schemas.openxmlformats.org/officeDocument/2006/relationships" xmlns:p="http://schemas.openxmlformats.org/presentationml/2006/main">
+  <p:cSld>
+    <p:spTree>
+      <p:nvGrpSpPr>
+        <p:cNvPr id="1" name=""/>
+        <p:cNvGrpSpPr/>
+        <p:nvPr/>
+      </p:nvGrpSpPr>
+      <p:grpSpPr>
+        <a:xfrm>
+          <a:off x="0" y="0"/>
+          <a:ext cx="0" cy="0"/>
+          <a:chOff x="0" y="0"/>
+          <a:chExt cx="0" cy="0"/>
+        </a:xfrm>
+      </p:grpSpPr>
+      <p:sp>
+        <p:nvSpPr>
+          <p:cNvPr id="2" name="Titre 1">
+            <a:extLst>
+              <a:ext uri="{FF2B5EF4-FFF2-40B4-BE49-F238E27FC236}">
+                <a16:creationId xmlns:a16="http://schemas.microsoft.com/office/drawing/2014/main" id="{9CCAFB44-1E98-30D1-66B6-ADD024A51F81}"/>
+              </a:ext>
+            </a:extLst>
+          </p:cNvPr>
+          <p:cNvSpPr>
+            <a:spLocks noGrp="1"/>
+          </p:cNvSpPr>
+          <p:nvPr>
+            <p:ph type="title"/>
+          </p:nvPr>
+        </p:nvSpPr>
+        <p:spPr/>
+        <p:txBody>
+          <a:bodyPr/>
+          <a:lstStyle/>
+          <a:p>
+            <a:r>
+              <a:rPr lang="fr-FR" dirty="0"/>
+              <a:t>Deep Learning - Gradient </a:t>
+            </a:r>
+            <a:r>
+              <a:rPr lang="fr-FR" dirty="0" err="1"/>
+              <a:t>Descent</a:t>
+            </a:r>
+            <a:endParaRPr lang="fr-FR" dirty="0"/>
+          </a:p>
+        </p:txBody>
+      </p:sp>
+      <p:sp>
+        <p:nvSpPr>
+          <p:cNvPr id="4" name="ZoneTexte 3">
+            <a:extLst>
+              <a:ext uri="{FF2B5EF4-FFF2-40B4-BE49-F238E27FC236}">
+                <a16:creationId xmlns:a16="http://schemas.microsoft.com/office/drawing/2014/main" id="{1C416E49-7DF2-EDF6-A55A-AC93469CE3F0}"/>
+              </a:ext>
+            </a:extLst>
+          </p:cNvPr>
+          <p:cNvSpPr txBox="1"/>
+          <p:nvPr/>
+        </p:nvSpPr>
+        <p:spPr>
+          <a:xfrm>
+            <a:off x="77506" y="1500094"/>
+            <a:ext cx="3868094" cy="5051906"/>
+          </a:xfrm>
+          <a:prstGeom prst="rect">
+            <a:avLst/>
+          </a:prstGeom>
+          <a:solidFill>
+            <a:schemeClr val="accent6">
+              <a:lumMod val="20000"/>
+              <a:lumOff val="80000"/>
+            </a:schemeClr>
+          </a:solidFill>
+        </p:spPr>
+        <p:txBody>
+          <a:bodyPr wrap="square" rtlCol="0">
+            <a:noAutofit/>
+          </a:bodyPr>
+          <a:lstStyle/>
+          <a:p>
+            <a:r>
+              <a:rPr lang="fr-FR" dirty="0">
+                <a:latin typeface="Courier New" panose="02070309020205020404" pitchFamily="49" charset="0"/>
+                <a:cs typeface="Courier New" panose="02070309020205020404" pitchFamily="49" charset="0"/>
+              </a:rPr>
+              <a:t>Gradient </a:t>
+            </a:r>
+            <a:r>
+              <a:rPr lang="fr-FR" dirty="0" err="1">
+                <a:latin typeface="Courier New" panose="02070309020205020404" pitchFamily="49" charset="0"/>
+                <a:cs typeface="Courier New" panose="02070309020205020404" pitchFamily="49" charset="0"/>
+              </a:rPr>
+              <a:t>Descent</a:t>
+            </a:r>
+            <a:endParaRPr lang="fr-FR" dirty="0">
+              <a:latin typeface="Courier New" panose="02070309020205020404" pitchFamily="49" charset="0"/>
+              <a:cs typeface="Courier New" panose="02070309020205020404" pitchFamily="49" charset="0"/>
+            </a:endParaRPr>
+          </a:p>
+        </p:txBody>
+      </p:sp>
+      <p:sp>
+        <p:nvSpPr>
+          <p:cNvPr id="5" name="ZoneTexte 4">
+            <a:extLst>
+              <a:ext uri="{FF2B5EF4-FFF2-40B4-BE49-F238E27FC236}">
+                <a16:creationId xmlns:a16="http://schemas.microsoft.com/office/drawing/2014/main" id="{E52DF695-5F65-DCF3-9D0F-5465B660035F}"/>
+              </a:ext>
+            </a:extLst>
+          </p:cNvPr>
+          <p:cNvSpPr txBox="1"/>
+          <p:nvPr/>
+        </p:nvSpPr>
+        <p:spPr>
+          <a:xfrm>
+            <a:off x="8248659" y="1500094"/>
+            <a:ext cx="3868094" cy="5051906"/>
+          </a:xfrm>
+          <a:prstGeom prst="rect">
+            <a:avLst/>
+          </a:prstGeom>
+          <a:solidFill>
+            <a:schemeClr val="accent4">
+              <a:lumMod val="20000"/>
+              <a:lumOff val="80000"/>
+            </a:schemeClr>
+          </a:solidFill>
+        </p:spPr>
+        <p:txBody>
+          <a:bodyPr wrap="square" rtlCol="0">
+            <a:noAutofit/>
+          </a:bodyPr>
+          <a:lstStyle/>
+          <a:p>
+            <a:r>
+              <a:rPr lang="fr-FR" dirty="0">
+                <a:latin typeface="Courier New" panose="02070309020205020404" pitchFamily="49" charset="0"/>
+                <a:cs typeface="Courier New" panose="02070309020205020404" pitchFamily="49" charset="0"/>
+              </a:rPr>
+              <a:t>Mini Batch</a:t>
+            </a:r>
+          </a:p>
+        </p:txBody>
+      </p:sp>
+      <p:sp>
+        <p:nvSpPr>
+          <p:cNvPr id="6" name="ZoneTexte 5">
+            <a:extLst>
+              <a:ext uri="{FF2B5EF4-FFF2-40B4-BE49-F238E27FC236}">
+                <a16:creationId xmlns:a16="http://schemas.microsoft.com/office/drawing/2014/main" id="{7D782B64-F1FF-8FDB-B53E-C92C89CC110E}"/>
+              </a:ext>
+            </a:extLst>
+          </p:cNvPr>
+          <p:cNvSpPr txBox="1"/>
+          <p:nvPr/>
+        </p:nvSpPr>
+        <p:spPr>
+          <a:xfrm>
+            <a:off x="4163082" y="1500094"/>
+            <a:ext cx="3868094" cy="5051906"/>
+          </a:xfrm>
+          <a:prstGeom prst="rect">
+            <a:avLst/>
+          </a:prstGeom>
+          <a:solidFill>
+            <a:schemeClr val="accent5">
+              <a:lumMod val="20000"/>
+              <a:lumOff val="80000"/>
+            </a:schemeClr>
+          </a:solidFill>
+        </p:spPr>
+        <p:txBody>
+          <a:bodyPr wrap="square" rtlCol="0">
+            <a:noAutofit/>
+          </a:bodyPr>
+          <a:lstStyle/>
+          <a:p>
+            <a:r>
+              <a:rPr lang="fr-FR" dirty="0" err="1">
+                <a:latin typeface="Courier New" panose="02070309020205020404" pitchFamily="49" charset="0"/>
+                <a:cs typeface="Courier New" panose="02070309020205020404" pitchFamily="49" charset="0"/>
+              </a:rPr>
+              <a:t>Stochastic</a:t>
+            </a:r>
+            <a:endParaRPr lang="fr-FR" dirty="0">
+              <a:latin typeface="Courier New" panose="02070309020205020404" pitchFamily="49" charset="0"/>
+              <a:cs typeface="Courier New" panose="02070309020205020404" pitchFamily="49" charset="0"/>
+            </a:endParaRPr>
+          </a:p>
+        </p:txBody>
+      </p:sp>
+    </p:spTree>
+    <p:extLst>
+      <p:ext uri="{BB962C8B-B14F-4D97-AF65-F5344CB8AC3E}">
+        <p14:creationId xmlns:p14="http://schemas.microsoft.com/office/powerpoint/2010/main" val="1692495815"/>
+      </p:ext>
+    </p:extLst>
+  </p:cSld>
+  <p:clrMapOvr>
+    <a:masterClrMapping/>
+  </p:clrMapOvr>
+</p:sld>
+</file>
+
+<file path=ppt/slides/slide2.xml><?xml version="1.0" encoding="utf-8"?>
+<p:sld xmlns:a="http://schemas.openxmlformats.org/drawingml/2006/main" xmlns:r="http://schemas.openxmlformats.org/officeDocument/2006/relationships" xmlns:p="http://schemas.openxmlformats.org/presentationml/2006/main">
+  <p:cSld>
+    <p:spTree>
+      <p:nvGrpSpPr>
+        <p:cNvPr id="1" name=""/>
+        <p:cNvGrpSpPr/>
+        <p:nvPr/>
+      </p:nvGrpSpPr>
+      <p:grpSpPr>
+        <a:xfrm>
+          <a:off x="0" y="0"/>
+          <a:ext cx="0" cy="0"/>
+          <a:chOff x="0" y="0"/>
+          <a:chExt cx="0" cy="0"/>
+        </a:xfrm>
+      </p:grpSpPr>
+      <p:sp>
+        <p:nvSpPr>
+          <p:cNvPr id="2" name="Titre 1">
+            <a:extLst>
+              <a:ext uri="{FF2B5EF4-FFF2-40B4-BE49-F238E27FC236}">
+                <a16:creationId xmlns:a16="http://schemas.microsoft.com/office/drawing/2014/main" id="{FE7F6C75-DD2A-F059-7286-E6D59813EA1B}"/>
+              </a:ext>
+            </a:extLst>
+          </p:cNvPr>
+          <p:cNvSpPr>
+            <a:spLocks noGrp="1"/>
+          </p:cNvSpPr>
+          <p:nvPr>
+            <p:ph type="title"/>
+          </p:nvPr>
+        </p:nvSpPr>
+        <p:spPr/>
+        <p:txBody>
+          <a:bodyPr/>
+          <a:lstStyle/>
+          <a:p>
+            <a:r>
+              <a:rPr lang="fr-FR" dirty="0"/>
+              <a:t>Big Data</a:t>
+            </a:r>
+          </a:p>
+        </p:txBody>
+      </p:sp>
+      <p:sp>
+        <p:nvSpPr>
+          <p:cNvPr id="3" name="Espace réservé du contenu 2">
+            <a:extLst>
+              <a:ext uri="{FF2B5EF4-FFF2-40B4-BE49-F238E27FC236}">
+                <a16:creationId xmlns:a16="http://schemas.microsoft.com/office/drawing/2014/main" id="{FF293838-36E0-334F-0943-6613799B4C66}"/>
+              </a:ext>
+            </a:extLst>
+          </p:cNvPr>
+          <p:cNvSpPr>
+            <a:spLocks noGrp="1"/>
+          </p:cNvSpPr>
+          <p:nvPr>
+            <p:ph idx="1"/>
+          </p:nvPr>
+        </p:nvSpPr>
+        <p:spPr/>
+        <p:txBody>
+          <a:bodyPr/>
+          <a:lstStyle/>
+          <a:p>
+            <a:r>
+              <a:rPr lang="fr-FR" dirty="0"/>
+              <a:t>RDD</a:t>
+            </a:r>
+          </a:p>
+          <a:p>
+            <a:r>
+              <a:rPr lang="fr-FR" dirty="0"/>
+              <a:t>SPARK</a:t>
+            </a:r>
+          </a:p>
+          <a:p>
+            <a:r>
+              <a:rPr lang="fr-FR" dirty="0"/>
+              <a:t>REDSHIFT TIDY</a:t>
+            </a:r>
+          </a:p>
+          <a:p>
+            <a:r>
+              <a:rPr lang="fr-FR" dirty="0"/>
+              <a:t>SPARK SQL</a:t>
+            </a:r>
+          </a:p>
+        </p:txBody>
+      </p:sp>
+    </p:spTree>
+    <p:extLst>
+      <p:ext uri="{BB962C8B-B14F-4D97-AF65-F5344CB8AC3E}">
+        <p14:creationId xmlns:p14="http://schemas.microsoft.com/office/powerpoint/2010/main" val="2101838791"/>
+      </p:ext>
+    </p:extLst>
+  </p:cSld>
+  <p:clrMapOvr>
+    <a:masterClrMapping/>
+  </p:clrMapOvr>
+</p:sld>
+</file>
+
+<file path=ppt/slides/slide20.xml><?xml version="1.0" encoding="utf-8"?>
+<p:sld xmlns:a="http://schemas.openxmlformats.org/drawingml/2006/main" xmlns:r="http://schemas.openxmlformats.org/officeDocument/2006/relationships" xmlns:p="http://schemas.openxmlformats.org/presentationml/2006/main">
+  <p:cSld>
+    <p:spTree>
+      <p:nvGrpSpPr>
+        <p:cNvPr id="1" name=""/>
+        <p:cNvGrpSpPr/>
+        <p:nvPr/>
+      </p:nvGrpSpPr>
+      <p:grpSpPr>
+        <a:xfrm>
+          <a:off x="0" y="0"/>
+          <a:ext cx="0" cy="0"/>
+          <a:chOff x="0" y="0"/>
+          <a:chExt cx="0" cy="0"/>
+        </a:xfrm>
+      </p:grpSpPr>
+      <p:sp>
+        <p:nvSpPr>
+          <p:cNvPr id="2" name="Titre 1">
+            <a:extLst>
+              <a:ext uri="{FF2B5EF4-FFF2-40B4-BE49-F238E27FC236}">
+                <a16:creationId xmlns:a16="http://schemas.microsoft.com/office/drawing/2014/main" id="{3AB67CF9-8875-4BFF-5C40-DC69153B28FC}"/>
+              </a:ext>
+            </a:extLst>
+          </p:cNvPr>
+          <p:cNvSpPr>
+            <a:spLocks noGrp="1"/>
+          </p:cNvSpPr>
+          <p:nvPr>
+            <p:ph type="title"/>
+          </p:nvPr>
+        </p:nvSpPr>
+        <p:spPr/>
+        <p:txBody>
+          <a:bodyPr/>
+          <a:lstStyle/>
+          <a:p>
+            <a:r>
+              <a:rPr lang="fr-FR" dirty="0"/>
+              <a:t>Deep Learning - Neural Network</a:t>
+            </a:r>
+          </a:p>
+        </p:txBody>
+      </p:sp>
+    </p:spTree>
+    <p:extLst>
+      <p:ext uri="{BB962C8B-B14F-4D97-AF65-F5344CB8AC3E}">
+        <p14:creationId xmlns:p14="http://schemas.microsoft.com/office/powerpoint/2010/main" val="2073240906"/>
+      </p:ext>
+    </p:extLst>
+  </p:cSld>
+  <p:clrMapOvr>
+    <a:masterClrMapping/>
+  </p:clrMapOvr>
+</p:sld>
+</file>
+
+<file path=ppt/slides/slide21.xml><?xml version="1.0" encoding="utf-8"?>
+<p:sld xmlns:a="http://schemas.openxmlformats.org/drawingml/2006/main" xmlns:r="http://schemas.openxmlformats.org/officeDocument/2006/relationships" xmlns:p="http://schemas.openxmlformats.org/presentationml/2006/main">
+  <p:cSld>
+    <p:spTree>
+      <p:nvGrpSpPr>
+        <p:cNvPr id="1" name=""/>
+        <p:cNvGrpSpPr/>
+        <p:nvPr/>
+      </p:nvGrpSpPr>
+      <p:grpSpPr>
+        <a:xfrm>
+          <a:off x="0" y="0"/>
+          <a:ext cx="0" cy="0"/>
+          <a:chOff x="0" y="0"/>
+          <a:chExt cx="0" cy="0"/>
+        </a:xfrm>
+      </p:grpSpPr>
+      <p:sp>
+        <p:nvSpPr>
+          <p:cNvPr id="2" name="Titre 1">
+            <a:extLst>
+              <a:ext uri="{FF2B5EF4-FFF2-40B4-BE49-F238E27FC236}">
+                <a16:creationId xmlns:a16="http://schemas.microsoft.com/office/drawing/2014/main" id="{C86F8BF5-E163-3925-F0E3-CE352A08A3E7}"/>
+              </a:ext>
+            </a:extLst>
+          </p:cNvPr>
+          <p:cNvSpPr>
+            <a:spLocks noGrp="1"/>
+          </p:cNvSpPr>
+          <p:nvPr>
+            <p:ph type="title"/>
+          </p:nvPr>
+        </p:nvSpPr>
+        <p:spPr/>
+        <p:txBody>
+          <a:bodyPr/>
+          <a:lstStyle/>
+          <a:p>
+            <a:r>
+              <a:rPr lang="fr-FR" dirty="0"/>
+              <a:t>Deep Learning - TensorFlow</a:t>
+            </a:r>
+          </a:p>
+        </p:txBody>
+      </p:sp>
+    </p:spTree>
+    <p:extLst>
+      <p:ext uri="{BB962C8B-B14F-4D97-AF65-F5344CB8AC3E}">
+        <p14:creationId xmlns:p14="http://schemas.microsoft.com/office/powerpoint/2010/main" val="3599723430"/>
+      </p:ext>
+    </p:extLst>
+  </p:cSld>
+  <p:clrMapOvr>
+    <a:masterClrMapping/>
+  </p:clrMapOvr>
+</p:sld>
+</file>
+
+<file path=ppt/slides/slide22.xml><?xml version="1.0" encoding="utf-8"?>
+<p:sld xmlns:a="http://schemas.openxmlformats.org/drawingml/2006/main" xmlns:r="http://schemas.openxmlformats.org/officeDocument/2006/relationships" xmlns:p="http://schemas.openxmlformats.org/presentationml/2006/main">
+  <p:cSld>
+    <p:spTree>
+      <p:nvGrpSpPr>
+        <p:cNvPr id="1" name=""/>
+        <p:cNvGrpSpPr/>
+        <p:nvPr/>
+      </p:nvGrpSpPr>
+      <p:grpSpPr>
+        <a:xfrm>
+          <a:off x="0" y="0"/>
+          <a:ext cx="0" cy="0"/>
+          <a:chOff x="0" y="0"/>
+          <a:chExt cx="0" cy="0"/>
+        </a:xfrm>
+      </p:grpSpPr>
+      <p:sp>
+        <p:nvSpPr>
+          <p:cNvPr id="2" name="Titre 1">
+            <a:extLst>
+              <a:ext uri="{FF2B5EF4-FFF2-40B4-BE49-F238E27FC236}">
+                <a16:creationId xmlns:a16="http://schemas.microsoft.com/office/drawing/2014/main" id="{B139EC84-4102-FA48-7C43-D53C67D9D1B4}"/>
+              </a:ext>
+            </a:extLst>
+          </p:cNvPr>
+          <p:cNvSpPr>
+            <a:spLocks noGrp="1"/>
+          </p:cNvSpPr>
+          <p:nvPr>
+            <p:ph type="title"/>
+          </p:nvPr>
+        </p:nvSpPr>
+        <p:spPr/>
+        <p:txBody>
+          <a:bodyPr/>
+          <a:lstStyle/>
+          <a:p>
+            <a:r>
+              <a:rPr lang="fr-FR" dirty="0"/>
+              <a:t>Deep Learning - </a:t>
+            </a:r>
+            <a:r>
+              <a:rPr lang="fr-FR" dirty="0" err="1"/>
+              <a:t>Convolutional</a:t>
+            </a:r>
+            <a:r>
+              <a:rPr lang="fr-FR" dirty="0"/>
+              <a:t> NN</a:t>
+            </a:r>
+          </a:p>
+        </p:txBody>
+      </p:sp>
+    </p:spTree>
+    <p:extLst>
+      <p:ext uri="{BB962C8B-B14F-4D97-AF65-F5344CB8AC3E}">
+        <p14:creationId xmlns:p14="http://schemas.microsoft.com/office/powerpoint/2010/main" val="3531592778"/>
+      </p:ext>
+    </p:extLst>
+  </p:cSld>
+  <p:clrMapOvr>
+    <a:masterClrMapping/>
+  </p:clrMapOvr>
+</p:sld>
+</file>
+
+<file path=ppt/slides/slide23.xml><?xml version="1.0" encoding="utf-8"?>
+<p:sld xmlns:a="http://schemas.openxmlformats.org/drawingml/2006/main" xmlns:r="http://schemas.openxmlformats.org/officeDocument/2006/relationships" xmlns:p="http://schemas.openxmlformats.org/presentationml/2006/main">
+  <p:cSld>
+    <p:spTree>
+      <p:nvGrpSpPr>
+        <p:cNvPr id="1" name=""/>
+        <p:cNvGrpSpPr/>
+        <p:nvPr/>
+      </p:nvGrpSpPr>
+      <p:grpSpPr>
+        <a:xfrm>
+          <a:off x="0" y="0"/>
+          <a:ext cx="0" cy="0"/>
+          <a:chOff x="0" y="0"/>
+          <a:chExt cx="0" cy="0"/>
+        </a:xfrm>
+      </p:grpSpPr>
+      <p:sp>
+        <p:nvSpPr>
+          <p:cNvPr id="2" name="Titre 1">
+            <a:extLst>
+              <a:ext uri="{FF2B5EF4-FFF2-40B4-BE49-F238E27FC236}">
+                <a16:creationId xmlns:a16="http://schemas.microsoft.com/office/drawing/2014/main" id="{ED0818AE-7F16-58BD-C798-6ED7D79B5AA6}"/>
+              </a:ext>
+            </a:extLst>
+          </p:cNvPr>
+          <p:cNvSpPr>
+            <a:spLocks noGrp="1"/>
+          </p:cNvSpPr>
+          <p:nvPr>
+            <p:ph type="title"/>
+          </p:nvPr>
+        </p:nvSpPr>
+        <p:spPr/>
+        <p:txBody>
+          <a:bodyPr/>
+          <a:lstStyle/>
+          <a:p>
+            <a:r>
+              <a:rPr lang="fr-FR" dirty="0"/>
+              <a:t>Deep Learning - Transfert Learning</a:t>
+            </a:r>
+          </a:p>
+        </p:txBody>
+      </p:sp>
+    </p:spTree>
+    <p:extLst>
+      <p:ext uri="{BB962C8B-B14F-4D97-AF65-F5344CB8AC3E}">
+        <p14:creationId xmlns:p14="http://schemas.microsoft.com/office/powerpoint/2010/main" val="3764972675"/>
+      </p:ext>
+    </p:extLst>
+  </p:cSld>
+  <p:clrMapOvr>
+    <a:masterClrMapping/>
+  </p:clrMapOvr>
+</p:sld>
+</file>
+
+<file path=ppt/slides/slide24.xml><?xml version="1.0" encoding="utf-8"?>
+<p:sld xmlns:a="http://schemas.openxmlformats.org/drawingml/2006/main" xmlns:r="http://schemas.openxmlformats.org/officeDocument/2006/relationships" xmlns:p="http://schemas.openxmlformats.org/presentationml/2006/main">
+  <p:cSld>
+    <p:spTree>
+      <p:nvGrpSpPr>
+        <p:cNvPr id="1" name=""/>
+        <p:cNvGrpSpPr/>
+        <p:nvPr/>
+      </p:nvGrpSpPr>
+      <p:grpSpPr>
+        <a:xfrm>
+          <a:off x="0" y="0"/>
+          <a:ext cx="0" cy="0"/>
+          <a:chOff x="0" y="0"/>
+          <a:chExt cx="0" cy="0"/>
+        </a:xfrm>
+      </p:grpSpPr>
+      <p:sp>
+        <p:nvSpPr>
+          <p:cNvPr id="2" name="Titre 1">
+            <a:extLst>
+              <a:ext uri="{FF2B5EF4-FFF2-40B4-BE49-F238E27FC236}">
+                <a16:creationId xmlns:a16="http://schemas.microsoft.com/office/drawing/2014/main" id="{DDEB4661-73B6-C0E2-CA9B-BB8C63C5D7E1}"/>
+              </a:ext>
+            </a:extLst>
+          </p:cNvPr>
+          <p:cNvSpPr>
+            <a:spLocks noGrp="1"/>
+          </p:cNvSpPr>
+          <p:nvPr>
+            <p:ph type="title"/>
+          </p:nvPr>
+        </p:nvSpPr>
+        <p:spPr/>
+        <p:txBody>
+          <a:bodyPr>
+            <a:normAutofit fontScale="90000"/>
+          </a:bodyPr>
+          <a:lstStyle/>
+          <a:p>
+            <a:r>
+              <a:rPr lang="fr-FR" dirty="0"/>
+              <a:t>Deep Learning - </a:t>
+            </a:r>
+            <a:r>
+              <a:rPr lang="fr-FR" dirty="0" err="1"/>
+              <a:t>Generative</a:t>
+            </a:r>
+            <a:r>
+              <a:rPr lang="fr-FR" dirty="0"/>
+              <a:t> </a:t>
+            </a:r>
+            <a:r>
+              <a:rPr lang="fr-FR" dirty="0" err="1"/>
+              <a:t>Advesarial</a:t>
+            </a:r>
+            <a:r>
+              <a:rPr lang="fr-FR" dirty="0"/>
+              <a:t> Networks</a:t>
+            </a:r>
+          </a:p>
+        </p:txBody>
+      </p:sp>
+    </p:spTree>
+    <p:extLst>
+      <p:ext uri="{BB962C8B-B14F-4D97-AF65-F5344CB8AC3E}">
+        <p14:creationId xmlns:p14="http://schemas.microsoft.com/office/powerpoint/2010/main" val="2428471880"/>
+      </p:ext>
+    </p:extLst>
+  </p:cSld>
+  <p:clrMapOvr>
+    <a:masterClrMapping/>
+  </p:clrMapOvr>
+</p:sld>
+</file>
+
+<file path=ppt/slides/slide25.xml><?xml version="1.0" encoding="utf-8"?>
+<p:sld xmlns:a="http://schemas.openxmlformats.org/drawingml/2006/main" xmlns:r="http://schemas.openxmlformats.org/officeDocument/2006/relationships" xmlns:p="http://schemas.openxmlformats.org/presentationml/2006/main">
+  <p:cSld>
+    <p:spTree>
+      <p:nvGrpSpPr>
+        <p:cNvPr id="1" name=""/>
+        <p:cNvGrpSpPr/>
+        <p:nvPr/>
+      </p:nvGrpSpPr>
+      <p:grpSpPr>
+        <a:xfrm>
+          <a:off x="0" y="0"/>
+          <a:ext cx="0" cy="0"/>
+          <a:chOff x="0" y="0"/>
+          <a:chExt cx="0" cy="0"/>
+        </a:xfrm>
+      </p:grpSpPr>
+      <p:sp>
+        <p:nvSpPr>
+          <p:cNvPr id="2" name="Titre 1">
+            <a:extLst>
+              <a:ext uri="{FF2B5EF4-FFF2-40B4-BE49-F238E27FC236}">
                 <a16:creationId xmlns:a16="http://schemas.microsoft.com/office/drawing/2014/main" id="{E33A6CFF-9ACF-7B00-75EC-F4C7E3F77B7F}"/>
               </a:ext>
             </a:extLst>
@@ -8832,13 +12166,8 @@
           <a:p>
             <a:r>
               <a:rPr lang="fr-FR" dirty="0"/>
-              <a:t>Word </a:t>
-            </a:r>
-            <a:r>
-              <a:rPr lang="fr-FR" dirty="0" err="1"/>
-              <a:t>Embedding</a:t>
-            </a:r>
-            <a:endParaRPr lang="fr-FR" dirty="0"/>
+              <a:t>Deep Learning - Word Embedding</a:t>
+            </a:r>
           </a:p>
         </p:txBody>
       </p:sp>
@@ -9450,7 +12779,7 @@
 </p:sld>
 </file>
 
-<file path=ppt/slides/slide11.xml><?xml version="1.0" encoding="utf-8"?>
+<file path=ppt/slides/slide26.xml><?xml version="1.0" encoding="utf-8"?>
 <p:sld xmlns:a="http://schemas.openxmlformats.org/drawingml/2006/main" xmlns:r="http://schemas.openxmlformats.org/officeDocument/2006/relationships" xmlns:p="http://schemas.openxmlformats.org/presentationml/2006/main">
   <p:cSld>
     <p:spTree>
@@ -10986,7 +14315,7 @@
 </p:sld>
 </file>
 
-<file path=ppt/slides/slide12.xml><?xml version="1.0" encoding="utf-8"?>
+<file path=ppt/slides/slide27.xml><?xml version="1.0" encoding="utf-8"?>
 <p:sld xmlns:a="http://schemas.openxmlformats.org/drawingml/2006/main" xmlns:r="http://schemas.openxmlformats.org/officeDocument/2006/relationships" xmlns:p="http://schemas.openxmlformats.org/presentationml/2006/main">
   <p:cSld>
     <p:spTree>
@@ -11025,8 +14354,12 @@
           <a:lstStyle/>
           <a:p>
             <a:r>
+              <a:rPr lang="fr-FR" dirty="0"/>
+              <a:t>Deep Learning - </a:t>
+            </a:r>
+            <a:r>
               <a:rPr lang="fr-FR" dirty="0" err="1"/>
-              <a:t>Recurent</a:t>
+              <a:t>Recurrent</a:t>
             </a:r>
             <a:r>
               <a:rPr lang="fr-FR" dirty="0"/>
@@ -14190,7 +17523,7 @@
 </p:sld>
 </file>
 
-<file path=ppt/slides/slide13.xml><?xml version="1.0" encoding="utf-8"?>
+<file path=ppt/slides/slide28.xml><?xml version="1.0" encoding="utf-8"?>
 <p:sld xmlns:a="http://schemas.openxmlformats.org/drawingml/2006/main" xmlns:r="http://schemas.openxmlformats.org/officeDocument/2006/relationships" xmlns:p="http://schemas.openxmlformats.org/presentationml/2006/main">
   <p:cSld>
     <p:spTree>
@@ -14229,6 +17562,10 @@
           <a:lstStyle/>
           <a:p>
             <a:r>
+              <a:rPr lang="fr-FR" dirty="0"/>
+              <a:t>Deep Learning - </a:t>
+            </a:r>
+            <a:r>
               <a:rPr lang="fr-FR" dirty="0" err="1"/>
               <a:t>Recurrent</a:t>
             </a:r>
@@ -14299,7 +17636,7 @@
 </p:sld>
 </file>
 
-<file path=ppt/slides/slide14.xml><?xml version="1.0" encoding="utf-8"?>
+<file path=ppt/slides/slide29.xml><?xml version="1.0" encoding="utf-8"?>
 <p:sld xmlns:a="http://schemas.openxmlformats.org/drawingml/2006/main" xmlns:r="http://schemas.openxmlformats.org/officeDocument/2006/relationships" xmlns:p="http://schemas.openxmlformats.org/presentationml/2006/main">
   <p:cSld>
     <p:spTree>
@@ -14337,7 +17674,18 @@
           <a:bodyPr/>
           <a:lstStyle/>
           <a:p>
-            <a:endParaRPr lang="fr-FR"/>
+            <a:r>
+              <a:rPr lang="fr-FR" dirty="0"/>
+              <a:t>Deep Learning - </a:t>
+            </a:r>
+            <a:r>
+              <a:rPr lang="fr-FR" dirty="0" err="1"/>
+              <a:t>Recurrent</a:t>
+            </a:r>
+            <a:r>
+              <a:rPr lang="fr-FR" dirty="0"/>
+              <a:t> NN</a:t>
+            </a:r>
           </a:p>
         </p:txBody>
       </p:sp>
@@ -14384,7 +17732,442 @@
 </p:sld>
 </file>
 
-<file path=ppt/slides/slide15.xml><?xml version="1.0" encoding="utf-8"?>
+<file path=ppt/slides/slide3.xml><?xml version="1.0" encoding="utf-8"?>
+<p:sld xmlns:a="http://schemas.openxmlformats.org/drawingml/2006/main" xmlns:r="http://schemas.openxmlformats.org/officeDocument/2006/relationships" xmlns:p="http://schemas.openxmlformats.org/presentationml/2006/main">
+  <p:cSld>
+    <p:spTree>
+      <p:nvGrpSpPr>
+        <p:cNvPr id="1" name=""/>
+        <p:cNvGrpSpPr/>
+        <p:nvPr/>
+      </p:nvGrpSpPr>
+      <p:grpSpPr>
+        <a:xfrm>
+          <a:off x="0" y="0"/>
+          <a:ext cx="0" cy="0"/>
+          <a:chOff x="0" y="0"/>
+          <a:chExt cx="0" cy="0"/>
+        </a:xfrm>
+      </p:grpSpPr>
+      <p:sp>
+        <p:nvSpPr>
+          <p:cNvPr id="2" name="Titre 1">
+            <a:extLst>
+              <a:ext uri="{FF2B5EF4-FFF2-40B4-BE49-F238E27FC236}">
+                <a16:creationId xmlns:a16="http://schemas.microsoft.com/office/drawing/2014/main" id="{8A5F2952-1B41-3B9A-E8DD-335DE8196396}"/>
+              </a:ext>
+            </a:extLst>
+          </p:cNvPr>
+          <p:cNvSpPr>
+            <a:spLocks noGrp="1"/>
+          </p:cNvSpPr>
+          <p:nvPr>
+            <p:ph type="title"/>
+          </p:nvPr>
+        </p:nvSpPr>
+        <p:spPr/>
+        <p:txBody>
+          <a:bodyPr/>
+          <a:lstStyle/>
+          <a:p>
+            <a:r>
+              <a:rPr lang="fr-FR" dirty="0" err="1"/>
+              <a:t>Supervized</a:t>
+            </a:r>
+            <a:r>
+              <a:rPr lang="fr-FR" dirty="0"/>
+              <a:t> – </a:t>
+            </a:r>
+            <a:r>
+              <a:rPr lang="fr-FR" dirty="0" err="1"/>
+              <a:t>Linear</a:t>
+            </a:r>
+            <a:r>
+              <a:rPr lang="fr-FR" dirty="0"/>
+              <a:t> </a:t>
+            </a:r>
+            <a:r>
+              <a:rPr lang="fr-FR" dirty="0" err="1"/>
+              <a:t>Regression</a:t>
+            </a:r>
+            <a:endParaRPr lang="fr-FR" dirty="0"/>
+          </a:p>
+        </p:txBody>
+      </p:sp>
+      <mc:AlternateContent xmlns:mc="http://schemas.openxmlformats.org/markup-compatibility/2006">
+        <mc:Choice xmlns:a14="http://schemas.microsoft.com/office/drawing/2010/main" Requires="a14">
+          <p:sp>
+            <p:nvSpPr>
+              <p:cNvPr id="3" name="Espace réservé du contenu 2">
+                <a:extLst>
+                  <a:ext uri="{FF2B5EF4-FFF2-40B4-BE49-F238E27FC236}">
+                    <a16:creationId xmlns:a16="http://schemas.microsoft.com/office/drawing/2014/main" id="{363D9547-B7F8-DC7E-F0FE-A4D7FE1A2969}"/>
+                  </a:ext>
+                </a:extLst>
+              </p:cNvPr>
+              <p:cNvSpPr>
+                <a:spLocks noGrp="1"/>
+              </p:cNvSpPr>
+              <p:nvPr>
+                <p:ph idx="1"/>
+              </p:nvPr>
+            </p:nvSpPr>
+            <p:spPr/>
+            <p:txBody>
+              <a:bodyPr>
+                <a:normAutofit fontScale="92500"/>
+              </a:bodyPr>
+              <a:lstStyle/>
+              <a:p>
+                <a:r>
+                  <a:rPr lang="fr-FR" dirty="0" err="1"/>
+                  <a:t>Loss</a:t>
+                </a:r>
+                <a:r>
+                  <a:rPr lang="fr-FR" dirty="0"/>
+                  <a:t> fonction = MSE</a:t>
+                </a:r>
+              </a:p>
+              <a:p>
+                <a:r>
+                  <a:rPr lang="fr-FR" dirty="0"/>
+                  <a:t>Quantifie les erreurs de prédiction</a:t>
+                </a:r>
+              </a:p>
+              <a:p>
+                <a14:m>
+                  <m:oMath xmlns:m="http://schemas.openxmlformats.org/officeDocument/2006/math">
+                    <m:r>
+                      <a:rPr lang="x-IV_mathan" smtClean="0">
+                        <a:effectLst/>
+                        <a:latin typeface="Cambria Math" panose="02040503050406030204" pitchFamily="18" charset="0"/>
+                      </a:rPr>
+                      <m:t>𝑀𝑆𝐸</m:t>
+                    </m:r>
+                    <m:r>
+                      <a:rPr lang="x-IV_mathan" smtClean="0">
+                        <a:effectLst/>
+                        <a:latin typeface="Cambria Math" panose="02040503050406030204" pitchFamily="18" charset="0"/>
+                      </a:rPr>
+                      <m:t>=</m:t>
+                    </m:r>
+                    <m:f>
+                      <m:fPr>
+                        <m:ctrlPr>
+                          <a:rPr lang="x-IV_mathan" i="1">
+                            <a:effectLst/>
+                            <a:latin typeface="Cambria Math" panose="02040503050406030204" pitchFamily="18" charset="0"/>
+                          </a:rPr>
+                        </m:ctrlPr>
+                      </m:fPr>
+                      <m:num>
+                        <m:r>
+                          <a:rPr lang="x-IV_mathan">
+                            <a:effectLst/>
+                            <a:latin typeface="Cambria Math" panose="02040503050406030204" pitchFamily="18" charset="0"/>
+                          </a:rPr>
+                          <m:t>1</m:t>
+                        </m:r>
+                      </m:num>
+                      <m:den>
+                        <m:r>
+                          <a:rPr lang="x-IV_mathan">
+                            <a:effectLst/>
+                            <a:latin typeface="Cambria Math" panose="02040503050406030204" pitchFamily="18" charset="0"/>
+                          </a:rPr>
+                          <m:t>𝑛</m:t>
+                        </m:r>
+                      </m:den>
+                    </m:f>
+                    <m:r>
+                      <a:rPr lang="x-IV_mathan" i="1">
+                        <a:effectLst/>
+                        <a:latin typeface="Cambria Math" panose="02040503050406030204" pitchFamily="18" charset="0"/>
+                      </a:rPr>
+                      <m:t> </m:t>
+                    </m:r>
+                    <m:nary>
+                      <m:naryPr>
+                        <m:chr m:val="∑"/>
+                        <m:ctrlPr>
+                          <a:rPr lang="x-IV_mathan" i="1">
+                            <a:effectLst/>
+                            <a:latin typeface="Cambria Math" panose="02040503050406030204" pitchFamily="18" charset="0"/>
+                          </a:rPr>
+                        </m:ctrlPr>
+                      </m:naryPr>
+                      <m:sub>
+                        <m:r>
+                          <a:rPr lang="x-IV_mathan">
+                            <a:effectLst/>
+                            <a:latin typeface="Cambria Math" panose="02040503050406030204" pitchFamily="18" charset="0"/>
+                          </a:rPr>
+                          <m:t>𝑖</m:t>
+                        </m:r>
+                        <m:r>
+                          <a:rPr lang="x-IV_mathan">
+                            <a:effectLst/>
+                            <a:latin typeface="Cambria Math" panose="02040503050406030204" pitchFamily="18" charset="0"/>
+                          </a:rPr>
+                          <m:t>=1</m:t>
+                        </m:r>
+                      </m:sub>
+                      <m:sup>
+                        <m:r>
+                          <a:rPr lang="x-IV_mathan">
+                            <a:effectLst/>
+                            <a:latin typeface="Cambria Math" panose="02040503050406030204" pitchFamily="18" charset="0"/>
+                          </a:rPr>
+                          <m:t>𝑛</m:t>
+                        </m:r>
+                      </m:sup>
+                      <m:e>
+                        <m:r>
+                          <a:rPr lang="x-IV_mathan">
+                            <a:effectLst/>
+                            <a:latin typeface="Cambria Math" panose="02040503050406030204" pitchFamily="18" charset="0"/>
+                          </a:rPr>
+                          <m:t>(</m:t>
+                        </m:r>
+                        <m:sSub>
+                          <m:sSubPr>
+                            <m:ctrlPr>
+                              <a:rPr lang="x-IV_mathan" i="1">
+                                <a:effectLst/>
+                                <a:latin typeface="Cambria Math" panose="02040503050406030204" pitchFamily="18" charset="0"/>
+                              </a:rPr>
+                            </m:ctrlPr>
+                          </m:sSubPr>
+                          <m:e>
+                            <m:r>
+                              <a:rPr lang="x-IV_mathan">
+                                <a:effectLst/>
+                                <a:latin typeface="Cambria Math" panose="02040503050406030204" pitchFamily="18" charset="0"/>
+                              </a:rPr>
+                              <m:t>𝑦</m:t>
+                            </m:r>
+                          </m:e>
+                          <m:sub>
+                            <m:r>
+                              <a:rPr lang="x-IV_mathan">
+                                <a:effectLst/>
+                                <a:latin typeface="Cambria Math" panose="02040503050406030204" pitchFamily="18" charset="0"/>
+                              </a:rPr>
+                              <m:t>𝑖</m:t>
+                            </m:r>
+                          </m:sub>
+                        </m:sSub>
+                        <m:r>
+                          <a:rPr lang="x-IV_mathan">
+                            <a:effectLst/>
+                            <a:latin typeface="Cambria Math" panose="02040503050406030204" pitchFamily="18" charset="0"/>
+                          </a:rPr>
+                          <m:t>−</m:t>
+                        </m:r>
+                        <m:sSub>
+                          <m:sSubPr>
+                            <m:ctrlPr>
+                              <a:rPr lang="x-IV_mathan" i="1">
+                                <a:effectLst/>
+                                <a:latin typeface="Cambria Math" panose="02040503050406030204" pitchFamily="18" charset="0"/>
+                              </a:rPr>
+                            </m:ctrlPr>
+                          </m:sSubPr>
+                          <m:e>
+                            <m:acc>
+                              <m:accPr>
+                                <m:chr m:val="̂"/>
+                                <m:ctrlPr>
+                                  <a:rPr lang="x-IV_mathan" i="1">
+                                    <a:effectLst/>
+                                    <a:latin typeface="Cambria Math" panose="02040503050406030204" pitchFamily="18" charset="0"/>
+                                  </a:rPr>
+                                </m:ctrlPr>
+                              </m:accPr>
+                              <m:e>
+                                <m:r>
+                                  <a:rPr lang="x-IV_mathan">
+                                    <a:effectLst/>
+                                    <a:latin typeface="Cambria Math" panose="02040503050406030204" pitchFamily="18" charset="0"/>
+                                  </a:rPr>
+                                  <m:t>𝑦</m:t>
+                                </m:r>
+                              </m:e>
+                            </m:acc>
+                          </m:e>
+                          <m:sub>
+                            <m:r>
+                              <a:rPr lang="x-IV_mathan">
+                                <a:effectLst/>
+                                <a:latin typeface="Cambria Math" panose="02040503050406030204" pitchFamily="18" charset="0"/>
+                              </a:rPr>
+                              <m:t>𝑖</m:t>
+                            </m:r>
+                          </m:sub>
+                        </m:sSub>
+                        <m:r>
+                          <a:rPr lang="x-IV_mathan">
+                            <a:effectLst/>
+                            <a:latin typeface="Cambria Math" panose="02040503050406030204" pitchFamily="18" charset="0"/>
+                          </a:rPr>
+                          <m:t>)²</m:t>
+                        </m:r>
+                      </m:e>
+                    </m:nary>
+                  </m:oMath>
+                </a14:m>
+                <a:endParaRPr lang="x-IV_mathan" dirty="0">
+                  <a:effectLst/>
+                  <a:latin typeface="Cambria Math" panose="02040503050406030204" pitchFamily="18" charset="0"/>
+                </a:endParaRPr>
+              </a:p>
+              <a:p>
+                <a:r>
+                  <a:rPr lang="fr-FR" sz="2800" b="0" dirty="0">
+                    <a:effectLst/>
+                    <a:latin typeface="Courier New" panose="02070309020205020404" pitchFamily="49" charset="0"/>
+                  </a:rPr>
+                  <a:t>Très sensibles aux valeurs aberrantes. On joue avec des carrés. Utiliser plusieurs modèles (pour les outliers par ex)</a:t>
+                </a:r>
+              </a:p>
+              <a:p>
+                <a:pPr rtl="0" fontAlgn="ctr">
+                  <a:spcBef>
+                    <a:spcPts val="0"/>
+                  </a:spcBef>
+                  <a:spcAft>
+                    <a:spcPts val="0"/>
+                  </a:spcAft>
+                  <a:buFont typeface="Arial" panose="020B0604020202020204" pitchFamily="34" charset="0"/>
+                  <a:buChar char="•"/>
+                </a:pPr>
+                <a:r>
+                  <a:rPr lang="fr-FR">
+                    <a:effectLst/>
+                    <a:latin typeface="Courier New" panose="02070309020205020404" pitchFamily="49" charset="0"/>
+                  </a:rPr>
+                  <a:t>Dans </a:t>
+                </a:r>
+                <a:r>
+                  <a:rPr lang="fr-FR" dirty="0">
+                    <a:effectLst/>
+                    <a:latin typeface="Courier New" panose="02070309020205020404" pitchFamily="49" charset="0"/>
+                  </a:rPr>
+                  <a:t>les hypothèses il ne faut pas de colinéarité entre les features. </a:t>
+                </a:r>
+              </a:p>
+              <a:p>
+                <a:pPr marL="742950" lvl="1" indent="-285750" rtl="0" fontAlgn="ctr">
+                  <a:spcBef>
+                    <a:spcPts val="0"/>
+                  </a:spcBef>
+                  <a:spcAft>
+                    <a:spcPts val="0"/>
+                  </a:spcAft>
+                  <a:buFont typeface="Courier New" panose="02070309020205020404" pitchFamily="49" charset="0"/>
+                  <a:buChar char="o"/>
+                </a:pPr>
+                <a:r>
+                  <a:rPr lang="fr-FR" sz="2800" dirty="0">
+                    <a:effectLst/>
+                    <a:latin typeface="Courier New" panose="02070309020205020404" pitchFamily="49" charset="0"/>
+                  </a:rPr>
+                  <a:t>Eviter les features corrélées à plus de 95% par exemple</a:t>
+                </a:r>
+              </a:p>
+              <a:p>
+                <a:pPr marL="742950" lvl="1" indent="-285750" rtl="0" fontAlgn="ctr">
+                  <a:spcBef>
+                    <a:spcPts val="0"/>
+                  </a:spcBef>
+                  <a:spcAft>
+                    <a:spcPts val="0"/>
+                  </a:spcAft>
+                  <a:buFont typeface="Courier New" panose="02070309020205020404" pitchFamily="49" charset="0"/>
+                  <a:buChar char="o"/>
+                </a:pPr>
+                <a:r>
+                  <a:rPr lang="fr-FR" sz="2800" dirty="0">
+                    <a:effectLst/>
+                    <a:latin typeface="Courier New" panose="02070309020205020404" pitchFamily="49" charset="0"/>
+                  </a:rPr>
+                  <a:t>Si on a des features colinéaires, alors le </a:t>
+                </a:r>
+                <a:r>
+                  <a:rPr lang="fr-FR" sz="2800" b="1" dirty="0">
+                    <a:effectLst/>
+                    <a:latin typeface="Courier New" panose="02070309020205020404" pitchFamily="49" charset="0"/>
+                  </a:rPr>
+                  <a:t>déterminant de la matrice est nul</a:t>
+                </a:r>
+                <a:r>
+                  <a:rPr lang="fr-FR" sz="2800" dirty="0">
+                    <a:effectLst/>
+                    <a:latin typeface="Courier New" panose="02070309020205020404" pitchFamily="49" charset="0"/>
+                  </a:rPr>
+                  <a:t> et on ne peut pas minimiser</a:t>
+                </a:r>
+              </a:p>
+              <a:p>
+                <a:endParaRPr lang="fr-FR" dirty="0"/>
+              </a:p>
+            </p:txBody>
+          </p:sp>
+        </mc:Choice>
+        <mc:Fallback>
+          <p:sp>
+            <p:nvSpPr>
+              <p:cNvPr id="3" name="Espace réservé du contenu 2">
+                <a:extLst>
+                  <a:ext uri="{FF2B5EF4-FFF2-40B4-BE49-F238E27FC236}">
+                    <a16:creationId xmlns:a16="http://schemas.microsoft.com/office/drawing/2014/main" id="{363D9547-B7F8-DC7E-F0FE-A4D7FE1A2969}"/>
+                  </a:ext>
+                </a:extLst>
+              </p:cNvPr>
+              <p:cNvSpPr>
+                <a:spLocks noGrp="1" noRot="1" noChangeAspect="1" noMove="1" noResize="1" noEditPoints="1" noAdjustHandles="1" noChangeArrowheads="1" noChangeShapeType="1" noTextEdit="1"/>
+              </p:cNvSpPr>
+              <p:nvPr>
+                <p:ph idx="1"/>
+              </p:nvPr>
+            </p:nvSpPr>
+            <p:spPr>
+              <a:blipFill>
+                <a:blip r:embed="rId3"/>
+                <a:stretch>
+                  <a:fillRect l="-777" t="-1733" r="-2280" b="-2723"/>
+                </a:stretch>
+              </a:blipFill>
+            </p:spPr>
+            <p:txBody>
+              <a:bodyPr/>
+              <a:lstStyle/>
+              <a:p>
+                <a:r>
+                  <a:rPr lang="fr-FR">
+                    <a:noFill/>
+                  </a:rPr>
+                  <a:t> </a:t>
+                </a:r>
+              </a:p>
+            </p:txBody>
+          </p:sp>
+        </mc:Fallback>
+      </mc:AlternateContent>
+    </p:spTree>
+    <p:extLst>
+      <p:ext uri="{BB962C8B-B14F-4D97-AF65-F5344CB8AC3E}">
+        <p14:creationId xmlns:p14="http://schemas.microsoft.com/office/powerpoint/2010/main" val="3472059548"/>
+      </p:ext>
+    </p:extLst>
+  </p:cSld>
+  <p:clrMapOvr>
+    <a:masterClrMapping/>
+  </p:clrMapOvr>
+</p:sld>
+</file>
+
+<file path=ppt/slides/slide30.xml><?xml version="1.0" encoding="utf-8"?>
 <p:sld xmlns:a="http://schemas.openxmlformats.org/drawingml/2006/main" xmlns:r="http://schemas.openxmlformats.org/officeDocument/2006/relationships" xmlns:p="http://schemas.openxmlformats.org/presentationml/2006/main">
   <p:cSld>
     <p:spTree>
@@ -14424,13 +18207,8 @@
           <a:p>
             <a:r>
               <a:rPr lang="fr-FR" dirty="0"/>
-              <a:t>Encoder </a:t>
-            </a:r>
-            <a:r>
-              <a:rPr lang="fr-FR" dirty="0" err="1"/>
-              <a:t>Decoder</a:t>
-            </a:r>
-            <a:endParaRPr lang="fr-FR" dirty="0"/>
+              <a:t>Deep Learning - Encoder Decoder</a:t>
+            </a:r>
           </a:p>
         </p:txBody>
       </p:sp>
@@ -14447,7 +18225,7 @@
 </p:sld>
 </file>
 
-<file path=ppt/slides/slide16.xml><?xml version="1.0" encoding="utf-8"?>
+<file path=ppt/slides/slide31.xml><?xml version="1.0" encoding="utf-8"?>
 <p:sld xmlns:a="http://schemas.openxmlformats.org/drawingml/2006/main" xmlns:r="http://schemas.openxmlformats.org/officeDocument/2006/relationships" xmlns:p="http://schemas.openxmlformats.org/presentationml/2006/main">
   <p:cSld>
     <p:spTree>
@@ -14564,71 +18342,6 @@
       </p:sp>
       <p:sp>
         <p:nvSpPr>
-          <p:cNvPr id="12" name="ZoneTexte 11">
-            <a:extLst>
-              <a:ext uri="{FF2B5EF4-FFF2-40B4-BE49-F238E27FC236}">
-                <a16:creationId xmlns:a16="http://schemas.microsoft.com/office/drawing/2014/main" id="{5979096D-4975-6CEE-50DA-40EA57EBDE27}"/>
-              </a:ext>
-            </a:extLst>
-          </p:cNvPr>
-          <p:cNvSpPr txBox="1"/>
-          <p:nvPr/>
-        </p:nvSpPr>
-        <p:spPr>
-          <a:xfrm>
-            <a:off x="6792505" y="4435420"/>
-            <a:ext cx="1220206" cy="215444"/>
-          </a:xfrm>
-          <a:prstGeom prst="rect">
-            <a:avLst/>
-          </a:prstGeom>
-          <a:solidFill>
-            <a:srgbClr val="EC7E78"/>
-          </a:solidFill>
-          <a:effectLst>
-            <a:outerShdw blurRad="50800" dist="38100" dir="2700000" algn="tl" rotWithShape="0">
-              <a:prstClr val="black">
-                <a:alpha val="40000"/>
-              </a:prstClr>
-            </a:outerShdw>
-          </a:effectLst>
-        </p:spPr>
-        <p:txBody>
-          <a:bodyPr wrap="none" rtlCol="0">
-            <a:spAutoFit/>
-          </a:bodyPr>
-          <a:lstStyle/>
-          <a:p>
-            <a:r>
-              <a:rPr lang="fr-FR" sz="800" dirty="0" err="1">
-                <a:latin typeface="Courier New" panose="02070309020205020404" pitchFamily="49" charset="0"/>
-                <a:cs typeface="Courier New" panose="02070309020205020404" pitchFamily="49" charset="0"/>
-              </a:rPr>
-              <a:t>seq_len</a:t>
-            </a:r>
-            <a:r>
-              <a:rPr lang="fr-FR" sz="800" dirty="0">
-                <a:latin typeface="Courier New" panose="02070309020205020404" pitchFamily="49" charset="0"/>
-                <a:cs typeface="Courier New" panose="02070309020205020404" pitchFamily="49" charset="0"/>
-              </a:rPr>
-              <a:t> x </a:t>
-            </a:r>
-            <a:r>
-              <a:rPr lang="fr-FR" sz="800" dirty="0" err="1">
-                <a:latin typeface="Courier New" panose="02070309020205020404" pitchFamily="49" charset="0"/>
-                <a:cs typeface="Courier New" panose="02070309020205020404" pitchFamily="49" charset="0"/>
-              </a:rPr>
-              <a:t>n_units</a:t>
-            </a:r>
-            <a:endParaRPr lang="fr-FR" sz="800" dirty="0">
-              <a:latin typeface="Courier New" panose="02070309020205020404" pitchFamily="49" charset="0"/>
-              <a:cs typeface="Courier New" panose="02070309020205020404" pitchFamily="49" charset="0"/>
-            </a:endParaRPr>
-          </a:p>
-        </p:txBody>
-      </p:sp>
-      <p:sp>
-        <p:nvSpPr>
           <p:cNvPr id="13" name="ZoneTexte 12">
             <a:extLst>
               <a:ext uri="{FF2B5EF4-FFF2-40B4-BE49-F238E27FC236}">
@@ -14907,7 +18620,7 @@
         </p:nvSpPr>
         <p:spPr>
           <a:xfrm>
-            <a:off x="9123894" y="4842299"/>
+            <a:off x="9136978" y="4895112"/>
             <a:ext cx="611065" cy="215444"/>
           </a:xfrm>
           <a:prstGeom prst="rect">
@@ -14962,7 +18675,7 @@
         </p:nvSpPr>
         <p:spPr>
           <a:xfrm>
-            <a:off x="7278614" y="4841456"/>
+            <a:off x="7634322" y="5305685"/>
             <a:ext cx="611065" cy="215444"/>
           </a:xfrm>
           <a:prstGeom prst="rect">
@@ -15000,268 +18713,6 @@
               <a:t>n_units</a:t>
             </a:r>
             <a:endParaRPr lang="fr-FR" sz="800" dirty="0"/>
-          </a:p>
-        </p:txBody>
-      </p:sp>
-      <p:sp>
-        <p:nvSpPr>
-          <p:cNvPr id="29" name="ZoneTexte 28">
-            <a:extLst>
-              <a:ext uri="{FF2B5EF4-FFF2-40B4-BE49-F238E27FC236}">
-                <a16:creationId xmlns:a16="http://schemas.microsoft.com/office/drawing/2014/main" id="{38CDFD79-F9ED-DA3B-E0BD-E664233778D8}"/>
-              </a:ext>
-            </a:extLst>
-          </p:cNvPr>
-          <p:cNvSpPr txBox="1"/>
-          <p:nvPr/>
-        </p:nvSpPr>
-        <p:spPr>
-          <a:xfrm>
-            <a:off x="8726744" y="4435420"/>
-            <a:ext cx="854721" cy="215444"/>
-          </a:xfrm>
-          <a:prstGeom prst="rect">
-            <a:avLst/>
-          </a:prstGeom>
-          <a:solidFill>
-            <a:srgbClr val="EC7E78"/>
-          </a:solidFill>
-          <a:effectLst>
-            <a:outerShdw blurRad="50800" dist="38100" dir="2700000" algn="tl" rotWithShape="0">
-              <a:prstClr val="black">
-                <a:alpha val="40000"/>
-              </a:prstClr>
-            </a:outerShdw>
-          </a:effectLst>
-        </p:spPr>
-        <p:txBody>
-          <a:bodyPr wrap="none" rtlCol="0">
-            <a:spAutoFit/>
-          </a:bodyPr>
-          <a:lstStyle>
-            <a:defPPr>
-              <a:defRPr lang="fr-FR"/>
-            </a:defPPr>
-            <a:lvl1pPr>
-              <a:defRPr sz="1000">
-                <a:latin typeface="Courier New" panose="02070309020205020404" pitchFamily="49" charset="0"/>
-                <a:cs typeface="Courier New" panose="02070309020205020404" pitchFamily="49" charset="0"/>
-              </a:defRPr>
-            </a:lvl1pPr>
-          </a:lstStyle>
-          <a:p>
-            <a:r>
-              <a:rPr lang="fr-FR" sz="800" dirty="0"/>
-              <a:t>1 x </a:t>
-            </a:r>
-            <a:r>
-              <a:rPr lang="fr-FR" sz="800" dirty="0" err="1"/>
-              <a:t>n_units</a:t>
-            </a:r>
-            <a:endParaRPr lang="fr-FR" sz="800" dirty="0"/>
-          </a:p>
-        </p:txBody>
-      </p:sp>
-      <p:sp>
-        <p:nvSpPr>
-          <p:cNvPr id="30" name="ZoneTexte 29">
-            <a:extLst>
-              <a:ext uri="{FF2B5EF4-FFF2-40B4-BE49-F238E27FC236}">
-                <a16:creationId xmlns:a16="http://schemas.microsoft.com/office/drawing/2014/main" id="{F734568D-13CD-A25D-D174-5E8761809AE1}"/>
-              </a:ext>
-            </a:extLst>
-          </p:cNvPr>
-          <p:cNvSpPr txBox="1"/>
-          <p:nvPr/>
-        </p:nvSpPr>
-        <p:spPr>
-          <a:xfrm>
-            <a:off x="3056790" y="61722"/>
-            <a:ext cx="4304306" cy="861774"/>
-          </a:xfrm>
-          <a:prstGeom prst="rect">
-            <a:avLst/>
-          </a:prstGeom>
-          <a:noFill/>
-          <a:ln>
-            <a:solidFill>
-              <a:schemeClr val="tx1"/>
-            </a:solidFill>
-          </a:ln>
-          <a:effectLst/>
-        </p:spPr>
-        <p:txBody>
-          <a:bodyPr wrap="square" rtlCol="0">
-            <a:spAutoFit/>
-          </a:bodyPr>
-          <a:lstStyle/>
-          <a:p>
-            <a:pPr>
-              <a:tabLst>
-                <a:tab pos="808038" algn="l"/>
-              </a:tabLst>
-            </a:pPr>
-            <a:r>
-              <a:rPr lang="fr-FR" sz="1000" dirty="0" err="1">
-                <a:latin typeface="Courier New" panose="02070309020205020404" pitchFamily="49" charset="0"/>
-                <a:cs typeface="Courier New" panose="02070309020205020404" pitchFamily="49" charset="0"/>
-              </a:rPr>
-              <a:t>seq_len</a:t>
-            </a:r>
-            <a:r>
-              <a:rPr lang="fr-FR" sz="1000" dirty="0">
-                <a:latin typeface="Courier New" panose="02070309020205020404" pitchFamily="49" charset="0"/>
-                <a:cs typeface="Courier New" panose="02070309020205020404" pitchFamily="49" charset="0"/>
-              </a:rPr>
-              <a:t> 	= longueur de la séquence </a:t>
-            </a:r>
-          </a:p>
-          <a:p>
-            <a:pPr>
-              <a:tabLst>
-                <a:tab pos="808038" algn="l"/>
-              </a:tabLst>
-            </a:pPr>
-            <a:r>
-              <a:rPr lang="fr-FR" sz="1000" dirty="0" err="1">
-                <a:latin typeface="Courier New" panose="02070309020205020404" pitchFamily="49" charset="0"/>
-                <a:cs typeface="Courier New" panose="02070309020205020404" pitchFamily="49" charset="0"/>
-              </a:rPr>
-              <a:t>emb_dim</a:t>
-            </a:r>
-            <a:r>
-              <a:rPr lang="fr-FR" sz="1000" dirty="0">
-                <a:latin typeface="Courier New" panose="02070309020205020404" pitchFamily="49" charset="0"/>
-                <a:cs typeface="Courier New" panose="02070309020205020404" pitchFamily="49" charset="0"/>
-              </a:rPr>
-              <a:t>	= nb unités du </a:t>
-            </a:r>
-            <a:r>
-              <a:rPr lang="fr-FR" sz="1000" dirty="0" err="1">
-                <a:latin typeface="Courier New" panose="02070309020205020404" pitchFamily="49" charset="0"/>
-                <a:cs typeface="Courier New" panose="02070309020205020404" pitchFamily="49" charset="0"/>
-              </a:rPr>
-              <a:t>word</a:t>
-            </a:r>
-            <a:r>
-              <a:rPr lang="fr-FR" sz="1000" dirty="0">
-                <a:latin typeface="Courier New" panose="02070309020205020404" pitchFamily="49" charset="0"/>
-                <a:cs typeface="Courier New" panose="02070309020205020404" pitchFamily="49" charset="0"/>
-              </a:rPr>
-              <a:t> </a:t>
-            </a:r>
-            <a:r>
-              <a:rPr lang="fr-FR" sz="1000" dirty="0" err="1">
-                <a:latin typeface="Courier New" panose="02070309020205020404" pitchFamily="49" charset="0"/>
-                <a:cs typeface="Courier New" panose="02070309020205020404" pitchFamily="49" charset="0"/>
-              </a:rPr>
-              <a:t>embedding</a:t>
-            </a:r>
-            <a:r>
-              <a:rPr lang="fr-FR" sz="1000" dirty="0">
-                <a:latin typeface="Courier New" panose="02070309020205020404" pitchFamily="49" charset="0"/>
-                <a:cs typeface="Courier New" panose="02070309020205020404" pitchFamily="49" charset="0"/>
-              </a:rPr>
-              <a:t> (2</a:t>
-            </a:r>
-            <a:r>
-              <a:rPr lang="fr-FR" sz="1000" baseline="30000" dirty="0">
-                <a:latin typeface="Courier New" panose="02070309020205020404" pitchFamily="49" charset="0"/>
-                <a:cs typeface="Courier New" panose="02070309020205020404" pitchFamily="49" charset="0"/>
-              </a:rPr>
-              <a:t>n</a:t>
-            </a:r>
-            <a:r>
-              <a:rPr lang="fr-FR" sz="1000" dirty="0">
-                <a:latin typeface="Courier New" panose="02070309020205020404" pitchFamily="49" charset="0"/>
-                <a:cs typeface="Courier New" panose="02070309020205020404" pitchFamily="49" charset="0"/>
-              </a:rPr>
-              <a:t>)</a:t>
-            </a:r>
-          </a:p>
-          <a:p>
-            <a:pPr>
-              <a:tabLst>
-                <a:tab pos="808038" algn="l"/>
-              </a:tabLst>
-            </a:pPr>
-            <a:r>
-              <a:rPr lang="fr-FR" sz="1000" dirty="0" err="1">
-                <a:latin typeface="Courier New" panose="02070309020205020404" pitchFamily="49" charset="0"/>
-                <a:cs typeface="Courier New" panose="02070309020205020404" pitchFamily="49" charset="0"/>
-              </a:rPr>
-              <a:t>n_units</a:t>
-            </a:r>
-            <a:r>
-              <a:rPr lang="fr-FR" sz="1000" dirty="0">
-                <a:latin typeface="Courier New" panose="02070309020205020404" pitchFamily="49" charset="0"/>
-                <a:cs typeface="Courier New" panose="02070309020205020404" pitchFamily="49" charset="0"/>
-              </a:rPr>
-              <a:t> 	= nb unités ou de neurones</a:t>
-            </a:r>
-          </a:p>
-          <a:p>
-            <a:pPr>
-              <a:tabLst>
-                <a:tab pos="808038" algn="l"/>
-              </a:tabLst>
-            </a:pPr>
-            <a:r>
-              <a:rPr lang="fr-FR" sz="1000" dirty="0" err="1">
-                <a:latin typeface="Courier New" panose="02070309020205020404" pitchFamily="49" charset="0"/>
-                <a:cs typeface="Courier New" panose="02070309020205020404" pitchFamily="49" charset="0"/>
-              </a:rPr>
-              <a:t>vocab_size</a:t>
-            </a:r>
-            <a:r>
-              <a:rPr lang="fr-FR" sz="1000" dirty="0">
-                <a:latin typeface="Courier New" panose="02070309020205020404" pitchFamily="49" charset="0"/>
-                <a:cs typeface="Courier New" panose="02070309020205020404" pitchFamily="49" charset="0"/>
-              </a:rPr>
-              <a:t>	= taille du vocabulaire</a:t>
-            </a:r>
-          </a:p>
-          <a:p>
-            <a:pPr>
-              <a:tabLst>
-                <a:tab pos="808038" algn="l"/>
-              </a:tabLst>
-            </a:pPr>
-            <a:r>
-              <a:rPr lang="fr-FR" sz="1000" dirty="0">
-                <a:latin typeface="Courier New" panose="02070309020205020404" pitchFamily="49" charset="0"/>
-                <a:cs typeface="Courier New" panose="02070309020205020404" pitchFamily="49" charset="0"/>
-              </a:rPr>
-              <a:t>WE        	= [</a:t>
-            </a:r>
-            <a:r>
-              <a:rPr lang="fr-FR" sz="1000" dirty="0" err="1">
-                <a:latin typeface="Courier New" panose="02070309020205020404" pitchFamily="49" charset="0"/>
-                <a:cs typeface="Courier New" panose="02070309020205020404" pitchFamily="49" charset="0"/>
-              </a:rPr>
-              <a:t>vocab_size</a:t>
-            </a:r>
-            <a:r>
-              <a:rPr lang="fr-FR" sz="1000" dirty="0">
-                <a:latin typeface="Courier New" panose="02070309020205020404" pitchFamily="49" charset="0"/>
-                <a:cs typeface="Courier New" panose="02070309020205020404" pitchFamily="49" charset="0"/>
-              </a:rPr>
-              <a:t> x </a:t>
-            </a:r>
-            <a:r>
-              <a:rPr lang="fr-FR" sz="1000" dirty="0" err="1">
-                <a:latin typeface="Courier New" panose="02070309020205020404" pitchFamily="49" charset="0"/>
-                <a:cs typeface="Courier New" panose="02070309020205020404" pitchFamily="49" charset="0"/>
-              </a:rPr>
-              <a:t>emb_dim</a:t>
-            </a:r>
-            <a:r>
-              <a:rPr lang="fr-FR" sz="1000" dirty="0">
-                <a:latin typeface="Courier New" panose="02070309020205020404" pitchFamily="49" charset="0"/>
-                <a:cs typeface="Courier New" panose="02070309020205020404" pitchFamily="49" charset="0"/>
-              </a:rPr>
-              <a:t>]</a:t>
-            </a:r>
           </a:p>
         </p:txBody>
       </p:sp>
@@ -16787,7 +20238,7 @@
                 <a:latin typeface="Courier New" panose="02070309020205020404" pitchFamily="49" charset="0"/>
                 <a:cs typeface="Courier New" panose="02070309020205020404" pitchFamily="49" charset="0"/>
               </a:rPr>
-              <a:t>ligne, long </a:t>
+              <a:t>ligne de long </a:t>
             </a:r>
             <a:r>
               <a:rPr lang="fr-FR" sz="1000" dirty="0" err="1">
@@ -17868,7 +21319,7 @@
         </p:blipFill>
         <p:spPr>
           <a:xfrm>
-            <a:off x="3531802" y="5247769"/>
+            <a:off x="4298581" y="5804560"/>
             <a:ext cx="432000" cy="432000"/>
           </a:xfrm>
           <a:prstGeom prst="rect">
@@ -17890,7 +21341,7 @@
         </p:nvSpPr>
         <p:spPr>
           <a:xfrm>
-            <a:off x="2486089" y="5717481"/>
+            <a:off x="2576798" y="5341565"/>
             <a:ext cx="1402948" cy="215444"/>
           </a:xfrm>
           <a:prstGeom prst="rect">
@@ -23608,6 +27059,1271 @@
           </a:p>
         </p:txBody>
       </p:sp>
+      <p:sp>
+        <p:nvSpPr>
+          <p:cNvPr id="30" name="ZoneTexte 29">
+            <a:extLst>
+              <a:ext uri="{FF2B5EF4-FFF2-40B4-BE49-F238E27FC236}">
+                <a16:creationId xmlns:a16="http://schemas.microsoft.com/office/drawing/2014/main" id="{F734568D-13CD-A25D-D174-5E8761809AE1}"/>
+              </a:ext>
+            </a:extLst>
+          </p:cNvPr>
+          <p:cNvSpPr txBox="1"/>
+          <p:nvPr/>
+        </p:nvSpPr>
+        <p:spPr>
+          <a:xfrm>
+            <a:off x="179724" y="5716706"/>
+            <a:ext cx="3295399" cy="784830"/>
+          </a:xfrm>
+          <a:prstGeom prst="rect">
+            <a:avLst/>
+          </a:prstGeom>
+          <a:noFill/>
+          <a:ln>
+            <a:solidFill>
+              <a:schemeClr val="tx1"/>
+            </a:solidFill>
+          </a:ln>
+          <a:effectLst/>
+        </p:spPr>
+        <p:txBody>
+          <a:bodyPr wrap="square" rtlCol="0">
+            <a:spAutoFit/>
+          </a:bodyPr>
+          <a:lstStyle/>
+          <a:p>
+            <a:pPr>
+              <a:tabLst>
+                <a:tab pos="808038" algn="l"/>
+              </a:tabLst>
+            </a:pPr>
+            <a:r>
+              <a:rPr lang="fr-FR" sz="900" dirty="0" err="1">
+                <a:latin typeface="Courier New" panose="02070309020205020404" pitchFamily="49" charset="0"/>
+                <a:cs typeface="Courier New" panose="02070309020205020404" pitchFamily="49" charset="0"/>
+              </a:rPr>
+              <a:t>seq_len</a:t>
+            </a:r>
+            <a:r>
+              <a:rPr lang="fr-FR" sz="900" dirty="0">
+                <a:latin typeface="Courier New" panose="02070309020205020404" pitchFamily="49" charset="0"/>
+                <a:cs typeface="Courier New" panose="02070309020205020404" pitchFamily="49" charset="0"/>
+              </a:rPr>
+              <a:t> 	= longueur de la séquence </a:t>
+            </a:r>
+          </a:p>
+          <a:p>
+            <a:pPr>
+              <a:tabLst>
+                <a:tab pos="808038" algn="l"/>
+              </a:tabLst>
+            </a:pPr>
+            <a:r>
+              <a:rPr lang="fr-FR" sz="900" dirty="0" err="1">
+                <a:latin typeface="Courier New" panose="02070309020205020404" pitchFamily="49" charset="0"/>
+                <a:cs typeface="Courier New" panose="02070309020205020404" pitchFamily="49" charset="0"/>
+              </a:rPr>
+              <a:t>emb_dim</a:t>
+            </a:r>
+            <a:r>
+              <a:rPr lang="fr-FR" sz="900" dirty="0">
+                <a:latin typeface="Courier New" panose="02070309020205020404" pitchFamily="49" charset="0"/>
+                <a:cs typeface="Courier New" panose="02070309020205020404" pitchFamily="49" charset="0"/>
+              </a:rPr>
+              <a:t>	= nb unités du </a:t>
+            </a:r>
+            <a:r>
+              <a:rPr lang="fr-FR" sz="900" dirty="0" err="1">
+                <a:latin typeface="Courier New" panose="02070309020205020404" pitchFamily="49" charset="0"/>
+                <a:cs typeface="Courier New" panose="02070309020205020404" pitchFamily="49" charset="0"/>
+              </a:rPr>
+              <a:t>word</a:t>
+            </a:r>
+            <a:r>
+              <a:rPr lang="fr-FR" sz="900" dirty="0">
+                <a:latin typeface="Courier New" panose="02070309020205020404" pitchFamily="49" charset="0"/>
+                <a:cs typeface="Courier New" panose="02070309020205020404" pitchFamily="49" charset="0"/>
+              </a:rPr>
+              <a:t> </a:t>
+            </a:r>
+            <a:r>
+              <a:rPr lang="fr-FR" sz="900" dirty="0" err="1">
+                <a:latin typeface="Courier New" panose="02070309020205020404" pitchFamily="49" charset="0"/>
+                <a:cs typeface="Courier New" panose="02070309020205020404" pitchFamily="49" charset="0"/>
+              </a:rPr>
+              <a:t>embedding</a:t>
+            </a:r>
+            <a:r>
+              <a:rPr lang="fr-FR" sz="900" dirty="0">
+                <a:latin typeface="Courier New" panose="02070309020205020404" pitchFamily="49" charset="0"/>
+                <a:cs typeface="Courier New" panose="02070309020205020404" pitchFamily="49" charset="0"/>
+              </a:rPr>
+              <a:t> (2</a:t>
+            </a:r>
+            <a:r>
+              <a:rPr lang="fr-FR" sz="900" baseline="30000" dirty="0">
+                <a:latin typeface="Courier New" panose="02070309020205020404" pitchFamily="49" charset="0"/>
+                <a:cs typeface="Courier New" panose="02070309020205020404" pitchFamily="49" charset="0"/>
+              </a:rPr>
+              <a:t>n</a:t>
+            </a:r>
+            <a:r>
+              <a:rPr lang="fr-FR" sz="900" dirty="0">
+                <a:latin typeface="Courier New" panose="02070309020205020404" pitchFamily="49" charset="0"/>
+                <a:cs typeface="Courier New" panose="02070309020205020404" pitchFamily="49" charset="0"/>
+              </a:rPr>
+              <a:t>)</a:t>
+            </a:r>
+          </a:p>
+          <a:p>
+            <a:pPr>
+              <a:tabLst>
+                <a:tab pos="808038" algn="l"/>
+              </a:tabLst>
+            </a:pPr>
+            <a:r>
+              <a:rPr lang="fr-FR" sz="900" dirty="0" err="1">
+                <a:latin typeface="Courier New" panose="02070309020205020404" pitchFamily="49" charset="0"/>
+                <a:cs typeface="Courier New" panose="02070309020205020404" pitchFamily="49" charset="0"/>
+              </a:rPr>
+              <a:t>n_units</a:t>
+            </a:r>
+            <a:r>
+              <a:rPr lang="fr-FR" sz="900" dirty="0">
+                <a:latin typeface="Courier New" panose="02070309020205020404" pitchFamily="49" charset="0"/>
+                <a:cs typeface="Courier New" panose="02070309020205020404" pitchFamily="49" charset="0"/>
+              </a:rPr>
+              <a:t> 	= nb unités ou de neurones</a:t>
+            </a:r>
+          </a:p>
+          <a:p>
+            <a:pPr>
+              <a:tabLst>
+                <a:tab pos="808038" algn="l"/>
+              </a:tabLst>
+            </a:pPr>
+            <a:r>
+              <a:rPr lang="fr-FR" sz="900" dirty="0" err="1">
+                <a:latin typeface="Courier New" panose="02070309020205020404" pitchFamily="49" charset="0"/>
+                <a:cs typeface="Courier New" panose="02070309020205020404" pitchFamily="49" charset="0"/>
+              </a:rPr>
+              <a:t>vocab_size</a:t>
+            </a:r>
+            <a:r>
+              <a:rPr lang="fr-FR" sz="900" dirty="0">
+                <a:latin typeface="Courier New" panose="02070309020205020404" pitchFamily="49" charset="0"/>
+                <a:cs typeface="Courier New" panose="02070309020205020404" pitchFamily="49" charset="0"/>
+              </a:rPr>
+              <a:t>	= taille du vocabulaire</a:t>
+            </a:r>
+          </a:p>
+          <a:p>
+            <a:pPr>
+              <a:tabLst>
+                <a:tab pos="808038" algn="l"/>
+              </a:tabLst>
+            </a:pPr>
+            <a:r>
+              <a:rPr lang="fr-FR" sz="900" dirty="0">
+                <a:latin typeface="Courier New" panose="02070309020205020404" pitchFamily="49" charset="0"/>
+                <a:cs typeface="Courier New" panose="02070309020205020404" pitchFamily="49" charset="0"/>
+              </a:rPr>
+              <a:t>WE        	= [</a:t>
+            </a:r>
+            <a:r>
+              <a:rPr lang="fr-FR" sz="900" dirty="0" err="1">
+                <a:latin typeface="Courier New" panose="02070309020205020404" pitchFamily="49" charset="0"/>
+                <a:cs typeface="Courier New" panose="02070309020205020404" pitchFamily="49" charset="0"/>
+              </a:rPr>
+              <a:t>vocab_size</a:t>
+            </a:r>
+            <a:r>
+              <a:rPr lang="fr-FR" sz="900" dirty="0">
+                <a:latin typeface="Courier New" panose="02070309020205020404" pitchFamily="49" charset="0"/>
+                <a:cs typeface="Courier New" panose="02070309020205020404" pitchFamily="49" charset="0"/>
+              </a:rPr>
+              <a:t> x </a:t>
+            </a:r>
+            <a:r>
+              <a:rPr lang="fr-FR" sz="900" dirty="0" err="1">
+                <a:latin typeface="Courier New" panose="02070309020205020404" pitchFamily="49" charset="0"/>
+                <a:cs typeface="Courier New" panose="02070309020205020404" pitchFamily="49" charset="0"/>
+              </a:rPr>
+              <a:t>emb_dim</a:t>
+            </a:r>
+            <a:r>
+              <a:rPr lang="fr-FR" sz="900" dirty="0">
+                <a:latin typeface="Courier New" panose="02070309020205020404" pitchFamily="49" charset="0"/>
+                <a:cs typeface="Courier New" panose="02070309020205020404" pitchFamily="49" charset="0"/>
+              </a:rPr>
+              <a:t>]</a:t>
+            </a:r>
+          </a:p>
+        </p:txBody>
+      </p:sp>
+      <p:grpSp>
+        <p:nvGrpSpPr>
+          <p:cNvPr id="22" name="Groupe 21">
+            <a:extLst>
+              <a:ext uri="{FF2B5EF4-FFF2-40B4-BE49-F238E27FC236}">
+                <a16:creationId xmlns:a16="http://schemas.microsoft.com/office/drawing/2014/main" id="{54E3F5C7-E73E-E9F0-9E29-47ADABF3AD2E}"/>
+              </a:ext>
+            </a:extLst>
+          </p:cNvPr>
+          <p:cNvGrpSpPr/>
+          <p:nvPr/>
+        </p:nvGrpSpPr>
+        <p:grpSpPr>
+          <a:xfrm rot="5400000">
+            <a:off x="9160551" y="4199803"/>
+            <a:ext cx="159517" cy="886705"/>
+            <a:chOff x="6567318" y="3639603"/>
+            <a:chExt cx="265289" cy="1128893"/>
+          </a:xfrm>
+          <a:solidFill>
+            <a:schemeClr val="bg1"/>
+          </a:solidFill>
+        </p:grpSpPr>
+        <p:sp>
+          <p:nvSpPr>
+            <p:cNvPr id="1062" name="Rectangle 1061">
+              <a:extLst>
+                <a:ext uri="{FF2B5EF4-FFF2-40B4-BE49-F238E27FC236}">
+                  <a16:creationId xmlns:a16="http://schemas.microsoft.com/office/drawing/2014/main" id="{E2C27D76-7B11-06EA-5FB0-51CE70398EAB}"/>
+                </a:ext>
+              </a:extLst>
+            </p:cNvPr>
+            <p:cNvSpPr/>
+            <p:nvPr/>
+          </p:nvSpPr>
+          <p:spPr>
+            <a:xfrm>
+              <a:off x="6567318" y="4542719"/>
+              <a:ext cx="265289" cy="225777"/>
+            </a:xfrm>
+            <a:prstGeom prst="rect">
+              <a:avLst/>
+            </a:prstGeom>
+            <a:grpFill/>
+            <a:ln w="12700">
+              <a:solidFill>
+                <a:schemeClr val="tx1"/>
+              </a:solidFill>
+            </a:ln>
+          </p:spPr>
+          <p:style>
+            <a:lnRef idx="2">
+              <a:schemeClr val="accent1">
+                <a:shade val="15000"/>
+              </a:schemeClr>
+            </a:lnRef>
+            <a:fillRef idx="1">
+              <a:schemeClr val="accent1"/>
+            </a:fillRef>
+            <a:effectRef idx="0">
+              <a:schemeClr val="accent1"/>
+            </a:effectRef>
+            <a:fontRef idx="minor">
+              <a:schemeClr val="lt1"/>
+            </a:fontRef>
+          </p:style>
+          <p:txBody>
+            <a:bodyPr rtlCol="0" anchor="ctr"/>
+            <a:lstStyle/>
+            <a:p>
+              <a:pPr algn="ctr"/>
+              <a:endParaRPr lang="fr-FR"/>
+            </a:p>
+          </p:txBody>
+        </p:sp>
+        <p:sp>
+          <p:nvSpPr>
+            <p:cNvPr id="1063" name="Rectangle 1062">
+              <a:extLst>
+                <a:ext uri="{FF2B5EF4-FFF2-40B4-BE49-F238E27FC236}">
+                  <a16:creationId xmlns:a16="http://schemas.microsoft.com/office/drawing/2014/main" id="{1AA082C6-7909-6EE3-A2CE-2DF82C700524}"/>
+                </a:ext>
+              </a:extLst>
+            </p:cNvPr>
+            <p:cNvSpPr/>
+            <p:nvPr/>
+          </p:nvSpPr>
+          <p:spPr>
+            <a:xfrm>
+              <a:off x="6567318" y="4316942"/>
+              <a:ext cx="265289" cy="225777"/>
+            </a:xfrm>
+            <a:prstGeom prst="rect">
+              <a:avLst/>
+            </a:prstGeom>
+            <a:grpFill/>
+            <a:ln w="12700">
+              <a:solidFill>
+                <a:schemeClr val="tx1"/>
+              </a:solidFill>
+            </a:ln>
+          </p:spPr>
+          <p:style>
+            <a:lnRef idx="2">
+              <a:schemeClr val="accent1">
+                <a:shade val="15000"/>
+              </a:schemeClr>
+            </a:lnRef>
+            <a:fillRef idx="1">
+              <a:schemeClr val="accent1"/>
+            </a:fillRef>
+            <a:effectRef idx="0">
+              <a:schemeClr val="accent1"/>
+            </a:effectRef>
+            <a:fontRef idx="minor">
+              <a:schemeClr val="lt1"/>
+            </a:fontRef>
+          </p:style>
+          <p:txBody>
+            <a:bodyPr rtlCol="0" anchor="ctr"/>
+            <a:lstStyle/>
+            <a:p>
+              <a:pPr algn="ctr"/>
+              <a:endParaRPr lang="fr-FR"/>
+            </a:p>
+          </p:txBody>
+        </p:sp>
+        <p:sp>
+          <p:nvSpPr>
+            <p:cNvPr id="1064" name="Rectangle 1063">
+              <a:extLst>
+                <a:ext uri="{FF2B5EF4-FFF2-40B4-BE49-F238E27FC236}">
+                  <a16:creationId xmlns:a16="http://schemas.microsoft.com/office/drawing/2014/main" id="{8C2A17AB-3F06-0AD4-C6E4-A31FD0E8FFF2}"/>
+                </a:ext>
+              </a:extLst>
+            </p:cNvPr>
+            <p:cNvSpPr/>
+            <p:nvPr/>
+          </p:nvSpPr>
+          <p:spPr>
+            <a:xfrm>
+              <a:off x="6567318" y="4091165"/>
+              <a:ext cx="265289" cy="225777"/>
+            </a:xfrm>
+            <a:prstGeom prst="rect">
+              <a:avLst/>
+            </a:prstGeom>
+            <a:grpFill/>
+            <a:ln w="12700">
+              <a:solidFill>
+                <a:schemeClr val="tx1"/>
+              </a:solidFill>
+            </a:ln>
+          </p:spPr>
+          <p:style>
+            <a:lnRef idx="2">
+              <a:schemeClr val="accent1">
+                <a:shade val="15000"/>
+              </a:schemeClr>
+            </a:lnRef>
+            <a:fillRef idx="1">
+              <a:schemeClr val="accent1"/>
+            </a:fillRef>
+            <a:effectRef idx="0">
+              <a:schemeClr val="accent1"/>
+            </a:effectRef>
+            <a:fontRef idx="minor">
+              <a:schemeClr val="lt1"/>
+            </a:fontRef>
+          </p:style>
+          <p:txBody>
+            <a:bodyPr rtlCol="0" anchor="ctr"/>
+            <a:lstStyle/>
+            <a:p>
+              <a:pPr algn="ctr"/>
+              <a:endParaRPr lang="fr-FR"/>
+            </a:p>
+          </p:txBody>
+        </p:sp>
+        <p:sp>
+          <p:nvSpPr>
+            <p:cNvPr id="1065" name="Rectangle 1064">
+              <a:extLst>
+                <a:ext uri="{FF2B5EF4-FFF2-40B4-BE49-F238E27FC236}">
+                  <a16:creationId xmlns:a16="http://schemas.microsoft.com/office/drawing/2014/main" id="{B1701D3C-AD88-2C53-5C59-E57CE14D8E63}"/>
+                </a:ext>
+              </a:extLst>
+            </p:cNvPr>
+            <p:cNvSpPr/>
+            <p:nvPr/>
+          </p:nvSpPr>
+          <p:spPr>
+            <a:xfrm>
+              <a:off x="6567318" y="3865384"/>
+              <a:ext cx="265289" cy="225777"/>
+            </a:xfrm>
+            <a:prstGeom prst="rect">
+              <a:avLst/>
+            </a:prstGeom>
+            <a:grpFill/>
+            <a:ln w="12700">
+              <a:solidFill>
+                <a:schemeClr val="tx1"/>
+              </a:solidFill>
+            </a:ln>
+          </p:spPr>
+          <p:style>
+            <a:lnRef idx="2">
+              <a:schemeClr val="accent1">
+                <a:shade val="15000"/>
+              </a:schemeClr>
+            </a:lnRef>
+            <a:fillRef idx="1">
+              <a:schemeClr val="accent1"/>
+            </a:fillRef>
+            <a:effectRef idx="0">
+              <a:schemeClr val="accent1"/>
+            </a:effectRef>
+            <a:fontRef idx="minor">
+              <a:schemeClr val="lt1"/>
+            </a:fontRef>
+          </p:style>
+          <p:txBody>
+            <a:bodyPr rtlCol="0" anchor="ctr"/>
+            <a:lstStyle/>
+            <a:p>
+              <a:pPr algn="ctr"/>
+              <a:endParaRPr lang="fr-FR"/>
+            </a:p>
+          </p:txBody>
+        </p:sp>
+        <p:sp>
+          <p:nvSpPr>
+            <p:cNvPr id="1071" name="Rectangle 1070">
+              <a:extLst>
+                <a:ext uri="{FF2B5EF4-FFF2-40B4-BE49-F238E27FC236}">
+                  <a16:creationId xmlns:a16="http://schemas.microsoft.com/office/drawing/2014/main" id="{E6129D02-2FB1-6AA0-BF5F-61F8C74F449F}"/>
+                </a:ext>
+              </a:extLst>
+            </p:cNvPr>
+            <p:cNvSpPr/>
+            <p:nvPr/>
+          </p:nvSpPr>
+          <p:spPr>
+            <a:xfrm>
+              <a:off x="6567318" y="3639603"/>
+              <a:ext cx="265289" cy="225777"/>
+            </a:xfrm>
+            <a:prstGeom prst="rect">
+              <a:avLst/>
+            </a:prstGeom>
+            <a:grpFill/>
+            <a:ln w="12700">
+              <a:solidFill>
+                <a:schemeClr val="tx1"/>
+              </a:solidFill>
+            </a:ln>
+          </p:spPr>
+          <p:style>
+            <a:lnRef idx="2">
+              <a:schemeClr val="accent1">
+                <a:shade val="15000"/>
+              </a:schemeClr>
+            </a:lnRef>
+            <a:fillRef idx="1">
+              <a:schemeClr val="accent1"/>
+            </a:fillRef>
+            <a:effectRef idx="0">
+              <a:schemeClr val="accent1"/>
+            </a:effectRef>
+            <a:fontRef idx="minor">
+              <a:schemeClr val="lt1"/>
+            </a:fontRef>
+          </p:style>
+          <p:txBody>
+            <a:bodyPr rtlCol="0" anchor="ctr"/>
+            <a:lstStyle/>
+            <a:p>
+              <a:pPr algn="ctr"/>
+              <a:endParaRPr lang="fr-FR"/>
+            </a:p>
+          </p:txBody>
+        </p:sp>
+      </p:grpSp>
+      <p:sp>
+        <p:nvSpPr>
+          <p:cNvPr id="29" name="ZoneTexte 28">
+            <a:extLst>
+              <a:ext uri="{FF2B5EF4-FFF2-40B4-BE49-F238E27FC236}">
+                <a16:creationId xmlns:a16="http://schemas.microsoft.com/office/drawing/2014/main" id="{38CDFD79-F9ED-DA3B-E0BD-E664233778D8}"/>
+              </a:ext>
+            </a:extLst>
+          </p:cNvPr>
+          <p:cNvSpPr txBox="1"/>
+          <p:nvPr/>
+        </p:nvSpPr>
+        <p:spPr>
+          <a:xfrm>
+            <a:off x="8630153" y="4422542"/>
+            <a:ext cx="611065" cy="215444"/>
+          </a:xfrm>
+          <a:prstGeom prst="rect">
+            <a:avLst/>
+          </a:prstGeom>
+          <a:solidFill>
+            <a:srgbClr val="EC7E78"/>
+          </a:solidFill>
+          <a:effectLst>
+            <a:outerShdw blurRad="50800" dist="38100" dir="2700000" algn="tl" rotWithShape="0">
+              <a:prstClr val="black">
+                <a:alpha val="40000"/>
+              </a:prstClr>
+            </a:outerShdw>
+          </a:effectLst>
+        </p:spPr>
+        <p:txBody>
+          <a:bodyPr wrap="none" rtlCol="0">
+            <a:spAutoFit/>
+          </a:bodyPr>
+          <a:lstStyle>
+            <a:defPPr>
+              <a:defRPr lang="fr-FR"/>
+            </a:defPPr>
+            <a:lvl1pPr>
+              <a:defRPr sz="1000">
+                <a:latin typeface="Courier New" panose="02070309020205020404" pitchFamily="49" charset="0"/>
+                <a:cs typeface="Courier New" panose="02070309020205020404" pitchFamily="49" charset="0"/>
+              </a:defRPr>
+            </a:lvl1pPr>
+          </a:lstStyle>
+          <a:p>
+            <a:r>
+              <a:rPr lang="fr-FR" sz="800" dirty="0" err="1"/>
+              <a:t>n_units</a:t>
+            </a:r>
+            <a:endParaRPr lang="fr-FR" sz="800" dirty="0"/>
+          </a:p>
+        </p:txBody>
+      </p:sp>
+      <p:grpSp>
+        <p:nvGrpSpPr>
+          <p:cNvPr id="1072" name="Groupe 1071">
+            <a:extLst>
+              <a:ext uri="{FF2B5EF4-FFF2-40B4-BE49-F238E27FC236}">
+                <a16:creationId xmlns:a16="http://schemas.microsoft.com/office/drawing/2014/main" id="{E2840B6D-FFDE-54CB-8A60-C0F71E801725}"/>
+              </a:ext>
+            </a:extLst>
+          </p:cNvPr>
+          <p:cNvGrpSpPr/>
+          <p:nvPr/>
+        </p:nvGrpSpPr>
+        <p:grpSpPr>
+          <a:xfrm>
+            <a:off x="7216153" y="4097651"/>
+            <a:ext cx="897648" cy="613025"/>
+            <a:chOff x="4301067" y="3527778"/>
+            <a:chExt cx="1388539" cy="948266"/>
+          </a:xfrm>
+          <a:solidFill>
+            <a:schemeClr val="bg1"/>
+          </a:solidFill>
+        </p:grpSpPr>
+        <p:sp>
+          <p:nvSpPr>
+            <p:cNvPr id="1073" name="Rectangle 1072">
+              <a:extLst>
+                <a:ext uri="{FF2B5EF4-FFF2-40B4-BE49-F238E27FC236}">
+                  <a16:creationId xmlns:a16="http://schemas.microsoft.com/office/drawing/2014/main" id="{68371420-3402-9BD6-DB19-8C0E026B7A4E}"/>
+                </a:ext>
+              </a:extLst>
+            </p:cNvPr>
+            <p:cNvSpPr/>
+            <p:nvPr/>
+          </p:nvSpPr>
+          <p:spPr>
+            <a:xfrm>
+              <a:off x="4301067" y="3527778"/>
+              <a:ext cx="1371600" cy="948266"/>
+            </a:xfrm>
+            <a:prstGeom prst="rect">
+              <a:avLst/>
+            </a:prstGeom>
+            <a:grpFill/>
+            <a:ln w="12700">
+              <a:solidFill>
+                <a:schemeClr val="tx1"/>
+              </a:solidFill>
+            </a:ln>
+          </p:spPr>
+          <p:style>
+            <a:lnRef idx="2">
+              <a:schemeClr val="accent1">
+                <a:shade val="15000"/>
+              </a:schemeClr>
+            </a:lnRef>
+            <a:fillRef idx="1">
+              <a:schemeClr val="accent1"/>
+            </a:fillRef>
+            <a:effectRef idx="0">
+              <a:schemeClr val="accent1"/>
+            </a:effectRef>
+            <a:fontRef idx="minor">
+              <a:schemeClr val="lt1"/>
+            </a:fontRef>
+          </p:style>
+          <p:txBody>
+            <a:bodyPr rtlCol="0" anchor="ctr"/>
+            <a:lstStyle/>
+            <a:p>
+              <a:pPr algn="ctr"/>
+              <a:endParaRPr lang="fr-FR"/>
+            </a:p>
+          </p:txBody>
+        </p:sp>
+        <p:cxnSp>
+          <p:nvCxnSpPr>
+            <p:cNvPr id="1074" name="Connecteur droit 1073">
+              <a:extLst>
+                <a:ext uri="{FF2B5EF4-FFF2-40B4-BE49-F238E27FC236}">
+                  <a16:creationId xmlns:a16="http://schemas.microsoft.com/office/drawing/2014/main" id="{C0B6DFC9-8495-C219-E10E-8C5C0AE4EBB5}"/>
+                </a:ext>
+              </a:extLst>
+            </p:cNvPr>
+            <p:cNvCxnSpPr/>
+            <p:nvPr/>
+          </p:nvCxnSpPr>
+          <p:spPr>
+            <a:xfrm>
+              <a:off x="4301067" y="3776137"/>
+              <a:ext cx="1371600" cy="0"/>
+            </a:xfrm>
+            <a:prstGeom prst="line">
+              <a:avLst/>
+            </a:prstGeom>
+            <a:grpFill/>
+            <a:ln w="12700">
+              <a:solidFill>
+                <a:schemeClr val="tx1"/>
+              </a:solidFill>
+            </a:ln>
+          </p:spPr>
+          <p:style>
+            <a:lnRef idx="1">
+              <a:schemeClr val="accent1"/>
+            </a:lnRef>
+            <a:fillRef idx="0">
+              <a:schemeClr val="accent1"/>
+            </a:fillRef>
+            <a:effectRef idx="0">
+              <a:schemeClr val="accent1"/>
+            </a:effectRef>
+            <a:fontRef idx="minor">
+              <a:schemeClr val="tx1"/>
+            </a:fontRef>
+          </p:style>
+        </p:cxnSp>
+        <p:cxnSp>
+          <p:nvCxnSpPr>
+            <p:cNvPr id="1075" name="Connecteur droit 1074">
+              <a:extLst>
+                <a:ext uri="{FF2B5EF4-FFF2-40B4-BE49-F238E27FC236}">
+                  <a16:creationId xmlns:a16="http://schemas.microsoft.com/office/drawing/2014/main" id="{EF5AF416-D4B9-4486-9796-D7EB8F4EB258}"/>
+                </a:ext>
+              </a:extLst>
+            </p:cNvPr>
+            <p:cNvCxnSpPr/>
+            <p:nvPr/>
+          </p:nvCxnSpPr>
+          <p:spPr>
+            <a:xfrm>
+              <a:off x="4318006" y="4018845"/>
+              <a:ext cx="1371600" cy="0"/>
+            </a:xfrm>
+            <a:prstGeom prst="line">
+              <a:avLst/>
+            </a:prstGeom>
+            <a:grpFill/>
+            <a:ln w="12700">
+              <a:solidFill>
+                <a:schemeClr val="tx1"/>
+              </a:solidFill>
+            </a:ln>
+          </p:spPr>
+          <p:style>
+            <a:lnRef idx="1">
+              <a:schemeClr val="accent1"/>
+            </a:lnRef>
+            <a:fillRef idx="0">
+              <a:schemeClr val="accent1"/>
+            </a:fillRef>
+            <a:effectRef idx="0">
+              <a:schemeClr val="accent1"/>
+            </a:effectRef>
+            <a:fontRef idx="minor">
+              <a:schemeClr val="tx1"/>
+            </a:fontRef>
+          </p:style>
+        </p:cxnSp>
+        <p:cxnSp>
+          <p:nvCxnSpPr>
+            <p:cNvPr id="1160" name="Connecteur droit 1159">
+              <a:extLst>
+                <a:ext uri="{FF2B5EF4-FFF2-40B4-BE49-F238E27FC236}">
+                  <a16:creationId xmlns:a16="http://schemas.microsoft.com/office/drawing/2014/main" id="{A731896B-0D55-B340-8480-A679CC194C30}"/>
+                </a:ext>
+              </a:extLst>
+            </p:cNvPr>
+            <p:cNvCxnSpPr/>
+            <p:nvPr/>
+          </p:nvCxnSpPr>
+          <p:spPr>
+            <a:xfrm>
+              <a:off x="4301067" y="4250267"/>
+              <a:ext cx="1371600" cy="0"/>
+            </a:xfrm>
+            <a:prstGeom prst="line">
+              <a:avLst/>
+            </a:prstGeom>
+            <a:grpFill/>
+            <a:ln w="12700">
+              <a:solidFill>
+                <a:schemeClr val="tx1"/>
+              </a:solidFill>
+            </a:ln>
+          </p:spPr>
+          <p:style>
+            <a:lnRef idx="1">
+              <a:schemeClr val="accent1"/>
+            </a:lnRef>
+            <a:fillRef idx="0">
+              <a:schemeClr val="accent1"/>
+            </a:fillRef>
+            <a:effectRef idx="0">
+              <a:schemeClr val="accent1"/>
+            </a:effectRef>
+            <a:fontRef idx="minor">
+              <a:schemeClr val="tx1"/>
+            </a:fontRef>
+          </p:style>
+        </p:cxnSp>
+        <p:cxnSp>
+          <p:nvCxnSpPr>
+            <p:cNvPr id="1161" name="Connecteur droit 1160">
+              <a:extLst>
+                <a:ext uri="{FF2B5EF4-FFF2-40B4-BE49-F238E27FC236}">
+                  <a16:creationId xmlns:a16="http://schemas.microsoft.com/office/drawing/2014/main" id="{814E9B34-CBD5-2ABB-B618-32951A821734}"/>
+                </a:ext>
+              </a:extLst>
+            </p:cNvPr>
+            <p:cNvCxnSpPr>
+              <a:cxnSpLocks/>
+            </p:cNvCxnSpPr>
+            <p:nvPr/>
+          </p:nvCxnSpPr>
+          <p:spPr>
+            <a:xfrm flipV="1">
+              <a:off x="4571997" y="3527778"/>
+              <a:ext cx="0" cy="948266"/>
+            </a:xfrm>
+            <a:prstGeom prst="line">
+              <a:avLst/>
+            </a:prstGeom>
+            <a:grpFill/>
+            <a:ln w="12700">
+              <a:solidFill>
+                <a:schemeClr val="tx1"/>
+              </a:solidFill>
+            </a:ln>
+          </p:spPr>
+          <p:style>
+            <a:lnRef idx="1">
+              <a:schemeClr val="accent1"/>
+            </a:lnRef>
+            <a:fillRef idx="0">
+              <a:schemeClr val="accent1"/>
+            </a:fillRef>
+            <a:effectRef idx="0">
+              <a:schemeClr val="accent1"/>
+            </a:effectRef>
+            <a:fontRef idx="minor">
+              <a:schemeClr val="tx1"/>
+            </a:fontRef>
+          </p:style>
+        </p:cxnSp>
+        <p:cxnSp>
+          <p:nvCxnSpPr>
+            <p:cNvPr id="1162" name="Connecteur droit 1161">
+              <a:extLst>
+                <a:ext uri="{FF2B5EF4-FFF2-40B4-BE49-F238E27FC236}">
+                  <a16:creationId xmlns:a16="http://schemas.microsoft.com/office/drawing/2014/main" id="{CE5D44F3-D326-A521-8C7E-5FB1E780A9CA}"/>
+                </a:ext>
+              </a:extLst>
+            </p:cNvPr>
+            <p:cNvCxnSpPr>
+              <a:cxnSpLocks/>
+            </p:cNvCxnSpPr>
+            <p:nvPr/>
+          </p:nvCxnSpPr>
+          <p:spPr>
+            <a:xfrm flipV="1">
+              <a:off x="4854219" y="3527778"/>
+              <a:ext cx="0" cy="948266"/>
+            </a:xfrm>
+            <a:prstGeom prst="line">
+              <a:avLst/>
+            </a:prstGeom>
+            <a:grpFill/>
+            <a:ln w="12700">
+              <a:solidFill>
+                <a:schemeClr val="tx1"/>
+              </a:solidFill>
+            </a:ln>
+          </p:spPr>
+          <p:style>
+            <a:lnRef idx="1">
+              <a:schemeClr val="accent1"/>
+            </a:lnRef>
+            <a:fillRef idx="0">
+              <a:schemeClr val="accent1"/>
+            </a:fillRef>
+            <a:effectRef idx="0">
+              <a:schemeClr val="accent1"/>
+            </a:effectRef>
+            <a:fontRef idx="minor">
+              <a:schemeClr val="tx1"/>
+            </a:fontRef>
+          </p:style>
+        </p:cxnSp>
+        <p:cxnSp>
+          <p:nvCxnSpPr>
+            <p:cNvPr id="1163" name="Connecteur droit 1162">
+              <a:extLst>
+                <a:ext uri="{FF2B5EF4-FFF2-40B4-BE49-F238E27FC236}">
+                  <a16:creationId xmlns:a16="http://schemas.microsoft.com/office/drawing/2014/main" id="{5254CA52-6A03-A8A1-97E9-07A20B4F0CFF}"/>
+                </a:ext>
+              </a:extLst>
+            </p:cNvPr>
+            <p:cNvCxnSpPr>
+              <a:cxnSpLocks/>
+            </p:cNvCxnSpPr>
+            <p:nvPr/>
+          </p:nvCxnSpPr>
+          <p:spPr>
+            <a:xfrm flipV="1">
+              <a:off x="5108218" y="3527778"/>
+              <a:ext cx="0" cy="948266"/>
+            </a:xfrm>
+            <a:prstGeom prst="line">
+              <a:avLst/>
+            </a:prstGeom>
+            <a:grpFill/>
+            <a:ln w="12700">
+              <a:solidFill>
+                <a:schemeClr val="tx1"/>
+              </a:solidFill>
+            </a:ln>
+          </p:spPr>
+          <p:style>
+            <a:lnRef idx="1">
+              <a:schemeClr val="accent1"/>
+            </a:lnRef>
+            <a:fillRef idx="0">
+              <a:schemeClr val="accent1"/>
+            </a:fillRef>
+            <a:effectRef idx="0">
+              <a:schemeClr val="accent1"/>
+            </a:effectRef>
+            <a:fontRef idx="minor">
+              <a:schemeClr val="tx1"/>
+            </a:fontRef>
+          </p:style>
+        </p:cxnSp>
+        <p:cxnSp>
+          <p:nvCxnSpPr>
+            <p:cNvPr id="1164" name="Connecteur droit 1163">
+              <a:extLst>
+                <a:ext uri="{FF2B5EF4-FFF2-40B4-BE49-F238E27FC236}">
+                  <a16:creationId xmlns:a16="http://schemas.microsoft.com/office/drawing/2014/main" id="{96AA3588-151C-D5B6-EE00-2D838357261E}"/>
+                </a:ext>
+              </a:extLst>
+            </p:cNvPr>
+            <p:cNvCxnSpPr>
+              <a:cxnSpLocks/>
+            </p:cNvCxnSpPr>
+            <p:nvPr/>
+          </p:nvCxnSpPr>
+          <p:spPr>
+            <a:xfrm flipV="1">
+              <a:off x="5373507" y="3527778"/>
+              <a:ext cx="0" cy="948266"/>
+            </a:xfrm>
+            <a:prstGeom prst="line">
+              <a:avLst/>
+            </a:prstGeom>
+            <a:grpFill/>
+            <a:ln w="12700">
+              <a:solidFill>
+                <a:schemeClr val="tx1"/>
+              </a:solidFill>
+            </a:ln>
+          </p:spPr>
+          <p:style>
+            <a:lnRef idx="1">
+              <a:schemeClr val="accent1"/>
+            </a:lnRef>
+            <a:fillRef idx="0">
+              <a:schemeClr val="accent1"/>
+            </a:fillRef>
+            <a:effectRef idx="0">
+              <a:schemeClr val="accent1"/>
+            </a:effectRef>
+            <a:fontRef idx="minor">
+              <a:schemeClr val="tx1"/>
+            </a:fontRef>
+          </p:style>
+        </p:cxnSp>
+      </p:grpSp>
+      <p:sp>
+        <p:nvSpPr>
+          <p:cNvPr id="12" name="ZoneTexte 11">
+            <a:extLst>
+              <a:ext uri="{FF2B5EF4-FFF2-40B4-BE49-F238E27FC236}">
+                <a16:creationId xmlns:a16="http://schemas.microsoft.com/office/drawing/2014/main" id="{5979096D-4975-6CEE-50DA-40EA57EBDE27}"/>
+              </a:ext>
+            </a:extLst>
+          </p:cNvPr>
+          <p:cNvSpPr txBox="1"/>
+          <p:nvPr/>
+        </p:nvSpPr>
+        <p:spPr>
+          <a:xfrm>
+            <a:off x="6792505" y="4435420"/>
+            <a:ext cx="1220206" cy="215444"/>
+          </a:xfrm>
+          <a:prstGeom prst="rect">
+            <a:avLst/>
+          </a:prstGeom>
+          <a:solidFill>
+            <a:srgbClr val="EC7E78"/>
+          </a:solidFill>
+          <a:effectLst>
+            <a:outerShdw blurRad="50800" dist="38100" dir="2700000" algn="tl" rotWithShape="0">
+              <a:prstClr val="black">
+                <a:alpha val="40000"/>
+              </a:prstClr>
+            </a:outerShdw>
+          </a:effectLst>
+        </p:spPr>
+        <p:txBody>
+          <a:bodyPr wrap="none" rtlCol="0">
+            <a:spAutoFit/>
+          </a:bodyPr>
+          <a:lstStyle/>
+          <a:p>
+            <a:r>
+              <a:rPr lang="fr-FR" sz="800" dirty="0" err="1">
+                <a:latin typeface="Courier New" panose="02070309020205020404" pitchFamily="49" charset="0"/>
+                <a:cs typeface="Courier New" panose="02070309020205020404" pitchFamily="49" charset="0"/>
+              </a:rPr>
+              <a:t>seq_len</a:t>
+            </a:r>
+            <a:r>
+              <a:rPr lang="fr-FR" sz="800" dirty="0">
+                <a:latin typeface="Courier New" panose="02070309020205020404" pitchFamily="49" charset="0"/>
+                <a:cs typeface="Courier New" panose="02070309020205020404" pitchFamily="49" charset="0"/>
+              </a:rPr>
+              <a:t> x </a:t>
+            </a:r>
+            <a:r>
+              <a:rPr lang="fr-FR" sz="800" dirty="0" err="1">
+                <a:latin typeface="Courier New" panose="02070309020205020404" pitchFamily="49" charset="0"/>
+                <a:cs typeface="Courier New" panose="02070309020205020404" pitchFamily="49" charset="0"/>
+              </a:rPr>
+              <a:t>n_units</a:t>
+            </a:r>
+            <a:endParaRPr lang="fr-FR" sz="800" dirty="0">
+              <a:latin typeface="Courier New" panose="02070309020205020404" pitchFamily="49" charset="0"/>
+              <a:cs typeface="Courier New" panose="02070309020205020404" pitchFamily="49" charset="0"/>
+            </a:endParaRPr>
+          </a:p>
+        </p:txBody>
+      </p:sp>
+      <p:grpSp>
+        <p:nvGrpSpPr>
+          <p:cNvPr id="1179" name="Groupe 1178">
+            <a:extLst>
+              <a:ext uri="{FF2B5EF4-FFF2-40B4-BE49-F238E27FC236}">
+                <a16:creationId xmlns:a16="http://schemas.microsoft.com/office/drawing/2014/main" id="{B655635D-A7EF-2F3F-9483-20924B8CCEB7}"/>
+              </a:ext>
+            </a:extLst>
+          </p:cNvPr>
+          <p:cNvGrpSpPr/>
+          <p:nvPr/>
+        </p:nvGrpSpPr>
+        <p:grpSpPr>
+          <a:xfrm>
+            <a:off x="8013203" y="269824"/>
+            <a:ext cx="179293" cy="612762"/>
+            <a:chOff x="5864577" y="3798709"/>
+            <a:chExt cx="265289" cy="903112"/>
+          </a:xfrm>
+        </p:grpSpPr>
+        <p:sp>
+          <p:nvSpPr>
+            <p:cNvPr id="1180" name="Rectangle 1179">
+              <a:extLst>
+                <a:ext uri="{FF2B5EF4-FFF2-40B4-BE49-F238E27FC236}">
+                  <a16:creationId xmlns:a16="http://schemas.microsoft.com/office/drawing/2014/main" id="{CA239FFE-8132-408D-443D-A10C2DEF3E62}"/>
+                </a:ext>
+              </a:extLst>
+            </p:cNvPr>
+            <p:cNvSpPr/>
+            <p:nvPr/>
+          </p:nvSpPr>
+          <p:spPr>
+            <a:xfrm>
+              <a:off x="5864577" y="4476044"/>
+              <a:ext cx="265289" cy="225777"/>
+            </a:xfrm>
+            <a:prstGeom prst="rect">
+              <a:avLst/>
+            </a:prstGeom>
+            <a:noFill/>
+            <a:ln w="12700">
+              <a:solidFill>
+                <a:schemeClr val="tx1"/>
+              </a:solidFill>
+            </a:ln>
+          </p:spPr>
+          <p:style>
+            <a:lnRef idx="2">
+              <a:schemeClr val="accent1">
+                <a:shade val="15000"/>
+              </a:schemeClr>
+            </a:lnRef>
+            <a:fillRef idx="1">
+              <a:schemeClr val="accent1"/>
+            </a:fillRef>
+            <a:effectRef idx="0">
+              <a:schemeClr val="accent1"/>
+            </a:effectRef>
+            <a:fontRef idx="minor">
+              <a:schemeClr val="lt1"/>
+            </a:fontRef>
+          </p:style>
+          <p:txBody>
+            <a:bodyPr rtlCol="0" anchor="ctr"/>
+            <a:lstStyle/>
+            <a:p>
+              <a:pPr algn="ctr"/>
+              <a:endParaRPr lang="fr-FR"/>
+            </a:p>
+          </p:txBody>
+        </p:sp>
+        <p:sp>
+          <p:nvSpPr>
+            <p:cNvPr id="1181" name="Rectangle 1180">
+              <a:extLst>
+                <a:ext uri="{FF2B5EF4-FFF2-40B4-BE49-F238E27FC236}">
+                  <a16:creationId xmlns:a16="http://schemas.microsoft.com/office/drawing/2014/main" id="{5FF51EC1-7BFD-F4E7-EE5A-C8F70CD3DAF2}"/>
+                </a:ext>
+              </a:extLst>
+            </p:cNvPr>
+            <p:cNvSpPr/>
+            <p:nvPr/>
+          </p:nvSpPr>
+          <p:spPr>
+            <a:xfrm>
+              <a:off x="5864577" y="4250267"/>
+              <a:ext cx="265289" cy="225777"/>
+            </a:xfrm>
+            <a:prstGeom prst="rect">
+              <a:avLst/>
+            </a:prstGeom>
+            <a:noFill/>
+            <a:ln w="12700">
+              <a:solidFill>
+                <a:schemeClr val="tx1"/>
+              </a:solidFill>
+            </a:ln>
+          </p:spPr>
+          <p:style>
+            <a:lnRef idx="2">
+              <a:schemeClr val="accent1">
+                <a:shade val="15000"/>
+              </a:schemeClr>
+            </a:lnRef>
+            <a:fillRef idx="1">
+              <a:schemeClr val="accent1"/>
+            </a:fillRef>
+            <a:effectRef idx="0">
+              <a:schemeClr val="accent1"/>
+            </a:effectRef>
+            <a:fontRef idx="minor">
+              <a:schemeClr val="lt1"/>
+            </a:fontRef>
+          </p:style>
+          <p:txBody>
+            <a:bodyPr rtlCol="0" anchor="ctr"/>
+            <a:lstStyle/>
+            <a:p>
+              <a:pPr algn="ctr"/>
+              <a:endParaRPr lang="fr-FR"/>
+            </a:p>
+          </p:txBody>
+        </p:sp>
+        <p:sp>
+          <p:nvSpPr>
+            <p:cNvPr id="1182" name="Rectangle 1181">
+              <a:extLst>
+                <a:ext uri="{FF2B5EF4-FFF2-40B4-BE49-F238E27FC236}">
+                  <a16:creationId xmlns:a16="http://schemas.microsoft.com/office/drawing/2014/main" id="{418C54A8-D19F-E172-B711-FDE8A5A28BCB}"/>
+                </a:ext>
+              </a:extLst>
+            </p:cNvPr>
+            <p:cNvSpPr/>
+            <p:nvPr/>
+          </p:nvSpPr>
+          <p:spPr>
+            <a:xfrm>
+              <a:off x="5864577" y="4024490"/>
+              <a:ext cx="265289" cy="225777"/>
+            </a:xfrm>
+            <a:prstGeom prst="rect">
+              <a:avLst/>
+            </a:prstGeom>
+            <a:noFill/>
+            <a:ln w="12700">
+              <a:solidFill>
+                <a:schemeClr val="tx1"/>
+              </a:solidFill>
+            </a:ln>
+          </p:spPr>
+          <p:style>
+            <a:lnRef idx="2">
+              <a:schemeClr val="accent1">
+                <a:shade val="15000"/>
+              </a:schemeClr>
+            </a:lnRef>
+            <a:fillRef idx="1">
+              <a:schemeClr val="accent1"/>
+            </a:fillRef>
+            <a:effectRef idx="0">
+              <a:schemeClr val="accent1"/>
+            </a:effectRef>
+            <a:fontRef idx="minor">
+              <a:schemeClr val="lt1"/>
+            </a:fontRef>
+          </p:style>
+          <p:txBody>
+            <a:bodyPr rtlCol="0" anchor="ctr"/>
+            <a:lstStyle/>
+            <a:p>
+              <a:pPr algn="ctr"/>
+              <a:endParaRPr lang="fr-FR"/>
+            </a:p>
+          </p:txBody>
+        </p:sp>
+        <p:sp>
+          <p:nvSpPr>
+            <p:cNvPr id="1183" name="Rectangle 1182">
+              <a:extLst>
+                <a:ext uri="{FF2B5EF4-FFF2-40B4-BE49-F238E27FC236}">
+                  <a16:creationId xmlns:a16="http://schemas.microsoft.com/office/drawing/2014/main" id="{AEAEA9D6-C656-C189-2662-9EEE3F742467}"/>
+                </a:ext>
+              </a:extLst>
+            </p:cNvPr>
+            <p:cNvSpPr/>
+            <p:nvPr/>
+          </p:nvSpPr>
+          <p:spPr>
+            <a:xfrm>
+              <a:off x="5864577" y="3798709"/>
+              <a:ext cx="265289" cy="225777"/>
+            </a:xfrm>
+            <a:prstGeom prst="rect">
+              <a:avLst/>
+            </a:prstGeom>
+            <a:noFill/>
+            <a:ln w="12700">
+              <a:solidFill>
+                <a:schemeClr val="tx1"/>
+              </a:solidFill>
+            </a:ln>
+          </p:spPr>
+          <p:style>
+            <a:lnRef idx="2">
+              <a:schemeClr val="accent1">
+                <a:shade val="15000"/>
+              </a:schemeClr>
+            </a:lnRef>
+            <a:fillRef idx="1">
+              <a:schemeClr val="accent1"/>
+            </a:fillRef>
+            <a:effectRef idx="0">
+              <a:schemeClr val="accent1"/>
+            </a:effectRef>
+            <a:fontRef idx="minor">
+              <a:schemeClr val="lt1"/>
+            </a:fontRef>
+          </p:style>
+          <p:txBody>
+            <a:bodyPr rtlCol="0" anchor="ctr"/>
+            <a:lstStyle/>
+            <a:p>
+              <a:pPr algn="ctr"/>
+              <a:endParaRPr lang="fr-FR"/>
+            </a:p>
+          </p:txBody>
+        </p:sp>
+      </p:grpSp>
+      <p:sp>
+        <p:nvSpPr>
+          <p:cNvPr id="1184" name="ZoneTexte 1183">
+            <a:extLst>
+              <a:ext uri="{FF2B5EF4-FFF2-40B4-BE49-F238E27FC236}">
+                <a16:creationId xmlns:a16="http://schemas.microsoft.com/office/drawing/2014/main" id="{E5615326-DDF3-D483-0C4A-9334000E3135}"/>
+              </a:ext>
+            </a:extLst>
+          </p:cNvPr>
+          <p:cNvSpPr txBox="1"/>
+          <p:nvPr/>
+        </p:nvSpPr>
+        <p:spPr>
+          <a:xfrm>
+            <a:off x="7448500" y="624259"/>
+            <a:ext cx="611065" cy="215444"/>
+          </a:xfrm>
+          <a:prstGeom prst="rect">
+            <a:avLst/>
+          </a:prstGeom>
+          <a:solidFill>
+            <a:srgbClr val="EC7E78"/>
+          </a:solidFill>
+          <a:effectLst>
+            <a:outerShdw blurRad="50800" dist="38100" dir="2700000" algn="tl" rotWithShape="0">
+              <a:prstClr val="black">
+                <a:alpha val="40000"/>
+              </a:prstClr>
+            </a:outerShdw>
+          </a:effectLst>
+        </p:spPr>
+        <p:txBody>
+          <a:bodyPr wrap="none" rtlCol="0">
+            <a:spAutoFit/>
+          </a:bodyPr>
+          <a:lstStyle/>
+          <a:p>
+            <a:r>
+              <a:rPr lang="fr-FR" sz="800" dirty="0" err="1">
+                <a:latin typeface="Courier New" panose="02070309020205020404" pitchFamily="49" charset="0"/>
+                <a:cs typeface="Courier New" panose="02070309020205020404" pitchFamily="49" charset="0"/>
+              </a:rPr>
+              <a:t>seq_len</a:t>
+            </a:r>
+            <a:endParaRPr lang="fr-FR" sz="800" dirty="0">
+              <a:latin typeface="Courier New" panose="02070309020205020404" pitchFamily="49" charset="0"/>
+              <a:cs typeface="Courier New" panose="02070309020205020404" pitchFamily="49" charset="0"/>
+            </a:endParaRPr>
+          </a:p>
+        </p:txBody>
+      </p:sp>
     </p:spTree>
     <p:extLst>
       <p:ext uri="{BB962C8B-B14F-4D97-AF65-F5344CB8AC3E}">
@@ -23621,7 +28337,7 @@
 </p:sld>
 </file>
 
-<file path=ppt/slides/slide17.xml><?xml version="1.0" encoding="utf-8"?>
+<file path=ppt/slides/slide32.xml><?xml version="1.0" encoding="utf-8"?>
 <p:sld xmlns:a="http://schemas.openxmlformats.org/drawingml/2006/main" xmlns:r="http://schemas.openxmlformats.org/officeDocument/2006/relationships" xmlns:p="http://schemas.openxmlformats.org/presentationml/2006/main">
   <p:cSld>
     <p:spTree>
@@ -24639,335 +29355,6 @@
 </p:sld>
 </file>
 
-<file path=ppt/slides/slide2.xml><?xml version="1.0" encoding="utf-8"?>
-<p:sld xmlns:a="http://schemas.openxmlformats.org/drawingml/2006/main" xmlns:r="http://schemas.openxmlformats.org/officeDocument/2006/relationships" xmlns:p="http://schemas.openxmlformats.org/presentationml/2006/main">
-  <p:cSld>
-    <p:spTree>
-      <p:nvGrpSpPr>
-        <p:cNvPr id="1" name=""/>
-        <p:cNvGrpSpPr/>
-        <p:nvPr/>
-      </p:nvGrpSpPr>
-      <p:grpSpPr>
-        <a:xfrm>
-          <a:off x="0" y="0"/>
-          <a:ext cx="0" cy="0"/>
-          <a:chOff x="0" y="0"/>
-          <a:chExt cx="0" cy="0"/>
-        </a:xfrm>
-      </p:grpSpPr>
-      <p:sp>
-        <p:nvSpPr>
-          <p:cNvPr id="2" name="Titre 1">
-            <a:extLst>
-              <a:ext uri="{FF2B5EF4-FFF2-40B4-BE49-F238E27FC236}">
-                <a16:creationId xmlns:a16="http://schemas.microsoft.com/office/drawing/2014/main" id="{FE7F6C75-DD2A-F059-7286-E6D59813EA1B}"/>
-              </a:ext>
-            </a:extLst>
-          </p:cNvPr>
-          <p:cNvSpPr>
-            <a:spLocks noGrp="1"/>
-          </p:cNvSpPr>
-          <p:nvPr>
-            <p:ph type="title"/>
-          </p:nvPr>
-        </p:nvSpPr>
-        <p:spPr/>
-        <p:txBody>
-          <a:bodyPr/>
-          <a:lstStyle/>
-          <a:p>
-            <a:r>
-              <a:rPr lang="fr-FR" dirty="0"/>
-              <a:t>Big Data</a:t>
-            </a:r>
-          </a:p>
-        </p:txBody>
-      </p:sp>
-    </p:spTree>
-    <p:extLst>
-      <p:ext uri="{BB962C8B-B14F-4D97-AF65-F5344CB8AC3E}">
-        <p14:creationId xmlns:p14="http://schemas.microsoft.com/office/powerpoint/2010/main" val="2101838791"/>
-      </p:ext>
-    </p:extLst>
-  </p:cSld>
-  <p:clrMapOvr>
-    <a:masterClrMapping/>
-  </p:clrMapOvr>
-</p:sld>
-</file>
-
-<file path=ppt/slides/slide3.xml><?xml version="1.0" encoding="utf-8"?>
-<p:sld xmlns:a="http://schemas.openxmlformats.org/drawingml/2006/main" xmlns:r="http://schemas.openxmlformats.org/officeDocument/2006/relationships" xmlns:p="http://schemas.openxmlformats.org/presentationml/2006/main">
-  <p:cSld>
-    <p:spTree>
-      <p:nvGrpSpPr>
-        <p:cNvPr id="1" name=""/>
-        <p:cNvGrpSpPr/>
-        <p:nvPr/>
-      </p:nvGrpSpPr>
-      <p:grpSpPr>
-        <a:xfrm>
-          <a:off x="0" y="0"/>
-          <a:ext cx="0" cy="0"/>
-          <a:chOff x="0" y="0"/>
-          <a:chExt cx="0" cy="0"/>
-        </a:xfrm>
-      </p:grpSpPr>
-      <p:sp>
-        <p:nvSpPr>
-          <p:cNvPr id="2" name="Titre 1">
-            <a:extLst>
-              <a:ext uri="{FF2B5EF4-FFF2-40B4-BE49-F238E27FC236}">
-                <a16:creationId xmlns:a16="http://schemas.microsoft.com/office/drawing/2014/main" id="{AE1BD3D5-6ABA-23EC-A320-BC3E8F4C547D}"/>
-              </a:ext>
-            </a:extLst>
-          </p:cNvPr>
-          <p:cNvSpPr>
-            <a:spLocks noGrp="1"/>
-          </p:cNvSpPr>
-          <p:nvPr>
-            <p:ph type="title"/>
-          </p:nvPr>
-        </p:nvSpPr>
-        <p:spPr/>
-        <p:txBody>
-          <a:bodyPr/>
-          <a:lstStyle/>
-          <a:p>
-            <a:r>
-              <a:rPr lang="fr-FR" dirty="0"/>
-              <a:t>Deep Learning</a:t>
-            </a:r>
-          </a:p>
-        </p:txBody>
-      </p:sp>
-      <p:pic>
-        <p:nvPicPr>
-          <p:cNvPr id="5" name="Image 4">
-            <a:extLst>
-              <a:ext uri="{FF2B5EF4-FFF2-40B4-BE49-F238E27FC236}">
-                <a16:creationId xmlns:a16="http://schemas.microsoft.com/office/drawing/2014/main" id="{0A3E1D6D-D009-0CA4-468C-D06E38F1C6B2}"/>
-              </a:ext>
-            </a:extLst>
-          </p:cNvPr>
-          <p:cNvPicPr>
-            <a:picLocks noChangeAspect="1"/>
-          </p:cNvPicPr>
-          <p:nvPr/>
-        </p:nvPicPr>
-        <p:blipFill>
-          <a:blip r:embed="rId2"/>
-          <a:stretch>
-            <a:fillRect/>
-          </a:stretch>
-        </p:blipFill>
-        <p:spPr>
-          <a:xfrm>
-            <a:off x="4679578" y="25429"/>
-            <a:ext cx="3999469" cy="2250495"/>
-          </a:xfrm>
-          <a:prstGeom prst="rect">
-            <a:avLst/>
-          </a:prstGeom>
-        </p:spPr>
-      </p:pic>
-      <p:pic>
-        <p:nvPicPr>
-          <p:cNvPr id="7" name="Image 6">
-            <a:extLst>
-              <a:ext uri="{FF2B5EF4-FFF2-40B4-BE49-F238E27FC236}">
-                <a16:creationId xmlns:a16="http://schemas.microsoft.com/office/drawing/2014/main" id="{B3E01D19-050F-FE88-B3E1-0CA75FC18D2B}"/>
-              </a:ext>
-            </a:extLst>
-          </p:cNvPr>
-          <p:cNvPicPr>
-            <a:picLocks noChangeAspect="1"/>
-          </p:cNvPicPr>
-          <p:nvPr/>
-        </p:nvPicPr>
-        <p:blipFill>
-          <a:blip r:embed="rId3"/>
-          <a:stretch>
-            <a:fillRect/>
-          </a:stretch>
-        </p:blipFill>
-        <p:spPr>
-          <a:xfrm>
-            <a:off x="7153835" y="954242"/>
-            <a:ext cx="4992873" cy="2644064"/>
-          </a:xfrm>
-          <a:prstGeom prst="rect">
-            <a:avLst/>
-          </a:prstGeom>
-        </p:spPr>
-      </p:pic>
-      <p:pic>
-        <p:nvPicPr>
-          <p:cNvPr id="9" name="Image 8">
-            <a:extLst>
-              <a:ext uri="{FF2B5EF4-FFF2-40B4-BE49-F238E27FC236}">
-                <a16:creationId xmlns:a16="http://schemas.microsoft.com/office/drawing/2014/main" id="{5F49EB22-0FCF-8AA9-D7F1-2A180FF12D38}"/>
-              </a:ext>
-            </a:extLst>
-          </p:cNvPr>
-          <p:cNvPicPr>
-            <a:picLocks noChangeAspect="1"/>
-          </p:cNvPicPr>
-          <p:nvPr/>
-        </p:nvPicPr>
-        <p:blipFill>
-          <a:blip r:embed="rId4"/>
-          <a:stretch>
-            <a:fillRect/>
-          </a:stretch>
-        </p:blipFill>
-        <p:spPr>
-          <a:xfrm>
-            <a:off x="4900700" y="3595790"/>
-            <a:ext cx="6185649" cy="3251362"/>
-          </a:xfrm>
-          <a:prstGeom prst="rect">
-            <a:avLst/>
-          </a:prstGeom>
-        </p:spPr>
-      </p:pic>
-      <p:sp>
-        <p:nvSpPr>
-          <p:cNvPr id="3" name="Espace réservé du contenu 2">
-            <a:extLst>
-              <a:ext uri="{FF2B5EF4-FFF2-40B4-BE49-F238E27FC236}">
-                <a16:creationId xmlns:a16="http://schemas.microsoft.com/office/drawing/2014/main" id="{7A7207EC-3988-46E8-3B0A-D294D03737D7}"/>
-              </a:ext>
-            </a:extLst>
-          </p:cNvPr>
-          <p:cNvSpPr>
-            <a:spLocks noGrp="1"/>
-          </p:cNvSpPr>
-          <p:nvPr>
-            <p:ph idx="1"/>
-          </p:nvPr>
-        </p:nvSpPr>
-        <p:spPr/>
-        <p:txBody>
-          <a:bodyPr/>
-          <a:lstStyle/>
-          <a:p>
-            <a:r>
-              <a:rPr lang="fr-FR" dirty="0">
-                <a:latin typeface="Courier New" panose="02070309020205020404" pitchFamily="49" charset="0"/>
-                <a:cs typeface="Courier New" panose="02070309020205020404" pitchFamily="49" charset="0"/>
-              </a:rPr>
-              <a:t>Gradient </a:t>
-            </a:r>
-            <a:r>
-              <a:rPr lang="fr-FR" dirty="0" err="1">
-                <a:latin typeface="Courier New" panose="02070309020205020404" pitchFamily="49" charset="0"/>
-                <a:cs typeface="Courier New" panose="02070309020205020404" pitchFamily="49" charset="0"/>
-              </a:rPr>
-              <a:t>descent</a:t>
-            </a:r>
-            <a:endParaRPr lang="fr-FR" dirty="0">
-              <a:latin typeface="Courier New" panose="02070309020205020404" pitchFamily="49" charset="0"/>
-              <a:cs typeface="Courier New" panose="02070309020205020404" pitchFamily="49" charset="0"/>
-            </a:endParaRPr>
-          </a:p>
-          <a:p>
-            <a:r>
-              <a:rPr lang="fr-FR" dirty="0">
-                <a:latin typeface="Courier New" panose="02070309020205020404" pitchFamily="49" charset="0"/>
-                <a:cs typeface="Courier New" panose="02070309020205020404" pitchFamily="49" charset="0"/>
-              </a:rPr>
-              <a:t>Neural Network</a:t>
-            </a:r>
-          </a:p>
-          <a:p>
-            <a:r>
-              <a:rPr lang="fr-FR" dirty="0">
-                <a:latin typeface="Courier New" panose="02070309020205020404" pitchFamily="49" charset="0"/>
-                <a:cs typeface="Courier New" panose="02070309020205020404" pitchFamily="49" charset="0"/>
-              </a:rPr>
-              <a:t>TensorFlow</a:t>
-            </a:r>
-          </a:p>
-          <a:p>
-            <a:r>
-              <a:rPr lang="fr-FR" dirty="0">
-                <a:latin typeface="Courier New" panose="02070309020205020404" pitchFamily="49" charset="0"/>
-                <a:cs typeface="Courier New" panose="02070309020205020404" pitchFamily="49" charset="0"/>
-              </a:rPr>
-              <a:t>CNN</a:t>
-            </a:r>
-          </a:p>
-          <a:p>
-            <a:r>
-              <a:rPr lang="fr-FR" dirty="0">
-                <a:latin typeface="Courier New" panose="02070309020205020404" pitchFamily="49" charset="0"/>
-                <a:cs typeface="Courier New" panose="02070309020205020404" pitchFamily="49" charset="0"/>
-              </a:rPr>
-              <a:t>Transfer Learning</a:t>
-            </a:r>
-          </a:p>
-          <a:p>
-            <a:r>
-              <a:rPr lang="fr-FR" dirty="0" err="1">
-                <a:latin typeface="Courier New" panose="02070309020205020404" pitchFamily="49" charset="0"/>
-                <a:cs typeface="Courier New" panose="02070309020205020404" pitchFamily="49" charset="0"/>
-              </a:rPr>
-              <a:t>Recurrent</a:t>
-            </a:r>
-            <a:r>
-              <a:rPr lang="fr-FR" dirty="0">
-                <a:latin typeface="Courier New" panose="02070309020205020404" pitchFamily="49" charset="0"/>
-                <a:cs typeface="Courier New" panose="02070309020205020404" pitchFamily="49" charset="0"/>
-              </a:rPr>
-              <a:t> NN</a:t>
-            </a:r>
-          </a:p>
-          <a:p>
-            <a:r>
-              <a:rPr lang="fr-FR" dirty="0">
-                <a:latin typeface="Courier New" panose="02070309020205020404" pitchFamily="49" charset="0"/>
-                <a:cs typeface="Courier New" panose="02070309020205020404" pitchFamily="49" charset="0"/>
-              </a:rPr>
-              <a:t>Encoder </a:t>
-            </a:r>
-            <a:r>
-              <a:rPr lang="fr-FR" dirty="0" err="1">
-                <a:latin typeface="Courier New" panose="02070309020205020404" pitchFamily="49" charset="0"/>
-                <a:cs typeface="Courier New" panose="02070309020205020404" pitchFamily="49" charset="0"/>
-              </a:rPr>
-              <a:t>Decoder</a:t>
-            </a:r>
-            <a:endParaRPr lang="fr-FR" dirty="0">
-              <a:latin typeface="Courier New" panose="02070309020205020404" pitchFamily="49" charset="0"/>
-              <a:cs typeface="Courier New" panose="02070309020205020404" pitchFamily="49" charset="0"/>
-            </a:endParaRPr>
-          </a:p>
-          <a:p>
-            <a:r>
-              <a:rPr lang="fr-FR" dirty="0">
-                <a:latin typeface="Courier New" panose="02070309020205020404" pitchFamily="49" charset="0"/>
-                <a:cs typeface="Courier New" panose="02070309020205020404" pitchFamily="49" charset="0"/>
-              </a:rPr>
-              <a:t>Attention</a:t>
-            </a:r>
-          </a:p>
-        </p:txBody>
-      </p:sp>
-    </p:spTree>
-    <p:extLst>
-      <p:ext uri="{BB962C8B-B14F-4D97-AF65-F5344CB8AC3E}">
-        <p14:creationId xmlns:p14="http://schemas.microsoft.com/office/powerpoint/2010/main" val="1781510308"/>
-      </p:ext>
-    </p:extLst>
-  </p:cSld>
-  <p:clrMapOvr>
-    <a:masterClrMapping/>
-  </p:clrMapOvr>
-</p:sld>
-</file>
-
 <file path=ppt/slides/slide4.xml><?xml version="1.0" encoding="utf-8"?>
 <p:sld xmlns:a="http://schemas.openxmlformats.org/drawingml/2006/main" xmlns:r="http://schemas.openxmlformats.org/officeDocument/2006/relationships" xmlns:p="http://schemas.openxmlformats.org/presentationml/2006/main">
   <p:cSld>
@@ -24990,7 +29377,7 @@
           <p:cNvPr id="2" name="Titre 1">
             <a:extLst>
               <a:ext uri="{FF2B5EF4-FFF2-40B4-BE49-F238E27FC236}">
-                <a16:creationId xmlns:a16="http://schemas.microsoft.com/office/drawing/2014/main" id="{9CCAFB44-1E98-30D1-66B6-ADD024A51F81}"/>
+                <a16:creationId xmlns:a16="http://schemas.microsoft.com/office/drawing/2014/main" id="{E0E01DF1-0641-8D9F-9A60-405CE98454A3}"/>
               </a:ext>
             </a:extLst>
           </p:cNvPr>
@@ -25008,22 +29395,157 @@
           <a:p>
             <a:r>
               <a:rPr lang="fr-FR" dirty="0"/>
-              <a:t>Gradient </a:t>
-            </a:r>
-            <a:r>
-              <a:rPr lang="fr-FR" dirty="0" err="1"/>
-              <a:t>Descent</a:t>
-            </a:r>
-            <a:endParaRPr lang="fr-FR" dirty="0"/>
+              <a:t>À propos de R²</a:t>
+            </a:r>
           </a:p>
         </p:txBody>
       </p:sp>
       <p:sp>
         <p:nvSpPr>
-          <p:cNvPr id="4" name="ZoneTexte 3">
+          <p:cNvPr id="3" name="Espace réservé du contenu 2">
             <a:extLst>
               <a:ext uri="{FF2B5EF4-FFF2-40B4-BE49-F238E27FC236}">
-                <a16:creationId xmlns:a16="http://schemas.microsoft.com/office/drawing/2014/main" id="{1C416E49-7DF2-EDF6-A55A-AC93469CE3F0}"/>
+                <a16:creationId xmlns:a16="http://schemas.microsoft.com/office/drawing/2014/main" id="{603E3238-BFE4-7F69-C6A3-DB775394AEA6}"/>
+              </a:ext>
+            </a:extLst>
+          </p:cNvPr>
+          <p:cNvSpPr>
+            <a:spLocks noGrp="1"/>
+          </p:cNvSpPr>
+          <p:nvPr>
+            <p:ph idx="1"/>
+          </p:nvPr>
+        </p:nvSpPr>
+        <p:spPr/>
+        <p:txBody>
+          <a:bodyPr>
+            <a:normAutofit fontScale="92500"/>
+          </a:bodyPr>
+          <a:lstStyle/>
+          <a:p>
+            <a:r>
+              <a:rPr lang="fr-FR" dirty="0"/>
+              <a:t>R² c’est </a:t>
+            </a:r>
+          </a:p>
+          <a:p>
+            <a:pPr lvl="1"/>
+            <a:r>
+              <a:rPr lang="fr-FR" dirty="0"/>
+              <a:t>la mesure de la capacité du modèle </a:t>
+            </a:r>
+          </a:p>
+          <a:p>
+            <a:pPr lvl="1"/>
+            <a:r>
+              <a:rPr lang="fr-FR" dirty="0"/>
+              <a:t>à </a:t>
+            </a:r>
+            <a:r>
+              <a:rPr lang="fr-FR" dirty="0">
+                <a:highlight>
+                  <a:srgbClr val="FFFF00"/>
+                </a:highlight>
+              </a:rPr>
+              <a:t>expliquer la variabilité </a:t>
+            </a:r>
+            <a:r>
+              <a:rPr lang="fr-FR" dirty="0"/>
+              <a:t>des mesures par rapport à la moyenne</a:t>
+            </a:r>
+          </a:p>
+          <a:p>
+            <a:endParaRPr lang="fr-FR" dirty="0"/>
+          </a:p>
+          <a:p>
+            <a:r>
+              <a:rPr lang="fr-FR" dirty="0"/>
+              <a:t>R² = SSR/SST</a:t>
+            </a:r>
+          </a:p>
+          <a:p>
+            <a:endParaRPr lang="fr-FR" dirty="0"/>
+          </a:p>
+          <a:p>
+            <a:r>
+              <a:rPr lang="fr-FR" dirty="0"/>
+              <a:t>SSR = distance entre la valeur </a:t>
+            </a:r>
+            <a:r>
+              <a:rPr lang="fr-FR" dirty="0" err="1"/>
+              <a:t>moy</a:t>
+            </a:r>
+            <a:br>
+              <a:rPr lang="fr-FR" dirty="0"/>
+            </a:br>
+            <a:r>
+              <a:rPr lang="fr-FR" dirty="0"/>
+              <a:t>           et la valeur prédite par le modèle</a:t>
+            </a:r>
+          </a:p>
+          <a:p>
+            <a:endParaRPr lang="fr-FR" dirty="0"/>
+          </a:p>
+          <a:p>
+            <a:r>
+              <a:rPr lang="fr-FR" dirty="0"/>
+              <a:t>SST = distance entre la valeur </a:t>
+            </a:r>
+            <a:r>
+              <a:rPr lang="fr-FR" dirty="0" err="1"/>
+              <a:t>moy</a:t>
+            </a:r>
+            <a:br>
+              <a:rPr lang="fr-FR" dirty="0"/>
+            </a:br>
+            <a:r>
+              <a:rPr lang="fr-FR" dirty="0"/>
+              <a:t>           et la valeur réelle de la </a:t>
+            </a:r>
+            <a:r>
+              <a:rPr lang="fr-FR" dirty="0" err="1"/>
+              <a:t>feature</a:t>
+            </a:r>
+            <a:endParaRPr lang="fr-FR" dirty="0"/>
+          </a:p>
+        </p:txBody>
+      </p:sp>
+      <p:pic>
+        <p:nvPicPr>
+          <p:cNvPr id="5" name="Image 4">
+            <a:extLst>
+              <a:ext uri="{FF2B5EF4-FFF2-40B4-BE49-F238E27FC236}">
+                <a16:creationId xmlns:a16="http://schemas.microsoft.com/office/drawing/2014/main" id="{B4DF1DE2-C329-411B-13E2-19D8E51F07A0}"/>
+              </a:ext>
+            </a:extLst>
+          </p:cNvPr>
+          <p:cNvPicPr>
+            <a:picLocks noChangeAspect="1"/>
+          </p:cNvPicPr>
+          <p:nvPr/>
+        </p:nvPicPr>
+        <p:blipFill>
+          <a:blip r:embed="rId3"/>
+          <a:stretch>
+            <a:fillRect/>
+          </a:stretch>
+        </p:blipFill>
+        <p:spPr>
+          <a:xfrm>
+            <a:off x="7040880" y="2778436"/>
+            <a:ext cx="5021903" cy="2869659"/>
+          </a:xfrm>
+          <a:prstGeom prst="rect">
+            <a:avLst/>
+          </a:prstGeom>
+        </p:spPr>
+      </p:pic>
+      <p:sp>
+        <p:nvSpPr>
+          <p:cNvPr id="8" name="ZoneTexte 7">
+            <a:extLst>
+              <a:ext uri="{FF2B5EF4-FFF2-40B4-BE49-F238E27FC236}">
+                <a16:creationId xmlns:a16="http://schemas.microsoft.com/office/drawing/2014/main" id="{24564B60-57E4-AD35-5488-A18BB73B85C8}"/>
               </a:ext>
             </a:extLst>
           </p:cNvPr>
@@ -25032,62 +29554,8 @@
         </p:nvSpPr>
         <p:spPr>
           <a:xfrm>
-            <a:off x="77506" y="1500094"/>
-            <a:ext cx="3868094" cy="5051906"/>
-          </a:xfrm>
-          <a:prstGeom prst="rect">
-            <a:avLst/>
-          </a:prstGeom>
-          <a:solidFill>
-            <a:schemeClr val="accent6">
-              <a:lumMod val="20000"/>
-              <a:lumOff val="80000"/>
-            </a:schemeClr>
-          </a:solidFill>
-        </p:spPr>
-        <p:txBody>
-          <a:bodyPr wrap="square" rtlCol="0">
-            <a:noAutofit/>
-          </a:bodyPr>
-          <a:lstStyle/>
-          <a:p>
-            <a:r>
-              <a:rPr lang="fr-FR" dirty="0">
-                <a:latin typeface="Courier New" panose="02070309020205020404" pitchFamily="49" charset="0"/>
-                <a:cs typeface="Courier New" panose="02070309020205020404" pitchFamily="49" charset="0"/>
-              </a:rPr>
-              <a:t>Gradient </a:t>
-            </a:r>
-            <a:r>
-              <a:rPr lang="fr-FR" dirty="0" err="1">
-                <a:latin typeface="Courier New" panose="02070309020205020404" pitchFamily="49" charset="0"/>
-                <a:cs typeface="Courier New" panose="02070309020205020404" pitchFamily="49" charset="0"/>
-              </a:rPr>
-              <a:t>Descent</a:t>
-            </a:r>
-            <a:endParaRPr lang="fr-FR" dirty="0">
-              <a:latin typeface="Courier New" panose="02070309020205020404" pitchFamily="49" charset="0"/>
-              <a:cs typeface="Courier New" panose="02070309020205020404" pitchFamily="49" charset="0"/>
-            </a:endParaRPr>
-          </a:p>
-        </p:txBody>
-      </p:sp>
-      <p:sp>
-        <p:nvSpPr>
-          <p:cNvPr id="5" name="ZoneTexte 4">
-            <a:extLst>
-              <a:ext uri="{FF2B5EF4-FFF2-40B4-BE49-F238E27FC236}">
-                <a16:creationId xmlns:a16="http://schemas.microsoft.com/office/drawing/2014/main" id="{E52DF695-5F65-DCF3-9D0F-5465B660035F}"/>
-              </a:ext>
-            </a:extLst>
-          </p:cNvPr>
-          <p:cNvSpPr txBox="1"/>
-          <p:nvPr/>
-        </p:nvSpPr>
-        <p:spPr>
-          <a:xfrm>
-            <a:off x="8248659" y="1500094"/>
-            <a:ext cx="3868094" cy="5051906"/>
+            <a:off x="7208520" y="5646604"/>
+            <a:ext cx="4724370" cy="861774"/>
           </a:xfrm>
           <a:prstGeom prst="rect">
             <a:avLst/>
@@ -25098,80 +29566,207 @@
               <a:lumOff val="80000"/>
             </a:schemeClr>
           </a:solidFill>
+          <a:ln>
+            <a:solidFill>
+              <a:schemeClr val="tx1"/>
+            </a:solidFill>
+          </a:ln>
         </p:spPr>
         <p:txBody>
-          <a:bodyPr wrap="square" rtlCol="0">
-            <a:noAutofit/>
+          <a:bodyPr wrap="none" rtlCol="0">
+            <a:spAutoFit/>
           </a:bodyPr>
           <a:lstStyle/>
           <a:p>
             <a:r>
-              <a:rPr lang="fr-FR" dirty="0">
+              <a:rPr lang="fr-FR" sz="1000" dirty="0">
                 <a:latin typeface="Courier New" panose="02070309020205020404" pitchFamily="49" charset="0"/>
                 <a:cs typeface="Courier New" panose="02070309020205020404" pitchFamily="49" charset="0"/>
               </a:rPr>
-              <a:t>Mini Batch</a:t>
+              <a:t>variabilité totale =   variabilité expliquée par le modèle </a:t>
+            </a:r>
+          </a:p>
+          <a:p>
+            <a:r>
+              <a:rPr lang="fr-FR" sz="1000" dirty="0">
+                <a:latin typeface="Courier New" panose="02070309020205020404" pitchFamily="49" charset="0"/>
+                <a:cs typeface="Courier New" panose="02070309020205020404" pitchFamily="49" charset="0"/>
+              </a:rPr>
+              <a:t>                     + variabilité non expliquée</a:t>
+            </a:r>
+          </a:p>
+          <a:p>
+            <a:endParaRPr lang="fr-FR" sz="1000" dirty="0">
+              <a:latin typeface="Courier New" panose="02070309020205020404" pitchFamily="49" charset="0"/>
+              <a:cs typeface="Courier New" panose="02070309020205020404" pitchFamily="49" charset="0"/>
+            </a:endParaRPr>
+          </a:p>
+          <a:p>
+            <a:r>
+              <a:rPr lang="fr-FR" sz="1000" dirty="0">
+                <a:latin typeface="Courier New" panose="02070309020205020404" pitchFamily="49" charset="0"/>
+                <a:cs typeface="Courier New" panose="02070309020205020404" pitchFamily="49" charset="0"/>
+              </a:rPr>
+              <a:t>SST                =   SSR </a:t>
+            </a:r>
+          </a:p>
+          <a:p>
+            <a:r>
+              <a:rPr lang="fr-FR" sz="1000" dirty="0">
+                <a:latin typeface="Courier New" panose="02070309020205020404" pitchFamily="49" charset="0"/>
+                <a:cs typeface="Courier New" panose="02070309020205020404" pitchFamily="49" charset="0"/>
+              </a:rPr>
+              <a:t>                     + SSE</a:t>
             </a:r>
           </a:p>
         </p:txBody>
       </p:sp>
       <p:sp>
         <p:nvSpPr>
-          <p:cNvPr id="6" name="ZoneTexte 5">
+          <p:cNvPr id="6" name="Rectangle 5">
             <a:extLst>
               <a:ext uri="{FF2B5EF4-FFF2-40B4-BE49-F238E27FC236}">
-                <a16:creationId xmlns:a16="http://schemas.microsoft.com/office/drawing/2014/main" id="{7D782B64-F1FF-8FDB-B53E-C92C89CC110E}"/>
+                <a16:creationId xmlns:a16="http://schemas.microsoft.com/office/drawing/2014/main" id="{A7C9A061-0019-02AA-9341-3137104EA0D0}"/>
               </a:ext>
             </a:extLst>
           </p:cNvPr>
-          <p:cNvSpPr txBox="1"/>
+          <p:cNvSpPr/>
           <p:nvPr/>
         </p:nvSpPr>
         <p:spPr>
           <a:xfrm>
-            <a:off x="4163082" y="1500094"/>
-            <a:ext cx="3868094" cy="5051906"/>
+            <a:off x="10639425" y="13654"/>
+            <a:ext cx="1543050" cy="519484"/>
           </a:xfrm>
           <a:prstGeom prst="rect">
             <a:avLst/>
           </a:prstGeom>
           <a:solidFill>
-            <a:schemeClr val="accent5">
-              <a:lumMod val="20000"/>
-              <a:lumOff val="80000"/>
+            <a:schemeClr val="accent6"/>
+          </a:solidFill>
+          <a:ln>
+            <a:noFill/>
+          </a:ln>
+        </p:spPr>
+        <p:style>
+          <a:lnRef idx="2">
+            <a:schemeClr val="accent1">
+              <a:shade val="15000"/>
             </a:schemeClr>
-          </a:solidFill>
-        </p:spPr>
+          </a:lnRef>
+          <a:fillRef idx="1">
+            <a:schemeClr val="accent1"/>
+          </a:fillRef>
+          <a:effectRef idx="0">
+            <a:schemeClr val="accent1"/>
+          </a:effectRef>
+          <a:fontRef idx="minor">
+            <a:schemeClr val="lt1"/>
+          </a:fontRef>
+        </p:style>
         <p:txBody>
-          <a:bodyPr wrap="square" rtlCol="0">
-            <a:noAutofit/>
-          </a:bodyPr>
+          <a:bodyPr rtlCol="0" anchor="ctr"/>
           <a:lstStyle/>
           <a:p>
-            <a:r>
-              <a:rPr lang="fr-FR" dirty="0" err="1">
-                <a:latin typeface="Courier New" panose="02070309020205020404" pitchFamily="49" charset="0"/>
-                <a:cs typeface="Courier New" panose="02070309020205020404" pitchFamily="49" charset="0"/>
-              </a:rPr>
-              <a:t>Stochastic</a:t>
-            </a:r>
-            <a:endParaRPr lang="fr-FR" dirty="0">
-              <a:latin typeface="Courier New" panose="02070309020205020404" pitchFamily="49" charset="0"/>
-              <a:cs typeface="Courier New" panose="02070309020205020404" pitchFamily="49" charset="0"/>
-            </a:endParaRPr>
+            <a:pPr algn="ctr"/>
+            <a:r>
+              <a:rPr lang="fr-FR" dirty="0"/>
+              <a:t>Commentaires</a:t>
+            </a:r>
           </a:p>
         </p:txBody>
       </p:sp>
     </p:spTree>
     <p:extLst>
       <p:ext uri="{BB962C8B-B14F-4D97-AF65-F5344CB8AC3E}">
-        <p14:creationId xmlns:p14="http://schemas.microsoft.com/office/powerpoint/2010/main" val="1692495815"/>
+        <p14:creationId xmlns:p14="http://schemas.microsoft.com/office/powerpoint/2010/main" val="2053994929"/>
       </p:ext>
     </p:extLst>
   </p:cSld>
   <p:clrMapOvr>
     <a:masterClrMapping/>
   </p:clrMapOvr>
+  <p:timing>
+    <p:tnLst>
+      <p:par>
+        <p:cTn id="1" dur="indefinite" restart="never" nodeType="tmRoot">
+          <p:childTnLst>
+            <p:seq concurrent="1" nextAc="seek">
+              <p:cTn id="2" dur="indefinite" nodeType="mainSeq">
+                <p:childTnLst>
+                  <p:par>
+                    <p:cTn id="3" fill="hold">
+                      <p:stCondLst>
+                        <p:cond delay="indefinite"/>
+                        <p:cond evt="onBegin" delay="0">
+                          <p:tn val="2"/>
+                        </p:cond>
+                      </p:stCondLst>
+                      <p:childTnLst>
+                        <p:par>
+                          <p:cTn id="4" fill="hold">
+                            <p:stCondLst>
+                              <p:cond delay="0"/>
+                            </p:stCondLst>
+                            <p:childTnLst>
+                              <p:par>
+                                <p:cTn id="5" presetID="1" presetClass="exit" presetSubtype="0" fill="hold" grpId="0" nodeType="withEffect">
+                                  <p:stCondLst>
+                                    <p:cond delay="0"/>
+                                  </p:stCondLst>
+                                  <p:childTnLst>
+                                    <p:set>
+                                      <p:cBhvr>
+                                        <p:cTn id="6" dur="1" fill="hold">
+                                          <p:stCondLst>
+                                            <p:cond delay="0"/>
+                                          </p:stCondLst>
+                                        </p:cTn>
+                                        <p:tgtEl>
+                                          <p:spTgt spid="6"/>
+                                        </p:tgtEl>
+                                        <p:attrNameLst>
+                                          <p:attrName>style.visibility</p:attrName>
+                                        </p:attrNameLst>
+                                      </p:cBhvr>
+                                      <p:to>
+                                        <p:strVal val="hidden"/>
+                                      </p:to>
+                                    </p:set>
+                                  </p:childTnLst>
+                                </p:cTn>
+                              </p:par>
+                            </p:childTnLst>
+                          </p:cTn>
+                        </p:par>
+                      </p:childTnLst>
+                    </p:cTn>
+                  </p:par>
+                </p:childTnLst>
+              </p:cTn>
+              <p:prevCondLst>
+                <p:cond evt="onPrev" delay="0">
+                  <p:tgtEl>
+                    <p:sldTgt/>
+                  </p:tgtEl>
+                </p:cond>
+              </p:prevCondLst>
+              <p:nextCondLst>
+                <p:cond evt="onNext" delay="0">
+                  <p:tgtEl>
+                    <p:sldTgt/>
+                  </p:tgtEl>
+                </p:cond>
+              </p:nextCondLst>
+            </p:seq>
+          </p:childTnLst>
+        </p:cTn>
+      </p:par>
+    </p:tnLst>
+    <p:bldLst>
+      <p:bldP spid="6" grpId="0" animBg="1"/>
+    </p:bldLst>
+  </p:timing>
 </p:sld>
 </file>
 
@@ -25197,7 +29792,7 @@
           <p:cNvPr id="2" name="Titre 1">
             <a:extLst>
               <a:ext uri="{FF2B5EF4-FFF2-40B4-BE49-F238E27FC236}">
-                <a16:creationId xmlns:a16="http://schemas.microsoft.com/office/drawing/2014/main" id="{3AB67CF9-8875-4BFF-5C40-DC69153B28FC}"/>
+                <a16:creationId xmlns:a16="http://schemas.microsoft.com/office/drawing/2014/main" id="{A623C05F-ED62-D77A-1E60-8B26B8DCF695}"/>
               </a:ext>
             </a:extLst>
           </p:cNvPr>
@@ -25214,8 +29809,20 @@
           <a:lstStyle/>
           <a:p>
             <a:r>
+              <a:rPr lang="fr-FR" dirty="0" err="1"/>
+              <a:t>Supervised</a:t>
+            </a:r>
+            <a:r>
               <a:rPr lang="fr-FR" dirty="0"/>
-              <a:t>Neural Network</a:t>
+              <a:t> – </a:t>
+            </a:r>
+            <a:r>
+              <a:rPr lang="fr-FR" dirty="0" err="1"/>
+              <a:t>Regularization</a:t>
+            </a:r>
+            <a:r>
+              <a:rPr lang="fr-FR" dirty="0"/>
+              <a:t> </a:t>
             </a:r>
           </a:p>
         </p:txBody>
@@ -25223,7 +29830,7 @@
     </p:spTree>
     <p:extLst>
       <p:ext uri="{BB962C8B-B14F-4D97-AF65-F5344CB8AC3E}">
-        <p14:creationId xmlns:p14="http://schemas.microsoft.com/office/powerpoint/2010/main" val="2073240906"/>
+        <p14:creationId xmlns:p14="http://schemas.microsoft.com/office/powerpoint/2010/main" val="3521603335"/>
       </p:ext>
     </p:extLst>
   </p:cSld>
@@ -25255,7 +29862,7 @@
           <p:cNvPr id="2" name="Titre 1">
             <a:extLst>
               <a:ext uri="{FF2B5EF4-FFF2-40B4-BE49-F238E27FC236}">
-                <a16:creationId xmlns:a16="http://schemas.microsoft.com/office/drawing/2014/main" id="{C86F8BF5-E163-3925-F0E3-CE352A08A3E7}"/>
+                <a16:creationId xmlns:a16="http://schemas.microsoft.com/office/drawing/2014/main" id="{7AC824CD-ADD5-4F6E-C3D9-918F13F5351C}"/>
               </a:ext>
             </a:extLst>
           </p:cNvPr>
@@ -25272,16 +29879,33 @@
           <a:lstStyle/>
           <a:p>
             <a:r>
+              <a:rPr lang="fr-FR" dirty="0" err="1"/>
+              <a:t>Supervised</a:t>
+            </a:r>
+            <a:r>
               <a:rPr lang="fr-FR" dirty="0"/>
-              <a:t>TensorFlow</a:t>
-            </a:r>
+              <a:t> – </a:t>
+            </a:r>
+            <a:r>
+              <a:rPr lang="fr-FR" dirty="0" err="1"/>
+              <a:t>Logistic</a:t>
+            </a:r>
+            <a:r>
+              <a:rPr lang="fr-FR" dirty="0"/>
+              <a:t> </a:t>
+            </a:r>
+            <a:r>
+              <a:rPr lang="fr-FR" dirty="0" err="1"/>
+              <a:t>Regression</a:t>
+            </a:r>
+            <a:endParaRPr lang="fr-FR" dirty="0"/>
           </a:p>
         </p:txBody>
       </p:sp>
     </p:spTree>
     <p:extLst>
       <p:ext uri="{BB962C8B-B14F-4D97-AF65-F5344CB8AC3E}">
-        <p14:creationId xmlns:p14="http://schemas.microsoft.com/office/powerpoint/2010/main" val="3599723430"/>
+        <p14:creationId xmlns:p14="http://schemas.microsoft.com/office/powerpoint/2010/main" val="4281267963"/>
       </p:ext>
     </p:extLst>
   </p:cSld>
@@ -25313,7 +29937,7 @@
           <p:cNvPr id="2" name="Titre 1">
             <a:extLst>
               <a:ext uri="{FF2B5EF4-FFF2-40B4-BE49-F238E27FC236}">
-                <a16:creationId xmlns:a16="http://schemas.microsoft.com/office/drawing/2014/main" id="{B139EC84-4102-FA48-7C43-D53C67D9D1B4}"/>
+                <a16:creationId xmlns:a16="http://schemas.microsoft.com/office/drawing/2014/main" id="{07116FA8-44B8-9944-8023-E01582822C0E}"/>
               </a:ext>
             </a:extLst>
           </p:cNvPr>
@@ -25331,11 +29955,11 @@
           <a:p>
             <a:r>
               <a:rPr lang="fr-FR" dirty="0" err="1"/>
-              <a:t>Convolutional</a:t>
+              <a:t>Supervised</a:t>
             </a:r>
             <a:r>
               <a:rPr lang="fr-FR" dirty="0"/>
-              <a:t> NN</a:t>
+              <a:t> – Random Forest</a:t>
             </a:r>
           </a:p>
         </p:txBody>
@@ -25343,7 +29967,7 @@
     </p:spTree>
     <p:extLst>
       <p:ext uri="{BB962C8B-B14F-4D97-AF65-F5344CB8AC3E}">
-        <p14:creationId xmlns:p14="http://schemas.microsoft.com/office/powerpoint/2010/main" val="3531592778"/>
+        <p14:creationId xmlns:p14="http://schemas.microsoft.com/office/powerpoint/2010/main" val="2553244764"/>
       </p:ext>
     </p:extLst>
   </p:cSld>
@@ -25375,7 +29999,7 @@
           <p:cNvPr id="2" name="Titre 1">
             <a:extLst>
               <a:ext uri="{FF2B5EF4-FFF2-40B4-BE49-F238E27FC236}">
-                <a16:creationId xmlns:a16="http://schemas.microsoft.com/office/drawing/2014/main" id="{ED0818AE-7F16-58BD-C798-6ED7D79B5AA6}"/>
+                <a16:creationId xmlns:a16="http://schemas.microsoft.com/office/drawing/2014/main" id="{C0510D22-4285-F6FE-1F95-0A6A26F75AB3}"/>
               </a:ext>
             </a:extLst>
           </p:cNvPr>
@@ -25392,8 +30016,12 @@
           <a:lstStyle/>
           <a:p>
             <a:r>
+              <a:rPr lang="fr-FR" dirty="0" err="1"/>
+              <a:t>Supervised</a:t>
+            </a:r>
+            <a:r>
               <a:rPr lang="fr-FR" dirty="0"/>
-              <a:t>Transfert Learning</a:t>
+              <a:t> - SVM</a:t>
             </a:r>
           </a:p>
         </p:txBody>
@@ -25401,7 +30029,7 @@
     </p:spTree>
     <p:extLst>
       <p:ext uri="{BB962C8B-B14F-4D97-AF65-F5344CB8AC3E}">
-        <p14:creationId xmlns:p14="http://schemas.microsoft.com/office/powerpoint/2010/main" val="3764972675"/>
+        <p14:creationId xmlns:p14="http://schemas.microsoft.com/office/powerpoint/2010/main" val="3737153484"/>
       </p:ext>
     </p:extLst>
   </p:cSld>
@@ -25433,7 +30061,7 @@
           <p:cNvPr id="2" name="Titre 1">
             <a:extLst>
               <a:ext uri="{FF2B5EF4-FFF2-40B4-BE49-F238E27FC236}">
-                <a16:creationId xmlns:a16="http://schemas.microsoft.com/office/drawing/2014/main" id="{DDEB4661-73B6-C0E2-CA9B-BB8C63C5D7E1}"/>
+                <a16:creationId xmlns:a16="http://schemas.microsoft.com/office/drawing/2014/main" id="{7D60C26F-1D0D-E9D5-6F9F-42492584BFB4}"/>
               </a:ext>
             </a:extLst>
           </p:cNvPr>
@@ -25450,24 +30078,12 @@
           <a:lstStyle/>
           <a:p>
             <a:r>
+              <a:rPr lang="fr-FR" dirty="0" err="1"/>
+              <a:t>Supervised</a:t>
+            </a:r>
+            <a:r>
               <a:rPr lang="fr-FR" dirty="0"/>
-              <a:t>GAN – </a:t>
-            </a:r>
-            <a:r>
-              <a:rPr lang="fr-FR" dirty="0" err="1"/>
-              <a:t>Generative</a:t>
-            </a:r>
-            <a:r>
-              <a:rPr lang="fr-FR" dirty="0"/>
-              <a:t> </a:t>
-            </a:r>
-            <a:r>
-              <a:rPr lang="fr-FR" dirty="0" err="1"/>
-              <a:t>Advesarial</a:t>
-            </a:r>
-            <a:r>
-              <a:rPr lang="fr-FR" dirty="0"/>
-              <a:t> Networks</a:t>
+              <a:t> - SVM</a:t>
             </a:r>
           </a:p>
         </p:txBody>
@@ -25475,7 +30091,7 @@
     </p:spTree>
     <p:extLst>
       <p:ext uri="{BB962C8B-B14F-4D97-AF65-F5344CB8AC3E}">
-        <p14:creationId xmlns:p14="http://schemas.microsoft.com/office/powerpoint/2010/main" val="2428471880"/>
+        <p14:creationId xmlns:p14="http://schemas.microsoft.com/office/powerpoint/2010/main" val="4223774021"/>
       </p:ext>
     </p:extLst>
   </p:cSld>

--- a/12_assets/course_review.pptx
+++ b/12_assets/course_review.pptx
@@ -159,7 +159,7 @@
   <pc:docChgLst>
     <pc:chgData name="Philippe Baucour" userId="5102170ae7533958" providerId="LiveId" clId="{92FC1C5E-2783-49B0-B630-5364916B899A}"/>
     <pc:docChg chg="undo custSel addSld delSld modSld modMainMaster">
-      <pc:chgData name="Philippe Baucour" userId="5102170ae7533958" providerId="LiveId" clId="{92FC1C5E-2783-49B0-B630-5364916B899A}" dt="2024-05-23T05:25:35.687" v="6477" actId="27636"/>
+      <pc:chgData name="Philippe Baucour" userId="5102170ae7533958" providerId="LiveId" clId="{92FC1C5E-2783-49B0-B630-5364916B899A}" dt="2024-05-24T15:40:42.604" v="6497" actId="1076"/>
       <pc:docMkLst>
         <pc:docMk/>
       </pc:docMkLst>
@@ -598,7 +598,7 @@
         </pc:spChg>
       </pc:sldChg>
       <pc:sldChg chg="addSp delSp modSp add mod modClrScheme chgLayout modNotesTx">
-        <pc:chgData name="Philippe Baucour" userId="5102170ae7533958" providerId="LiveId" clId="{92FC1C5E-2783-49B0-B630-5364916B899A}" dt="2024-05-22T21:24:16.780" v="6334" actId="1076"/>
+        <pc:chgData name="Philippe Baucour" userId="5102170ae7533958" providerId="LiveId" clId="{92FC1C5E-2783-49B0-B630-5364916B899A}" dt="2024-05-24T15:40:42.604" v="6497" actId="1076"/>
         <pc:sldMkLst>
           <pc:docMk/>
           <pc:sldMk cId="2939037261" sldId="269"/>
@@ -1012,7 +1012,7 @@
           </ac:spMkLst>
         </pc:spChg>
         <pc:spChg chg="mod">
-          <ac:chgData name="Philippe Baucour" userId="5102170ae7533958" providerId="LiveId" clId="{92FC1C5E-2783-49B0-B630-5364916B899A}" dt="2024-05-22T21:16:09.335" v="6285" actId="20577"/>
+          <ac:chgData name="Philippe Baucour" userId="5102170ae7533958" providerId="LiveId" clId="{92FC1C5E-2783-49B0-B630-5364916B899A}" dt="2024-05-24T15:40:42.604" v="6497" actId="1076"/>
           <ac:spMkLst>
             <pc:docMk/>
             <pc:sldMk cId="2939037261" sldId="269"/>
@@ -3690,7 +3690,7 @@
           <a:p>
             <a:fld id="{C5D8FFE9-C585-481A-8C95-EA03CD59938B}" type="datetimeFigureOut">
               <a:rPr lang="fr-FR" smtClean="0"/>
-              <a:t>23/05/2024</a:t>
+              <a:t>24/05/2024</a:t>
             </a:fld>
             <a:endParaRPr lang="fr-FR"/>
           </a:p>
@@ -6874,7 +6874,7 @@
           <a:p>
             <a:fld id="{E049BE60-F297-4D51-9BF6-34EA6E4A2150}" type="datetimeFigureOut">
               <a:rPr lang="fr-FR" smtClean="0"/>
-              <a:t>23/05/2024</a:t>
+              <a:t>24/05/2024</a:t>
             </a:fld>
             <a:endParaRPr lang="fr-FR"/>
           </a:p>
@@ -7072,7 +7072,7 @@
           <a:p>
             <a:fld id="{E049BE60-F297-4D51-9BF6-34EA6E4A2150}" type="datetimeFigureOut">
               <a:rPr lang="fr-FR" smtClean="0"/>
-              <a:t>23/05/2024</a:t>
+              <a:t>24/05/2024</a:t>
             </a:fld>
             <a:endParaRPr lang="fr-FR"/>
           </a:p>
@@ -7280,7 +7280,7 @@
           <a:p>
             <a:fld id="{E049BE60-F297-4D51-9BF6-34EA6E4A2150}" type="datetimeFigureOut">
               <a:rPr lang="fr-FR" smtClean="0"/>
-              <a:t>23/05/2024</a:t>
+              <a:t>24/05/2024</a:t>
             </a:fld>
             <a:endParaRPr lang="fr-FR"/>
           </a:p>
@@ -7478,7 +7478,7 @@
           <a:p>
             <a:fld id="{E049BE60-F297-4D51-9BF6-34EA6E4A2150}" type="datetimeFigureOut">
               <a:rPr lang="fr-FR" smtClean="0"/>
-              <a:t>23/05/2024</a:t>
+              <a:t>24/05/2024</a:t>
             </a:fld>
             <a:endParaRPr lang="fr-FR"/>
           </a:p>
@@ -7753,7 +7753,7 @@
           <a:p>
             <a:fld id="{E049BE60-F297-4D51-9BF6-34EA6E4A2150}" type="datetimeFigureOut">
               <a:rPr lang="fr-FR" smtClean="0"/>
-              <a:t>23/05/2024</a:t>
+              <a:t>24/05/2024</a:t>
             </a:fld>
             <a:endParaRPr lang="fr-FR"/>
           </a:p>
@@ -8018,7 +8018,7 @@
           <a:p>
             <a:fld id="{E049BE60-F297-4D51-9BF6-34EA6E4A2150}" type="datetimeFigureOut">
               <a:rPr lang="fr-FR" smtClean="0"/>
-              <a:t>23/05/2024</a:t>
+              <a:t>24/05/2024</a:t>
             </a:fld>
             <a:endParaRPr lang="fr-FR"/>
           </a:p>
@@ -8430,7 +8430,7 @@
           <a:p>
             <a:fld id="{E049BE60-F297-4D51-9BF6-34EA6E4A2150}" type="datetimeFigureOut">
               <a:rPr lang="fr-FR" smtClean="0"/>
-              <a:t>23/05/2024</a:t>
+              <a:t>24/05/2024</a:t>
             </a:fld>
             <a:endParaRPr lang="fr-FR"/>
           </a:p>
@@ -8571,7 +8571,7 @@
           <a:p>
             <a:fld id="{E049BE60-F297-4D51-9BF6-34EA6E4A2150}" type="datetimeFigureOut">
               <a:rPr lang="fr-FR" smtClean="0"/>
-              <a:t>23/05/2024</a:t>
+              <a:t>24/05/2024</a:t>
             </a:fld>
             <a:endParaRPr lang="fr-FR"/>
           </a:p>
@@ -8684,7 +8684,7 @@
           <a:p>
             <a:fld id="{E049BE60-F297-4D51-9BF6-34EA6E4A2150}" type="datetimeFigureOut">
               <a:rPr lang="fr-FR" smtClean="0"/>
-              <a:t>23/05/2024</a:t>
+              <a:t>24/05/2024</a:t>
             </a:fld>
             <a:endParaRPr lang="fr-FR"/>
           </a:p>
@@ -8995,7 +8995,7 @@
           <a:p>
             <a:fld id="{E049BE60-F297-4D51-9BF6-34EA6E4A2150}" type="datetimeFigureOut">
               <a:rPr lang="fr-FR" smtClean="0"/>
-              <a:t>23/05/2024</a:t>
+              <a:t>24/05/2024</a:t>
             </a:fld>
             <a:endParaRPr lang="fr-FR"/>
           </a:p>
@@ -9286,7 +9286,7 @@
           <a:p>
             <a:fld id="{E049BE60-F297-4D51-9BF6-34EA6E4A2150}" type="datetimeFigureOut">
               <a:rPr lang="fr-FR" smtClean="0"/>
-              <a:t>23/05/2024</a:t>
+              <a:t>24/05/2024</a:t>
             </a:fld>
             <a:endParaRPr lang="fr-FR"/>
           </a:p>
@@ -9527,7 +9527,7 @@
           <a:p>
             <a:fld id="{E049BE60-F297-4D51-9BF6-34EA6E4A2150}" type="datetimeFigureOut">
               <a:rPr lang="fr-FR" smtClean="0"/>
-              <a:t>23/05/2024</a:t>
+              <a:t>24/05/2024</a:t>
             </a:fld>
             <a:endParaRPr lang="fr-FR"/>
           </a:p>
@@ -17794,8 +17794,8 @@
           </a:p>
         </p:txBody>
       </p:sp>
-      <mc:AlternateContent xmlns:mc="http://schemas.openxmlformats.org/markup-compatibility/2006">
-        <mc:Choice xmlns:a14="http://schemas.microsoft.com/office/drawing/2010/main" Requires="a14">
+      <mc:AlternateContent xmlns:mc="http://schemas.openxmlformats.org/markup-compatibility/2006" xmlns:a14="http://schemas.microsoft.com/office/drawing/2010/main">
+        <mc:Choice Requires="a14">
           <p:sp>
             <p:nvSpPr>
               <p:cNvPr id="3" name="Espace réservé du contenu 2">
@@ -18114,7 +18114,7 @@
             </p:txBody>
           </p:sp>
         </mc:Choice>
-        <mc:Fallback>
+        <mc:Fallback xmlns="">
           <p:sp>
             <p:nvSpPr>
               <p:cNvPr id="3" name="Espace réservé du contenu 2">
@@ -20110,8 +20110,8 @@
         </p:nvSpPr>
         <p:spPr>
           <a:xfrm rot="21051358">
-            <a:off x="10918615" y="5331758"/>
-            <a:ext cx="2185214" cy="707886"/>
+            <a:off x="10995146" y="5509217"/>
+            <a:ext cx="2185214" cy="861774"/>
           </a:xfrm>
           <a:prstGeom prst="rect">
             <a:avLst/>
@@ -20132,6 +20132,18 @@
             <a:spAutoFit/>
           </a:bodyPr>
           <a:lstStyle/>
+          <a:p>
+            <a:r>
+              <a:rPr lang="fr-FR" sz="1000" dirty="0">
+                <a:solidFill>
+                  <a:schemeClr val="bg1"/>
+                </a:solidFill>
+                <a:latin typeface="Courier New" panose="02070309020205020404" pitchFamily="49" charset="0"/>
+                <a:cs typeface="Courier New" panose="02070309020205020404" pitchFamily="49" charset="0"/>
+              </a:rPr>
+              <a:t>On fait un ARGMAX</a:t>
+            </a:r>
+          </a:p>
           <a:p>
             <a:r>
               <a:rPr lang="fr-FR" sz="1000" dirty="0">

--- a/12_assets/course_review.pptx
+++ b/12_assets/course_review.pptx
@@ -149,7 +149,7 @@
 <file path=ppt/revisionInfo.xml><?xml version="1.0" encoding="utf-8"?>
 <p1510:revInfo xmlns:a="http://schemas.openxmlformats.org/drawingml/2006/main" xmlns:r="http://schemas.openxmlformats.org/officeDocument/2006/relationships" xmlns:p1510="http://schemas.microsoft.com/office/powerpoint/2015/10/main">
   <p1510:revLst>
-    <p1510:client id="{92FC1C5E-2783-49B0-B630-5364916B899A}" v="274" dt="2024-05-23T05:23:58.823"/>
+    <p1510:client id="{92FC1C5E-2783-49B0-B630-5364916B899A}" v="286" dt="2024-05-27T05:45:39.496"/>
   </p1510:revLst>
 </p1510:revInfo>
 </file>
@@ -159,7 +159,7 @@
   <pc:docChgLst>
     <pc:chgData name="Philippe Baucour" userId="5102170ae7533958" providerId="LiveId" clId="{92FC1C5E-2783-49B0-B630-5364916B899A}"/>
     <pc:docChg chg="undo custSel addSld delSld modSld modMainMaster">
-      <pc:chgData name="Philippe Baucour" userId="5102170ae7533958" providerId="LiveId" clId="{92FC1C5E-2783-49B0-B630-5364916B899A}" dt="2024-05-24T15:40:42.604" v="6497" actId="1076"/>
+      <pc:chgData name="Philippe Baucour" userId="5102170ae7533958" providerId="LiveId" clId="{92FC1C5E-2783-49B0-B630-5364916B899A}" dt="2024-05-27T05:59:25.963" v="7480" actId="1076"/>
       <pc:docMkLst>
         <pc:docMk/>
       </pc:docMkLst>
@@ -234,7 +234,7 @@
         </pc:spChg>
       </pc:sldChg>
       <pc:sldChg chg="addSp modSp new mod modClrScheme chgLayout">
-        <pc:chgData name="Philippe Baucour" userId="5102170ae7533958" providerId="LiveId" clId="{92FC1C5E-2783-49B0-B630-5364916B899A}" dt="2024-05-15T05:25:16.169" v="821" actId="20577"/>
+        <pc:chgData name="Philippe Baucour" userId="5102170ae7533958" providerId="LiveId" clId="{92FC1C5E-2783-49B0-B630-5364916B899A}" dt="2024-05-27T05:21:10.048" v="6831" actId="1035"/>
         <pc:sldMkLst>
           <pc:docMk/>
           <pc:sldMk cId="1781510308" sldId="258"/>
@@ -264,7 +264,7 @@
           </ac:picMkLst>
         </pc:picChg>
         <pc:picChg chg="add mod">
-          <ac:chgData name="Philippe Baucour" userId="5102170ae7533958" providerId="LiveId" clId="{92FC1C5E-2783-49B0-B630-5364916B899A}" dt="2024-05-15T05:09:02.946" v="435" actId="1035"/>
+          <ac:chgData name="Philippe Baucour" userId="5102170ae7533958" providerId="LiveId" clId="{92FC1C5E-2783-49B0-B630-5364916B899A}" dt="2024-05-27T05:21:10.048" v="6831" actId="1035"/>
           <ac:picMkLst>
             <pc:docMk/>
             <pc:sldMk cId="1781510308" sldId="258"/>
@@ -272,7 +272,7 @@
           </ac:picMkLst>
         </pc:picChg>
         <pc:picChg chg="add mod">
-          <ac:chgData name="Philippe Baucour" userId="5102170ae7533958" providerId="LiveId" clId="{92FC1C5E-2783-49B0-B630-5364916B899A}" dt="2024-05-15T05:24:43.380" v="805" actId="1038"/>
+          <ac:chgData name="Philippe Baucour" userId="5102170ae7533958" providerId="LiveId" clId="{92FC1C5E-2783-49B0-B630-5364916B899A}" dt="2024-05-27T05:21:07.053" v="6824" actId="1036"/>
           <ac:picMkLst>
             <pc:docMk/>
             <pc:sldMk cId="1781510308" sldId="258"/>
@@ -281,7 +281,7 @@
         </pc:picChg>
       </pc:sldChg>
       <pc:sldChg chg="addSp delSp modSp new mod modClrScheme chgLayout">
-        <pc:chgData name="Philippe Baucour" userId="5102170ae7533958" providerId="LiveId" clId="{92FC1C5E-2783-49B0-B630-5364916B899A}" dt="2024-05-22T21:11:29.647" v="6218" actId="20577"/>
+        <pc:chgData name="Philippe Baucour" userId="5102170ae7533958" providerId="LiveId" clId="{92FC1C5E-2783-49B0-B630-5364916B899A}" dt="2024-05-27T05:59:25.963" v="7480" actId="1076"/>
         <pc:sldMkLst>
           <pc:docMk/>
           <pc:sldMk cId="1692495815" sldId="259"/>
@@ -303,7 +303,7 @@
           </ac:spMkLst>
         </pc:spChg>
         <pc:spChg chg="add mod">
-          <ac:chgData name="Philippe Baucour" userId="5102170ae7533958" providerId="LiveId" clId="{92FC1C5E-2783-49B0-B630-5364916B899A}" dt="2024-05-15T05:35:09.957" v="967" actId="14100"/>
+          <ac:chgData name="Philippe Baucour" userId="5102170ae7533958" providerId="LiveId" clId="{92FC1C5E-2783-49B0-B630-5364916B899A}" dt="2024-05-27T05:53:06.148" v="7425" actId="20577"/>
           <ac:spMkLst>
             <pc:docMk/>
             <pc:sldMk cId="1692495815" sldId="259"/>
@@ -311,7 +311,7 @@
           </ac:spMkLst>
         </pc:spChg>
         <pc:spChg chg="add mod">
-          <ac:chgData name="Philippe Baucour" userId="5102170ae7533958" providerId="LiveId" clId="{92FC1C5E-2783-49B0-B630-5364916B899A}" dt="2024-05-15T05:35:09.957" v="967" actId="14100"/>
+          <ac:chgData name="Philippe Baucour" userId="5102170ae7533958" providerId="LiveId" clId="{92FC1C5E-2783-49B0-B630-5364916B899A}" dt="2024-05-27T05:31:29.777" v="7086"/>
           <ac:spMkLst>
             <pc:docMk/>
             <pc:sldMk cId="1692495815" sldId="259"/>
@@ -319,13 +319,37 @@
           </ac:spMkLst>
         </pc:spChg>
         <pc:spChg chg="add mod">
-          <ac:chgData name="Philippe Baucour" userId="5102170ae7533958" providerId="LiveId" clId="{92FC1C5E-2783-49B0-B630-5364916B899A}" dt="2024-05-15T05:35:09.957" v="967" actId="14100"/>
+          <ac:chgData name="Philippe Baucour" userId="5102170ae7533958" providerId="LiveId" clId="{92FC1C5E-2783-49B0-B630-5364916B899A}" dt="2024-05-27T05:58:57.711" v="7477" actId="20577"/>
           <ac:spMkLst>
             <pc:docMk/>
             <pc:sldMk cId="1692495815" sldId="259"/>
             <ac:spMk id="6" creationId="{7D782B64-F1FF-8FDB-B53E-C92C89CC110E}"/>
           </ac:spMkLst>
         </pc:spChg>
+        <pc:spChg chg="add mod">
+          <ac:chgData name="Philippe Baucour" userId="5102170ae7533958" providerId="LiveId" clId="{92FC1C5E-2783-49B0-B630-5364916B899A}" dt="2024-05-27T05:59:25.963" v="7480" actId="1076"/>
+          <ac:spMkLst>
+            <pc:docMk/>
+            <pc:sldMk cId="1692495815" sldId="259"/>
+            <ac:spMk id="8" creationId="{39C6873E-B0A1-4A91-C036-4011FF3C699F}"/>
+          </ac:spMkLst>
+        </pc:spChg>
+        <pc:spChg chg="add mod">
+          <ac:chgData name="Philippe Baucour" userId="5102170ae7533958" providerId="LiveId" clId="{92FC1C5E-2783-49B0-B630-5364916B899A}" dt="2024-05-27T05:59:17.374" v="7479" actId="1076"/>
+          <ac:spMkLst>
+            <pc:docMk/>
+            <pc:sldMk cId="1692495815" sldId="259"/>
+            <ac:spMk id="9" creationId="{5FB35D7C-C00A-07C9-F758-4F758A67023F}"/>
+          </ac:spMkLst>
+        </pc:spChg>
+        <pc:picChg chg="add mod">
+          <ac:chgData name="Philippe Baucour" userId="5102170ae7533958" providerId="LiveId" clId="{92FC1C5E-2783-49B0-B630-5364916B899A}" dt="2024-05-27T05:38:50.182" v="7160" actId="1076"/>
+          <ac:picMkLst>
+            <pc:docMk/>
+            <pc:sldMk cId="1692495815" sldId="259"/>
+            <ac:picMk id="7" creationId="{DA6D585F-9752-7DD7-9C55-B19533251B91}"/>
+          </ac:picMkLst>
+        </pc:picChg>
       </pc:sldChg>
       <pc:sldChg chg="addSp delSp modSp new del mod modClrScheme chgLayout">
         <pc:chgData name="Philippe Baucour" userId="5102170ae7533958" providerId="LiveId" clId="{92FC1C5E-2783-49B0-B630-5364916B899A}" dt="2024-05-15T05:16:26.229" v="612" actId="47"/>
@@ -598,7 +622,7 @@
         </pc:spChg>
       </pc:sldChg>
       <pc:sldChg chg="addSp delSp modSp add mod modClrScheme chgLayout modNotesTx">
-        <pc:chgData name="Philippe Baucour" userId="5102170ae7533958" providerId="LiveId" clId="{92FC1C5E-2783-49B0-B630-5364916B899A}" dt="2024-05-24T15:40:42.604" v="6497" actId="1076"/>
+        <pc:chgData name="Philippe Baucour" userId="5102170ae7533958" providerId="LiveId" clId="{92FC1C5E-2783-49B0-B630-5364916B899A}" dt="2024-05-26T09:35:32.094" v="6783" actId="20577"/>
         <pc:sldMkLst>
           <pc:docMk/>
           <pc:sldMk cId="2939037261" sldId="269"/>
@@ -1011,8 +1035,8 @@
             <ac:spMk id="1041" creationId="{75C2D7DC-A299-673D-7496-84C57F77B58B}"/>
           </ac:spMkLst>
         </pc:spChg>
-        <pc:spChg chg="mod">
-          <ac:chgData name="Philippe Baucour" userId="5102170ae7533958" providerId="LiveId" clId="{92FC1C5E-2783-49B0-B630-5364916B899A}" dt="2024-05-24T15:40:42.604" v="6497" actId="1076"/>
+        <pc:spChg chg="del mod">
+          <ac:chgData name="Philippe Baucour" userId="5102170ae7533958" providerId="LiveId" clId="{92FC1C5E-2783-49B0-B630-5364916B899A}" dt="2024-05-26T09:25:52.459" v="6498" actId="478"/>
           <ac:spMkLst>
             <pc:docMk/>
             <pc:sldMk cId="2939037261" sldId="269"/>
@@ -1652,7 +1676,7 @@
           </ac:spMkLst>
         </pc:spChg>
         <pc:spChg chg="add mod">
-          <ac:chgData name="Philippe Baucour" userId="5102170ae7533958" providerId="LiveId" clId="{92FC1C5E-2783-49B0-B630-5364916B899A}" dt="2024-05-22T05:51:11.142" v="5645" actId="1037"/>
+          <ac:chgData name="Philippe Baucour" userId="5102170ae7533958" providerId="LiveId" clId="{92FC1C5E-2783-49B0-B630-5364916B899A}" dt="2024-05-26T09:26:39.850" v="6522" actId="1035"/>
           <ac:spMkLst>
             <pc:docMk/>
             <pc:sldMk cId="2939037261" sldId="269"/>
@@ -1739,6 +1763,14 @@
             <ac:spMk id="1164" creationId="{E09FCE68-5323-759F-551E-179FC984EE2B}"/>
           </ac:spMkLst>
         </pc:spChg>
+        <pc:spChg chg="add mod">
+          <ac:chgData name="Philippe Baucour" userId="5102170ae7533958" providerId="LiveId" clId="{92FC1C5E-2783-49B0-B630-5364916B899A}" dt="2024-05-26T09:26:50.811" v="6539" actId="1037"/>
+          <ac:spMkLst>
+            <pc:docMk/>
+            <pc:sldMk cId="2939037261" sldId="269"/>
+            <ac:spMk id="1165" creationId="{5045CAF1-8FA5-5DBE-AEB6-60BA28393B18}"/>
+          </ac:spMkLst>
+        </pc:spChg>
         <pc:spChg chg="mod">
           <ac:chgData name="Philippe Baucour" userId="5102170ae7533958" providerId="LiveId" clId="{92FC1C5E-2783-49B0-B630-5364916B899A}" dt="2024-05-22T05:54:33.910" v="5664"/>
           <ac:spMkLst>
@@ -2004,7 +2036,7 @@
           </ac:grpSpMkLst>
         </pc:grpChg>
         <pc:grpChg chg="add mod">
-          <ac:chgData name="Philippe Baucour" userId="5102170ae7533958" providerId="LiveId" clId="{92FC1C5E-2783-49B0-B630-5364916B899A}" dt="2024-05-22T05:51:11.142" v="5645" actId="1037"/>
+          <ac:chgData name="Philippe Baucour" userId="5102170ae7533958" providerId="LiveId" clId="{92FC1C5E-2783-49B0-B630-5364916B899A}" dt="2024-05-26T09:26:39.850" v="6522" actId="1035"/>
           <ac:grpSpMkLst>
             <pc:docMk/>
             <pc:sldMk cId="2939037261" sldId="269"/>
@@ -3690,7 +3722,7 @@
           <a:p>
             <a:fld id="{C5D8FFE9-C585-481A-8C95-EA03CD59938B}" type="datetimeFigureOut">
               <a:rPr lang="fr-FR" smtClean="0"/>
-              <a:t>24/05/2024</a:t>
+              <a:t>27/05/2024</a:t>
             </a:fld>
             <a:endParaRPr lang="fr-FR"/>
           </a:p>
@@ -6375,9 +6407,34 @@
             </a:r>
           </a:p>
           <a:p>
+            <a:pPr marL="0" marR="0" lvl="0" indent="0" algn="l" defTabSz="914400" rtl="0" eaLnBrk="1" fontAlgn="auto" latinLnBrk="0" hangingPunct="1">
+              <a:lnSpc>
+                <a:spcPct val="100000"/>
+              </a:lnSpc>
+              <a:spcBef>
+                <a:spcPts val="0"/>
+              </a:spcBef>
+              <a:spcAft>
+                <a:spcPts val="0"/>
+              </a:spcAft>
+              <a:buClrTx/>
+              <a:buSzTx/>
+              <a:buFontTx/>
+              <a:buNone/>
+              <a:tabLst/>
+              <a:defRPr/>
+            </a:pPr>
             <a:r>
               <a:rPr lang="fr-FR" dirty="0"/>
-              <a:t>Finalement une copie du vecteur de long </a:t>
+              <a:t>0n invoque </a:t>
+            </a:r>
+            <a:r>
+              <a:rPr lang="fr-FR" dirty="0" err="1"/>
+              <a:t>argmax</a:t>
+            </a:r>
+            <a:r>
+              <a:rPr lang="fr-FR" dirty="0"/>
+              <a:t>() sur le vecteur de longueur </a:t>
             </a:r>
             <a:r>
               <a:rPr lang="fr-FR" dirty="0" err="1"/>
@@ -6385,7 +6442,21 @@
             </a:r>
             <a:r>
               <a:rPr lang="fr-FR" dirty="0"/>
-              <a:t> est ramenée vers l'interrupteur 3 à l'aide du câble vert</a:t>
+              <a:t> afin de retrouver l'indice du mot le plus probable.</a:t>
+            </a:r>
+          </a:p>
+          <a:p>
+            <a:r>
+              <a:rPr lang="fr-FR" dirty="0"/>
+              <a:t>Ce </a:t>
+            </a:r>
+            <a:r>
+              <a:rPr lang="fr-FR"/>
+              <a:t>dernier est ramené </a:t>
+            </a:r>
+            <a:r>
+              <a:rPr lang="fr-FR" dirty="0"/>
+              <a:t>vers l'interrupteur 3 à l'aide du câble vert</a:t>
             </a:r>
           </a:p>
           <a:p>
@@ -6663,7 +6734,29 @@
           <a:p>
             <a:r>
               <a:rPr lang="fr-FR" dirty="0"/>
-              <a:t>L'interrupteur 3 reste fermé du côté inférence et l'indice du mot prédit dans  la langue cible qui est sur le fil vert (un vecteur de longueur </a:t>
+              <a:t>L'interrupteur 3 reste fermé du côté inférence et l'indice du mot prédit dans la langue cible qui est sur le fil vert est présenté au WE rouge. </a:t>
+            </a:r>
+          </a:p>
+          <a:p>
+            <a:r>
+              <a:rPr lang="fr-FR" dirty="0"/>
+              <a:t>En haut, à la sortie de </a:t>
+            </a:r>
+            <a:r>
+              <a:rPr lang="fr-FR" dirty="0" err="1"/>
+              <a:t>softmax</a:t>
+            </a:r>
+            <a:r>
+              <a:rPr lang="fr-FR" dirty="0"/>
+              <a:t>(), on invoque </a:t>
+            </a:r>
+            <a:r>
+              <a:rPr lang="fr-FR" dirty="0" err="1"/>
+              <a:t>argmax</a:t>
+            </a:r>
+            <a:r>
+              <a:rPr lang="fr-FR" dirty="0"/>
+              <a:t>() sur le vecteur de longueur </a:t>
             </a:r>
             <a:r>
               <a:rPr lang="fr-FR" dirty="0" err="1"/>
@@ -6671,7 +6764,7 @@
             </a:r>
             <a:r>
               <a:rPr lang="fr-FR" dirty="0"/>
-              <a:t>) est présenté au WE rouge</a:t>
+              <a:t> afin de retrouver l'indice du mot le plus probable.</a:t>
             </a:r>
           </a:p>
           <a:p>
@@ -6874,7 +6967,7 @@
           <a:p>
             <a:fld id="{E049BE60-F297-4D51-9BF6-34EA6E4A2150}" type="datetimeFigureOut">
               <a:rPr lang="fr-FR" smtClean="0"/>
-              <a:t>24/05/2024</a:t>
+              <a:t>27/05/2024</a:t>
             </a:fld>
             <a:endParaRPr lang="fr-FR"/>
           </a:p>
@@ -7072,7 +7165,7 @@
           <a:p>
             <a:fld id="{E049BE60-F297-4D51-9BF6-34EA6E4A2150}" type="datetimeFigureOut">
               <a:rPr lang="fr-FR" smtClean="0"/>
-              <a:t>24/05/2024</a:t>
+              <a:t>27/05/2024</a:t>
             </a:fld>
             <a:endParaRPr lang="fr-FR"/>
           </a:p>
@@ -7280,7 +7373,7 @@
           <a:p>
             <a:fld id="{E049BE60-F297-4D51-9BF6-34EA6E4A2150}" type="datetimeFigureOut">
               <a:rPr lang="fr-FR" smtClean="0"/>
-              <a:t>24/05/2024</a:t>
+              <a:t>27/05/2024</a:t>
             </a:fld>
             <a:endParaRPr lang="fr-FR"/>
           </a:p>
@@ -7478,7 +7571,7 @@
           <a:p>
             <a:fld id="{E049BE60-F297-4D51-9BF6-34EA6E4A2150}" type="datetimeFigureOut">
               <a:rPr lang="fr-FR" smtClean="0"/>
-              <a:t>24/05/2024</a:t>
+              <a:t>27/05/2024</a:t>
             </a:fld>
             <a:endParaRPr lang="fr-FR"/>
           </a:p>
@@ -7753,7 +7846,7 @@
           <a:p>
             <a:fld id="{E049BE60-F297-4D51-9BF6-34EA6E4A2150}" type="datetimeFigureOut">
               <a:rPr lang="fr-FR" smtClean="0"/>
-              <a:t>24/05/2024</a:t>
+              <a:t>27/05/2024</a:t>
             </a:fld>
             <a:endParaRPr lang="fr-FR"/>
           </a:p>
@@ -8018,7 +8111,7 @@
           <a:p>
             <a:fld id="{E049BE60-F297-4D51-9BF6-34EA6E4A2150}" type="datetimeFigureOut">
               <a:rPr lang="fr-FR" smtClean="0"/>
-              <a:t>24/05/2024</a:t>
+              <a:t>27/05/2024</a:t>
             </a:fld>
             <a:endParaRPr lang="fr-FR"/>
           </a:p>
@@ -8430,7 +8523,7 @@
           <a:p>
             <a:fld id="{E049BE60-F297-4D51-9BF6-34EA6E4A2150}" type="datetimeFigureOut">
               <a:rPr lang="fr-FR" smtClean="0"/>
-              <a:t>24/05/2024</a:t>
+              <a:t>27/05/2024</a:t>
             </a:fld>
             <a:endParaRPr lang="fr-FR"/>
           </a:p>
@@ -8571,7 +8664,7 @@
           <a:p>
             <a:fld id="{E049BE60-F297-4D51-9BF6-34EA6E4A2150}" type="datetimeFigureOut">
               <a:rPr lang="fr-FR" smtClean="0"/>
-              <a:t>24/05/2024</a:t>
+              <a:t>27/05/2024</a:t>
             </a:fld>
             <a:endParaRPr lang="fr-FR"/>
           </a:p>
@@ -8684,7 +8777,7 @@
           <a:p>
             <a:fld id="{E049BE60-F297-4D51-9BF6-34EA6E4A2150}" type="datetimeFigureOut">
               <a:rPr lang="fr-FR" smtClean="0"/>
-              <a:t>24/05/2024</a:t>
+              <a:t>27/05/2024</a:t>
             </a:fld>
             <a:endParaRPr lang="fr-FR"/>
           </a:p>
@@ -8995,7 +9088,7 @@
           <a:p>
             <a:fld id="{E049BE60-F297-4D51-9BF6-34EA6E4A2150}" type="datetimeFigureOut">
               <a:rPr lang="fr-FR" smtClean="0"/>
-              <a:t>24/05/2024</a:t>
+              <a:t>27/05/2024</a:t>
             </a:fld>
             <a:endParaRPr lang="fr-FR"/>
           </a:p>
@@ -9286,7 +9379,7 @@
           <a:p>
             <a:fld id="{E049BE60-F297-4D51-9BF6-34EA6E4A2150}" type="datetimeFigureOut">
               <a:rPr lang="fr-FR" smtClean="0"/>
-              <a:t>24/05/2024</a:t>
+              <a:t>27/05/2024</a:t>
             </a:fld>
             <a:endParaRPr lang="fr-FR"/>
           </a:p>
@@ -9527,7 +9620,7 @@
           <a:p>
             <a:fld id="{E049BE60-F297-4D51-9BF6-34EA6E4A2150}" type="datetimeFigureOut">
               <a:rPr lang="fr-FR" smtClean="0"/>
-              <a:t>24/05/2024</a:t>
+              <a:t>27/05/2024</a:t>
             </a:fld>
             <a:endParaRPr lang="fr-FR"/>
           </a:p>
@@ -11325,7 +11418,7 @@
         </p:blipFill>
         <p:spPr>
           <a:xfrm>
-            <a:off x="7153835" y="954242"/>
+            <a:off x="7068317" y="1013447"/>
             <a:ext cx="4992873" cy="2644064"/>
           </a:xfrm>
           <a:prstGeom prst="rect">
@@ -11355,8 +11448,8 @@
         </p:blipFill>
         <p:spPr>
           <a:xfrm>
-            <a:off x="4900700" y="3595790"/>
-            <a:ext cx="6185649" cy="3251362"/>
+            <a:off x="4900700" y="3773969"/>
+            <a:ext cx="5683973" cy="2987666"/>
           </a:xfrm>
           <a:prstGeom prst="rect">
             <a:avLst/>
@@ -11582,6 +11675,7 @@
           </a:bodyPr>
           <a:lstStyle/>
           <a:p>
+            <a:pPr marL="107950" indent="-107950"/>
             <a:r>
               <a:rPr lang="fr-FR" dirty="0">
                 <a:latin typeface="Courier New" panose="02070309020205020404" pitchFamily="49" charset="0"/>
@@ -11597,6 +11691,488 @@
               <a:t>Descent</a:t>
             </a:r>
             <a:endParaRPr lang="fr-FR" dirty="0">
+              <a:latin typeface="Courier New" panose="02070309020205020404" pitchFamily="49" charset="0"/>
+              <a:cs typeface="Courier New" panose="02070309020205020404" pitchFamily="49" charset="0"/>
+            </a:endParaRPr>
+          </a:p>
+          <a:p>
+            <a:pPr marL="107950" indent="-107950">
+              <a:buFont typeface="Arial" panose="020B0604020202020204" pitchFamily="34" charset="0"/>
+              <a:buChar char="•"/>
+            </a:pPr>
+            <a:r>
+              <a:rPr lang="fr-FR" sz="1400" dirty="0">
+                <a:latin typeface="Courier New" panose="02070309020205020404" pitchFamily="49" charset="0"/>
+                <a:cs typeface="Courier New" panose="02070309020205020404" pitchFamily="49" charset="0"/>
+              </a:rPr>
+              <a:t>Minimiser la </a:t>
+            </a:r>
+            <a:r>
+              <a:rPr lang="fr-FR" sz="1400" dirty="0" err="1">
+                <a:latin typeface="Courier New" panose="02070309020205020404" pitchFamily="49" charset="0"/>
+                <a:cs typeface="Courier New" panose="02070309020205020404" pitchFamily="49" charset="0"/>
+              </a:rPr>
+              <a:t>loss</a:t>
+            </a:r>
+            <a:endParaRPr lang="fr-FR" sz="1400" dirty="0">
+              <a:latin typeface="Courier New" panose="02070309020205020404" pitchFamily="49" charset="0"/>
+              <a:cs typeface="Courier New" panose="02070309020205020404" pitchFamily="49" charset="0"/>
+            </a:endParaRPr>
+          </a:p>
+          <a:p>
+            <a:pPr marL="107950" lvl="1" indent="-107950">
+              <a:buFont typeface="Arial" panose="020B0604020202020204" pitchFamily="34" charset="0"/>
+              <a:buChar char="•"/>
+            </a:pPr>
+            <a:r>
+              <a:rPr lang="fr-FR" sz="1400" dirty="0">
+                <a:latin typeface="Courier New" panose="02070309020205020404" pitchFamily="49" charset="0"/>
+                <a:cs typeface="Courier New" panose="02070309020205020404" pitchFamily="49" charset="0"/>
+              </a:rPr>
+              <a:t>Elle dépend du problème</a:t>
+            </a:r>
+          </a:p>
+          <a:p>
+            <a:pPr marL="107950" lvl="1" indent="-107950">
+              <a:buFont typeface="Arial" panose="020B0604020202020204" pitchFamily="34" charset="0"/>
+              <a:buChar char="•"/>
+            </a:pPr>
+            <a:r>
+              <a:rPr lang="fr-FR" sz="1400" dirty="0">
+                <a:latin typeface="Courier New" panose="02070309020205020404" pitchFamily="49" charset="0"/>
+                <a:cs typeface="Courier New" panose="02070309020205020404" pitchFamily="49" charset="0"/>
+              </a:rPr>
+              <a:t>Exemple : MSE</a:t>
+            </a:r>
+          </a:p>
+          <a:p>
+            <a:pPr marL="107950" indent="-107950">
+              <a:buFont typeface="Arial" panose="020B0604020202020204" pitchFamily="34" charset="0"/>
+              <a:buChar char="•"/>
+            </a:pPr>
+            <a:r>
+              <a:rPr lang="fr-FR" sz="1400" dirty="0">
+                <a:latin typeface="Courier New" panose="02070309020205020404" pitchFamily="49" charset="0"/>
+                <a:cs typeface="Courier New" panose="02070309020205020404" pitchFamily="49" charset="0"/>
+              </a:rPr>
+              <a:t>Si </a:t>
+            </a:r>
+            <a:r>
+              <a:rPr lang="fr-FR" sz="1400" dirty="0">
+                <a:effectLst/>
+                <a:latin typeface="Courier New" panose="02070309020205020404" pitchFamily="49" charset="0"/>
+              </a:rPr>
+              <a:t>h(x</a:t>
+            </a:r>
+            <a:r>
+              <a:rPr lang="fr-FR" sz="1400" baseline="-25000" dirty="0">
+                <a:effectLst/>
+                <a:latin typeface="Courier New" panose="02070309020205020404" pitchFamily="49" charset="0"/>
+              </a:rPr>
+              <a:t>1</a:t>
+            </a:r>
+            <a:r>
+              <a:rPr lang="fr-FR" sz="1400" dirty="0">
+                <a:effectLst/>
+                <a:latin typeface="Courier New" panose="02070309020205020404" pitchFamily="49" charset="0"/>
+              </a:rPr>
+              <a:t>) = β</a:t>
+            </a:r>
+            <a:r>
+              <a:rPr lang="fr-FR" sz="1400" baseline="-25000" dirty="0">
+                <a:effectLst/>
+                <a:latin typeface="Courier New" panose="02070309020205020404" pitchFamily="49" charset="0"/>
+              </a:rPr>
+              <a:t>0</a:t>
+            </a:r>
+            <a:r>
+              <a:rPr lang="fr-FR" sz="1400" dirty="0">
+                <a:effectLst/>
+                <a:latin typeface="Courier New" panose="02070309020205020404" pitchFamily="49" charset="0"/>
+              </a:rPr>
+              <a:t> + β</a:t>
+            </a:r>
+            <a:r>
+              <a:rPr lang="fr-FR" sz="1400" baseline="-25000" dirty="0">
+                <a:effectLst/>
+                <a:latin typeface="Courier New" panose="02070309020205020404" pitchFamily="49" charset="0"/>
+              </a:rPr>
+              <a:t>1</a:t>
+            </a:r>
+            <a:r>
+              <a:rPr lang="fr-FR" sz="1400" dirty="0">
+                <a:effectLst/>
+                <a:latin typeface="Courier New" panose="02070309020205020404" pitchFamily="49" charset="0"/>
+              </a:rPr>
+              <a:t>x</a:t>
+            </a:r>
+            <a:r>
+              <a:rPr lang="fr-FR" sz="1400" baseline="-25000" dirty="0">
+                <a:effectLst/>
+                <a:latin typeface="Courier New" panose="02070309020205020404" pitchFamily="49" charset="0"/>
+              </a:rPr>
+              <a:t>1</a:t>
+            </a:r>
+          </a:p>
+          <a:p>
+            <a:pPr marL="107950" indent="-107950">
+              <a:buFont typeface="Arial" panose="020B0604020202020204" pitchFamily="34" charset="0"/>
+              <a:buChar char="•"/>
+            </a:pPr>
+            <a:r>
+              <a:rPr lang="fr-FR" sz="1400" dirty="0">
+                <a:effectLst/>
+                <a:latin typeface="Courier New" panose="02070309020205020404" pitchFamily="49" charset="0"/>
+              </a:rPr>
+              <a:t>On cherche β</a:t>
+            </a:r>
+            <a:r>
+              <a:rPr lang="fr-FR" sz="1400" baseline="-25000" dirty="0">
+                <a:effectLst/>
+                <a:latin typeface="Courier New" panose="02070309020205020404" pitchFamily="49" charset="0"/>
+              </a:rPr>
+              <a:t>0</a:t>
+            </a:r>
+            <a:r>
+              <a:rPr lang="fr-FR" sz="1400" dirty="0">
+                <a:effectLst/>
+                <a:latin typeface="Courier New" panose="02070309020205020404" pitchFamily="49" charset="0"/>
+              </a:rPr>
+              <a:t> et β</a:t>
+            </a:r>
+            <a:r>
+              <a:rPr lang="fr-FR" sz="1400" baseline="-25000" dirty="0">
+                <a:effectLst/>
+                <a:latin typeface="Courier New" panose="02070309020205020404" pitchFamily="49" charset="0"/>
+              </a:rPr>
+              <a:t>1</a:t>
+            </a:r>
+            <a:r>
+              <a:rPr lang="fr-FR" sz="1400" dirty="0">
+                <a:effectLst/>
+                <a:latin typeface="Courier New" panose="02070309020205020404" pitchFamily="49" charset="0"/>
+              </a:rPr>
+              <a:t> qui minimisent C</a:t>
+            </a:r>
+          </a:p>
+          <a:p>
+            <a:pPr marL="107950" indent="-107950">
+              <a:buFont typeface="Arial" panose="020B0604020202020204" pitchFamily="34" charset="0"/>
+              <a:buChar char="•"/>
+            </a:pPr>
+            <a:r>
+              <a:rPr lang="fr-FR" sz="1400" dirty="0">
+                <a:effectLst/>
+                <a:latin typeface="Courier New" panose="02070309020205020404" pitchFamily="49" charset="0"/>
+              </a:rPr>
+              <a:t>C(β</a:t>
+            </a:r>
+            <a:r>
+              <a:rPr lang="fr-FR" sz="1400" baseline="-25000" dirty="0">
+                <a:effectLst/>
+                <a:latin typeface="Courier New" panose="02070309020205020404" pitchFamily="49" charset="0"/>
+              </a:rPr>
+              <a:t>0</a:t>
+            </a:r>
+            <a:r>
+              <a:rPr lang="fr-FR" sz="1400" dirty="0">
+                <a:effectLst/>
+                <a:latin typeface="Courier New" panose="02070309020205020404" pitchFamily="49" charset="0"/>
+              </a:rPr>
+              <a:t>,β</a:t>
+            </a:r>
+            <a:r>
+              <a:rPr lang="fr-FR" sz="1400" baseline="-25000" dirty="0">
+                <a:effectLst/>
+                <a:latin typeface="Courier New" panose="02070309020205020404" pitchFamily="49" charset="0"/>
+              </a:rPr>
+              <a:t>1</a:t>
+            </a:r>
+            <a:r>
+              <a:rPr lang="fr-FR" sz="1400" dirty="0">
+                <a:effectLst/>
+                <a:latin typeface="Courier New" panose="02070309020205020404" pitchFamily="49" charset="0"/>
+              </a:rPr>
+              <a:t>)=1/n ∑ (y</a:t>
+            </a:r>
+            <a:r>
+              <a:rPr lang="fr-FR" sz="1400" baseline="-25000" dirty="0">
+                <a:effectLst/>
+                <a:latin typeface="Courier New" panose="02070309020205020404" pitchFamily="49" charset="0"/>
+              </a:rPr>
+              <a:t>i </a:t>
+            </a:r>
+            <a:r>
+              <a:rPr lang="fr-FR" sz="1400" dirty="0">
+                <a:effectLst/>
+                <a:latin typeface="Courier New" panose="02070309020205020404" pitchFamily="49" charset="0"/>
+              </a:rPr>
+              <a:t>- β</a:t>
+            </a:r>
+            <a:r>
+              <a:rPr lang="fr-FR" sz="1400" baseline="-25000" dirty="0">
+                <a:effectLst/>
+                <a:latin typeface="Courier New" panose="02070309020205020404" pitchFamily="49" charset="0"/>
+              </a:rPr>
+              <a:t>0</a:t>
+            </a:r>
+            <a:r>
+              <a:rPr lang="fr-FR" sz="1400" dirty="0">
+                <a:effectLst/>
+                <a:latin typeface="Courier New" panose="02070309020205020404" pitchFamily="49" charset="0"/>
+              </a:rPr>
+              <a:t> - β</a:t>
+            </a:r>
+            <a:r>
+              <a:rPr lang="fr-FR" sz="1400" baseline="-25000" dirty="0">
+                <a:effectLst/>
+                <a:latin typeface="Courier New" panose="02070309020205020404" pitchFamily="49" charset="0"/>
+              </a:rPr>
+              <a:t>1</a:t>
+            </a:r>
+            <a:r>
+              <a:rPr lang="fr-FR" sz="1400" dirty="0">
+                <a:effectLst/>
+                <a:latin typeface="Courier New" panose="02070309020205020404" pitchFamily="49" charset="0"/>
+              </a:rPr>
+              <a:t>x</a:t>
+            </a:r>
+            <a:r>
+              <a:rPr lang="fr-FR" sz="1400" baseline="-25000" dirty="0">
+                <a:effectLst/>
+                <a:latin typeface="Courier New" panose="02070309020205020404" pitchFamily="49" charset="0"/>
+              </a:rPr>
+              <a:t>1i</a:t>
+            </a:r>
+            <a:r>
+              <a:rPr lang="fr-FR" sz="1400" dirty="0">
+                <a:effectLst/>
+                <a:latin typeface="Courier New" panose="02070309020205020404" pitchFamily="49" charset="0"/>
+              </a:rPr>
+              <a:t>)²</a:t>
+            </a:r>
+            <a:endParaRPr lang="fr-FR" sz="1400" dirty="0">
+              <a:latin typeface="Courier New" panose="02070309020205020404" pitchFamily="49" charset="0"/>
+              <a:cs typeface="Courier New" panose="02070309020205020404" pitchFamily="49" charset="0"/>
+            </a:endParaRPr>
+          </a:p>
+          <a:p>
+            <a:pPr marL="107950" indent="-107950">
+              <a:buFont typeface="Arial" panose="020B0604020202020204" pitchFamily="34" charset="0"/>
+              <a:buChar char="•"/>
+            </a:pPr>
+            <a:r>
+              <a:rPr lang="fr-FR" sz="1400" dirty="0">
+                <a:latin typeface="Courier New" panose="02070309020205020404" pitchFamily="49" charset="0"/>
+                <a:cs typeface="Courier New" panose="02070309020205020404" pitchFamily="49" charset="0"/>
+              </a:rPr>
+              <a:t>γ = learning rate</a:t>
+            </a:r>
+            <a:br>
+              <a:rPr lang="fr-FR" sz="1400" dirty="0">
+                <a:latin typeface="Courier New" panose="02070309020205020404" pitchFamily="49" charset="0"/>
+                <a:cs typeface="Courier New" panose="02070309020205020404" pitchFamily="49" charset="0"/>
+              </a:rPr>
+            </a:br>
+            <a:r>
+              <a:rPr lang="fr-FR" sz="1400" dirty="0">
+                <a:latin typeface="Courier New" panose="02070309020205020404" pitchFamily="49" charset="0"/>
+                <a:cs typeface="Courier New" panose="02070309020205020404" pitchFamily="49" charset="0"/>
+              </a:rPr>
+              <a:t>∇ = </a:t>
+            </a:r>
+            <a:r>
+              <a:rPr lang="fr-FR" sz="1400" dirty="0" err="1">
+                <a:latin typeface="Courier New" panose="02070309020205020404" pitchFamily="49" charset="0"/>
+                <a:cs typeface="Courier New" panose="02070309020205020404" pitchFamily="49" charset="0"/>
+              </a:rPr>
+              <a:t>grad</a:t>
+            </a:r>
+            <a:endParaRPr lang="fr-FR" sz="1400" dirty="0">
+              <a:latin typeface="Courier New" panose="02070309020205020404" pitchFamily="49" charset="0"/>
+              <a:cs typeface="Courier New" panose="02070309020205020404" pitchFamily="49" charset="0"/>
+            </a:endParaRPr>
+          </a:p>
+          <a:p>
+            <a:pPr marL="107950" indent="-107950">
+              <a:buFont typeface="Arial" panose="020B0604020202020204" pitchFamily="34" charset="0"/>
+              <a:buChar char="•"/>
+            </a:pPr>
+            <a:endParaRPr lang="fr-FR" sz="1400" dirty="0">
+              <a:latin typeface="Courier New" panose="02070309020205020404" pitchFamily="49" charset="0"/>
+              <a:cs typeface="Courier New" panose="02070309020205020404" pitchFamily="49" charset="0"/>
+            </a:endParaRPr>
+          </a:p>
+          <a:p>
+            <a:pPr marL="107950" indent="-107950">
+              <a:buFont typeface="Arial" panose="020B0604020202020204" pitchFamily="34" charset="0"/>
+              <a:buChar char="•"/>
+            </a:pPr>
+            <a:endParaRPr lang="fr-FR" sz="1400" dirty="0">
+              <a:latin typeface="Courier New" panose="02070309020205020404" pitchFamily="49" charset="0"/>
+              <a:cs typeface="Courier New" panose="02070309020205020404" pitchFamily="49" charset="0"/>
+            </a:endParaRPr>
+          </a:p>
+          <a:p>
+            <a:pPr marL="107950" indent="-107950">
+              <a:buFont typeface="Arial" panose="020B0604020202020204" pitchFamily="34" charset="0"/>
+              <a:buChar char="•"/>
+            </a:pPr>
+            <a:endParaRPr lang="fr-FR" sz="1400" dirty="0">
+              <a:latin typeface="Courier New" panose="02070309020205020404" pitchFamily="49" charset="0"/>
+              <a:cs typeface="Courier New" panose="02070309020205020404" pitchFamily="49" charset="0"/>
+            </a:endParaRPr>
+          </a:p>
+          <a:p>
+            <a:pPr marL="107950" indent="-107950">
+              <a:buFont typeface="Arial" panose="020B0604020202020204" pitchFamily="34" charset="0"/>
+              <a:buChar char="•"/>
+            </a:pPr>
+            <a:r>
+              <a:rPr lang="fr-FR" sz="1400" dirty="0">
+                <a:effectLst/>
+                <a:latin typeface="Courier New" panose="02070309020205020404" pitchFamily="49" charset="0"/>
+              </a:rPr>
+              <a:t>β</a:t>
+            </a:r>
+            <a:r>
+              <a:rPr lang="fr-FR" sz="1400" baseline="-25000" dirty="0">
+                <a:effectLst/>
+                <a:latin typeface="Courier New" panose="02070309020205020404" pitchFamily="49" charset="0"/>
+              </a:rPr>
+              <a:t>t+1</a:t>
+            </a:r>
+            <a:r>
+              <a:rPr lang="fr-FR" sz="1400" dirty="0">
+                <a:effectLst/>
+                <a:latin typeface="Courier New" panose="02070309020205020404" pitchFamily="49" charset="0"/>
+              </a:rPr>
+              <a:t> = β</a:t>
+            </a:r>
+            <a:r>
+              <a:rPr lang="fr-FR" sz="1400" baseline="-25000" dirty="0">
+                <a:effectLst/>
+                <a:latin typeface="Courier New" panose="02070309020205020404" pitchFamily="49" charset="0"/>
+              </a:rPr>
+              <a:t>t</a:t>
+            </a:r>
+            <a:r>
+              <a:rPr lang="fr-FR" sz="1400" dirty="0">
+                <a:effectLst/>
+                <a:latin typeface="Courier New" panose="02070309020205020404" pitchFamily="49" charset="0"/>
+              </a:rPr>
+              <a:t> - γ </a:t>
+            </a:r>
+            <a:r>
+              <a:rPr lang="x-IV_mathan" sz="1400" dirty="0">
+                <a:effectLst/>
+                <a:latin typeface="Cambria Math" panose="02040503050406030204" pitchFamily="18" charset="0"/>
+              </a:rPr>
+              <a:t>∇</a:t>
+            </a:r>
+            <a:r>
+              <a:rPr lang="fr-FR" sz="1400" dirty="0">
+                <a:effectLst/>
+                <a:latin typeface="Courier New" panose="02070309020205020404" pitchFamily="49" charset="0"/>
+              </a:rPr>
+              <a:t>C</a:t>
+            </a:r>
+            <a:endParaRPr lang="fr-FR" sz="1400" dirty="0">
+              <a:latin typeface="Courier New" panose="02070309020205020404" pitchFamily="49" charset="0"/>
+              <a:cs typeface="Courier New" panose="02070309020205020404" pitchFamily="49" charset="0"/>
+            </a:endParaRPr>
+          </a:p>
+          <a:p>
+            <a:pPr marL="107950" indent="-107950">
+              <a:buFont typeface="Arial" panose="020B0604020202020204" pitchFamily="34" charset="0"/>
+              <a:buChar char="•"/>
+            </a:pPr>
+            <a:endParaRPr lang="fr-FR" sz="1400" dirty="0">
+              <a:latin typeface="Courier New" panose="02070309020205020404" pitchFamily="49" charset="0"/>
+              <a:cs typeface="Courier New" panose="02070309020205020404" pitchFamily="49" charset="0"/>
+            </a:endParaRPr>
+          </a:p>
+          <a:p>
+            <a:pPr marL="107950" indent="-107950">
+              <a:buFont typeface="Arial" panose="020B0604020202020204" pitchFamily="34" charset="0"/>
+              <a:buChar char="•"/>
+            </a:pPr>
+            <a:r>
+              <a:rPr lang="fr-FR" sz="1400" dirty="0">
+                <a:latin typeface="Courier New" panose="02070309020205020404" pitchFamily="49" charset="0"/>
+                <a:cs typeface="Courier New" panose="02070309020205020404" pitchFamily="49" charset="0"/>
+              </a:rPr>
+              <a:t>Full batch gradient </a:t>
+            </a:r>
+            <a:r>
+              <a:rPr lang="fr-FR" sz="1400" dirty="0" err="1">
+                <a:latin typeface="Courier New" panose="02070309020205020404" pitchFamily="49" charset="0"/>
+                <a:cs typeface="Courier New" panose="02070309020205020404" pitchFamily="49" charset="0"/>
+              </a:rPr>
+              <a:t>descent</a:t>
+            </a:r>
+            <a:endParaRPr lang="fr-FR" sz="1400" dirty="0">
+              <a:latin typeface="Courier New" panose="02070309020205020404" pitchFamily="49" charset="0"/>
+              <a:cs typeface="Courier New" panose="02070309020205020404" pitchFamily="49" charset="0"/>
+            </a:endParaRPr>
+          </a:p>
+          <a:p>
+            <a:pPr marL="107950" indent="-107950">
+              <a:buFont typeface="Arial" panose="020B0604020202020204" pitchFamily="34" charset="0"/>
+              <a:buChar char="•"/>
+            </a:pPr>
+            <a:r>
+              <a:rPr lang="fr-FR" sz="1400" dirty="0">
+                <a:latin typeface="Courier New" panose="02070309020205020404" pitchFamily="49" charset="0"/>
+                <a:cs typeface="Courier New" panose="02070309020205020404" pitchFamily="49" charset="0"/>
+              </a:rPr>
+              <a:t>Calcul sur l'ensemble des </a:t>
+            </a:r>
+            <a:r>
+              <a:rPr lang="fr-FR" sz="1400" dirty="0" err="1">
+                <a:latin typeface="Courier New" panose="02070309020205020404" pitchFamily="49" charset="0"/>
+                <a:cs typeface="Courier New" panose="02070309020205020404" pitchFamily="49" charset="0"/>
+              </a:rPr>
+              <a:t>obs</a:t>
+            </a:r>
+            <a:r>
+              <a:rPr lang="fr-FR" sz="1400" dirty="0">
+                <a:latin typeface="Courier New" panose="02070309020205020404" pitchFamily="49" charset="0"/>
+                <a:cs typeface="Courier New" panose="02070309020205020404" pitchFamily="49" charset="0"/>
+              </a:rPr>
+              <a:t> (</a:t>
+            </a:r>
+            <a:r>
+              <a:rPr lang="fr-FR" sz="1400" dirty="0" err="1">
+                <a:latin typeface="Courier New" panose="02070309020205020404" pitchFamily="49" charset="0"/>
+                <a:cs typeface="Courier New" panose="02070309020205020404" pitchFamily="49" charset="0"/>
+              </a:rPr>
+              <a:t>see</a:t>
+            </a:r>
+            <a:r>
+              <a:rPr lang="fr-FR" sz="1400" dirty="0">
+                <a:latin typeface="Courier New" panose="02070309020205020404" pitchFamily="49" charset="0"/>
+                <a:cs typeface="Courier New" panose="02070309020205020404" pitchFamily="49" charset="0"/>
+              </a:rPr>
+              <a:t> 1/n). Trop lent =&gt; SGD, BGD</a:t>
+            </a:r>
+          </a:p>
+          <a:p>
+            <a:pPr marL="107950" indent="-107950">
+              <a:buFont typeface="Arial" panose="020B0604020202020204" pitchFamily="34" charset="0"/>
+              <a:buChar char="•"/>
+            </a:pPr>
+            <a:endParaRPr lang="fr-FR" sz="1400" dirty="0">
+              <a:latin typeface="Courier New" panose="02070309020205020404" pitchFamily="49" charset="0"/>
+              <a:cs typeface="Courier New" panose="02070309020205020404" pitchFamily="49" charset="0"/>
+            </a:endParaRPr>
+          </a:p>
+          <a:p>
+            <a:pPr marL="107950" indent="-107950">
+              <a:buFont typeface="Arial" panose="020B0604020202020204" pitchFamily="34" charset="0"/>
+              <a:buChar char="•"/>
+            </a:pPr>
+            <a:endParaRPr lang="fr-FR" sz="1400" dirty="0">
               <a:latin typeface="Courier New" panose="02070309020205020404" pitchFamily="49" charset="0"/>
               <a:cs typeface="Courier New" panose="02070309020205020404" pitchFamily="49" charset="0"/>
             </a:endParaRPr>
@@ -11641,8 +12217,45 @@
                 <a:latin typeface="Courier New" panose="02070309020205020404" pitchFamily="49" charset="0"/>
                 <a:cs typeface="Courier New" panose="02070309020205020404" pitchFamily="49" charset="0"/>
               </a:rPr>
-              <a:t>Mini Batch</a:t>
-            </a:r>
+              <a:t>Mini Batch – BGD</a:t>
+            </a:r>
+          </a:p>
+          <a:p>
+            <a:pPr marL="285750" indent="-285750">
+              <a:buFont typeface="Arial" panose="020B0604020202020204" pitchFamily="34" charset="0"/>
+              <a:buChar char="•"/>
+            </a:pPr>
+            <a:r>
+              <a:rPr lang="fr-FR" sz="1400" dirty="0">
+                <a:effectLst/>
+                <a:latin typeface="Courier New" panose="02070309020205020404" pitchFamily="49" charset="0"/>
+              </a:rPr>
+              <a:t>Calcul du gradient sur des lots</a:t>
+            </a:r>
+          </a:p>
+          <a:p>
+            <a:pPr marL="285750" indent="-285750">
+              <a:buFont typeface="Arial" panose="020B0604020202020204" pitchFamily="34" charset="0"/>
+              <a:buChar char="•"/>
+            </a:pPr>
+            <a:r>
+              <a:rPr lang="fr-FR" sz="1400" dirty="0">
+                <a:effectLst/>
+                <a:latin typeface="Courier New" panose="02070309020205020404" pitchFamily="49" charset="0"/>
+              </a:rPr>
+              <a:t>Batch size = 2</a:t>
+            </a:r>
+            <a:r>
+              <a:rPr lang="fr-FR" sz="1400" baseline="30000" dirty="0">
+                <a:effectLst/>
+                <a:latin typeface="Courier New" panose="02070309020205020404" pitchFamily="49" charset="0"/>
+              </a:rPr>
+              <a:t>n</a:t>
+            </a:r>
+            <a:endParaRPr lang="fr-FR" sz="1400" dirty="0">
+              <a:latin typeface="Courier New" panose="02070309020205020404" pitchFamily="49" charset="0"/>
+              <a:cs typeface="Courier New" panose="02070309020205020404" pitchFamily="49" charset="0"/>
+            </a:endParaRPr>
           </a:p>
         </p:txBody>
       </p:sp>
@@ -11686,10 +12299,957 @@
               </a:rPr>
               <a:t>Stochastic</a:t>
             </a:r>
+            <a:r>
+              <a:rPr lang="fr-FR" dirty="0">
+                <a:latin typeface="Courier New" panose="02070309020205020404" pitchFamily="49" charset="0"/>
+                <a:cs typeface="Courier New" panose="02070309020205020404" pitchFamily="49" charset="0"/>
+              </a:rPr>
+              <a:t> - SGD</a:t>
+            </a:r>
+          </a:p>
+          <a:p>
+            <a:pPr marL="87313" indent="-87313" rtl="0" fontAlgn="ctr">
+              <a:spcBef>
+                <a:spcPts val="0"/>
+              </a:spcBef>
+              <a:spcAft>
+                <a:spcPts val="0"/>
+              </a:spcAft>
+              <a:buFont typeface="Arial" panose="020B0604020202020204" pitchFamily="34" charset="0"/>
+              <a:buChar char="•"/>
+            </a:pPr>
+            <a:r>
+              <a:rPr lang="fr-FR" sz="1400" dirty="0">
+                <a:effectLst/>
+                <a:latin typeface="Courier New" panose="02070309020205020404" pitchFamily="49" charset="0"/>
+              </a:rPr>
+              <a:t>Calcul du gradient sur n'&lt;n </a:t>
+            </a:r>
+            <a:r>
+              <a:rPr lang="fr-FR" sz="1400" dirty="0" err="1">
+                <a:effectLst/>
+                <a:latin typeface="Courier New" panose="02070309020205020404" pitchFamily="49" charset="0"/>
+              </a:rPr>
+              <a:t>éch</a:t>
+            </a:r>
+            <a:endParaRPr lang="fr-FR" sz="1400" dirty="0">
+              <a:latin typeface="Courier New" panose="02070309020205020404" pitchFamily="49" charset="0"/>
+            </a:endParaRPr>
+          </a:p>
+          <a:p>
+            <a:pPr marL="87313" indent="-87313" fontAlgn="ctr">
+              <a:buFont typeface="Arial" panose="020B0604020202020204" pitchFamily="34" charset="0"/>
+              <a:buChar char="•"/>
+            </a:pPr>
+            <a:r>
+              <a:rPr lang="x-IV_mathan" sz="1100" dirty="0">
+                <a:effectLst/>
+                <a:latin typeface="Cambria Math" panose="02040503050406030204" pitchFamily="18" charset="0"/>
+              </a:rPr>
+              <a:t>∇</a:t>
+            </a:r>
+            <a:r>
+              <a:rPr lang="fr-FR" sz="1100" dirty="0">
+                <a:effectLst/>
+                <a:latin typeface="Courier New" panose="02070309020205020404" pitchFamily="49" charset="0"/>
+              </a:rPr>
+              <a:t>C = 1/n  ∑  </a:t>
+            </a:r>
+            <a:r>
+              <a:rPr lang="x-IV_mathan" sz="1100" dirty="0">
+                <a:solidFill>
+                  <a:srgbClr val="FA0000"/>
+                </a:solidFill>
+                <a:effectLst/>
+                <a:latin typeface="Cambria Math" panose="02040503050406030204" pitchFamily="18" charset="0"/>
+              </a:rPr>
+              <a:t>∇</a:t>
+            </a:r>
+            <a:r>
+              <a:rPr lang="fr-FR" sz="1100" b="1" dirty="0">
+                <a:solidFill>
+                  <a:srgbClr val="FA0000"/>
+                </a:solidFill>
+                <a:effectLst/>
+                <a:latin typeface="Courier New" panose="02070309020205020404" pitchFamily="49" charset="0"/>
+              </a:rPr>
+              <a:t>[(</a:t>
+            </a:r>
+            <a:r>
+              <a:rPr lang="fr-FR" sz="1100" b="1" dirty="0" err="1">
+                <a:solidFill>
+                  <a:srgbClr val="FA0000"/>
+                </a:solidFill>
+                <a:effectLst/>
+                <a:latin typeface="Courier New" panose="02070309020205020404" pitchFamily="49" charset="0"/>
+              </a:rPr>
+              <a:t>y_i</a:t>
+            </a:r>
+            <a:r>
+              <a:rPr lang="fr-FR" sz="1100" b="1" dirty="0">
+                <a:solidFill>
+                  <a:srgbClr val="FA0000"/>
+                </a:solidFill>
+                <a:effectLst/>
+                <a:latin typeface="Courier New" panose="02070309020205020404" pitchFamily="49" charset="0"/>
+              </a:rPr>
+              <a:t> - β_0 - β_1x_1_i)²]</a:t>
+            </a:r>
+            <a:endParaRPr lang="fr-FR" sz="1100" dirty="0">
+              <a:effectLst/>
+              <a:latin typeface="Courier New" panose="02070309020205020404" pitchFamily="49" charset="0"/>
+            </a:endParaRPr>
+          </a:p>
+          <a:p>
+            <a:pPr marL="87313" marR="0" indent="-87313">
+              <a:spcBef>
+                <a:spcPts val="0"/>
+              </a:spcBef>
+              <a:spcAft>
+                <a:spcPts val="0"/>
+              </a:spcAft>
+              <a:buFont typeface="Arial" panose="020B0604020202020204" pitchFamily="34" charset="0"/>
+              <a:buChar char="•"/>
+            </a:pPr>
+            <a:r>
+              <a:rPr lang="fr-FR" sz="1400" dirty="0">
+                <a:effectLst/>
+                <a:latin typeface="Courier New" panose="02070309020205020404" pitchFamily="49" charset="0"/>
+              </a:rPr>
+              <a:t>The gradient of the </a:t>
+            </a:r>
+            <a:r>
+              <a:rPr lang="fr-FR" sz="1400" dirty="0" err="1">
+                <a:effectLst/>
+                <a:latin typeface="Courier New" panose="02070309020205020404" pitchFamily="49" charset="0"/>
+              </a:rPr>
+              <a:t>loss</a:t>
+            </a:r>
+            <a:r>
+              <a:rPr lang="fr-FR" sz="1400" dirty="0">
+                <a:effectLst/>
+                <a:latin typeface="Courier New" panose="02070309020205020404" pitchFamily="49" charset="0"/>
+              </a:rPr>
+              <a:t> </a:t>
+            </a:r>
+            <a:r>
+              <a:rPr lang="fr-FR" sz="1400" dirty="0" err="1">
+                <a:effectLst/>
+                <a:latin typeface="Courier New" panose="02070309020205020404" pitchFamily="49" charset="0"/>
+              </a:rPr>
+              <a:t>function</a:t>
+            </a:r>
+            <a:r>
+              <a:rPr lang="fr-FR" sz="1400" dirty="0">
+                <a:effectLst/>
+                <a:latin typeface="Courier New" panose="02070309020205020404" pitchFamily="49" charset="0"/>
+              </a:rPr>
+              <a:t> over n observations </a:t>
+            </a:r>
+            <a:r>
+              <a:rPr lang="fr-FR" sz="1400" dirty="0" err="1">
+                <a:effectLst/>
+                <a:latin typeface="Courier New" panose="02070309020205020404" pitchFamily="49" charset="0"/>
+              </a:rPr>
+              <a:t>is</a:t>
+            </a:r>
+            <a:r>
+              <a:rPr lang="fr-FR" sz="1400" dirty="0">
+                <a:effectLst/>
+                <a:latin typeface="Courier New" panose="02070309020205020404" pitchFamily="49" charset="0"/>
+              </a:rPr>
+              <a:t> </a:t>
+            </a:r>
+            <a:r>
+              <a:rPr lang="fr-FR" sz="1400" dirty="0" err="1">
+                <a:effectLst/>
+                <a:latin typeface="Courier New" panose="02070309020205020404" pitchFamily="49" charset="0"/>
+              </a:rPr>
+              <a:t>equal</a:t>
+            </a:r>
+            <a:r>
+              <a:rPr lang="fr-FR" sz="1400" dirty="0">
+                <a:effectLst/>
+                <a:latin typeface="Courier New" panose="02070309020205020404" pitchFamily="49" charset="0"/>
+              </a:rPr>
+              <a:t> to the </a:t>
+            </a:r>
+            <a:r>
+              <a:rPr lang="fr-FR" sz="1400" dirty="0" err="1">
+                <a:effectLst/>
+                <a:latin typeface="Courier New" panose="02070309020205020404" pitchFamily="49" charset="0"/>
+              </a:rPr>
+              <a:t>average</a:t>
+            </a:r>
+            <a:r>
+              <a:rPr lang="fr-FR" sz="1400" dirty="0">
+                <a:effectLst/>
+                <a:latin typeface="Courier New" panose="02070309020205020404" pitchFamily="49" charset="0"/>
+              </a:rPr>
+              <a:t> gradient </a:t>
+            </a:r>
+            <a:r>
+              <a:rPr lang="fr-FR" sz="1400" dirty="0" err="1">
+                <a:effectLst/>
+                <a:latin typeface="Courier New" panose="02070309020205020404" pitchFamily="49" charset="0"/>
+              </a:rPr>
+              <a:t>computed</a:t>
+            </a:r>
+            <a:r>
+              <a:rPr lang="fr-FR" sz="1400" dirty="0">
+                <a:effectLst/>
+                <a:latin typeface="Courier New" panose="02070309020205020404" pitchFamily="49" charset="0"/>
+              </a:rPr>
+              <a:t> for </a:t>
+            </a:r>
+            <a:r>
+              <a:rPr lang="fr-FR" sz="1400" dirty="0" err="1">
+                <a:effectLst/>
+                <a:latin typeface="Courier New" panose="02070309020205020404" pitchFamily="49" charset="0"/>
+              </a:rPr>
+              <a:t>each</a:t>
+            </a:r>
+            <a:r>
+              <a:rPr lang="fr-FR" sz="1400" dirty="0">
+                <a:effectLst/>
+                <a:latin typeface="Courier New" panose="02070309020205020404" pitchFamily="49" charset="0"/>
+              </a:rPr>
+              <a:t> single </a:t>
+            </a:r>
+            <a:r>
+              <a:rPr lang="fr-FR" sz="1400" dirty="0" err="1">
+                <a:effectLst/>
+                <a:latin typeface="Courier New" panose="02070309020205020404" pitchFamily="49" charset="0"/>
+              </a:rPr>
+              <a:t>obs</a:t>
+            </a:r>
+            <a:endParaRPr lang="fr-FR" sz="1400" dirty="0">
+              <a:effectLst/>
+              <a:latin typeface="Courier New" panose="02070309020205020404" pitchFamily="49" charset="0"/>
+            </a:endParaRPr>
+          </a:p>
+          <a:p>
+            <a:pPr marL="87313" marR="0" indent="-87313">
+              <a:spcBef>
+                <a:spcPts val="0"/>
+              </a:spcBef>
+              <a:spcAft>
+                <a:spcPts val="0"/>
+              </a:spcAft>
+              <a:buFont typeface="Arial" panose="020B0604020202020204" pitchFamily="34" charset="0"/>
+              <a:buChar char="•"/>
+            </a:pPr>
+            <a:r>
+              <a:rPr lang="fr-FR" sz="1400" dirty="0">
+                <a:effectLst/>
+                <a:latin typeface="Courier New" panose="02070309020205020404" pitchFamily="49" charset="0"/>
+              </a:rPr>
+              <a:t>On fait le calcul en rouge qui est rapide sur 1 point i</a:t>
+            </a:r>
+          </a:p>
+          <a:p>
+            <a:pPr marL="87313" marR="0" indent="-87313">
+              <a:spcBef>
+                <a:spcPts val="0"/>
+              </a:spcBef>
+              <a:spcAft>
+                <a:spcPts val="0"/>
+              </a:spcAft>
+              <a:buFont typeface="Arial" panose="020B0604020202020204" pitchFamily="34" charset="0"/>
+              <a:buChar char="•"/>
+            </a:pPr>
+            <a:r>
+              <a:rPr lang="fr-FR" sz="1400" dirty="0">
+                <a:effectLst/>
+                <a:latin typeface="Courier New" panose="02070309020205020404" pitchFamily="49" charset="0"/>
+              </a:rPr>
+              <a:t>On va échantillonner sur un sous</a:t>
+            </a:r>
+            <a:r>
+              <a:rPr lang="fr-FR" sz="1400" dirty="0">
+                <a:latin typeface="Courier New" panose="02070309020205020404" pitchFamily="49" charset="0"/>
+              </a:rPr>
+              <a:t>-</a:t>
+            </a:r>
+            <a:r>
+              <a:rPr lang="fr-FR" sz="1400" dirty="0">
+                <a:effectLst/>
+                <a:latin typeface="Courier New" panose="02070309020205020404" pitchFamily="49" charset="0"/>
+              </a:rPr>
+              <a:t>ensemble n'&lt;&lt;n</a:t>
+            </a:r>
+          </a:p>
+          <a:p>
+            <a:pPr marL="104775" indent="-104775" rtl="0" fontAlgn="ctr">
+              <a:spcBef>
+                <a:spcPts val="0"/>
+              </a:spcBef>
+              <a:spcAft>
+                <a:spcPts val="0"/>
+              </a:spcAft>
+              <a:buFont typeface="Arial" panose="020B0604020202020204" pitchFamily="34" charset="0"/>
+              <a:buChar char="•"/>
+            </a:pPr>
+            <a:r>
+              <a:rPr lang="fr-FR" sz="1400" dirty="0">
+                <a:effectLst/>
+                <a:latin typeface="Courier New" panose="02070309020205020404" pitchFamily="49" charset="0"/>
+              </a:rPr>
+              <a:t>Permet d'échapper à un minimum local ou de trouver minimum global</a:t>
+            </a:r>
+          </a:p>
+          <a:p>
+            <a:pPr marL="285750" indent="-285750">
+              <a:buFont typeface="Arial" panose="020B0604020202020204" pitchFamily="34" charset="0"/>
+              <a:buChar char="•"/>
+            </a:pPr>
             <a:endParaRPr lang="fr-FR" dirty="0">
               <a:latin typeface="Courier New" panose="02070309020205020404" pitchFamily="49" charset="0"/>
               <a:cs typeface="Courier New" panose="02070309020205020404" pitchFamily="49" charset="0"/>
             </a:endParaRPr>
+          </a:p>
+        </p:txBody>
+      </p:sp>
+      <p:pic>
+        <p:nvPicPr>
+          <p:cNvPr id="7" name="Image 6">
+            <a:extLst>
+              <a:ext uri="{FF2B5EF4-FFF2-40B4-BE49-F238E27FC236}">
+                <a16:creationId xmlns:a16="http://schemas.microsoft.com/office/drawing/2014/main" id="{DA6D585F-9752-7DD7-9C55-B19533251B91}"/>
+              </a:ext>
+            </a:extLst>
+          </p:cNvPr>
+          <p:cNvPicPr>
+            <a:picLocks noChangeAspect="1"/>
+          </p:cNvPicPr>
+          <p:nvPr/>
+        </p:nvPicPr>
+        <p:blipFill>
+          <a:blip r:embed="rId2"/>
+          <a:stretch>
+            <a:fillRect/>
+          </a:stretch>
+        </p:blipFill>
+        <p:spPr>
+          <a:xfrm>
+            <a:off x="483219" y="3759324"/>
+            <a:ext cx="3254022" cy="533446"/>
+          </a:xfrm>
+          <a:prstGeom prst="rect">
+            <a:avLst/>
+          </a:prstGeom>
+        </p:spPr>
+      </p:pic>
+      <p:sp>
+        <p:nvSpPr>
+          <p:cNvPr id="8" name="ZoneTexte 7">
+            <a:extLst>
+              <a:ext uri="{FF2B5EF4-FFF2-40B4-BE49-F238E27FC236}">
+                <a16:creationId xmlns:a16="http://schemas.microsoft.com/office/drawing/2014/main" id="{39C6873E-B0A1-4A91-C036-4011FF3C699F}"/>
+              </a:ext>
+            </a:extLst>
+          </p:cNvPr>
+          <p:cNvSpPr txBox="1"/>
+          <p:nvPr/>
+        </p:nvSpPr>
+        <p:spPr>
+          <a:xfrm>
+            <a:off x="4988034" y="2601389"/>
+            <a:ext cx="5559637" cy="1323439"/>
+          </a:xfrm>
+          <a:prstGeom prst="rect">
+            <a:avLst/>
+          </a:prstGeom>
+          <a:solidFill>
+            <a:schemeClr val="bg1"/>
+          </a:solidFill>
+          <a:effectLst>
+            <a:outerShdw blurRad="50800" dist="38100" dir="2700000" algn="tl" rotWithShape="0">
+              <a:prstClr val="black">
+                <a:alpha val="40000"/>
+              </a:prstClr>
+            </a:outerShdw>
+          </a:effectLst>
+        </p:spPr>
+        <p:txBody>
+          <a:bodyPr wrap="square" rtlCol="0">
+            <a:spAutoFit/>
+          </a:bodyPr>
+          <a:lstStyle/>
+          <a:p>
+            <a:pPr rtl="0" fontAlgn="ctr">
+              <a:spcBef>
+                <a:spcPts val="0"/>
+              </a:spcBef>
+              <a:spcAft>
+                <a:spcPts val="0"/>
+              </a:spcAft>
+              <a:buFont typeface="Arial" panose="020B0604020202020204" pitchFamily="34" charset="0"/>
+              <a:buChar char="•"/>
+            </a:pPr>
+            <a:r>
+              <a:rPr lang="fr-FR" sz="1000" dirty="0">
+                <a:effectLst/>
+                <a:latin typeface="Courier New" panose="02070309020205020404" pitchFamily="49" charset="0"/>
+              </a:rPr>
+              <a:t> Penser à normaliser les données (</a:t>
+            </a:r>
+            <a:r>
+              <a:rPr lang="fr-FR" sz="1000" dirty="0" err="1">
+                <a:effectLst/>
+                <a:latin typeface="Courier New" panose="02070309020205020404" pitchFamily="49" charset="0"/>
+              </a:rPr>
+              <a:t>see</a:t>
+            </a:r>
+            <a:r>
+              <a:rPr lang="fr-FR" sz="1000" dirty="0">
+                <a:effectLst/>
+                <a:latin typeface="Courier New" panose="02070309020205020404" pitchFamily="49" charset="0"/>
+              </a:rPr>
+              <a:t> </a:t>
+            </a:r>
+            <a:r>
+              <a:rPr lang="fr-FR" sz="1000" dirty="0" err="1">
+                <a:effectLst/>
+                <a:latin typeface="Courier New" panose="02070309020205020404" pitchFamily="49" charset="0"/>
+              </a:rPr>
+              <a:t>oval</a:t>
+            </a:r>
+            <a:r>
+              <a:rPr lang="fr-FR" sz="1000" dirty="0">
+                <a:effectLst/>
+                <a:latin typeface="Courier New" panose="02070309020205020404" pitchFamily="49" charset="0"/>
+              </a:rPr>
+              <a:t> vs rond)</a:t>
+            </a:r>
+          </a:p>
+          <a:p>
+            <a:pPr rtl="0" fontAlgn="ctr">
+              <a:spcBef>
+                <a:spcPts val="0"/>
+              </a:spcBef>
+              <a:spcAft>
+                <a:spcPts val="0"/>
+              </a:spcAft>
+              <a:buFont typeface="Arial" panose="020B0604020202020204" pitchFamily="34" charset="0"/>
+              <a:buChar char="•"/>
+            </a:pPr>
+            <a:r>
+              <a:rPr lang="fr-FR" sz="1000" dirty="0">
+                <a:latin typeface="Courier New" panose="02070309020205020404" pitchFamily="49" charset="0"/>
+              </a:rPr>
+              <a:t> Penser à utiliser un validation set pour monitorer la </a:t>
+            </a:r>
+            <a:r>
+              <a:rPr lang="fr-FR" sz="1000" dirty="0" err="1">
+                <a:latin typeface="Courier New" panose="02070309020205020404" pitchFamily="49" charset="0"/>
+              </a:rPr>
+              <a:t>loss</a:t>
+            </a:r>
+            <a:endParaRPr lang="fr-FR" sz="1000" dirty="0">
+              <a:effectLst/>
+              <a:latin typeface="Courier New" panose="02070309020205020404" pitchFamily="49" charset="0"/>
+            </a:endParaRPr>
+          </a:p>
+          <a:p>
+            <a:pPr rtl="0" fontAlgn="ctr">
+              <a:spcBef>
+                <a:spcPts val="0"/>
+              </a:spcBef>
+              <a:spcAft>
+                <a:spcPts val="0"/>
+              </a:spcAft>
+              <a:buFont typeface="Arial" panose="020B0604020202020204" pitchFamily="34" charset="0"/>
+              <a:buChar char="•"/>
+            </a:pPr>
+            <a:r>
+              <a:rPr lang="fr-FR" sz="1000" dirty="0">
+                <a:effectLst/>
+                <a:latin typeface="Courier New" panose="02070309020205020404" pitchFamily="49" charset="0"/>
+              </a:rPr>
+              <a:t> Learning rate γ. Déterminé</a:t>
+            </a:r>
+          </a:p>
+          <a:p>
+            <a:pPr rtl="0" fontAlgn="ctr">
+              <a:spcBef>
+                <a:spcPts val="0"/>
+              </a:spcBef>
+              <a:spcAft>
+                <a:spcPts val="0"/>
+              </a:spcAft>
+              <a:buFont typeface="Arial" panose="020B0604020202020204" pitchFamily="34" charset="0"/>
+              <a:buChar char="•"/>
+            </a:pPr>
+            <a:r>
+              <a:rPr lang="fr-FR" sz="1000" dirty="0">
+                <a:effectLst/>
+                <a:latin typeface="Courier New" panose="02070309020205020404" pitchFamily="49" charset="0"/>
+              </a:rPr>
+              <a:t> Validation set. Permet de monitorer la </a:t>
+            </a:r>
+            <a:r>
+              <a:rPr lang="fr-FR" sz="1000" dirty="0" err="1">
+                <a:effectLst/>
+                <a:latin typeface="Courier New" panose="02070309020205020404" pitchFamily="49" charset="0"/>
+              </a:rPr>
+              <a:t>loss</a:t>
+            </a:r>
+            <a:r>
+              <a:rPr lang="fr-FR" sz="1000" dirty="0">
+                <a:effectLst/>
+                <a:latin typeface="Courier New" panose="02070309020205020404" pitchFamily="49" charset="0"/>
+              </a:rPr>
+              <a:t> </a:t>
+            </a:r>
+            <a:r>
+              <a:rPr lang="fr-FR" sz="1000" dirty="0" err="1">
+                <a:effectLst/>
+                <a:latin typeface="Courier New" panose="02070309020205020404" pitchFamily="49" charset="0"/>
+              </a:rPr>
+              <a:t>function</a:t>
+            </a:r>
+            <a:r>
+              <a:rPr lang="fr-FR" sz="1000" dirty="0">
+                <a:effectLst/>
+                <a:latin typeface="Courier New" panose="02070309020205020404" pitchFamily="49" charset="0"/>
+              </a:rPr>
+              <a:t> C. Typique 0.01</a:t>
+            </a:r>
+          </a:p>
+          <a:p>
+            <a:pPr rtl="0" fontAlgn="ctr">
+              <a:spcBef>
+                <a:spcPts val="0"/>
+              </a:spcBef>
+              <a:spcAft>
+                <a:spcPts val="0"/>
+              </a:spcAft>
+              <a:buFont typeface="Arial" panose="020B0604020202020204" pitchFamily="34" charset="0"/>
+              <a:buChar char="•"/>
+            </a:pPr>
+            <a:r>
+              <a:rPr lang="fr-FR" sz="1000" dirty="0">
+                <a:effectLst/>
+                <a:latin typeface="Courier New" panose="02070309020205020404" pitchFamily="49" charset="0"/>
+              </a:rPr>
+              <a:t> C remonte sur validation set si on </a:t>
+            </a:r>
+            <a:r>
+              <a:rPr lang="fr-FR" sz="1000" dirty="0" err="1">
+                <a:effectLst/>
+                <a:latin typeface="Courier New" panose="02070309020205020404" pitchFamily="49" charset="0"/>
+              </a:rPr>
+              <a:t>overfit</a:t>
+            </a:r>
+            <a:endParaRPr lang="fr-FR" sz="1000" dirty="0">
+              <a:effectLst/>
+              <a:latin typeface="Courier New" panose="02070309020205020404" pitchFamily="49" charset="0"/>
+            </a:endParaRPr>
+          </a:p>
+          <a:p>
+            <a:pPr rtl="0" fontAlgn="ctr">
+              <a:spcBef>
+                <a:spcPts val="0"/>
+              </a:spcBef>
+              <a:spcAft>
+                <a:spcPts val="0"/>
+              </a:spcAft>
+              <a:buFont typeface="Arial" panose="020B0604020202020204" pitchFamily="34" charset="0"/>
+              <a:buChar char="•"/>
+            </a:pPr>
+            <a:r>
+              <a:rPr lang="fr-FR" sz="1000" dirty="0">
+                <a:effectLst/>
+                <a:latin typeface="Courier New" panose="02070309020205020404" pitchFamily="49" charset="0"/>
+              </a:rPr>
+              <a:t> Une </a:t>
+            </a:r>
+            <a:r>
+              <a:rPr lang="fr-FR" sz="1000" b="1" dirty="0">
+                <a:effectLst/>
+                <a:latin typeface="Courier New" panose="02070309020205020404" pitchFamily="49" charset="0"/>
+              </a:rPr>
+              <a:t>epoch</a:t>
+            </a:r>
+            <a:endParaRPr lang="fr-FR" sz="1000" dirty="0">
+              <a:effectLst/>
+              <a:latin typeface="Courier New" panose="02070309020205020404" pitchFamily="49" charset="0"/>
+            </a:endParaRPr>
+          </a:p>
+          <a:p>
+            <a:pPr marL="742950" lvl="1" indent="-285750" rtl="0" fontAlgn="ctr">
+              <a:spcBef>
+                <a:spcPts val="0"/>
+              </a:spcBef>
+              <a:spcAft>
+                <a:spcPts val="0"/>
+              </a:spcAft>
+              <a:buFont typeface="Courier New" panose="02070309020205020404" pitchFamily="49" charset="0"/>
+              <a:buChar char="o"/>
+            </a:pPr>
+            <a:r>
+              <a:rPr lang="fr-FR" sz="1000" dirty="0">
+                <a:effectLst/>
+                <a:latin typeface="Courier New" panose="02070309020205020404" pitchFamily="49" charset="0"/>
+              </a:rPr>
+              <a:t>une itération sur le jeu d'entrainement. </a:t>
+            </a:r>
+          </a:p>
+          <a:p>
+            <a:pPr marL="742950" lvl="1" indent="-285750" rtl="0" fontAlgn="ctr">
+              <a:spcBef>
+                <a:spcPts val="0"/>
+              </a:spcBef>
+              <a:spcAft>
+                <a:spcPts val="0"/>
+              </a:spcAft>
+              <a:buFont typeface="Courier New" panose="02070309020205020404" pitchFamily="49" charset="0"/>
+              <a:buChar char="o"/>
+            </a:pPr>
+            <a:r>
+              <a:rPr lang="fr-FR" sz="1000" dirty="0">
+                <a:effectLst/>
+                <a:latin typeface="Courier New" panose="02070309020205020404" pitchFamily="49" charset="0"/>
+              </a:rPr>
+              <a:t>permet de comparer la précision de 2 modèles après e epochs</a:t>
+            </a:r>
+          </a:p>
+        </p:txBody>
+      </p:sp>
+      <p:sp>
+        <p:nvSpPr>
+          <p:cNvPr id="9" name="ZoneTexte 8">
+            <a:extLst>
+              <a:ext uri="{FF2B5EF4-FFF2-40B4-BE49-F238E27FC236}">
+                <a16:creationId xmlns:a16="http://schemas.microsoft.com/office/drawing/2014/main" id="{5FB35D7C-C00A-07C9-F758-4F758A67023F}"/>
+              </a:ext>
+            </a:extLst>
+          </p:cNvPr>
+          <p:cNvSpPr txBox="1"/>
+          <p:nvPr/>
+        </p:nvSpPr>
+        <p:spPr>
+          <a:xfrm>
+            <a:off x="6593833" y="4476139"/>
+            <a:ext cx="5384807" cy="1908215"/>
+          </a:xfrm>
+          <a:prstGeom prst="rect">
+            <a:avLst/>
+          </a:prstGeom>
+          <a:solidFill>
+            <a:schemeClr val="accent4"/>
+          </a:solidFill>
+          <a:effectLst>
+            <a:outerShdw blurRad="50800" dist="38100" dir="2700000" algn="tl" rotWithShape="0">
+              <a:prstClr val="black">
+                <a:alpha val="40000"/>
+              </a:prstClr>
+            </a:outerShdw>
+          </a:effectLst>
+        </p:spPr>
+        <p:txBody>
+          <a:bodyPr wrap="none" rtlCol="0">
+            <a:spAutoFit/>
+          </a:bodyPr>
+          <a:lstStyle/>
+          <a:p>
+            <a:pPr rtl="0" fontAlgn="ctr">
+              <a:spcBef>
+                <a:spcPts val="0"/>
+              </a:spcBef>
+              <a:spcAft>
+                <a:spcPts val="0"/>
+              </a:spcAft>
+            </a:pPr>
+            <a:r>
+              <a:rPr lang="fr-FR" sz="1400" b="1" dirty="0">
+                <a:effectLst/>
+                <a:latin typeface="Courier New" panose="02070309020205020404" pitchFamily="49" charset="0"/>
+              </a:rPr>
+              <a:t>Algo GD</a:t>
+            </a:r>
+          </a:p>
+          <a:p>
+            <a:pPr rtl="0" fontAlgn="ctr">
+              <a:spcBef>
+                <a:spcPts val="0"/>
+              </a:spcBef>
+              <a:spcAft>
+                <a:spcPts val="0"/>
+              </a:spcAft>
+              <a:buFont typeface="Arial" panose="020B0604020202020204" pitchFamily="34" charset="0"/>
+              <a:buChar char="•"/>
+            </a:pPr>
+            <a:r>
+              <a:rPr lang="fr-FR" sz="1400" dirty="0">
+                <a:effectLst/>
+                <a:latin typeface="Courier New" panose="02070309020205020404" pitchFamily="49" charset="0"/>
+              </a:rPr>
+              <a:t> </a:t>
+            </a:r>
+            <a:r>
+              <a:rPr lang="fr-FR" sz="1000" dirty="0">
+                <a:latin typeface="Courier New" panose="02070309020205020404" pitchFamily="49" charset="0"/>
+              </a:rPr>
+              <a:t>P</a:t>
+            </a:r>
+            <a:r>
+              <a:rPr lang="fr-FR" sz="1000" dirty="0">
+                <a:effectLst/>
+                <a:latin typeface="Courier New" panose="02070309020205020404" pitchFamily="49" charset="0"/>
+              </a:rPr>
+              <a:t>rendre un point au hasard dans l'espace des β</a:t>
+            </a:r>
+          </a:p>
+          <a:p>
+            <a:pPr rtl="0" fontAlgn="ctr">
+              <a:spcBef>
+                <a:spcPts val="0"/>
+              </a:spcBef>
+              <a:spcAft>
+                <a:spcPts val="0"/>
+              </a:spcAft>
+              <a:buFont typeface="Arial" panose="020B0604020202020204" pitchFamily="34" charset="0"/>
+              <a:buChar char="•"/>
+            </a:pPr>
+            <a:r>
+              <a:rPr lang="fr-FR" sz="1000" dirty="0">
+                <a:effectLst/>
+                <a:latin typeface="Courier New" panose="02070309020205020404" pitchFamily="49" charset="0"/>
+              </a:rPr>
+              <a:t> Calcul du gradient </a:t>
+            </a:r>
+            <a:r>
+              <a:rPr lang="x-IV_mathan" sz="1000" dirty="0">
+                <a:effectLst/>
+                <a:latin typeface="Cambria Math" panose="02040503050406030204" pitchFamily="18" charset="0"/>
+              </a:rPr>
+              <a:t>∇</a:t>
+            </a:r>
+            <a:endParaRPr lang="fr-FR" sz="1000" dirty="0">
+              <a:effectLst/>
+              <a:latin typeface="Courier New" panose="02070309020205020404" pitchFamily="49" charset="0"/>
+            </a:endParaRPr>
+          </a:p>
+          <a:p>
+            <a:pPr marL="177800" lvl="1" fontAlgn="ctr">
+              <a:buFont typeface="Arial" panose="020B0604020202020204" pitchFamily="34" charset="0"/>
+              <a:buChar char="•"/>
+            </a:pPr>
+            <a:r>
+              <a:rPr lang="fr-FR" sz="1000" dirty="0">
+                <a:effectLst/>
+                <a:latin typeface="Courier New" panose="02070309020205020404" pitchFamily="49" charset="0"/>
+              </a:rPr>
+              <a:t> C'est les coordonnées d'un vecteur dans le plan β</a:t>
+            </a:r>
+            <a:r>
+              <a:rPr lang="fr-FR" sz="1000" baseline="-25000" dirty="0">
+                <a:effectLst/>
+                <a:latin typeface="Courier New" panose="02070309020205020404" pitchFamily="49" charset="0"/>
+              </a:rPr>
+              <a:t>0</a:t>
+            </a:r>
+            <a:r>
+              <a:rPr lang="fr-FR" sz="1000" dirty="0">
+                <a:effectLst/>
+                <a:latin typeface="Courier New" panose="02070309020205020404" pitchFamily="49" charset="0"/>
+              </a:rPr>
+              <a:t>, β</a:t>
+            </a:r>
+            <a:r>
+              <a:rPr lang="fr-FR" sz="1000" baseline="-25000" dirty="0">
+                <a:effectLst/>
+                <a:latin typeface="Courier New" panose="02070309020205020404" pitchFamily="49" charset="0"/>
+              </a:rPr>
+              <a:t>1</a:t>
+            </a:r>
+            <a:endParaRPr lang="fr-FR" sz="1000" dirty="0">
+              <a:effectLst/>
+              <a:latin typeface="Courier New" panose="02070309020205020404" pitchFamily="49" charset="0"/>
+            </a:endParaRPr>
+          </a:p>
+          <a:p>
+            <a:pPr marL="177800" lvl="1" fontAlgn="ctr">
+              <a:buFont typeface="Arial" panose="020B0604020202020204" pitchFamily="34" charset="0"/>
+              <a:buChar char="•"/>
+            </a:pPr>
+            <a:r>
+              <a:rPr lang="fr-FR" sz="1000" dirty="0">
+                <a:effectLst/>
+                <a:latin typeface="Courier New" panose="02070309020205020404" pitchFamily="49" charset="0"/>
+              </a:rPr>
+              <a:t> Ses coordonnées sont les dérivées partielles </a:t>
+            </a:r>
+            <a:r>
+              <a:rPr lang="fr-FR" sz="1000" dirty="0" err="1">
+                <a:effectLst/>
+                <a:latin typeface="Courier New" panose="02070309020205020404" pitchFamily="49" charset="0"/>
+              </a:rPr>
+              <a:t>dC</a:t>
+            </a:r>
+            <a:r>
+              <a:rPr lang="fr-FR" sz="1000" dirty="0">
+                <a:effectLst/>
+                <a:latin typeface="Courier New" panose="02070309020205020404" pitchFamily="49" charset="0"/>
+              </a:rPr>
+              <a:t>/dβ</a:t>
+            </a:r>
+            <a:r>
+              <a:rPr lang="fr-FR" sz="1000" baseline="-25000" dirty="0">
+                <a:effectLst/>
+                <a:latin typeface="Courier New" panose="02070309020205020404" pitchFamily="49" charset="0"/>
+              </a:rPr>
+              <a:t>0</a:t>
+            </a:r>
+            <a:r>
+              <a:rPr lang="fr-FR" sz="1000" dirty="0">
+                <a:effectLst/>
+                <a:latin typeface="Courier New" panose="02070309020205020404" pitchFamily="49" charset="0"/>
+              </a:rPr>
+              <a:t> et </a:t>
+            </a:r>
+            <a:r>
+              <a:rPr lang="fr-FR" sz="1000" dirty="0" err="1">
+                <a:effectLst/>
+                <a:latin typeface="Courier New" panose="02070309020205020404" pitchFamily="49" charset="0"/>
+              </a:rPr>
+              <a:t>dC</a:t>
+            </a:r>
+            <a:r>
+              <a:rPr lang="fr-FR" sz="1000" dirty="0">
+                <a:effectLst/>
+                <a:latin typeface="Courier New" panose="02070309020205020404" pitchFamily="49" charset="0"/>
+              </a:rPr>
+              <a:t>/dβ</a:t>
+            </a:r>
+            <a:r>
+              <a:rPr lang="fr-FR" sz="1000" baseline="-25000" dirty="0">
+                <a:effectLst/>
+                <a:latin typeface="Courier New" panose="02070309020205020404" pitchFamily="49" charset="0"/>
+              </a:rPr>
+              <a:t>1</a:t>
+            </a:r>
+            <a:endParaRPr lang="fr-FR" sz="1000" dirty="0">
+              <a:effectLst/>
+              <a:latin typeface="Courier New" panose="02070309020205020404" pitchFamily="49" charset="0"/>
+            </a:endParaRPr>
+          </a:p>
+          <a:p>
+            <a:pPr rtl="0" fontAlgn="ctr">
+              <a:spcBef>
+                <a:spcPts val="0"/>
+              </a:spcBef>
+              <a:spcAft>
+                <a:spcPts val="0"/>
+              </a:spcAft>
+              <a:buFont typeface="Arial" panose="020B0604020202020204" pitchFamily="34" charset="0"/>
+              <a:buChar char="•"/>
+            </a:pPr>
+            <a:r>
+              <a:rPr lang="fr-FR" sz="1000" dirty="0">
+                <a:effectLst/>
+                <a:latin typeface="Courier New" panose="02070309020205020404" pitchFamily="49" charset="0"/>
+              </a:rPr>
+              <a:t> Indique la direction de plus grande variation</a:t>
+            </a:r>
+          </a:p>
+          <a:p>
+            <a:pPr rtl="0" fontAlgn="ctr">
+              <a:spcBef>
+                <a:spcPts val="0"/>
+              </a:spcBef>
+              <a:spcAft>
+                <a:spcPts val="0"/>
+              </a:spcAft>
+              <a:buFont typeface="Arial" panose="020B0604020202020204" pitchFamily="34" charset="0"/>
+              <a:buChar char="•"/>
+            </a:pPr>
+            <a:r>
+              <a:rPr lang="fr-FR" sz="1000" dirty="0">
+                <a:effectLst/>
+                <a:latin typeface="Courier New" panose="02070309020205020404" pitchFamily="49" charset="0"/>
+              </a:rPr>
+              <a:t> La projection du vecteur 3D</a:t>
+            </a:r>
+          </a:p>
+          <a:p>
+            <a:pPr rtl="0" fontAlgn="ctr">
+              <a:spcBef>
+                <a:spcPts val="0"/>
+              </a:spcBef>
+              <a:spcAft>
+                <a:spcPts val="0"/>
+              </a:spcAft>
+              <a:buFont typeface="Arial" panose="020B0604020202020204" pitchFamily="34" charset="0"/>
+              <a:buChar char="•"/>
+            </a:pPr>
+            <a:r>
+              <a:rPr lang="fr-FR" sz="1000" dirty="0">
+                <a:effectLst/>
+                <a:latin typeface="Courier New" panose="02070309020205020404" pitchFamily="49" charset="0"/>
+              </a:rPr>
+              <a:t> On prend l'opposé du gradient car on veut faire baisser la dérivée</a:t>
+            </a:r>
+          </a:p>
+          <a:p>
+            <a:pPr rtl="0" fontAlgn="ctr">
+              <a:spcBef>
+                <a:spcPts val="0"/>
+              </a:spcBef>
+              <a:spcAft>
+                <a:spcPts val="0"/>
+              </a:spcAft>
+              <a:buFont typeface="Arial" panose="020B0604020202020204" pitchFamily="34" charset="0"/>
+              <a:buChar char="•"/>
+            </a:pPr>
+            <a:r>
+              <a:rPr lang="fr-FR" sz="1000" dirty="0">
+                <a:effectLst/>
+                <a:latin typeface="Courier New" panose="02070309020205020404" pitchFamily="49" charset="0"/>
+              </a:rPr>
+              <a:t> On avance d'un cran</a:t>
+            </a:r>
+          </a:p>
+          <a:p>
+            <a:pPr rtl="0" fontAlgn="ctr">
+              <a:spcBef>
+                <a:spcPts val="0"/>
+              </a:spcBef>
+              <a:spcAft>
+                <a:spcPts val="0"/>
+              </a:spcAft>
+              <a:buFont typeface="Arial" panose="020B0604020202020204" pitchFamily="34" charset="0"/>
+              <a:buChar char="•"/>
+            </a:pPr>
+            <a:r>
+              <a:rPr lang="fr-FR" sz="1000" dirty="0">
+                <a:effectLst/>
+                <a:latin typeface="Courier New" panose="02070309020205020404" pitchFamily="49" charset="0"/>
+              </a:rPr>
+              <a:t> Après on reboucle </a:t>
+            </a:r>
+          </a:p>
+          <a:p>
+            <a:pPr rtl="0" fontAlgn="ctr">
+              <a:spcBef>
+                <a:spcPts val="0"/>
+              </a:spcBef>
+              <a:spcAft>
+                <a:spcPts val="0"/>
+              </a:spcAft>
+              <a:buFont typeface="Arial" panose="020B0604020202020204" pitchFamily="34" charset="0"/>
+              <a:buChar char="•"/>
+            </a:pPr>
+            <a:r>
+              <a:rPr lang="fr-FR" sz="1000" dirty="0">
+                <a:effectLst/>
+                <a:latin typeface="Courier New" panose="02070309020205020404" pitchFamily="49" charset="0"/>
+              </a:rPr>
+              <a:t> Critère d'arrêt : Nb d'itérations &lt;- hyperparamètre</a:t>
+            </a:r>
+            <a:endParaRPr lang="fr-FR" sz="1400" dirty="0"/>
           </a:p>
         </p:txBody>
       </p:sp>
@@ -20098,185 +21658,6 @@
       </p:sp>
       <p:sp>
         <p:nvSpPr>
-          <p:cNvPr id="1042" name="ZoneTexte 1041">
-            <a:extLst>
-              <a:ext uri="{FF2B5EF4-FFF2-40B4-BE49-F238E27FC236}">
-                <a16:creationId xmlns:a16="http://schemas.microsoft.com/office/drawing/2014/main" id="{FD197AB7-BDDB-988C-8360-2B8E9AD7D1D9}"/>
-              </a:ext>
-            </a:extLst>
-          </p:cNvPr>
-          <p:cNvSpPr txBox="1"/>
-          <p:nvPr/>
-        </p:nvSpPr>
-        <p:spPr>
-          <a:xfrm rot="21051358">
-            <a:off x="10995146" y="5509217"/>
-            <a:ext cx="2185214" cy="861774"/>
-          </a:xfrm>
-          <a:prstGeom prst="rect">
-            <a:avLst/>
-          </a:prstGeom>
-          <a:solidFill>
-            <a:srgbClr val="C00000"/>
-          </a:solidFill>
-          <a:effectLst>
-            <a:outerShdw blurRad="50800" dist="38100" dir="2700000" algn="tl" rotWithShape="0">
-              <a:prstClr val="black">
-                <a:alpha val="40000"/>
-              </a:prstClr>
-            </a:outerShdw>
-          </a:effectLst>
-        </p:spPr>
-        <p:txBody>
-          <a:bodyPr wrap="none" rtlCol="0">
-            <a:spAutoFit/>
-          </a:bodyPr>
-          <a:lstStyle/>
-          <a:p>
-            <a:r>
-              <a:rPr lang="fr-FR" sz="1000" dirty="0">
-                <a:solidFill>
-                  <a:schemeClr val="bg1"/>
-                </a:solidFill>
-                <a:latin typeface="Courier New" panose="02070309020205020404" pitchFamily="49" charset="0"/>
-                <a:cs typeface="Courier New" panose="02070309020205020404" pitchFamily="49" charset="0"/>
-              </a:rPr>
-              <a:t>On fait un ARGMAX</a:t>
-            </a:r>
-          </a:p>
-          <a:p>
-            <a:r>
-              <a:rPr lang="fr-FR" sz="1000" dirty="0">
-                <a:solidFill>
-                  <a:schemeClr val="bg1"/>
-                </a:solidFill>
-                <a:latin typeface="Courier New" panose="02070309020205020404" pitchFamily="49" charset="0"/>
-                <a:cs typeface="Courier New" panose="02070309020205020404" pitchFamily="49" charset="0"/>
-              </a:rPr>
-              <a:t>TODO Vérifier la dimension</a:t>
-            </a:r>
-            <a:br>
-              <a:rPr lang="fr-FR" sz="1000" dirty="0">
-                <a:solidFill>
-                  <a:schemeClr val="bg1"/>
-                </a:solidFill>
-                <a:latin typeface="Courier New" panose="02070309020205020404" pitchFamily="49" charset="0"/>
-                <a:cs typeface="Courier New" panose="02070309020205020404" pitchFamily="49" charset="0"/>
-              </a:rPr>
-            </a:br>
-            <a:r>
-              <a:rPr lang="fr-FR" sz="1000" dirty="0">
-                <a:solidFill>
-                  <a:schemeClr val="bg1"/>
-                </a:solidFill>
-                <a:latin typeface="Courier New" panose="02070309020205020404" pitchFamily="49" charset="0"/>
-                <a:cs typeface="Courier New" panose="02070309020205020404" pitchFamily="49" charset="0"/>
-              </a:rPr>
-              <a:t>On doit passer un index</a:t>
-            </a:r>
-            <a:br>
-              <a:rPr lang="fr-FR" sz="1000" dirty="0">
-                <a:solidFill>
-                  <a:schemeClr val="bg1"/>
-                </a:solidFill>
-                <a:latin typeface="Courier New" panose="02070309020205020404" pitchFamily="49" charset="0"/>
-                <a:cs typeface="Courier New" panose="02070309020205020404" pitchFamily="49" charset="0"/>
-              </a:rPr>
-            </a:br>
-            <a:r>
-              <a:rPr lang="fr-FR" sz="1000" dirty="0">
-                <a:solidFill>
-                  <a:schemeClr val="bg1"/>
-                </a:solidFill>
-                <a:latin typeface="Courier New" panose="02070309020205020404" pitchFamily="49" charset="0"/>
-                <a:cs typeface="Courier New" panose="02070309020205020404" pitchFamily="49" charset="0"/>
-              </a:rPr>
-              <a:t>Mais </a:t>
-            </a:r>
-            <a:r>
-              <a:rPr lang="fr-FR" sz="1000" dirty="0" err="1">
-                <a:solidFill>
-                  <a:schemeClr val="bg1"/>
-                </a:solidFill>
-                <a:latin typeface="Courier New" panose="02070309020205020404" pitchFamily="49" charset="0"/>
-                <a:cs typeface="Courier New" panose="02070309020205020404" pitchFamily="49" charset="0"/>
-              </a:rPr>
-              <a:t>pred</a:t>
-            </a:r>
-            <a:r>
-              <a:rPr lang="fr-FR" sz="1000" dirty="0">
-                <a:solidFill>
-                  <a:schemeClr val="bg1"/>
-                </a:solidFill>
-                <a:latin typeface="Courier New" panose="02070309020205020404" pitchFamily="49" charset="0"/>
-                <a:cs typeface="Courier New" panose="02070309020205020404" pitchFamily="49" charset="0"/>
-              </a:rPr>
-              <a:t>(X) est un </a:t>
-            </a:r>
-            <a:r>
-              <a:rPr lang="fr-FR" sz="1000" dirty="0" err="1">
-                <a:solidFill>
-                  <a:schemeClr val="bg1"/>
-                </a:solidFill>
-                <a:latin typeface="Courier New" panose="02070309020205020404" pitchFamily="49" charset="0"/>
-                <a:cs typeface="Courier New" panose="02070309020205020404" pitchFamily="49" charset="0"/>
-              </a:rPr>
-              <a:t>vect</a:t>
-            </a:r>
-            <a:r>
-              <a:rPr lang="fr-FR" sz="1000" dirty="0">
-                <a:solidFill>
-                  <a:schemeClr val="bg1"/>
-                </a:solidFill>
-                <a:latin typeface="Courier New" panose="02070309020205020404" pitchFamily="49" charset="0"/>
-                <a:cs typeface="Courier New" panose="02070309020205020404" pitchFamily="49" charset="0"/>
-              </a:rPr>
-              <a:t> </a:t>
-            </a:r>
-            <a:br>
-              <a:rPr lang="fr-FR" sz="1000" dirty="0">
-                <a:solidFill>
-                  <a:schemeClr val="bg1"/>
-                </a:solidFill>
-                <a:latin typeface="Courier New" panose="02070309020205020404" pitchFamily="49" charset="0"/>
-                <a:cs typeface="Courier New" panose="02070309020205020404" pitchFamily="49" charset="0"/>
-              </a:rPr>
-            </a:br>
-            <a:r>
-              <a:rPr lang="fr-FR" sz="1000" dirty="0">
-                <a:solidFill>
-                  <a:schemeClr val="bg1"/>
-                </a:solidFill>
-                <a:latin typeface="Courier New" panose="02070309020205020404" pitchFamily="49" charset="0"/>
-                <a:cs typeface="Courier New" panose="02070309020205020404" pitchFamily="49" charset="0"/>
-              </a:rPr>
-              <a:t>ligne de long </a:t>
-            </a:r>
-            <a:r>
-              <a:rPr lang="fr-FR" sz="1000" dirty="0" err="1">
-                <a:solidFill>
-                  <a:schemeClr val="bg1"/>
-                </a:solidFill>
-                <a:latin typeface="Courier New" panose="02070309020205020404" pitchFamily="49" charset="0"/>
-                <a:cs typeface="Courier New" panose="02070309020205020404" pitchFamily="49" charset="0"/>
-              </a:rPr>
-              <a:t>vocab_size</a:t>
-            </a:r>
-            <a:r>
-              <a:rPr lang="fr-FR" sz="1000" dirty="0">
-                <a:solidFill>
-                  <a:schemeClr val="bg1"/>
-                </a:solidFill>
-                <a:latin typeface="Courier New" panose="02070309020205020404" pitchFamily="49" charset="0"/>
-                <a:cs typeface="Courier New" panose="02070309020205020404" pitchFamily="49" charset="0"/>
-              </a:rPr>
-              <a:t> </a:t>
-            </a:r>
-          </a:p>
-        </p:txBody>
-      </p:sp>
-      <p:sp>
-        <p:nvSpPr>
           <p:cNvPr id="2" name="Titre 1">
             <a:extLst>
               <a:ext uri="{FF2B5EF4-FFF2-40B4-BE49-F238E27FC236}">
@@ -26259,7 +27640,7 @@
         </p:nvGrpSpPr>
         <p:grpSpPr>
           <a:xfrm rot="5400000">
-            <a:off x="11208646" y="94259"/>
+            <a:off x="11208646" y="-53224"/>
             <a:ext cx="159517" cy="886705"/>
             <a:chOff x="6567318" y="3639603"/>
             <a:chExt cx="265289" cy="1128893"/>
@@ -26543,7 +27924,7 @@
         </p:nvSpPr>
         <p:spPr>
           <a:xfrm>
-            <a:off x="11268627" y="281291"/>
+            <a:off x="11268627" y="133808"/>
             <a:ext cx="611065" cy="215444"/>
           </a:xfrm>
           <a:prstGeom prst="rect">
@@ -28333,6 +29714,64 @@
               <a:latin typeface="Courier New" panose="02070309020205020404" pitchFamily="49" charset="0"/>
               <a:cs typeface="Courier New" panose="02070309020205020404" pitchFamily="49" charset="0"/>
             </a:endParaRPr>
+          </a:p>
+        </p:txBody>
+      </p:sp>
+      <p:sp>
+        <p:nvSpPr>
+          <p:cNvPr id="1165" name="ZoneTexte 1164">
+            <a:extLst>
+              <a:ext uri="{FF2B5EF4-FFF2-40B4-BE49-F238E27FC236}">
+                <a16:creationId xmlns:a16="http://schemas.microsoft.com/office/drawing/2014/main" id="{5045CAF1-8FA5-5DBE-AEB6-60BA28393B18}"/>
+              </a:ext>
+            </a:extLst>
+          </p:cNvPr>
+          <p:cNvSpPr txBox="1"/>
+          <p:nvPr/>
+        </p:nvSpPr>
+        <p:spPr>
+          <a:xfrm>
+            <a:off x="10517367" y="622434"/>
+            <a:ext cx="671979" cy="215444"/>
+          </a:xfrm>
+          <a:prstGeom prst="rect">
+            <a:avLst/>
+          </a:prstGeom>
+          <a:solidFill>
+            <a:srgbClr val="FFFF00"/>
+          </a:solidFill>
+          <a:effectLst>
+            <a:outerShdw blurRad="50800" dist="38100" dir="2700000" algn="tl" rotWithShape="0">
+              <a:prstClr val="black">
+                <a:alpha val="40000"/>
+              </a:prstClr>
+            </a:outerShdw>
+          </a:effectLst>
+        </p:spPr>
+        <p:txBody>
+          <a:bodyPr wrap="none" rtlCol="0">
+            <a:spAutoFit/>
+          </a:bodyPr>
+          <a:lstStyle>
+            <a:defPPr>
+              <a:defRPr lang="fr-FR"/>
+            </a:defPPr>
+            <a:lvl1pPr>
+              <a:defRPr sz="1000">
+                <a:latin typeface="Courier New" panose="02070309020205020404" pitchFamily="49" charset="0"/>
+                <a:cs typeface="Courier New" panose="02070309020205020404" pitchFamily="49" charset="0"/>
+              </a:defRPr>
+            </a:lvl1pPr>
+          </a:lstStyle>
+          <a:p>
+            <a:r>
+              <a:rPr lang="fr-FR" sz="800" dirty="0" err="1"/>
+              <a:t>argmax</a:t>
+            </a:r>
+            <a:r>
+              <a:rPr lang="fr-FR" sz="800" dirty="0"/>
+              <a:t>()</a:t>
+            </a:r>
           </a:p>
         </p:txBody>
       </p:sp>
